--- a/manuscript/figures/figures.pptx
+++ b/manuscript/figures/figures.pptx
@@ -290,7 +290,7 @@
           <a:p>
             <a:fld id="{0ACB0EB2-4780-487C-B2C2-8D0796C04687}" type="datetimeFigureOut">
               <a:rPr lang="en-US" smtClean="0"/>
-              <a:t>9/26/2017</a:t>
+              <a:t>11/8/2017</a:t>
             </a:fld>
             <a:endParaRPr lang="en-US"/>
           </a:p>
@@ -460,7 +460,7 @@
           <a:p>
             <a:fld id="{0ACB0EB2-4780-487C-B2C2-8D0796C04687}" type="datetimeFigureOut">
               <a:rPr lang="en-US" smtClean="0"/>
-              <a:t>9/26/2017</a:t>
+              <a:t>11/8/2017</a:t>
             </a:fld>
             <a:endParaRPr lang="en-US"/>
           </a:p>
@@ -640,7 +640,7 @@
           <a:p>
             <a:fld id="{0ACB0EB2-4780-487C-B2C2-8D0796C04687}" type="datetimeFigureOut">
               <a:rPr lang="en-US" smtClean="0"/>
-              <a:t>9/26/2017</a:t>
+              <a:t>11/8/2017</a:t>
             </a:fld>
             <a:endParaRPr lang="en-US"/>
           </a:p>
@@ -810,7 +810,7 @@
           <a:p>
             <a:fld id="{0ACB0EB2-4780-487C-B2C2-8D0796C04687}" type="datetimeFigureOut">
               <a:rPr lang="en-US" smtClean="0"/>
-              <a:t>9/26/2017</a:t>
+              <a:t>11/8/2017</a:t>
             </a:fld>
             <a:endParaRPr lang="en-US"/>
           </a:p>
@@ -1056,7 +1056,7 @@
           <a:p>
             <a:fld id="{0ACB0EB2-4780-487C-B2C2-8D0796C04687}" type="datetimeFigureOut">
               <a:rPr lang="en-US" smtClean="0"/>
-              <a:t>9/26/2017</a:t>
+              <a:t>11/8/2017</a:t>
             </a:fld>
             <a:endParaRPr lang="en-US"/>
           </a:p>
@@ -1344,7 +1344,7 @@
           <a:p>
             <a:fld id="{0ACB0EB2-4780-487C-B2C2-8D0796C04687}" type="datetimeFigureOut">
               <a:rPr lang="en-US" smtClean="0"/>
-              <a:t>9/26/2017</a:t>
+              <a:t>11/8/2017</a:t>
             </a:fld>
             <a:endParaRPr lang="en-US"/>
           </a:p>
@@ -1766,7 +1766,7 @@
           <a:p>
             <a:fld id="{0ACB0EB2-4780-487C-B2C2-8D0796C04687}" type="datetimeFigureOut">
               <a:rPr lang="en-US" smtClean="0"/>
-              <a:t>9/26/2017</a:t>
+              <a:t>11/8/2017</a:t>
             </a:fld>
             <a:endParaRPr lang="en-US"/>
           </a:p>
@@ -1884,7 +1884,7 @@
           <a:p>
             <a:fld id="{0ACB0EB2-4780-487C-B2C2-8D0796C04687}" type="datetimeFigureOut">
               <a:rPr lang="en-US" smtClean="0"/>
-              <a:t>9/26/2017</a:t>
+              <a:t>11/8/2017</a:t>
             </a:fld>
             <a:endParaRPr lang="en-US"/>
           </a:p>
@@ -1979,7 +1979,7 @@
           <a:p>
             <a:fld id="{0ACB0EB2-4780-487C-B2C2-8D0796C04687}" type="datetimeFigureOut">
               <a:rPr lang="en-US" smtClean="0"/>
-              <a:t>9/26/2017</a:t>
+              <a:t>11/8/2017</a:t>
             </a:fld>
             <a:endParaRPr lang="en-US"/>
           </a:p>
@@ -2256,7 +2256,7 @@
           <a:p>
             <a:fld id="{0ACB0EB2-4780-487C-B2C2-8D0796C04687}" type="datetimeFigureOut">
               <a:rPr lang="en-US" smtClean="0"/>
-              <a:t>9/26/2017</a:t>
+              <a:t>11/8/2017</a:t>
             </a:fld>
             <a:endParaRPr lang="en-US"/>
           </a:p>
@@ -2509,7 +2509,7 @@
           <a:p>
             <a:fld id="{0ACB0EB2-4780-487C-B2C2-8D0796C04687}" type="datetimeFigureOut">
               <a:rPr lang="en-US" smtClean="0"/>
-              <a:t>9/26/2017</a:t>
+              <a:t>11/8/2017</a:t>
             </a:fld>
             <a:endParaRPr lang="en-US"/>
           </a:p>
@@ -2722,7 +2722,7 @@
           <a:p>
             <a:fld id="{0ACB0EB2-4780-487C-B2C2-8D0796C04687}" type="datetimeFigureOut">
               <a:rPr lang="en-US" smtClean="0"/>
-              <a:t>9/26/2017</a:t>
+              <a:t>11/8/2017</a:t>
             </a:fld>
             <a:endParaRPr lang="en-US"/>
           </a:p>
@@ -4590,7 +4590,7 @@
         </p:nvSpPr>
         <p:spPr>
           <a:xfrm>
-            <a:off x="251520" y="1239006"/>
+            <a:off x="251520" y="909399"/>
             <a:ext cx="2592288" cy="307777"/>
           </a:xfrm>
           <a:prstGeom prst="rect">
@@ -4614,7 +4614,17 @@
             </a:r>
             <a:r>
               <a:rPr lang="de-DE" sz="1400" dirty="0" smtClean="0"/>
-              <a:t> x </a:t>
+              <a:t> </a:t>
+            </a:r>
+            <a:r>
+              <a:rPr lang="de-DE" sz="1400" dirty="0" smtClean="0">
+                <a:latin typeface="Arial monospaced for SAP" panose="020B0609020202030204" pitchFamily="49" charset="0"/>
+              </a:rPr>
+              <a:t>x</a:t>
+            </a:r>
+            <a:r>
+              <a:rPr lang="de-DE" sz="1400" dirty="0" smtClean="0"/>
+              <a:t> </a:t>
             </a:r>
             <a:r>
               <a:rPr lang="de-DE" sz="1400" dirty="0" err="1" smtClean="0"/>
@@ -4640,7 +4650,7 @@
         </p:nvSpPr>
         <p:spPr>
           <a:xfrm>
-            <a:off x="2555776" y="1238327"/>
+            <a:off x="2555776" y="908720"/>
             <a:ext cx="2304256" cy="307777"/>
           </a:xfrm>
           <a:prstGeom prst="rect">
@@ -4672,7 +4682,7 @@
             </a:r>
             <a:r>
               <a:rPr lang="de-DE" sz="1400" dirty="0" err="1" smtClean="0"/>
-              <a:t>table</a:t>
+              <a:t>wide-table</a:t>
             </a:r>
             <a:endParaRPr lang="en-US" sz="1400" dirty="0"/>
           </a:p>
@@ -4686,7 +4696,7 @@
         </p:nvSpPr>
         <p:spPr>
           <a:xfrm>
-            <a:off x="5831228" y="1239006"/>
+            <a:off x="5831228" y="909399"/>
             <a:ext cx="2678997" cy="307777"/>
           </a:xfrm>
           <a:prstGeom prst="rect">
@@ -4714,7 +4724,7 @@
             </a:r>
             <a:r>
               <a:rPr lang="de-DE" sz="1400" dirty="0" err="1" smtClean="0"/>
-              <a:t>longtable</a:t>
+              <a:t>long-table</a:t>
             </a:r>
             <a:r>
               <a:rPr lang="de-DE" sz="1400" dirty="0" smtClean="0"/>
@@ -4732,7 +4742,7 @@
         </p:nvSpPr>
         <p:spPr>
           <a:xfrm>
-            <a:off x="4027493" y="2191225"/>
+            <a:off x="4027493" y="1861618"/>
             <a:ext cx="288032" cy="600875"/>
           </a:xfrm>
           <a:prstGeom prst="rect">
@@ -4782,7 +4792,7 @@
         </p:nvSpPr>
         <p:spPr>
           <a:xfrm>
-            <a:off x="306820" y="1901219"/>
+            <a:off x="306820" y="1571612"/>
             <a:ext cx="971891" cy="246221"/>
           </a:xfrm>
           <a:prstGeom prst="rect">
@@ -4820,7 +4830,7 @@
         </p:nvSpPr>
         <p:spPr>
           <a:xfrm>
-            <a:off x="899592" y="2503179"/>
+            <a:off x="899592" y="2173572"/>
             <a:ext cx="1368152" cy="816900"/>
           </a:xfrm>
           <a:prstGeom prst="rect">
@@ -4870,7 +4880,7 @@
         </p:nvSpPr>
         <p:spPr>
           <a:xfrm>
-            <a:off x="899592" y="2515135"/>
+            <a:off x="899592" y="2185528"/>
             <a:ext cx="1122872" cy="588920"/>
           </a:xfrm>
           <a:prstGeom prst="rect">
@@ -4920,7 +4930,7 @@
         </p:nvSpPr>
         <p:spPr>
           <a:xfrm>
-            <a:off x="899592" y="2503179"/>
+            <a:off x="899592" y="2173572"/>
             <a:ext cx="288032" cy="115200"/>
           </a:xfrm>
           <a:prstGeom prst="rect">
@@ -4995,7 +5005,7 @@
         </p:blipFill>
         <p:spPr bwMode="auto">
           <a:xfrm>
-            <a:off x="395536" y="2211280"/>
+            <a:off x="395536" y="1881673"/>
             <a:ext cx="2362768" cy="1279938"/>
           </a:xfrm>
           <a:prstGeom prst="rect">
@@ -5036,101 +5046,44 @@
           </a:extLst>
         </p:spPr>
       </p:pic>
-      <p:grpSp>
-        <p:nvGrpSpPr>
-          <p:cNvPr id="2068" name="Gruppieren 2067"/>
-          <p:cNvGrpSpPr/>
-          <p:nvPr/>
-        </p:nvGrpSpPr>
-        <p:grpSpPr>
-          <a:xfrm>
-            <a:off x="1254488" y="2739625"/>
-            <a:ext cx="971892" cy="277001"/>
-            <a:chOff x="1379898" y="1907649"/>
-            <a:chExt cx="971892" cy="277001"/>
-          </a:xfrm>
-        </p:grpSpPr>
-        <p:sp>
-          <p:nvSpPr>
-            <p:cNvPr id="22" name="Textfeld 21"/>
-            <p:cNvSpPr txBox="1"/>
-            <p:nvPr/>
-          </p:nvSpPr>
-          <p:spPr>
-            <a:xfrm>
-              <a:off x="1379899" y="1907651"/>
-              <a:ext cx="971891" cy="276999"/>
-            </a:xfrm>
-            <a:prstGeom prst="rect">
-              <a:avLst/>
-            </a:prstGeom>
-            <a:noFill/>
-          </p:spPr>
-          <p:txBody>
-            <a:bodyPr wrap="square" rtlCol="0">
-              <a:spAutoFit/>
-            </a:bodyPr>
-            <a:lstStyle/>
-            <a:p>
-              <a:r>
-                <a:rPr lang="de-DE" sz="1200" i="1" dirty="0" err="1" smtClean="0">
-                  <a:ln w="19050">
-                    <a:solidFill>
-                      <a:schemeClr val="bg1"/>
-                    </a:solidFill>
-                  </a:ln>
-                </a:rPr>
-                <a:t>values</a:t>
-              </a:r>
-              <a:endParaRPr lang="de-DE" sz="1200" i="1" dirty="0">
-                <a:ln w="19050">
-                  <a:solidFill>
-                    <a:schemeClr val="bg1"/>
-                  </a:solidFill>
-                </a:ln>
-              </a:endParaRPr>
-            </a:p>
-          </p:txBody>
-        </p:sp>
-        <p:sp>
-          <p:nvSpPr>
-            <p:cNvPr id="23" name="Textfeld 22"/>
-            <p:cNvSpPr txBox="1"/>
-            <p:nvPr/>
-          </p:nvSpPr>
-          <p:spPr>
-            <a:xfrm>
-              <a:off x="1379898" y="1907649"/>
-              <a:ext cx="971891" cy="276999"/>
-            </a:xfrm>
-            <a:prstGeom prst="rect">
-              <a:avLst/>
-            </a:prstGeom>
-            <a:noFill/>
-          </p:spPr>
-          <p:txBody>
-            <a:bodyPr wrap="square" rtlCol="0">
-              <a:spAutoFit/>
-            </a:bodyPr>
-            <a:lstStyle/>
-            <a:p>
-              <a:r>
-                <a:rPr lang="de-DE" sz="1200" i="1" dirty="0" err="1" smtClean="0">
-                  <a:ln w="19050">
-                    <a:noFill/>
-                  </a:ln>
-                </a:rPr>
-                <a:t>values</a:t>
-              </a:r>
-              <a:endParaRPr lang="de-DE" sz="1200" i="1" dirty="0">
+      <p:sp>
+        <p:nvSpPr>
+          <p:cNvPr id="23" name="Textfeld 22"/>
+          <p:cNvSpPr txBox="1"/>
+          <p:nvPr/>
+        </p:nvSpPr>
+        <p:spPr>
+          <a:xfrm>
+            <a:off x="1284319" y="3125870"/>
+            <a:ext cx="738145" cy="276999"/>
+          </a:xfrm>
+          <a:prstGeom prst="rect">
+            <a:avLst/>
+          </a:prstGeom>
+          <a:noFill/>
+        </p:spPr>
+        <p:txBody>
+          <a:bodyPr wrap="square" rtlCol="0">
+            <a:spAutoFit/>
+          </a:bodyPr>
+          <a:lstStyle/>
+          <a:p>
+            <a:r>
+              <a:rPr lang="de-DE" sz="1200" i="1" dirty="0" err="1" smtClean="0">
                 <a:ln w="19050">
                   <a:noFill/>
                 </a:ln>
-              </a:endParaRPr>
-            </a:p>
-          </p:txBody>
-        </p:sp>
-      </p:grpSp>
+              </a:rPr>
+              <a:t>values</a:t>
+            </a:r>
+            <a:endParaRPr lang="de-DE" sz="1200" i="1" dirty="0">
+              <a:ln w="19050">
+                <a:noFill/>
+              </a:ln>
+            </a:endParaRPr>
+          </a:p>
+        </p:txBody>
+      </p:sp>
       <p:cxnSp>
         <p:nvCxnSpPr>
           <p:cNvPr id="13" name="Gerade Verbindung 12"/>
@@ -5139,7 +5092,7 @@
         </p:nvCxnSpPr>
         <p:spPr>
           <a:xfrm>
-            <a:off x="611560" y="2122322"/>
+            <a:off x="611560" y="1792715"/>
             <a:ext cx="0" cy="212120"/>
           </a:xfrm>
           <a:prstGeom prst="line">
@@ -5150,7 +5103,7 @@
               <a:schemeClr val="tx1"/>
             </a:solidFill>
             <a:headEnd type="none"/>
-            <a:tailEnd type="oval" w="sm" len="sm"/>
+            <a:tailEnd type="triangle" w="sm" len="sm"/>
           </a:ln>
         </p:spPr>
         <p:style>
@@ -5176,8 +5129,8 @@
         </p:nvSpPr>
         <p:spPr>
           <a:xfrm>
-            <a:off x="2591997" y="1645881"/>
-            <a:ext cx="971891" cy="246221"/>
+            <a:off x="2736013" y="1177357"/>
+            <a:ext cx="971891" cy="400110"/>
           </a:xfrm>
           <a:prstGeom prst="rect">
             <a:avLst/>
@@ -5198,6 +5151,13 @@
               <a:rPr lang="de-DE" sz="1000" i="1" dirty="0" smtClean="0"/>
               <a:t> </a:t>
             </a:r>
+            <a:r>
+              <a:rPr lang="de-DE" sz="1000" i="1" dirty="0" smtClean="0"/>
+              <a:t/>
+            </a:r>
+            <a:br>
+              <a:rPr lang="de-DE" sz="1000" i="1" dirty="0" smtClean="0"/>
+            </a:br>
             <a:r>
               <a:rPr lang="de-DE" sz="1000" i="1" dirty="0" err="1" smtClean="0"/>
               <a:t>identifier</a:t>
@@ -5214,8 +5174,8 @@
         </p:nvCxnSpPr>
         <p:spPr>
           <a:xfrm>
-            <a:off x="3039641" y="1861905"/>
-            <a:ext cx="1" cy="150429"/>
+            <a:off x="3039641" y="1568817"/>
+            <a:ext cx="0" cy="162424"/>
           </a:xfrm>
           <a:prstGeom prst="line">
             <a:avLst/>
@@ -5224,8 +5184,9 @@
             <a:solidFill>
               <a:schemeClr val="tx1"/>
             </a:solidFill>
+            <a:round/>
             <a:headEnd type="none"/>
-            <a:tailEnd type="oval" w="sm" len="sm"/>
+            <a:tailEnd type="triangle" w="sm" len="sm"/>
           </a:ln>
         </p:spPr>
         <p:style>
@@ -5251,8 +5212,8 @@
         </p:nvCxnSpPr>
         <p:spPr>
           <a:xfrm>
-            <a:off x="3656464" y="1890442"/>
-            <a:ext cx="0" cy="115479"/>
+            <a:off x="3563888" y="1597354"/>
+            <a:ext cx="0" cy="133887"/>
           </a:xfrm>
           <a:prstGeom prst="line">
             <a:avLst/>
@@ -5261,8 +5222,9 @@
             <a:solidFill>
               <a:schemeClr val="tx1"/>
             </a:solidFill>
+            <a:round/>
             <a:headEnd type="none"/>
-            <a:tailEnd type="oval" w="sm" len="sm"/>
+            <a:tailEnd type="triangle" w="sm" len="sm"/>
           </a:ln>
         </p:spPr>
         <p:style>
@@ -5288,8 +5250,8 @@
         </p:nvSpPr>
         <p:spPr>
           <a:xfrm>
-            <a:off x="3491880" y="1645881"/>
-            <a:ext cx="1512168" cy="246221"/>
+            <a:off x="3407760" y="1193092"/>
+            <a:ext cx="1512168" cy="400110"/>
           </a:xfrm>
           <a:prstGeom prst="rect">
             <a:avLst/>
@@ -5304,12 +5266,15 @@
           <a:p>
             <a:r>
               <a:rPr lang="de-DE" sz="1000" i="1" dirty="0" err="1" smtClean="0"/>
-              <a:t>occurence</a:t>
+              <a:t>occurrence</a:t>
             </a:r>
             <a:r>
               <a:rPr lang="de-DE" sz="1000" i="1" dirty="0" smtClean="0"/>
               <a:t> </a:t>
             </a:r>
+            <a:br>
+              <a:rPr lang="de-DE" sz="1000" i="1" dirty="0" smtClean="0"/>
+            </a:br>
             <a:r>
               <a:rPr lang="de-DE" sz="1000" i="1" dirty="0" err="1" smtClean="0"/>
               <a:t>identifier</a:t>
@@ -5326,7 +5291,7 @@
         </p:nvSpPr>
         <p:spPr>
           <a:xfrm>
-            <a:off x="4608351" y="1662861"/>
+            <a:off x="4725223" y="1317732"/>
             <a:ext cx="971891" cy="246221"/>
           </a:xfrm>
           <a:prstGeom prst="rect">
@@ -5358,14 +5323,14 @@
       </p:sp>
       <p:cxnSp>
         <p:nvCxnSpPr>
-          <p:cNvPr id="34" name="Gerade Verbindung 33"/>
+          <p:cNvPr id="36" name="Gerade Verbindung 35"/>
           <p:cNvCxnSpPr/>
           <p:nvPr/>
         </p:nvCxnSpPr>
         <p:spPr>
           <a:xfrm flipH="1">
-            <a:off x="4221812" y="1956541"/>
-            <a:ext cx="564321" cy="0"/>
+            <a:off x="5177319" y="1770752"/>
+            <a:ext cx="186769" cy="0"/>
           </a:xfrm>
           <a:prstGeom prst="line">
             <a:avLst/>
@@ -5374,8 +5339,308 @@
             <a:solidFill>
               <a:schemeClr val="tx1"/>
             </a:solidFill>
+            <a:round/>
             <a:headEnd type="none"/>
-            <a:tailEnd type="oval" w="sm" len="sm"/>
+            <a:tailEnd type="triangle" w="sm" len="sm"/>
+          </a:ln>
+        </p:spPr>
+        <p:style>
+          <a:lnRef idx="1">
+            <a:schemeClr val="accent1"/>
+          </a:lnRef>
+          <a:fillRef idx="0">
+            <a:schemeClr val="accent1"/>
+          </a:fillRef>
+          <a:effectRef idx="0">
+            <a:schemeClr val="accent1"/>
+          </a:effectRef>
+          <a:fontRef idx="minor">
+            <a:schemeClr val="tx1"/>
+          </a:fontRef>
+        </p:style>
+      </p:cxnSp>
+      <p:sp>
+        <p:nvSpPr>
+          <p:cNvPr id="37" name="Rechteck 36"/>
+          <p:cNvSpPr/>
+          <p:nvPr/>
+        </p:nvSpPr>
+        <p:spPr>
+          <a:xfrm>
+            <a:off x="4027493" y="1861617"/>
+            <a:ext cx="1368152" cy="1712077"/>
+          </a:xfrm>
+          <a:prstGeom prst="rect">
+            <a:avLst/>
+          </a:prstGeom>
+          <a:solidFill>
+            <a:schemeClr val="accent3">
+              <a:lumMod val="20000"/>
+              <a:lumOff val="80000"/>
+              <a:alpha val="35000"/>
+            </a:schemeClr>
+          </a:solidFill>
+          <a:ln>
+            <a:noFill/>
+          </a:ln>
+        </p:spPr>
+        <p:style>
+          <a:lnRef idx="2">
+            <a:schemeClr val="accent1">
+              <a:shade val="50000"/>
+            </a:schemeClr>
+          </a:lnRef>
+          <a:fillRef idx="1">
+            <a:schemeClr val="accent1"/>
+          </a:fillRef>
+          <a:effectRef idx="0">
+            <a:schemeClr val="accent1"/>
+          </a:effectRef>
+          <a:fontRef idx="minor">
+            <a:schemeClr val="lt1"/>
+          </a:fontRef>
+        </p:style>
+        <p:txBody>
+          <a:bodyPr rtlCol="0" anchor="ctr"/>
+          <a:lstStyle/>
+          <a:p>
+            <a:pPr algn="ctr"/>
+            <a:endParaRPr lang="de-DE"/>
+          </a:p>
+        </p:txBody>
+      </p:sp>
+      <p:sp>
+        <p:nvSpPr>
+          <p:cNvPr id="38" name="Rechteck 37"/>
+          <p:cNvSpPr/>
+          <p:nvPr/>
+        </p:nvSpPr>
+        <p:spPr>
+          <a:xfrm>
+            <a:off x="4027493" y="1861617"/>
+            <a:ext cx="1122872" cy="1536979"/>
+          </a:xfrm>
+          <a:prstGeom prst="rect">
+            <a:avLst/>
+          </a:prstGeom>
+          <a:solidFill>
+            <a:schemeClr val="accent3">
+              <a:lumMod val="20000"/>
+              <a:lumOff val="80000"/>
+              <a:alpha val="59000"/>
+            </a:schemeClr>
+          </a:solidFill>
+          <a:ln>
+            <a:noFill/>
+          </a:ln>
+        </p:spPr>
+        <p:style>
+          <a:lnRef idx="2">
+            <a:schemeClr val="accent1">
+              <a:shade val="50000"/>
+            </a:schemeClr>
+          </a:lnRef>
+          <a:fillRef idx="1">
+            <a:schemeClr val="accent1"/>
+          </a:fillRef>
+          <a:effectRef idx="0">
+            <a:schemeClr val="accent1"/>
+          </a:effectRef>
+          <a:fontRef idx="minor">
+            <a:schemeClr val="lt1"/>
+          </a:fontRef>
+        </p:style>
+        <p:txBody>
+          <a:bodyPr rtlCol="0" anchor="ctr"/>
+          <a:lstStyle/>
+          <a:p>
+            <a:pPr algn="ctr"/>
+            <a:endParaRPr lang="de-DE"/>
+          </a:p>
+        </p:txBody>
+      </p:sp>
+      <p:sp>
+        <p:nvSpPr>
+          <p:cNvPr id="39" name="Rechteck 38"/>
+          <p:cNvSpPr/>
+          <p:nvPr/>
+        </p:nvSpPr>
+        <p:spPr>
+          <a:xfrm>
+            <a:off x="4027493" y="1861618"/>
+            <a:ext cx="288032" cy="600875"/>
+          </a:xfrm>
+          <a:prstGeom prst="rect">
+            <a:avLst/>
+          </a:prstGeom>
+          <a:solidFill>
+            <a:schemeClr val="accent1">
+              <a:lumMod val="40000"/>
+              <a:lumOff val="60000"/>
+              <a:alpha val="55000"/>
+            </a:schemeClr>
+          </a:solidFill>
+          <a:ln>
+            <a:noFill/>
+          </a:ln>
+        </p:spPr>
+        <p:style>
+          <a:lnRef idx="2">
+            <a:schemeClr val="accent1">
+              <a:shade val="50000"/>
+            </a:schemeClr>
+          </a:lnRef>
+          <a:fillRef idx="1">
+            <a:schemeClr val="accent1"/>
+          </a:fillRef>
+          <a:effectRef idx="0">
+            <a:schemeClr val="accent1"/>
+          </a:effectRef>
+          <a:fontRef idx="minor">
+            <a:schemeClr val="lt1"/>
+          </a:fontRef>
+        </p:style>
+        <p:txBody>
+          <a:bodyPr rtlCol="0" anchor="ctr"/>
+          <a:lstStyle/>
+          <a:p>
+            <a:pPr algn="ctr"/>
+            <a:endParaRPr lang="de-DE"/>
+          </a:p>
+        </p:txBody>
+      </p:sp>
+      <p:sp>
+        <p:nvSpPr>
+          <p:cNvPr id="42" name="Textfeld 41"/>
+          <p:cNvSpPr txBox="1"/>
+          <p:nvPr/>
+        </p:nvSpPr>
+        <p:spPr>
+          <a:xfrm>
+            <a:off x="6239300" y="1355909"/>
+            <a:ext cx="971891" cy="246221"/>
+          </a:xfrm>
+          <a:prstGeom prst="rect">
+            <a:avLst/>
+          </a:prstGeom>
+          <a:noFill/>
+        </p:spPr>
+        <p:txBody>
+          <a:bodyPr wrap="square" rtlCol="0">
+            <a:spAutoFit/>
+          </a:bodyPr>
+          <a:lstStyle/>
+          <a:p>
+            <a:r>
+              <a:rPr lang="de-DE" sz="1000" i="1" dirty="0" err="1" smtClean="0"/>
+              <a:t>taxon</a:t>
+            </a:r>
+            <a:r>
+              <a:rPr lang="de-DE" sz="1000" i="1" dirty="0" smtClean="0"/>
+              <a:t> </a:t>
+            </a:r>
+            <a:r>
+              <a:rPr lang="de-DE" sz="1000" i="1" dirty="0" err="1" smtClean="0"/>
+              <a:t>identifier</a:t>
+            </a:r>
+            <a:endParaRPr lang="de-DE" sz="1000" i="1" dirty="0"/>
+          </a:p>
+        </p:txBody>
+      </p:sp>
+      <p:sp>
+        <p:nvSpPr>
+          <p:cNvPr id="45" name="Textfeld 44"/>
+          <p:cNvSpPr txBox="1"/>
+          <p:nvPr/>
+        </p:nvSpPr>
+        <p:spPr>
+          <a:xfrm>
+            <a:off x="7111780" y="1174561"/>
+            <a:ext cx="1512168" cy="246221"/>
+          </a:xfrm>
+          <a:prstGeom prst="rect">
+            <a:avLst/>
+          </a:prstGeom>
+          <a:noFill/>
+        </p:spPr>
+        <p:txBody>
+          <a:bodyPr wrap="square" rtlCol="0">
+            <a:spAutoFit/>
+          </a:bodyPr>
+          <a:lstStyle/>
+          <a:p>
+            <a:r>
+              <a:rPr lang="de-DE" sz="1000" i="1" dirty="0" err="1" smtClean="0"/>
+              <a:t>occurrence</a:t>
+            </a:r>
+            <a:r>
+              <a:rPr lang="de-DE" sz="1000" i="1" dirty="0" smtClean="0"/>
+              <a:t> </a:t>
+            </a:r>
+            <a:r>
+              <a:rPr lang="de-DE" sz="1000" i="1" dirty="0" err="1" smtClean="0"/>
+              <a:t>identifier</a:t>
+            </a:r>
+            <a:endParaRPr lang="de-DE" sz="1000" i="1" dirty="0"/>
+          </a:p>
+        </p:txBody>
+      </p:sp>
+      <p:sp>
+        <p:nvSpPr>
+          <p:cNvPr id="46" name="Textfeld 45"/>
+          <p:cNvSpPr txBox="1"/>
+          <p:nvPr/>
+        </p:nvSpPr>
+        <p:spPr>
+          <a:xfrm>
+            <a:off x="5726074" y="1176655"/>
+            <a:ext cx="1547955" cy="246221"/>
+          </a:xfrm>
+          <a:prstGeom prst="rect">
+            <a:avLst/>
+          </a:prstGeom>
+          <a:noFill/>
+        </p:spPr>
+        <p:txBody>
+          <a:bodyPr wrap="square" rtlCol="0">
+            <a:spAutoFit/>
+          </a:bodyPr>
+          <a:lstStyle/>
+          <a:p>
+            <a:r>
+              <a:rPr lang="de-DE" sz="1000" i="1" dirty="0" err="1" smtClean="0"/>
+              <a:t>measurement</a:t>
+            </a:r>
+            <a:r>
+              <a:rPr lang="de-DE" sz="1000" i="1" dirty="0" smtClean="0"/>
+              <a:t> </a:t>
+            </a:r>
+            <a:r>
+              <a:rPr lang="de-DE" sz="1000" i="1" dirty="0" err="1" smtClean="0"/>
+              <a:t>identifier</a:t>
+            </a:r>
+            <a:endParaRPr lang="de-DE" sz="1000" i="1" dirty="0"/>
+          </a:p>
+        </p:txBody>
+      </p:sp>
+      <p:cxnSp>
+        <p:nvCxnSpPr>
+          <p:cNvPr id="81" name="Gerade Verbindung 80"/>
+          <p:cNvCxnSpPr/>
+          <p:nvPr/>
+        </p:nvCxnSpPr>
+        <p:spPr>
+          <a:xfrm flipV="1">
+            <a:off x="5364088" y="1566617"/>
+            <a:ext cx="0" cy="204135"/>
+          </a:xfrm>
+          <a:prstGeom prst="line">
+            <a:avLst/>
+          </a:prstGeom>
+          <a:ln w="12700">
+            <a:solidFill>
+              <a:schemeClr val="tx1"/>
+            </a:solidFill>
           </a:ln>
         </p:spPr>
         <p:style>
@@ -5395,14 +5660,14 @@
       </p:cxnSp>
       <p:cxnSp>
         <p:nvCxnSpPr>
-          <p:cNvPr id="35" name="Gerade Verbindung 34"/>
+          <p:cNvPr id="86" name="Gerade Verbindung 85"/>
           <p:cNvCxnSpPr/>
           <p:nvPr/>
         </p:nvCxnSpPr>
         <p:spPr>
-          <a:xfrm flipH="1">
-            <a:off x="4510737" y="1990478"/>
-            <a:ext cx="564321" cy="0"/>
+          <a:xfrm>
+            <a:off x="6167293" y="1420782"/>
+            <a:ext cx="0" cy="249911"/>
           </a:xfrm>
           <a:prstGeom prst="line">
             <a:avLst/>
@@ -5412,7 +5677,7 @@
               <a:schemeClr val="tx1"/>
             </a:solidFill>
             <a:headEnd type="none"/>
-            <a:tailEnd type="oval" w="sm" len="sm"/>
+            <a:tailEnd type="triangle" w="sm" len="sm"/>
           </a:ln>
         </p:spPr>
         <p:style>
@@ -5432,14 +5697,14 @@
       </p:cxnSp>
       <p:cxnSp>
         <p:nvCxnSpPr>
-          <p:cNvPr id="36" name="Gerade Verbindung 35"/>
+          <p:cNvPr id="87" name="Gerade Verbindung 86"/>
           <p:cNvCxnSpPr/>
           <p:nvPr/>
         </p:nvCxnSpPr>
         <p:spPr>
-          <a:xfrm flipH="1">
-            <a:off x="4772812" y="2027998"/>
-            <a:ext cx="564321" cy="0"/>
+          <a:xfrm>
+            <a:off x="6801662" y="1555214"/>
+            <a:ext cx="0" cy="115479"/>
           </a:xfrm>
           <a:prstGeom prst="line">
             <a:avLst/>
@@ -5449,7 +5714,7 @@
               <a:schemeClr val="tx1"/>
             </a:solidFill>
             <a:headEnd type="none"/>
-            <a:tailEnd type="oval" w="sm" len="sm"/>
+            <a:tailEnd type="triangle" w="sm" len="sm"/>
           </a:ln>
         </p:spPr>
         <p:style>
@@ -5467,16 +5732,128 @@
           </a:fontRef>
         </p:style>
       </p:cxnSp>
-      <p:sp>
-        <p:nvSpPr>
-          <p:cNvPr id="37" name="Rechteck 36"/>
+      <p:cxnSp>
+        <p:nvCxnSpPr>
+          <p:cNvPr id="88" name="Gerade Verbindung 87"/>
+          <p:cNvCxnSpPr/>
+          <p:nvPr/>
+        </p:nvCxnSpPr>
+        <p:spPr>
+          <a:xfrm>
+            <a:off x="7243730" y="1398428"/>
+            <a:ext cx="0" cy="275710"/>
+          </a:xfrm>
+          <a:prstGeom prst="line">
+            <a:avLst/>
+          </a:prstGeom>
+          <a:ln w="12700">
+            <a:solidFill>
+              <a:schemeClr val="tx1"/>
+            </a:solidFill>
+            <a:headEnd type="none"/>
+            <a:tailEnd type="triangle" w="sm" len="sm"/>
+          </a:ln>
+        </p:spPr>
+        <p:style>
+          <a:lnRef idx="1">
+            <a:schemeClr val="accent1"/>
+          </a:lnRef>
+          <a:fillRef idx="0">
+            <a:schemeClr val="accent1"/>
+          </a:fillRef>
+          <a:effectRef idx="0">
+            <a:schemeClr val="accent1"/>
+          </a:effectRef>
+          <a:fontRef idx="minor">
+            <a:schemeClr val="tx1"/>
+          </a:fontRef>
+        </p:style>
+      </p:cxnSp>
+      <p:sp>
+        <p:nvSpPr>
+          <p:cNvPr id="90" name="Textfeld 89"/>
+          <p:cNvSpPr txBox="1"/>
+          <p:nvPr/>
+        </p:nvSpPr>
+        <p:spPr>
+          <a:xfrm>
+            <a:off x="7369785" y="1355909"/>
+            <a:ext cx="1512168" cy="246221"/>
+          </a:xfrm>
+          <a:prstGeom prst="rect">
+            <a:avLst/>
+          </a:prstGeom>
+          <a:noFill/>
+        </p:spPr>
+        <p:txBody>
+          <a:bodyPr wrap="square" rtlCol="0">
+            <a:spAutoFit/>
+          </a:bodyPr>
+          <a:lstStyle/>
+          <a:p>
+            <a:r>
+              <a:rPr lang="de-DE" sz="1000" i="1" dirty="0" err="1" smtClean="0"/>
+              <a:t>trait</a:t>
+            </a:r>
+            <a:r>
+              <a:rPr lang="de-DE" sz="1000" i="1" dirty="0" smtClean="0"/>
+              <a:t> </a:t>
+            </a:r>
+            <a:r>
+              <a:rPr lang="de-DE" sz="1000" i="1" dirty="0" err="1" smtClean="0"/>
+              <a:t>identifier</a:t>
+            </a:r>
+            <a:endParaRPr lang="de-DE" sz="1000" i="1" dirty="0"/>
+          </a:p>
+        </p:txBody>
+      </p:sp>
+      <p:cxnSp>
+        <p:nvCxnSpPr>
+          <p:cNvPr id="93" name="Gerade Verbindung 92"/>
+          <p:cNvCxnSpPr/>
+          <p:nvPr/>
+        </p:nvCxnSpPr>
+        <p:spPr>
+          <a:xfrm>
+            <a:off x="7618942" y="1560317"/>
+            <a:ext cx="0" cy="115479"/>
+          </a:xfrm>
+          <a:prstGeom prst="line">
+            <a:avLst/>
+          </a:prstGeom>
+          <a:ln w="12700">
+            <a:solidFill>
+              <a:schemeClr val="tx1"/>
+            </a:solidFill>
+            <a:headEnd type="none"/>
+            <a:tailEnd type="triangle" w="sm" len="sm"/>
+          </a:ln>
+        </p:spPr>
+        <p:style>
+          <a:lnRef idx="1">
+            <a:schemeClr val="accent1"/>
+          </a:lnRef>
+          <a:fillRef idx="0">
+            <a:schemeClr val="accent1"/>
+          </a:fillRef>
+          <a:effectRef idx="0">
+            <a:schemeClr val="accent1"/>
+          </a:effectRef>
+          <a:fontRef idx="minor">
+            <a:schemeClr val="tx1"/>
+          </a:fontRef>
+        </p:style>
+      </p:cxnSp>
+      <p:sp>
+        <p:nvSpPr>
+          <p:cNvPr id="95" name="Rechteck 94"/>
           <p:cNvSpPr/>
           <p:nvPr/>
         </p:nvSpPr>
         <p:spPr>
           <a:xfrm>
-            <a:off x="4027493" y="2191224"/>
-            <a:ext cx="1368152" cy="1712077"/>
+            <a:off x="8111508" y="1818154"/>
+            <a:ext cx="512440" cy="2160240"/>
           </a:xfrm>
           <a:prstGeom prst="rect">
             <a:avLst/>
@@ -5519,14 +5896,14 @@
       </p:sp>
       <p:sp>
         <p:nvSpPr>
-          <p:cNvPr id="38" name="Rechteck 37"/>
+          <p:cNvPr id="96" name="Rechteck 95"/>
           <p:cNvSpPr/>
           <p:nvPr/>
         </p:nvSpPr>
         <p:spPr>
           <a:xfrm>
-            <a:off x="4027493" y="2191224"/>
-            <a:ext cx="1122872" cy="1536979"/>
+            <a:off x="8111508" y="1818154"/>
+            <a:ext cx="512440" cy="2016224"/>
           </a:xfrm>
           <a:prstGeom prst="rect">
             <a:avLst/>
@@ -5569,14 +5946,14 @@
       </p:sp>
       <p:sp>
         <p:nvSpPr>
-          <p:cNvPr id="39" name="Rechteck 38"/>
+          <p:cNvPr id="100" name="Rechteck 99"/>
           <p:cNvSpPr/>
           <p:nvPr/>
         </p:nvSpPr>
         <p:spPr>
           <a:xfrm>
-            <a:off x="4027493" y="2191225"/>
-            <a:ext cx="288032" cy="600875"/>
+            <a:off x="8111508" y="1818155"/>
+            <a:ext cx="512440" cy="144015"/>
           </a:xfrm>
           <a:prstGeom prst="rect">
             <a:avLst/>
@@ -5617,9 +5994,59 @@
           </a:p>
         </p:txBody>
       </p:sp>
+      <p:sp>
+        <p:nvSpPr>
+          <p:cNvPr id="101" name="Rechteck 100"/>
+          <p:cNvSpPr/>
+          <p:nvPr/>
+        </p:nvSpPr>
+        <p:spPr>
+          <a:xfrm>
+            <a:off x="8111508" y="2322210"/>
+            <a:ext cx="512440" cy="144016"/>
+          </a:xfrm>
+          <a:prstGeom prst="rect">
+            <a:avLst/>
+          </a:prstGeom>
+          <a:solidFill>
+            <a:schemeClr val="accent1">
+              <a:lumMod val="40000"/>
+              <a:lumOff val="60000"/>
+              <a:alpha val="55000"/>
+            </a:schemeClr>
+          </a:solidFill>
+          <a:ln>
+            <a:noFill/>
+          </a:ln>
+        </p:spPr>
+        <p:style>
+          <a:lnRef idx="2">
+            <a:schemeClr val="accent1">
+              <a:shade val="50000"/>
+            </a:schemeClr>
+          </a:lnRef>
+          <a:fillRef idx="1">
+            <a:schemeClr val="accent1"/>
+          </a:fillRef>
+          <a:effectRef idx="0">
+            <a:schemeClr val="accent1"/>
+          </a:effectRef>
+          <a:fontRef idx="minor">
+            <a:schemeClr val="lt1"/>
+          </a:fontRef>
+        </p:style>
+        <p:txBody>
+          <a:bodyPr rtlCol="0" anchor="ctr"/>
+          <a:lstStyle/>
+          <a:p>
+            <a:pPr algn="ctr"/>
+            <a:endParaRPr lang="de-DE"/>
+          </a:p>
+        </p:txBody>
+      </p:sp>
       <p:pic>
         <p:nvPicPr>
-          <p:cNvPr id="5" name="Picture 4"/>
+          <p:cNvPr id="2050" name="Picture 2"/>
           <p:cNvPicPr>
             <a:picLocks noChangeAspect="1" noChangeArrowheads="1"/>
           </p:cNvPicPr>
@@ -5650,8 +6077,8 @@
         </p:blipFill>
         <p:spPr bwMode="auto">
           <a:xfrm>
-            <a:off x="2864376" y="1972193"/>
-            <a:ext cx="2614266" cy="1931109"/>
+            <a:off x="6004091" y="1675338"/>
+            <a:ext cx="2908364" cy="2344872"/>
           </a:xfrm>
           <a:prstGeom prst="rect">
             <a:avLst/>
@@ -5691,110 +6118,15 @@
           </a:extLst>
         </p:spPr>
       </p:pic>
-      <p:grpSp>
-        <p:nvGrpSpPr>
-          <p:cNvPr id="2067" name="Gruppieren 2066"/>
-          <p:cNvGrpSpPr/>
-          <p:nvPr/>
-        </p:nvGrpSpPr>
-        <p:grpSpPr>
-          <a:xfrm>
-            <a:off x="4315525" y="2926680"/>
-            <a:ext cx="971892" cy="277001"/>
-            <a:chOff x="4963597" y="1973495"/>
-            <a:chExt cx="971892" cy="277001"/>
-          </a:xfrm>
-        </p:grpSpPr>
-        <p:sp>
-          <p:nvSpPr>
-            <p:cNvPr id="40" name="Textfeld 39"/>
-            <p:cNvSpPr txBox="1"/>
-            <p:nvPr/>
-          </p:nvSpPr>
-          <p:spPr>
-            <a:xfrm>
-              <a:off x="4963598" y="1973497"/>
-              <a:ext cx="971891" cy="276999"/>
-            </a:xfrm>
-            <a:prstGeom prst="rect">
-              <a:avLst/>
-            </a:prstGeom>
-            <a:noFill/>
-          </p:spPr>
-          <p:txBody>
-            <a:bodyPr wrap="square" rtlCol="0">
-              <a:spAutoFit/>
-            </a:bodyPr>
-            <a:lstStyle/>
-            <a:p>
-              <a:r>
-                <a:rPr lang="de-DE" sz="1200" i="1" dirty="0" err="1" smtClean="0">
-                  <a:ln w="19050">
-                    <a:solidFill>
-                      <a:schemeClr val="bg1"/>
-                    </a:solidFill>
-                  </a:ln>
-                </a:rPr>
-                <a:t>values</a:t>
-              </a:r>
-              <a:endParaRPr lang="de-DE" sz="1200" i="1" dirty="0">
-                <a:ln w="19050">
-                  <a:solidFill>
-                    <a:schemeClr val="bg1"/>
-                  </a:solidFill>
-                </a:ln>
-              </a:endParaRPr>
-            </a:p>
-          </p:txBody>
-        </p:sp>
-        <p:sp>
-          <p:nvSpPr>
-            <p:cNvPr id="41" name="Textfeld 40"/>
-            <p:cNvSpPr txBox="1"/>
-            <p:nvPr/>
-          </p:nvSpPr>
-          <p:spPr>
-            <a:xfrm>
-              <a:off x="4963597" y="1973495"/>
-              <a:ext cx="971891" cy="276999"/>
-            </a:xfrm>
-            <a:prstGeom prst="rect">
-              <a:avLst/>
-            </a:prstGeom>
-            <a:noFill/>
-          </p:spPr>
-          <p:txBody>
-            <a:bodyPr wrap="square" rtlCol="0">
-              <a:spAutoFit/>
-            </a:bodyPr>
-            <a:lstStyle/>
-            <a:p>
-              <a:r>
-                <a:rPr lang="de-DE" sz="1200" i="1" dirty="0" err="1" smtClean="0">
-                  <a:ln w="19050">
-                    <a:noFill/>
-                  </a:ln>
-                </a:rPr>
-                <a:t>values</a:t>
-              </a:r>
-              <a:endParaRPr lang="de-DE" sz="1200" i="1" dirty="0">
-                <a:ln w="19050">
-                  <a:noFill/>
-                </a:ln>
-              </a:endParaRPr>
-            </a:p>
-          </p:txBody>
-        </p:sp>
-      </p:grpSp>
-      <p:sp>
-        <p:nvSpPr>
-          <p:cNvPr id="42" name="Textfeld 41"/>
+      <p:sp>
+        <p:nvSpPr>
+          <p:cNvPr id="107" name="Textfeld 106"/>
           <p:cNvSpPr txBox="1"/>
           <p:nvPr/>
         </p:nvSpPr>
         <p:spPr>
           <a:xfrm>
-            <a:off x="6239300" y="1685516"/>
+            <a:off x="1461028" y="1633146"/>
             <a:ext cx="971891" cy="246221"/>
           </a:xfrm>
           <a:prstGeom prst="rect">
@@ -5810,7 +6142,7 @@
           <a:p>
             <a:r>
               <a:rPr lang="de-DE" sz="1000" i="1" dirty="0" err="1" smtClean="0"/>
-              <a:t>taxon</a:t>
+              <a:t>trait</a:t>
             </a:r>
             <a:r>
               <a:rPr lang="de-DE" sz="1000" i="1" dirty="0" smtClean="0"/>
@@ -5824,92 +6156,16 @@
           </a:p>
         </p:txBody>
       </p:sp>
-      <p:sp>
-        <p:nvSpPr>
-          <p:cNvPr id="45" name="Textfeld 44"/>
-          <p:cNvSpPr txBox="1"/>
-          <p:nvPr/>
-        </p:nvSpPr>
-        <p:spPr>
-          <a:xfrm>
-            <a:off x="7111780" y="1504168"/>
-            <a:ext cx="1512168" cy="246221"/>
-          </a:xfrm>
-          <a:prstGeom prst="rect">
-            <a:avLst/>
-          </a:prstGeom>
-          <a:noFill/>
-        </p:spPr>
-        <p:txBody>
-          <a:bodyPr wrap="square" rtlCol="0">
-            <a:spAutoFit/>
-          </a:bodyPr>
-          <a:lstStyle/>
-          <a:p>
-            <a:r>
-              <a:rPr lang="de-DE" sz="1000" i="1" dirty="0" err="1" smtClean="0"/>
-              <a:t>occurence</a:t>
-            </a:r>
-            <a:r>
-              <a:rPr lang="de-DE" sz="1000" i="1" dirty="0" smtClean="0"/>
-              <a:t> </a:t>
-            </a:r>
-            <a:r>
-              <a:rPr lang="de-DE" sz="1000" i="1" dirty="0" err="1" smtClean="0"/>
-              <a:t>identifier</a:t>
-            </a:r>
-            <a:endParaRPr lang="de-DE" sz="1000" i="1" dirty="0"/>
-          </a:p>
-        </p:txBody>
-      </p:sp>
-      <p:sp>
-        <p:nvSpPr>
-          <p:cNvPr id="46" name="Textfeld 45"/>
-          <p:cNvSpPr txBox="1"/>
-          <p:nvPr/>
-        </p:nvSpPr>
-        <p:spPr>
-          <a:xfrm>
-            <a:off x="5726074" y="1506262"/>
-            <a:ext cx="1547955" cy="246221"/>
-          </a:xfrm>
-          <a:prstGeom prst="rect">
-            <a:avLst/>
-          </a:prstGeom>
-          <a:noFill/>
-        </p:spPr>
-        <p:txBody>
-          <a:bodyPr wrap="square" rtlCol="0">
-            <a:spAutoFit/>
-          </a:bodyPr>
-          <a:lstStyle/>
-          <a:p>
-            <a:r>
-              <a:rPr lang="de-DE" sz="1000" i="1" dirty="0" err="1" smtClean="0"/>
-              <a:t>measurement</a:t>
-            </a:r>
-            <a:r>
-              <a:rPr lang="de-DE" sz="1000" i="1" dirty="0" smtClean="0"/>
-              <a:t> </a:t>
-            </a:r>
-            <a:r>
-              <a:rPr lang="de-DE" sz="1000" i="1" dirty="0" err="1" smtClean="0"/>
-              <a:t>identifier</a:t>
-            </a:r>
-            <a:endParaRPr lang="de-DE" sz="1000" i="1" dirty="0"/>
-          </a:p>
-        </p:txBody>
-      </p:sp>
       <p:cxnSp>
         <p:nvCxnSpPr>
-          <p:cNvPr id="79" name="Gerade Verbindung 78"/>
+          <p:cNvPr id="110" name="Gerade Verbindung 109"/>
           <p:cNvCxnSpPr/>
           <p:nvPr/>
         </p:nvCxnSpPr>
         <p:spPr>
-          <a:xfrm flipV="1">
-            <a:off x="4783018" y="1875451"/>
-            <a:ext cx="0" cy="86256"/>
+          <a:xfrm flipH="1">
+            <a:off x="2022464" y="2091281"/>
+            <a:ext cx="167347" cy="0"/>
           </a:xfrm>
           <a:prstGeom prst="line">
             <a:avLst/>
@@ -5918,6 +6174,8 @@
             <a:solidFill>
               <a:schemeClr val="tx1"/>
             </a:solidFill>
+            <a:headEnd type="none"/>
+            <a:tailEnd type="triangle" w="sm" len="sm"/>
           </a:ln>
         </p:spPr>
         <p:style>
@@ -5937,14 +6195,14 @@
       </p:cxnSp>
       <p:cxnSp>
         <p:nvCxnSpPr>
-          <p:cNvPr id="80" name="Gerade Verbindung 79"/>
+          <p:cNvPr id="113" name="Gerade Verbindung 112"/>
           <p:cNvCxnSpPr/>
           <p:nvPr/>
         </p:nvCxnSpPr>
         <p:spPr>
           <a:xfrm flipV="1">
-            <a:off x="5075118" y="1875868"/>
-            <a:ext cx="0" cy="118275"/>
+            <a:off x="2189810" y="1872374"/>
+            <a:ext cx="0" cy="218907"/>
           </a:xfrm>
           <a:prstGeom prst="line">
             <a:avLst/>
@@ -5970,268 +6228,187 @@
           </a:fontRef>
         </p:style>
       </p:cxnSp>
-      <p:cxnSp>
-        <p:nvCxnSpPr>
-          <p:cNvPr id="81" name="Gerade Verbindung 80"/>
-          <p:cNvCxnSpPr/>
-          <p:nvPr/>
-        </p:nvCxnSpPr>
-        <p:spPr>
-          <a:xfrm flipV="1">
-            <a:off x="5337133" y="1896224"/>
-            <a:ext cx="0" cy="131774"/>
-          </a:xfrm>
-          <a:prstGeom prst="line">
-            <a:avLst/>
-          </a:prstGeom>
-          <a:ln w="12700">
-            <a:solidFill>
-              <a:schemeClr val="tx1"/>
-            </a:solidFill>
-          </a:ln>
+      <p:sp>
+        <p:nvSpPr>
+          <p:cNvPr id="2" name="Geschweifte Klammer rechts 1"/>
+          <p:cNvSpPr/>
+          <p:nvPr/>
+        </p:nvSpPr>
+        <p:spPr>
+          <a:xfrm rot="5400000">
+            <a:off x="1533325" y="2464613"/>
+            <a:ext cx="130282" cy="1255826"/>
+          </a:xfrm>
+          <a:prstGeom prst="rightBrace">
+            <a:avLst/>
+          </a:prstGeom>
         </p:spPr>
         <p:style>
           <a:lnRef idx="1">
-            <a:schemeClr val="accent1"/>
+            <a:schemeClr val="dk1"/>
           </a:lnRef>
           <a:fillRef idx="0">
-            <a:schemeClr val="accent1"/>
+            <a:schemeClr val="dk1"/>
           </a:fillRef>
           <a:effectRef idx="0">
-            <a:schemeClr val="accent1"/>
+            <a:schemeClr val="dk1"/>
           </a:effectRef>
           <a:fontRef idx="minor">
             <a:schemeClr val="tx1"/>
           </a:fontRef>
         </p:style>
-      </p:cxnSp>
-      <p:cxnSp>
-        <p:nvCxnSpPr>
-          <p:cNvPr id="86" name="Gerade Verbindung 85"/>
-          <p:cNvCxnSpPr/>
-          <p:nvPr/>
-        </p:nvCxnSpPr>
-        <p:spPr>
-          <a:xfrm>
-            <a:off x="6167293" y="1750389"/>
-            <a:ext cx="0" cy="249911"/>
-          </a:xfrm>
-          <a:prstGeom prst="line">
-            <a:avLst/>
-          </a:prstGeom>
-          <a:ln w="12700">
-            <a:solidFill>
-              <a:schemeClr val="tx1"/>
-            </a:solidFill>
-            <a:headEnd type="none"/>
-            <a:tailEnd type="oval" w="sm" len="sm"/>
-          </a:ln>
+        <p:txBody>
+          <a:bodyPr rtlCol="0" anchor="ctr"/>
+          <a:lstStyle/>
+          <a:p>
+            <a:pPr algn="ctr"/>
+            <a:endParaRPr lang="de-DE"/>
+          </a:p>
+        </p:txBody>
+      </p:sp>
+      <p:sp>
+        <p:nvSpPr>
+          <p:cNvPr id="57" name="Textfeld 56"/>
+          <p:cNvSpPr txBox="1"/>
+          <p:nvPr/>
+        </p:nvSpPr>
+        <p:spPr>
+          <a:xfrm>
+            <a:off x="4356151" y="3675290"/>
+            <a:ext cx="738145" cy="276999"/>
+          </a:xfrm>
+          <a:prstGeom prst="rect">
+            <a:avLst/>
+          </a:prstGeom>
+          <a:noFill/>
+        </p:spPr>
+        <p:txBody>
+          <a:bodyPr wrap="square" rtlCol="0">
+            <a:spAutoFit/>
+          </a:bodyPr>
+          <a:lstStyle/>
+          <a:p>
+            <a:r>
+              <a:rPr lang="de-DE" sz="1200" i="1" dirty="0" err="1" smtClean="0">
+                <a:ln w="19050">
+                  <a:noFill/>
+                </a:ln>
+              </a:rPr>
+              <a:t>values</a:t>
+            </a:r>
+            <a:endParaRPr lang="de-DE" sz="1200" i="1" dirty="0">
+              <a:ln w="19050">
+                <a:noFill/>
+              </a:ln>
+            </a:endParaRPr>
+          </a:p>
+        </p:txBody>
+      </p:sp>
+      <p:sp>
+        <p:nvSpPr>
+          <p:cNvPr id="58" name="Geschweifte Klammer rechts 57"/>
+          <p:cNvSpPr/>
+          <p:nvPr/>
+        </p:nvSpPr>
+        <p:spPr>
+          <a:xfrm rot="5400000">
+            <a:off x="4605157" y="3014033"/>
+            <a:ext cx="130282" cy="1255826"/>
+          </a:xfrm>
+          <a:prstGeom prst="rightBrace">
+            <a:avLst/>
+          </a:prstGeom>
         </p:spPr>
         <p:style>
           <a:lnRef idx="1">
-            <a:schemeClr val="accent1"/>
+            <a:schemeClr val="dk1"/>
           </a:lnRef>
           <a:fillRef idx="0">
-            <a:schemeClr val="accent1"/>
+            <a:schemeClr val="dk1"/>
           </a:fillRef>
           <a:effectRef idx="0">
-            <a:schemeClr val="accent1"/>
+            <a:schemeClr val="dk1"/>
           </a:effectRef>
           <a:fontRef idx="minor">
             <a:schemeClr val="tx1"/>
           </a:fontRef>
         </p:style>
-      </p:cxnSp>
-      <p:cxnSp>
-        <p:nvCxnSpPr>
-          <p:cNvPr id="87" name="Gerade Verbindung 86"/>
-          <p:cNvCxnSpPr/>
-          <p:nvPr/>
-        </p:nvCxnSpPr>
-        <p:spPr>
-          <a:xfrm>
-            <a:off x="6801662" y="1884821"/>
-            <a:ext cx="0" cy="115479"/>
-          </a:xfrm>
-          <a:prstGeom prst="line">
-            <a:avLst/>
-          </a:prstGeom>
-          <a:ln w="12700">
-            <a:solidFill>
-              <a:schemeClr val="tx1"/>
-            </a:solidFill>
-            <a:headEnd type="none"/>
-            <a:tailEnd type="oval" w="sm" len="sm"/>
-          </a:ln>
+        <p:txBody>
+          <a:bodyPr rtlCol="0" anchor="ctr"/>
+          <a:lstStyle/>
+          <a:p>
+            <a:pPr algn="ctr"/>
+            <a:endParaRPr lang="de-DE"/>
+          </a:p>
+        </p:txBody>
+      </p:sp>
+      <p:sp>
+        <p:nvSpPr>
+          <p:cNvPr id="59" name="Textfeld 58"/>
+          <p:cNvSpPr txBox="1"/>
+          <p:nvPr/>
+        </p:nvSpPr>
+        <p:spPr>
+          <a:xfrm>
+            <a:off x="8141152" y="3947588"/>
+            <a:ext cx="738145" cy="276999"/>
+          </a:xfrm>
+          <a:prstGeom prst="rect">
+            <a:avLst/>
+          </a:prstGeom>
+          <a:noFill/>
+        </p:spPr>
+        <p:txBody>
+          <a:bodyPr wrap="square" rtlCol="0">
+            <a:spAutoFit/>
+          </a:bodyPr>
+          <a:lstStyle/>
+          <a:p>
+            <a:r>
+              <a:rPr lang="de-DE" sz="1200" i="1" dirty="0" err="1" smtClean="0">
+                <a:ln w="19050">
+                  <a:noFill/>
+                </a:ln>
+              </a:rPr>
+              <a:t>values</a:t>
+            </a:r>
+            <a:endParaRPr lang="de-DE" sz="1200" i="1" dirty="0">
+              <a:ln w="19050">
+                <a:noFill/>
+              </a:ln>
+            </a:endParaRPr>
+          </a:p>
+        </p:txBody>
+      </p:sp>
+      <p:sp>
+        <p:nvSpPr>
+          <p:cNvPr id="60" name="Geschweifte Klammer rechts 59"/>
+          <p:cNvSpPr/>
+          <p:nvPr/>
+        </p:nvSpPr>
+        <p:spPr>
+          <a:xfrm rot="5400000">
+            <a:off x="8330956" y="3686394"/>
+            <a:ext cx="87905" cy="498079"/>
+          </a:xfrm>
+          <a:prstGeom prst="rightBrace">
+            <a:avLst/>
+          </a:prstGeom>
         </p:spPr>
         <p:style>
           <a:lnRef idx="1">
-            <a:schemeClr val="accent1"/>
+            <a:schemeClr val="dk1"/>
           </a:lnRef>
           <a:fillRef idx="0">
-            <a:schemeClr val="accent1"/>
+            <a:schemeClr val="dk1"/>
           </a:fillRef>
           <a:effectRef idx="0">
-            <a:schemeClr val="accent1"/>
+            <a:schemeClr val="dk1"/>
           </a:effectRef>
           <a:fontRef idx="minor">
             <a:schemeClr val="tx1"/>
           </a:fontRef>
         </p:style>
-      </p:cxnSp>
-      <p:cxnSp>
-        <p:nvCxnSpPr>
-          <p:cNvPr id="88" name="Gerade Verbindung 87"/>
-          <p:cNvCxnSpPr/>
-          <p:nvPr/>
-        </p:nvCxnSpPr>
-        <p:spPr>
-          <a:xfrm>
-            <a:off x="7243730" y="1728035"/>
-            <a:ext cx="0" cy="275710"/>
-          </a:xfrm>
-          <a:prstGeom prst="line">
-            <a:avLst/>
-          </a:prstGeom>
-          <a:ln w="12700">
-            <a:solidFill>
-              <a:schemeClr val="tx1"/>
-            </a:solidFill>
-            <a:headEnd type="none"/>
-            <a:tailEnd type="oval" w="sm" len="sm"/>
-          </a:ln>
-        </p:spPr>
-        <p:style>
-          <a:lnRef idx="1">
-            <a:schemeClr val="accent1"/>
-          </a:lnRef>
-          <a:fillRef idx="0">
-            <a:schemeClr val="accent1"/>
-          </a:fillRef>
-          <a:effectRef idx="0">
-            <a:schemeClr val="accent1"/>
-          </a:effectRef>
-          <a:fontRef idx="minor">
-            <a:schemeClr val="tx1"/>
-          </a:fontRef>
-        </p:style>
-      </p:cxnSp>
-      <p:sp>
-        <p:nvSpPr>
-          <p:cNvPr id="90" name="Textfeld 89"/>
-          <p:cNvSpPr txBox="1"/>
-          <p:nvPr/>
-        </p:nvSpPr>
-        <p:spPr>
-          <a:xfrm>
-            <a:off x="7369785" y="1685516"/>
-            <a:ext cx="1512168" cy="246221"/>
-          </a:xfrm>
-          <a:prstGeom prst="rect">
-            <a:avLst/>
-          </a:prstGeom>
-          <a:noFill/>
-        </p:spPr>
-        <p:txBody>
-          <a:bodyPr wrap="square" rtlCol="0">
-            <a:spAutoFit/>
-          </a:bodyPr>
-          <a:lstStyle/>
-          <a:p>
-            <a:r>
-              <a:rPr lang="de-DE" sz="1000" i="1" dirty="0" err="1" smtClean="0"/>
-              <a:t>trait</a:t>
-            </a:r>
-            <a:r>
-              <a:rPr lang="de-DE" sz="1000" i="1" dirty="0" smtClean="0"/>
-              <a:t> </a:t>
-            </a:r>
-            <a:r>
-              <a:rPr lang="de-DE" sz="1000" i="1" dirty="0" err="1" smtClean="0"/>
-              <a:t>identifier</a:t>
-            </a:r>
-            <a:endParaRPr lang="de-DE" sz="1000" i="1" dirty="0"/>
-          </a:p>
-        </p:txBody>
-      </p:sp>
-      <p:cxnSp>
-        <p:nvCxnSpPr>
-          <p:cNvPr id="93" name="Gerade Verbindung 92"/>
-          <p:cNvCxnSpPr/>
-          <p:nvPr/>
-        </p:nvCxnSpPr>
-        <p:spPr>
-          <a:xfrm>
-            <a:off x="7618942" y="1889924"/>
-            <a:ext cx="0" cy="115479"/>
-          </a:xfrm>
-          <a:prstGeom prst="line">
-            <a:avLst/>
-          </a:prstGeom>
-          <a:ln w="12700">
-            <a:solidFill>
-              <a:schemeClr val="tx1"/>
-            </a:solidFill>
-            <a:headEnd type="none"/>
-            <a:tailEnd type="oval" w="sm" len="sm"/>
-          </a:ln>
-        </p:spPr>
-        <p:style>
-          <a:lnRef idx="1">
-            <a:schemeClr val="accent1"/>
-          </a:lnRef>
-          <a:fillRef idx="0">
-            <a:schemeClr val="accent1"/>
-          </a:fillRef>
-          <a:effectRef idx="0">
-            <a:schemeClr val="accent1"/>
-          </a:effectRef>
-          <a:fontRef idx="minor">
-            <a:schemeClr val="tx1"/>
-          </a:fontRef>
-        </p:style>
-      </p:cxnSp>
-      <p:sp>
-        <p:nvSpPr>
-          <p:cNvPr id="95" name="Rechteck 94"/>
-          <p:cNvSpPr/>
-          <p:nvPr/>
-        </p:nvSpPr>
-        <p:spPr>
-          <a:xfrm>
-            <a:off x="8111508" y="2147761"/>
-            <a:ext cx="512440" cy="2160240"/>
-          </a:xfrm>
-          <a:prstGeom prst="rect">
-            <a:avLst/>
-          </a:prstGeom>
-          <a:solidFill>
-            <a:schemeClr val="accent3">
-              <a:lumMod val="20000"/>
-              <a:lumOff val="80000"/>
-              <a:alpha val="35000"/>
-            </a:schemeClr>
-          </a:solidFill>
-          <a:ln>
-            <a:noFill/>
-          </a:ln>
-        </p:spPr>
-        <p:style>
-          <a:lnRef idx="2">
-            <a:schemeClr val="accent1">
-              <a:shade val="50000"/>
-            </a:schemeClr>
-          </a:lnRef>
-          <a:fillRef idx="1">
-            <a:schemeClr val="accent1"/>
-          </a:fillRef>
-          <a:effectRef idx="0">
-            <a:schemeClr val="accent1"/>
-          </a:effectRef>
-          <a:fontRef idx="minor">
-            <a:schemeClr val="lt1"/>
-          </a:fontRef>
-        </p:style>
         <p:txBody>
           <a:bodyPr rtlCol="0" anchor="ctr"/>
           <a:lstStyle/>
@@ -6241,159 +6418,9 @@
           </a:p>
         </p:txBody>
       </p:sp>
-      <p:sp>
-        <p:nvSpPr>
-          <p:cNvPr id="96" name="Rechteck 95"/>
-          <p:cNvSpPr/>
-          <p:nvPr/>
-        </p:nvSpPr>
-        <p:spPr>
-          <a:xfrm>
-            <a:off x="8111508" y="2147761"/>
-            <a:ext cx="512440" cy="2016224"/>
-          </a:xfrm>
-          <a:prstGeom prst="rect">
-            <a:avLst/>
-          </a:prstGeom>
-          <a:solidFill>
-            <a:schemeClr val="accent3">
-              <a:lumMod val="20000"/>
-              <a:lumOff val="80000"/>
-              <a:alpha val="59000"/>
-            </a:schemeClr>
-          </a:solidFill>
-          <a:ln>
-            <a:noFill/>
-          </a:ln>
-        </p:spPr>
-        <p:style>
-          <a:lnRef idx="2">
-            <a:schemeClr val="accent1">
-              <a:shade val="50000"/>
-            </a:schemeClr>
-          </a:lnRef>
-          <a:fillRef idx="1">
-            <a:schemeClr val="accent1"/>
-          </a:fillRef>
-          <a:effectRef idx="0">
-            <a:schemeClr val="accent1"/>
-          </a:effectRef>
-          <a:fontRef idx="minor">
-            <a:schemeClr val="lt1"/>
-          </a:fontRef>
-        </p:style>
-        <p:txBody>
-          <a:bodyPr rtlCol="0" anchor="ctr"/>
-          <a:lstStyle/>
-          <a:p>
-            <a:pPr algn="ctr"/>
-            <a:endParaRPr lang="de-DE"/>
-          </a:p>
-        </p:txBody>
-      </p:sp>
-      <p:sp>
-        <p:nvSpPr>
-          <p:cNvPr id="100" name="Rechteck 99"/>
-          <p:cNvSpPr/>
-          <p:nvPr/>
-        </p:nvSpPr>
-        <p:spPr>
-          <a:xfrm>
-            <a:off x="8111508" y="2147762"/>
-            <a:ext cx="512440" cy="144015"/>
-          </a:xfrm>
-          <a:prstGeom prst="rect">
-            <a:avLst/>
-          </a:prstGeom>
-          <a:solidFill>
-            <a:schemeClr val="accent1">
-              <a:lumMod val="40000"/>
-              <a:lumOff val="60000"/>
-              <a:alpha val="55000"/>
-            </a:schemeClr>
-          </a:solidFill>
-          <a:ln>
-            <a:noFill/>
-          </a:ln>
-        </p:spPr>
-        <p:style>
-          <a:lnRef idx="2">
-            <a:schemeClr val="accent1">
-              <a:shade val="50000"/>
-            </a:schemeClr>
-          </a:lnRef>
-          <a:fillRef idx="1">
-            <a:schemeClr val="accent1"/>
-          </a:fillRef>
-          <a:effectRef idx="0">
-            <a:schemeClr val="accent1"/>
-          </a:effectRef>
-          <a:fontRef idx="minor">
-            <a:schemeClr val="lt1"/>
-          </a:fontRef>
-        </p:style>
-        <p:txBody>
-          <a:bodyPr rtlCol="0" anchor="ctr"/>
-          <a:lstStyle/>
-          <a:p>
-            <a:pPr algn="ctr"/>
-            <a:endParaRPr lang="de-DE"/>
-          </a:p>
-        </p:txBody>
-      </p:sp>
-      <p:sp>
-        <p:nvSpPr>
-          <p:cNvPr id="101" name="Rechteck 100"/>
-          <p:cNvSpPr/>
-          <p:nvPr/>
-        </p:nvSpPr>
-        <p:spPr>
-          <a:xfrm>
-            <a:off x="8111508" y="2651817"/>
-            <a:ext cx="512440" cy="144016"/>
-          </a:xfrm>
-          <a:prstGeom prst="rect">
-            <a:avLst/>
-          </a:prstGeom>
-          <a:solidFill>
-            <a:schemeClr val="accent1">
-              <a:lumMod val="40000"/>
-              <a:lumOff val="60000"/>
-              <a:alpha val="55000"/>
-            </a:schemeClr>
-          </a:solidFill>
-          <a:ln>
-            <a:noFill/>
-          </a:ln>
-        </p:spPr>
-        <p:style>
-          <a:lnRef idx="2">
-            <a:schemeClr val="accent1">
-              <a:shade val="50000"/>
-            </a:schemeClr>
-          </a:lnRef>
-          <a:fillRef idx="1">
-            <a:schemeClr val="accent1"/>
-          </a:fillRef>
-          <a:effectRef idx="0">
-            <a:schemeClr val="accent1"/>
-          </a:effectRef>
-          <a:fontRef idx="minor">
-            <a:schemeClr val="lt1"/>
-          </a:fontRef>
-        </p:style>
-        <p:txBody>
-          <a:bodyPr rtlCol="0" anchor="ctr"/>
-          <a:lstStyle/>
-          <a:p>
-            <a:pPr algn="ctr"/>
-            <a:endParaRPr lang="de-DE"/>
-          </a:p>
-        </p:txBody>
-      </p:sp>
       <p:pic>
         <p:nvPicPr>
-          <p:cNvPr id="2050" name="Picture 2"/>
+          <p:cNvPr id="1026" name="Picture 2"/>
           <p:cNvPicPr>
             <a:picLocks noChangeAspect="1" noChangeArrowheads="1"/>
           </p:cNvPicPr>
@@ -6401,16 +6428,6 @@
         </p:nvPicPr>
         <p:blipFill>
           <a:blip r:embed="rId4" cstate="print">
-            <a:clrChange>
-              <a:clrFrom>
-                <a:srgbClr val="FFFFFF"/>
-              </a:clrFrom>
-              <a:clrTo>
-                <a:srgbClr val="FFFFFF">
-                  <a:alpha val="0"/>
-                </a:srgbClr>
-              </a:clrTo>
-            </a:clrChange>
             <a:extLst>
               <a:ext uri="{28A0092B-C50C-407E-A947-70E740481C1C}">
                 <a14:useLocalDpi xmlns:a14="http://schemas.microsoft.com/office/drawing/2010/main" val="0"/>
@@ -6424,8 +6441,8 @@
         </p:blipFill>
         <p:spPr bwMode="auto">
           <a:xfrm>
-            <a:off x="6004091" y="2004945"/>
-            <a:ext cx="2908364" cy="2344872"/>
+            <a:off x="251520" y="5272658"/>
+            <a:ext cx="3664270" cy="1158660"/>
           </a:xfrm>
           <a:prstGeom prst="rect">
             <a:avLst/>
@@ -6465,149 +6482,152 @@
           </a:extLst>
         </p:spPr>
       </p:pic>
-      <p:grpSp>
-        <p:nvGrpSpPr>
-          <p:cNvPr id="2066" name="Gruppieren 2065"/>
-          <p:cNvGrpSpPr/>
-          <p:nvPr/>
-        </p:nvGrpSpPr>
-        <p:grpSpPr>
-          <a:xfrm>
-            <a:off x="8024280" y="2906966"/>
-            <a:ext cx="971892" cy="277001"/>
-            <a:chOff x="2915816" y="4740520"/>
-            <a:chExt cx="971892" cy="277001"/>
-          </a:xfrm>
-        </p:grpSpPr>
-        <p:sp>
-          <p:nvSpPr>
-            <p:cNvPr id="98" name="Textfeld 97"/>
-            <p:cNvSpPr txBox="1"/>
-            <p:nvPr/>
-          </p:nvSpPr>
-          <p:spPr>
-            <a:xfrm>
-              <a:off x="2915817" y="4740522"/>
-              <a:ext cx="971891" cy="276999"/>
-            </a:xfrm>
-            <a:prstGeom prst="rect">
-              <a:avLst/>
-            </a:prstGeom>
+      <p:pic>
+        <p:nvPicPr>
+          <p:cNvPr id="1027" name="Picture 3"/>
+          <p:cNvPicPr>
+            <a:picLocks noChangeAspect="1" noChangeArrowheads="1"/>
+          </p:cNvPicPr>
+          <p:nvPr/>
+        </p:nvPicPr>
+        <p:blipFill rotWithShape="1">
+          <a:blip r:embed="rId5" cstate="print">
+            <a:extLst>
+              <a:ext uri="{28A0092B-C50C-407E-A947-70E740481C1C}">
+                <a14:useLocalDpi xmlns:a14="http://schemas.microsoft.com/office/drawing/2010/main" val="0"/>
+              </a:ext>
+            </a:extLst>
+          </a:blip>
+          <a:srcRect r="56068"/>
+          <a:stretch/>
+        </p:blipFill>
+        <p:spPr bwMode="auto">
+          <a:xfrm>
+            <a:off x="4241489" y="5271076"/>
+            <a:ext cx="2245197" cy="1254268"/>
+          </a:xfrm>
+          <a:prstGeom prst="rect">
+            <a:avLst/>
+          </a:prstGeom>
+          <a:noFill/>
+          <a:ln>
             <a:noFill/>
-          </p:spPr>
-          <p:txBody>
-            <a:bodyPr wrap="square" rtlCol="0">
-              <a:spAutoFit/>
-            </a:bodyPr>
-            <a:lstStyle/>
-            <a:p>
-              <a:r>
-                <a:rPr lang="de-DE" sz="1200" i="1" dirty="0" err="1" smtClean="0">
-                  <a:ln w="19050">
-                    <a:solidFill>
-                      <a:schemeClr val="bg1"/>
-                    </a:solidFill>
-                  </a:ln>
-                </a:rPr>
-                <a:t>values</a:t>
-              </a:r>
-              <a:endParaRPr lang="de-DE" sz="1200" i="1" dirty="0">
-                <a:ln w="19050">
-                  <a:solidFill>
-                    <a:schemeClr val="bg1"/>
-                  </a:solidFill>
-                </a:ln>
-              </a:endParaRPr>
-            </a:p>
-          </p:txBody>
-        </p:sp>
-        <p:sp>
-          <p:nvSpPr>
-            <p:cNvPr id="99" name="Textfeld 98"/>
-            <p:cNvSpPr txBox="1"/>
-            <p:nvPr/>
-          </p:nvSpPr>
-          <p:spPr>
-            <a:xfrm>
-              <a:off x="2915816" y="4740520"/>
-              <a:ext cx="971891" cy="276999"/>
-            </a:xfrm>
-            <a:prstGeom prst="rect">
-              <a:avLst/>
-            </a:prstGeom>
+          </a:ln>
+          <a:effectLst/>
+          <a:extLst>
+            <a:ext uri="{909E8E84-426E-40DD-AFC4-6F175D3DCCD1}">
+              <a14:hiddenFill xmlns:a14="http://schemas.microsoft.com/office/drawing/2010/main">
+                <a:solidFill>
+                  <a:schemeClr val="accent1"/>
+                </a:solidFill>
+              </a14:hiddenFill>
+            </a:ext>
+            <a:ext uri="{91240B29-F687-4F45-9708-019B960494DF}">
+              <a14:hiddenLine xmlns:a14="http://schemas.microsoft.com/office/drawing/2010/main" w="9525">
+                <a:solidFill>
+                  <a:schemeClr val="tx1"/>
+                </a:solidFill>
+                <a:miter lim="800000"/>
+                <a:headEnd/>
+                <a:tailEnd/>
+              </a14:hiddenLine>
+            </a:ext>
+            <a:ext uri="{AF507438-7753-43E0-B8FC-AC1667EBCBE1}">
+              <a14:hiddenEffects xmlns:a14="http://schemas.microsoft.com/office/drawing/2010/main">
+                <a:effectLst>
+                  <a:outerShdw dist="35921" dir="2700000" algn="ctr" rotWithShape="0">
+                    <a:schemeClr val="bg2"/>
+                  </a:outerShdw>
+                </a:effectLst>
+              </a14:hiddenEffects>
+            </a:ext>
+          </a:extLst>
+        </p:spPr>
+      </p:pic>
+      <p:pic>
+        <p:nvPicPr>
+          <p:cNvPr id="5" name="Picture 4"/>
+          <p:cNvPicPr>
+            <a:picLocks noChangeAspect="1" noChangeArrowheads="1"/>
+          </p:cNvPicPr>
+          <p:nvPr/>
+        </p:nvPicPr>
+        <p:blipFill>
+          <a:blip r:embed="rId6" cstate="print">
+            <a:clrChange>
+              <a:clrFrom>
+                <a:srgbClr val="FFFFFF"/>
+              </a:clrFrom>
+              <a:clrTo>
+                <a:srgbClr val="FFFFFF">
+                  <a:alpha val="0"/>
+                </a:srgbClr>
+              </a:clrTo>
+            </a:clrChange>
+            <a:extLst>
+              <a:ext uri="{28A0092B-C50C-407E-A947-70E740481C1C}">
+                <a14:useLocalDpi xmlns:a14="http://schemas.microsoft.com/office/drawing/2010/main" val="0"/>
+              </a:ext>
+            </a:extLst>
+          </a:blip>
+          <a:srcRect/>
+          <a:stretch>
+            <a:fillRect/>
+          </a:stretch>
+        </p:blipFill>
+        <p:spPr bwMode="auto">
+          <a:xfrm>
+            <a:off x="2856711" y="1642586"/>
+            <a:ext cx="2614266" cy="1931109"/>
+          </a:xfrm>
+          <a:prstGeom prst="rect">
+            <a:avLst/>
+          </a:prstGeom>
+          <a:noFill/>
+          <a:ln>
             <a:noFill/>
-          </p:spPr>
-          <p:txBody>
-            <a:bodyPr wrap="square" rtlCol="0">
-              <a:spAutoFit/>
-            </a:bodyPr>
-            <a:lstStyle/>
-            <a:p>
-              <a:r>
-                <a:rPr lang="de-DE" sz="1200" i="1" dirty="0" err="1" smtClean="0">
-                  <a:ln w="19050">
-                    <a:noFill/>
-                  </a:ln>
-                </a:rPr>
-                <a:t>values</a:t>
-              </a:r>
-              <a:endParaRPr lang="de-DE" sz="1200" i="1" dirty="0">
-                <a:ln w="19050">
-                  <a:noFill/>
-                </a:ln>
-              </a:endParaRPr>
-            </a:p>
-          </p:txBody>
-        </p:sp>
-      </p:grpSp>
-      <p:sp>
-        <p:nvSpPr>
-          <p:cNvPr id="107" name="Textfeld 106"/>
-          <p:cNvSpPr txBox="1"/>
-          <p:nvPr/>
-        </p:nvSpPr>
-        <p:spPr>
-          <a:xfrm>
-            <a:off x="1461028" y="1962753"/>
-            <a:ext cx="971891" cy="246221"/>
-          </a:xfrm>
-          <a:prstGeom prst="rect">
-            <a:avLst/>
-          </a:prstGeom>
-          <a:noFill/>
-        </p:spPr>
-        <p:txBody>
-          <a:bodyPr wrap="square" rtlCol="0">
-            <a:spAutoFit/>
-          </a:bodyPr>
-          <a:lstStyle/>
-          <a:p>
-            <a:r>
-              <a:rPr lang="de-DE" sz="1000" i="1" dirty="0" err="1" smtClean="0"/>
-              <a:t>trait</a:t>
-            </a:r>
-            <a:r>
-              <a:rPr lang="de-DE" sz="1000" i="1" dirty="0" smtClean="0"/>
-              <a:t> </a:t>
-            </a:r>
-            <a:r>
-              <a:rPr lang="de-DE" sz="1000" i="1" dirty="0" err="1" smtClean="0"/>
-              <a:t>identifier</a:t>
-            </a:r>
-            <a:endParaRPr lang="de-DE" sz="1000" i="1" dirty="0"/>
-          </a:p>
-        </p:txBody>
-      </p:sp>
+          </a:ln>
+          <a:effectLst/>
+          <a:extLst>
+            <a:ext uri="{909E8E84-426E-40DD-AFC4-6F175D3DCCD1}">
+              <a14:hiddenFill xmlns:a14="http://schemas.microsoft.com/office/drawing/2010/main">
+                <a:solidFill>
+                  <a:schemeClr val="accent1"/>
+                </a:solidFill>
+              </a14:hiddenFill>
+            </a:ext>
+            <a:ext uri="{91240B29-F687-4F45-9708-019B960494DF}">
+              <a14:hiddenLine xmlns:a14="http://schemas.microsoft.com/office/drawing/2010/main" w="9525">
+                <a:solidFill>
+                  <a:schemeClr val="tx1"/>
+                </a:solidFill>
+                <a:miter lim="800000"/>
+                <a:headEnd/>
+                <a:tailEnd/>
+              </a14:hiddenLine>
+            </a:ext>
+            <a:ext uri="{AF507438-7753-43E0-B8FC-AC1667EBCBE1}">
+              <a14:hiddenEffects xmlns:a14="http://schemas.microsoft.com/office/drawing/2010/main">
+                <a:effectLst>
+                  <a:outerShdw dist="35921" dir="2700000" algn="ctr" rotWithShape="0">
+                    <a:schemeClr val="bg2"/>
+                  </a:outerShdw>
+                </a:effectLst>
+              </a14:hiddenEffects>
+            </a:ext>
+          </a:extLst>
+        </p:spPr>
+      </p:pic>
       <p:cxnSp>
         <p:nvCxnSpPr>
-          <p:cNvPr id="108" name="Gerade Verbindung 107"/>
+          <p:cNvPr id="74" name="Gerade Verbindung 73"/>
           <p:cNvCxnSpPr/>
           <p:nvPr/>
         </p:nvCxnSpPr>
         <p:spPr>
-          <a:xfrm flipH="1">
-            <a:off x="1074489" y="2262298"/>
-            <a:ext cx="564321" cy="0"/>
+          <a:xfrm>
+            <a:off x="462948" y="5190069"/>
+            <a:ext cx="0" cy="133887"/>
           </a:xfrm>
           <a:prstGeom prst="line">
             <a:avLst/>
@@ -6616,8 +6636,9 @@
             <a:solidFill>
               <a:schemeClr val="tx1"/>
             </a:solidFill>
+            <a:round/>
             <a:headEnd type="none"/>
-            <a:tailEnd type="oval" w="sm" len="sm"/>
+            <a:tailEnd type="triangle" w="sm" len="sm"/>
           </a:ln>
         </p:spPr>
         <p:style>
@@ -6635,16 +6656,164 @@
           </a:fontRef>
         </p:style>
       </p:cxnSp>
+      <p:sp>
+        <p:nvSpPr>
+          <p:cNvPr id="75" name="Textfeld 74"/>
+          <p:cNvSpPr txBox="1"/>
+          <p:nvPr/>
+        </p:nvSpPr>
+        <p:spPr>
+          <a:xfrm>
+            <a:off x="306820" y="4785807"/>
+            <a:ext cx="1512168" cy="400110"/>
+          </a:xfrm>
+          <a:prstGeom prst="rect">
+            <a:avLst/>
+          </a:prstGeom>
+          <a:noFill/>
+        </p:spPr>
+        <p:txBody>
+          <a:bodyPr wrap="square" rtlCol="0">
+            <a:spAutoFit/>
+          </a:bodyPr>
+          <a:lstStyle/>
+          <a:p>
+            <a:r>
+              <a:rPr lang="de-DE" sz="1000" i="1" dirty="0" err="1" smtClean="0"/>
+              <a:t>occurrence</a:t>
+            </a:r>
+            <a:r>
+              <a:rPr lang="de-DE" sz="1000" i="1" dirty="0" smtClean="0"/>
+              <a:t> </a:t>
+            </a:r>
+            <a:br>
+              <a:rPr lang="de-DE" sz="1000" i="1" dirty="0" smtClean="0"/>
+            </a:br>
+            <a:r>
+              <a:rPr lang="de-DE" sz="1000" i="1" dirty="0" err="1" smtClean="0"/>
+              <a:t>identifier</a:t>
+            </a:r>
+            <a:endParaRPr lang="de-DE" sz="1000" i="1" dirty="0"/>
+          </a:p>
+        </p:txBody>
+      </p:sp>
+      <p:pic>
+        <p:nvPicPr>
+          <p:cNvPr id="76" name="Picture 3"/>
+          <p:cNvPicPr>
+            <a:picLocks noChangeAspect="1" noChangeArrowheads="1"/>
+          </p:cNvPicPr>
+          <p:nvPr/>
+        </p:nvPicPr>
+        <p:blipFill rotWithShape="1">
+          <a:blip r:embed="rId5" cstate="print">
+            <a:extLst>
+              <a:ext uri="{28A0092B-C50C-407E-A947-70E740481C1C}">
+                <a14:useLocalDpi xmlns:a14="http://schemas.microsoft.com/office/drawing/2010/main" val="0"/>
+              </a:ext>
+            </a:extLst>
+          </a:blip>
+          <a:srcRect l="53753"/>
+          <a:stretch/>
+        </p:blipFill>
+        <p:spPr bwMode="auto">
+          <a:xfrm>
+            <a:off x="6465494" y="5271076"/>
+            <a:ext cx="2363530" cy="1254268"/>
+          </a:xfrm>
+          <a:prstGeom prst="rect">
+            <a:avLst/>
+          </a:prstGeom>
+          <a:noFill/>
+          <a:ln>
+            <a:noFill/>
+          </a:ln>
+          <a:effectLst/>
+          <a:extLst>
+            <a:ext uri="{909E8E84-426E-40DD-AFC4-6F175D3DCCD1}">
+              <a14:hiddenFill xmlns:a14="http://schemas.microsoft.com/office/drawing/2010/main">
+                <a:solidFill>
+                  <a:schemeClr val="accent1"/>
+                </a:solidFill>
+              </a14:hiddenFill>
+            </a:ext>
+            <a:ext uri="{91240B29-F687-4F45-9708-019B960494DF}">
+              <a14:hiddenLine xmlns:a14="http://schemas.microsoft.com/office/drawing/2010/main" w="9525">
+                <a:solidFill>
+                  <a:schemeClr val="tx1"/>
+                </a:solidFill>
+                <a:miter lim="800000"/>
+                <a:headEnd/>
+                <a:tailEnd/>
+              </a14:hiddenLine>
+            </a:ext>
+            <a:ext uri="{AF507438-7753-43E0-B8FC-AC1667EBCBE1}">
+              <a14:hiddenEffects xmlns:a14="http://schemas.microsoft.com/office/drawing/2010/main">
+                <a:effectLst>
+                  <a:outerShdw dist="35921" dir="2700000" algn="ctr" rotWithShape="0">
+                    <a:schemeClr val="bg2"/>
+                  </a:outerShdw>
+                </a:effectLst>
+              </a14:hiddenEffects>
+            </a:ext>
+          </a:extLst>
+        </p:spPr>
+      </p:pic>
+      <p:sp>
+        <p:nvSpPr>
+          <p:cNvPr id="77" name="Textfeld 76"/>
+          <p:cNvSpPr txBox="1"/>
+          <p:nvPr/>
+        </p:nvSpPr>
+        <p:spPr>
+          <a:xfrm>
+            <a:off x="4207581" y="4793673"/>
+            <a:ext cx="1547955" cy="400110"/>
+          </a:xfrm>
+          <a:prstGeom prst="rect">
+            <a:avLst/>
+          </a:prstGeom>
+          <a:noFill/>
+        </p:spPr>
+        <p:txBody>
+          <a:bodyPr wrap="square" rtlCol="0">
+            <a:spAutoFit/>
+          </a:bodyPr>
+          <a:lstStyle/>
+          <a:p>
+            <a:r>
+              <a:rPr lang="de-DE" sz="1000" i="1" dirty="0" err="1" smtClean="0"/>
+              <a:t>measurement</a:t>
+            </a:r>
+            <a:r>
+              <a:rPr lang="de-DE" sz="1000" i="1" dirty="0" smtClean="0"/>
+              <a:t> </a:t>
+            </a:r>
+            <a:r>
+              <a:rPr lang="de-DE" sz="1000" i="1" dirty="0" smtClean="0"/>
+              <a:t/>
+            </a:r>
+            <a:br>
+              <a:rPr lang="de-DE" sz="1000" i="1" dirty="0" smtClean="0"/>
+            </a:br>
+            <a:r>
+              <a:rPr lang="de-DE" sz="1000" i="1" dirty="0" err="1" smtClean="0"/>
+              <a:t>identifier</a:t>
+            </a:r>
+            <a:endParaRPr lang="de-DE" sz="1000" i="1" dirty="0"/>
+          </a:p>
+        </p:txBody>
+      </p:sp>
       <p:cxnSp>
         <p:nvCxnSpPr>
-          <p:cNvPr id="109" name="Gerade Verbindung 108"/>
+          <p:cNvPr id="78" name="Gerade Verbindung 77"/>
           <p:cNvCxnSpPr/>
           <p:nvPr/>
         </p:nvCxnSpPr>
         <p:spPr>
-          <a:xfrm flipH="1">
-            <a:off x="1363414" y="2296235"/>
-            <a:ext cx="564321" cy="0"/>
+          <a:xfrm>
+            <a:off x="4392464" y="5210226"/>
+            <a:ext cx="0" cy="124956"/>
           </a:xfrm>
           <a:prstGeom prst="line">
             <a:avLst/>
@@ -6654,7 +6823,7 @@
               <a:schemeClr val="tx1"/>
             </a:solidFill>
             <a:headEnd type="none"/>
-            <a:tailEnd type="oval" w="sm" len="sm"/>
+            <a:tailEnd type="triangle" w="sm" len="sm"/>
           </a:ln>
         </p:spPr>
         <p:style>
@@ -6672,148 +6841,98 @@
           </a:fontRef>
         </p:style>
       </p:cxnSp>
-      <p:cxnSp>
-        <p:nvCxnSpPr>
-          <p:cNvPr id="110" name="Gerade Verbindung 109"/>
-          <p:cNvCxnSpPr/>
-          <p:nvPr/>
-        </p:nvCxnSpPr>
-        <p:spPr>
-          <a:xfrm flipH="1">
-            <a:off x="1625489" y="2333755"/>
-            <a:ext cx="564321" cy="0"/>
-          </a:xfrm>
-          <a:prstGeom prst="line">
-            <a:avLst/>
-          </a:prstGeom>
-          <a:ln w="12700">
-            <a:solidFill>
-              <a:schemeClr val="tx1"/>
-            </a:solidFill>
-            <a:headEnd type="none"/>
-            <a:tailEnd type="oval" w="sm" len="sm"/>
-          </a:ln>
-        </p:spPr>
-        <p:style>
-          <a:lnRef idx="1">
-            <a:schemeClr val="accent1"/>
-          </a:lnRef>
-          <a:fillRef idx="0">
-            <a:schemeClr val="accent1"/>
-          </a:fillRef>
-          <a:effectRef idx="0">
-            <a:schemeClr val="accent1"/>
-          </a:effectRef>
-          <a:fontRef idx="minor">
-            <a:schemeClr val="tx1"/>
-          </a:fontRef>
-        </p:style>
-      </p:cxnSp>
-      <p:cxnSp>
-        <p:nvCxnSpPr>
-          <p:cNvPr id="111" name="Gerade Verbindung 110"/>
-          <p:cNvCxnSpPr/>
-          <p:nvPr/>
-        </p:nvCxnSpPr>
-        <p:spPr>
-          <a:xfrm flipV="1">
-            <a:off x="1635695" y="2181208"/>
-            <a:ext cx="0" cy="86256"/>
-          </a:xfrm>
-          <a:prstGeom prst="line">
-            <a:avLst/>
-          </a:prstGeom>
-          <a:ln w="12700">
-            <a:solidFill>
-              <a:schemeClr val="tx1"/>
-            </a:solidFill>
-          </a:ln>
-        </p:spPr>
-        <p:style>
-          <a:lnRef idx="1">
-            <a:schemeClr val="accent1"/>
-          </a:lnRef>
-          <a:fillRef idx="0">
-            <a:schemeClr val="accent1"/>
-          </a:fillRef>
-          <a:effectRef idx="0">
-            <a:schemeClr val="accent1"/>
-          </a:effectRef>
-          <a:fontRef idx="minor">
-            <a:schemeClr val="tx1"/>
-          </a:fontRef>
-        </p:style>
-      </p:cxnSp>
-      <p:cxnSp>
-        <p:nvCxnSpPr>
-          <p:cNvPr id="112" name="Gerade Verbindung 111"/>
-          <p:cNvCxnSpPr/>
-          <p:nvPr/>
-        </p:nvCxnSpPr>
-        <p:spPr>
-          <a:xfrm flipV="1">
-            <a:off x="1927795" y="2181625"/>
-            <a:ext cx="0" cy="118275"/>
-          </a:xfrm>
-          <a:prstGeom prst="line">
-            <a:avLst/>
-          </a:prstGeom>
-          <a:ln w="12700">
-            <a:solidFill>
-              <a:schemeClr val="tx1"/>
-            </a:solidFill>
-          </a:ln>
-        </p:spPr>
-        <p:style>
-          <a:lnRef idx="1">
-            <a:schemeClr val="accent1"/>
-          </a:lnRef>
-          <a:fillRef idx="0">
-            <a:schemeClr val="accent1"/>
-          </a:fillRef>
-          <a:effectRef idx="0">
-            <a:schemeClr val="accent1"/>
-          </a:effectRef>
-          <a:fontRef idx="minor">
-            <a:schemeClr val="tx1"/>
-          </a:fontRef>
-        </p:style>
-      </p:cxnSp>
-      <p:cxnSp>
-        <p:nvCxnSpPr>
-          <p:cNvPr id="113" name="Gerade Verbindung 112"/>
-          <p:cNvCxnSpPr/>
-          <p:nvPr/>
-        </p:nvCxnSpPr>
-        <p:spPr>
-          <a:xfrm flipV="1">
-            <a:off x="2189810" y="2201981"/>
-            <a:ext cx="0" cy="131774"/>
-          </a:xfrm>
-          <a:prstGeom prst="line">
-            <a:avLst/>
-          </a:prstGeom>
-          <a:ln w="12700">
-            <a:solidFill>
-              <a:schemeClr val="tx1"/>
-            </a:solidFill>
-          </a:ln>
-        </p:spPr>
-        <p:style>
-          <a:lnRef idx="1">
-            <a:schemeClr val="accent1"/>
-          </a:lnRef>
-          <a:fillRef idx="0">
-            <a:schemeClr val="accent1"/>
-          </a:fillRef>
-          <a:effectRef idx="0">
-            <a:schemeClr val="accent1"/>
-          </a:effectRef>
-          <a:fontRef idx="minor">
-            <a:schemeClr val="tx1"/>
-          </a:fontRef>
-        </p:style>
-      </p:cxnSp>
+      <p:sp>
+        <p:nvSpPr>
+          <p:cNvPr id="82" name="Textfeld 81"/>
+          <p:cNvSpPr txBox="1"/>
+          <p:nvPr/>
+        </p:nvSpPr>
+        <p:spPr>
+          <a:xfrm>
+            <a:off x="251520" y="4478030"/>
+            <a:ext cx="2592288" cy="307777"/>
+          </a:xfrm>
+          <a:prstGeom prst="rect">
+            <a:avLst/>
+          </a:prstGeom>
+          <a:noFill/>
+        </p:spPr>
+        <p:txBody>
+          <a:bodyPr wrap="square" rtlCol="0">
+            <a:spAutoFit/>
+          </a:bodyPr>
+          <a:lstStyle/>
+          <a:p>
+            <a:r>
+              <a:rPr lang="de-DE" sz="1400" dirty="0" smtClean="0"/>
+              <a:t>d) </a:t>
+            </a:r>
+            <a:r>
+              <a:rPr lang="de-DE" sz="1400" dirty="0" err="1" smtClean="0"/>
+              <a:t>occurrence</a:t>
+            </a:r>
+            <a:r>
+              <a:rPr lang="de-DE" sz="1400" dirty="0" smtClean="0"/>
+              <a:t> </a:t>
+            </a:r>
+            <a:r>
+              <a:rPr lang="de-DE" sz="1400" dirty="0" err="1" smtClean="0"/>
+              <a:t>level</a:t>
+            </a:r>
+            <a:r>
+              <a:rPr lang="de-DE" sz="1400" dirty="0" smtClean="0"/>
+              <a:t> </a:t>
+            </a:r>
+            <a:r>
+              <a:rPr lang="de-DE" sz="1400" dirty="0" err="1" smtClean="0"/>
+              <a:t>information</a:t>
+            </a:r>
+            <a:endParaRPr lang="en-US" sz="1400" dirty="0"/>
+          </a:p>
+        </p:txBody>
+      </p:sp>
+      <p:sp>
+        <p:nvSpPr>
+          <p:cNvPr id="83" name="Textfeld 82"/>
+          <p:cNvSpPr txBox="1"/>
+          <p:nvPr/>
+        </p:nvSpPr>
+        <p:spPr>
+          <a:xfrm>
+            <a:off x="4132956" y="4485896"/>
+            <a:ext cx="2887315" cy="307777"/>
+          </a:xfrm>
+          <a:prstGeom prst="rect">
+            <a:avLst/>
+          </a:prstGeom>
+          <a:noFill/>
+        </p:spPr>
+        <p:txBody>
+          <a:bodyPr wrap="square" rtlCol="0">
+            <a:spAutoFit/>
+          </a:bodyPr>
+          <a:lstStyle/>
+          <a:p>
+            <a:r>
+              <a:rPr lang="de-DE" sz="1400" dirty="0" smtClean="0"/>
+              <a:t>e) </a:t>
+            </a:r>
+            <a:r>
+              <a:rPr lang="de-DE" sz="1400" dirty="0" err="1" smtClean="0"/>
+              <a:t>measurement</a:t>
+            </a:r>
+            <a:r>
+              <a:rPr lang="de-DE" sz="1400" dirty="0" smtClean="0"/>
+              <a:t>-level </a:t>
+            </a:r>
+            <a:r>
+              <a:rPr lang="de-DE" sz="1400" dirty="0" err="1" smtClean="0"/>
+              <a:t>information</a:t>
+            </a:r>
+            <a:endParaRPr lang="en-US" sz="1400" dirty="0"/>
+          </a:p>
+        </p:txBody>
+      </p:sp>
     </p:spTree>
     <p:extLst>
       <p:ext uri="{BB962C8B-B14F-4D97-AF65-F5344CB8AC3E}">

--- a/manuscript/figures/figures.pptx
+++ b/manuscript/figures/figures.pptx
@@ -8,6 +8,7 @@
     <p:sldId id="256" r:id="rId2"/>
     <p:sldId id="257" r:id="rId3"/>
     <p:sldId id="258" r:id="rId4"/>
+    <p:sldId id="259" r:id="rId5"/>
   </p:sldIdLst>
   <p:sldSz cx="9144000" cy="6858000" type="screen4x3"/>
   <p:notesSz cx="7099300" cy="10234613"/>
@@ -106,6 +107,22 @@
       </a:defRPr>
     </a:lvl9pPr>
   </p:defaultTextStyle>
+  <p:extLst>
+    <p:ext uri="{EFAFB233-063F-42B5-8137-9DF3F51BA10A}">
+      <p15:sldGuideLst xmlns:p15="http://schemas.microsoft.com/office/powerpoint/2012/main">
+        <p15:guide id="1" orient="horz" pos="2160">
+          <p15:clr>
+            <a:srgbClr val="A4A3A4"/>
+          </p15:clr>
+        </p15:guide>
+        <p15:guide id="2" pos="2880">
+          <p15:clr>
+            <a:srgbClr val="A4A3A4"/>
+          </p15:clr>
+        </p15:guide>
+      </p15:sldGuideLst>
+    </p:ext>
+  </p:extLst>
 </p:presentation>
 </file>
 
@@ -147,7 +164,7 @@
           <a:lstStyle/>
           <a:p>
             <a:r>
-              <a:rPr lang="de-DE" smtClean="0"/>
+              <a:rPr lang="de-DE"/>
               <a:t>Titelmasterformat durch Klicken bearbeiten</a:t>
             </a:r>
             <a:endParaRPr lang="en-US"/>
@@ -266,7 +283,7 @@
           </a:lstStyle>
           <a:p>
             <a:r>
-              <a:rPr lang="de-DE" smtClean="0"/>
+              <a:rPr lang="de-DE"/>
               <a:t>Formatvorlage des Untertitelmasters durch Klicken bearbeiten</a:t>
             </a:r>
             <a:endParaRPr lang="en-US"/>
@@ -290,7 +307,7 @@
           <a:p>
             <a:fld id="{0ACB0EB2-4780-487C-B2C2-8D0796C04687}" type="datetimeFigureOut">
               <a:rPr lang="en-US" smtClean="0"/>
-              <a:t>11/8/2017</a:t>
+              <a:t>2/28/2018</a:t>
             </a:fld>
             <a:endParaRPr lang="en-US"/>
           </a:p>
@@ -384,7 +401,7 @@
           <a:lstStyle/>
           <a:p>
             <a:r>
-              <a:rPr lang="de-DE" smtClean="0"/>
+              <a:rPr lang="de-DE"/>
               <a:t>Titelmasterformat durch Klicken bearbeiten</a:t>
             </a:r>
             <a:endParaRPr lang="en-US"/>
@@ -408,35 +425,35 @@
           <a:p>
             <a:pPr lvl="0"/>
             <a:r>
-              <a:rPr lang="de-DE" smtClean="0"/>
+              <a:rPr lang="de-DE"/>
               <a:t>Textmasterformat bearbeiten</a:t>
             </a:r>
           </a:p>
           <a:p>
             <a:pPr lvl="1"/>
             <a:r>
-              <a:rPr lang="de-DE" smtClean="0"/>
+              <a:rPr lang="de-DE"/>
               <a:t>Zweite Ebene</a:t>
             </a:r>
           </a:p>
           <a:p>
             <a:pPr lvl="2"/>
             <a:r>
-              <a:rPr lang="de-DE" smtClean="0"/>
+              <a:rPr lang="de-DE"/>
               <a:t>Dritte Ebene</a:t>
             </a:r>
           </a:p>
           <a:p>
             <a:pPr lvl="3"/>
             <a:r>
-              <a:rPr lang="de-DE" smtClean="0"/>
+              <a:rPr lang="de-DE"/>
               <a:t>Vierte Ebene</a:t>
             </a:r>
           </a:p>
           <a:p>
             <a:pPr lvl="4"/>
             <a:r>
-              <a:rPr lang="de-DE" smtClean="0"/>
+              <a:rPr lang="de-DE"/>
               <a:t>Fünfte Ebene</a:t>
             </a:r>
             <a:endParaRPr lang="en-US"/>
@@ -460,7 +477,7 @@
           <a:p>
             <a:fld id="{0ACB0EB2-4780-487C-B2C2-8D0796C04687}" type="datetimeFigureOut">
               <a:rPr lang="en-US" smtClean="0"/>
-              <a:t>11/8/2017</a:t>
+              <a:t>2/28/2018</a:t>
             </a:fld>
             <a:endParaRPr lang="en-US"/>
           </a:p>
@@ -559,7 +576,7 @@
           <a:lstStyle/>
           <a:p>
             <a:r>
-              <a:rPr lang="de-DE" smtClean="0"/>
+              <a:rPr lang="de-DE"/>
               <a:t>Titelmasterformat durch Klicken bearbeiten</a:t>
             </a:r>
             <a:endParaRPr lang="en-US"/>
@@ -588,35 +605,35 @@
           <a:p>
             <a:pPr lvl="0"/>
             <a:r>
-              <a:rPr lang="de-DE" smtClean="0"/>
+              <a:rPr lang="de-DE"/>
               <a:t>Textmasterformat bearbeiten</a:t>
             </a:r>
           </a:p>
           <a:p>
             <a:pPr lvl="1"/>
             <a:r>
-              <a:rPr lang="de-DE" smtClean="0"/>
+              <a:rPr lang="de-DE"/>
               <a:t>Zweite Ebene</a:t>
             </a:r>
           </a:p>
           <a:p>
             <a:pPr lvl="2"/>
             <a:r>
-              <a:rPr lang="de-DE" smtClean="0"/>
+              <a:rPr lang="de-DE"/>
               <a:t>Dritte Ebene</a:t>
             </a:r>
           </a:p>
           <a:p>
             <a:pPr lvl="3"/>
             <a:r>
-              <a:rPr lang="de-DE" smtClean="0"/>
+              <a:rPr lang="de-DE"/>
               <a:t>Vierte Ebene</a:t>
             </a:r>
           </a:p>
           <a:p>
             <a:pPr lvl="4"/>
             <a:r>
-              <a:rPr lang="de-DE" smtClean="0"/>
+              <a:rPr lang="de-DE"/>
               <a:t>Fünfte Ebene</a:t>
             </a:r>
             <a:endParaRPr lang="en-US"/>
@@ -640,7 +657,7 @@
           <a:p>
             <a:fld id="{0ACB0EB2-4780-487C-B2C2-8D0796C04687}" type="datetimeFigureOut">
               <a:rPr lang="en-US" smtClean="0"/>
-              <a:t>11/8/2017</a:t>
+              <a:t>2/28/2018</a:t>
             </a:fld>
             <a:endParaRPr lang="en-US"/>
           </a:p>
@@ -734,7 +751,7 @@
           <a:lstStyle/>
           <a:p>
             <a:r>
-              <a:rPr lang="de-DE" smtClean="0"/>
+              <a:rPr lang="de-DE"/>
               <a:t>Titelmasterformat durch Klicken bearbeiten</a:t>
             </a:r>
             <a:endParaRPr lang="en-US"/>
@@ -758,35 +775,35 @@
           <a:p>
             <a:pPr lvl="0"/>
             <a:r>
-              <a:rPr lang="de-DE" smtClean="0"/>
+              <a:rPr lang="de-DE"/>
               <a:t>Textmasterformat bearbeiten</a:t>
             </a:r>
           </a:p>
           <a:p>
             <a:pPr lvl="1"/>
             <a:r>
-              <a:rPr lang="de-DE" smtClean="0"/>
+              <a:rPr lang="de-DE"/>
               <a:t>Zweite Ebene</a:t>
             </a:r>
           </a:p>
           <a:p>
             <a:pPr lvl="2"/>
             <a:r>
-              <a:rPr lang="de-DE" smtClean="0"/>
+              <a:rPr lang="de-DE"/>
               <a:t>Dritte Ebene</a:t>
             </a:r>
           </a:p>
           <a:p>
             <a:pPr lvl="3"/>
             <a:r>
-              <a:rPr lang="de-DE" smtClean="0"/>
+              <a:rPr lang="de-DE"/>
               <a:t>Vierte Ebene</a:t>
             </a:r>
           </a:p>
           <a:p>
             <a:pPr lvl="4"/>
             <a:r>
-              <a:rPr lang="de-DE" smtClean="0"/>
+              <a:rPr lang="de-DE"/>
               <a:t>Fünfte Ebene</a:t>
             </a:r>
             <a:endParaRPr lang="en-US"/>
@@ -810,7 +827,7 @@
           <a:p>
             <a:fld id="{0ACB0EB2-4780-487C-B2C2-8D0796C04687}" type="datetimeFigureOut">
               <a:rPr lang="en-US" smtClean="0"/>
-              <a:t>11/8/2017</a:t>
+              <a:t>2/28/2018</a:t>
             </a:fld>
             <a:endParaRPr lang="en-US"/>
           </a:p>
@@ -913,7 +930,7 @@
           </a:lstStyle>
           <a:p>
             <a:r>
-              <a:rPr lang="de-DE" smtClean="0"/>
+              <a:rPr lang="de-DE"/>
               <a:t>Titelmasterformat durch Klicken bearbeiten</a:t>
             </a:r>
             <a:endParaRPr lang="en-US"/>
@@ -1033,7 +1050,7 @@
           <a:p>
             <a:pPr lvl="0"/>
             <a:r>
-              <a:rPr lang="de-DE" smtClean="0"/>
+              <a:rPr lang="de-DE"/>
               <a:t>Textmasterformat bearbeiten</a:t>
             </a:r>
           </a:p>
@@ -1056,7 +1073,7 @@
           <a:p>
             <a:fld id="{0ACB0EB2-4780-487C-B2C2-8D0796C04687}" type="datetimeFigureOut">
               <a:rPr lang="en-US" smtClean="0"/>
-              <a:t>11/8/2017</a:t>
+              <a:t>2/28/2018</a:t>
             </a:fld>
             <a:endParaRPr lang="en-US"/>
           </a:p>
@@ -1150,7 +1167,7 @@
           <a:lstStyle/>
           <a:p>
             <a:r>
-              <a:rPr lang="de-DE" smtClean="0"/>
+              <a:rPr lang="de-DE"/>
               <a:t>Titelmasterformat durch Klicken bearbeiten</a:t>
             </a:r>
             <a:endParaRPr lang="en-US"/>
@@ -1207,35 +1224,35 @@
           <a:p>
             <a:pPr lvl="0"/>
             <a:r>
-              <a:rPr lang="de-DE" smtClean="0"/>
+              <a:rPr lang="de-DE"/>
               <a:t>Textmasterformat bearbeiten</a:t>
             </a:r>
           </a:p>
           <a:p>
             <a:pPr lvl="1"/>
             <a:r>
-              <a:rPr lang="de-DE" smtClean="0"/>
+              <a:rPr lang="de-DE"/>
               <a:t>Zweite Ebene</a:t>
             </a:r>
           </a:p>
           <a:p>
             <a:pPr lvl="2"/>
             <a:r>
-              <a:rPr lang="de-DE" smtClean="0"/>
+              <a:rPr lang="de-DE"/>
               <a:t>Dritte Ebene</a:t>
             </a:r>
           </a:p>
           <a:p>
             <a:pPr lvl="3"/>
             <a:r>
-              <a:rPr lang="de-DE" smtClean="0"/>
+              <a:rPr lang="de-DE"/>
               <a:t>Vierte Ebene</a:t>
             </a:r>
           </a:p>
           <a:p>
             <a:pPr lvl="4"/>
             <a:r>
-              <a:rPr lang="de-DE" smtClean="0"/>
+              <a:rPr lang="de-DE"/>
               <a:t>Fünfte Ebene</a:t>
             </a:r>
             <a:endParaRPr lang="en-US"/>
@@ -1292,35 +1309,35 @@
           <a:p>
             <a:pPr lvl="0"/>
             <a:r>
-              <a:rPr lang="de-DE" smtClean="0"/>
+              <a:rPr lang="de-DE"/>
               <a:t>Textmasterformat bearbeiten</a:t>
             </a:r>
           </a:p>
           <a:p>
             <a:pPr lvl="1"/>
             <a:r>
-              <a:rPr lang="de-DE" smtClean="0"/>
+              <a:rPr lang="de-DE"/>
               <a:t>Zweite Ebene</a:t>
             </a:r>
           </a:p>
           <a:p>
             <a:pPr lvl="2"/>
             <a:r>
-              <a:rPr lang="de-DE" smtClean="0"/>
+              <a:rPr lang="de-DE"/>
               <a:t>Dritte Ebene</a:t>
             </a:r>
           </a:p>
           <a:p>
             <a:pPr lvl="3"/>
             <a:r>
-              <a:rPr lang="de-DE" smtClean="0"/>
+              <a:rPr lang="de-DE"/>
               <a:t>Vierte Ebene</a:t>
             </a:r>
           </a:p>
           <a:p>
             <a:pPr lvl="4"/>
             <a:r>
-              <a:rPr lang="de-DE" smtClean="0"/>
+              <a:rPr lang="de-DE"/>
               <a:t>Fünfte Ebene</a:t>
             </a:r>
             <a:endParaRPr lang="en-US"/>
@@ -1344,7 +1361,7 @@
           <a:p>
             <a:fld id="{0ACB0EB2-4780-487C-B2C2-8D0796C04687}" type="datetimeFigureOut">
               <a:rPr lang="en-US" smtClean="0"/>
-              <a:t>11/8/2017</a:t>
+              <a:t>2/28/2018</a:t>
             </a:fld>
             <a:endParaRPr lang="en-US"/>
           </a:p>
@@ -1442,7 +1459,7 @@
           </a:lstStyle>
           <a:p>
             <a:r>
-              <a:rPr lang="de-DE" smtClean="0"/>
+              <a:rPr lang="de-DE"/>
               <a:t>Titelmasterformat durch Klicken bearbeiten</a:t>
             </a:r>
             <a:endParaRPr lang="en-US"/>
@@ -1508,7 +1525,7 @@
           <a:p>
             <a:pPr lvl="0"/>
             <a:r>
-              <a:rPr lang="de-DE" smtClean="0"/>
+              <a:rPr lang="de-DE"/>
               <a:t>Textmasterformat bearbeiten</a:t>
             </a:r>
           </a:p>
@@ -1564,35 +1581,35 @@
           <a:p>
             <a:pPr lvl="0"/>
             <a:r>
-              <a:rPr lang="de-DE" smtClean="0"/>
+              <a:rPr lang="de-DE"/>
               <a:t>Textmasterformat bearbeiten</a:t>
             </a:r>
           </a:p>
           <a:p>
             <a:pPr lvl="1"/>
             <a:r>
-              <a:rPr lang="de-DE" smtClean="0"/>
+              <a:rPr lang="de-DE"/>
               <a:t>Zweite Ebene</a:t>
             </a:r>
           </a:p>
           <a:p>
             <a:pPr lvl="2"/>
             <a:r>
-              <a:rPr lang="de-DE" smtClean="0"/>
+              <a:rPr lang="de-DE"/>
               <a:t>Dritte Ebene</a:t>
             </a:r>
           </a:p>
           <a:p>
             <a:pPr lvl="3"/>
             <a:r>
-              <a:rPr lang="de-DE" smtClean="0"/>
+              <a:rPr lang="de-DE"/>
               <a:t>Vierte Ebene</a:t>
             </a:r>
           </a:p>
           <a:p>
             <a:pPr lvl="4"/>
             <a:r>
-              <a:rPr lang="de-DE" smtClean="0"/>
+              <a:rPr lang="de-DE"/>
               <a:t>Fünfte Ebene</a:t>
             </a:r>
             <a:endParaRPr lang="en-US"/>
@@ -1658,7 +1675,7 @@
           <a:p>
             <a:pPr lvl="0"/>
             <a:r>
-              <a:rPr lang="de-DE" smtClean="0"/>
+              <a:rPr lang="de-DE"/>
               <a:t>Textmasterformat bearbeiten</a:t>
             </a:r>
           </a:p>
@@ -1714,35 +1731,35 @@
           <a:p>
             <a:pPr lvl="0"/>
             <a:r>
-              <a:rPr lang="de-DE" smtClean="0"/>
+              <a:rPr lang="de-DE"/>
               <a:t>Textmasterformat bearbeiten</a:t>
             </a:r>
           </a:p>
           <a:p>
             <a:pPr lvl="1"/>
             <a:r>
-              <a:rPr lang="de-DE" smtClean="0"/>
+              <a:rPr lang="de-DE"/>
               <a:t>Zweite Ebene</a:t>
             </a:r>
           </a:p>
           <a:p>
             <a:pPr lvl="2"/>
             <a:r>
-              <a:rPr lang="de-DE" smtClean="0"/>
+              <a:rPr lang="de-DE"/>
               <a:t>Dritte Ebene</a:t>
             </a:r>
           </a:p>
           <a:p>
             <a:pPr lvl="3"/>
             <a:r>
-              <a:rPr lang="de-DE" smtClean="0"/>
+              <a:rPr lang="de-DE"/>
               <a:t>Vierte Ebene</a:t>
             </a:r>
           </a:p>
           <a:p>
             <a:pPr lvl="4"/>
             <a:r>
-              <a:rPr lang="de-DE" smtClean="0"/>
+              <a:rPr lang="de-DE"/>
               <a:t>Fünfte Ebene</a:t>
             </a:r>
             <a:endParaRPr lang="en-US"/>
@@ -1766,7 +1783,7 @@
           <a:p>
             <a:fld id="{0ACB0EB2-4780-487C-B2C2-8D0796C04687}" type="datetimeFigureOut">
               <a:rPr lang="en-US" smtClean="0"/>
-              <a:t>11/8/2017</a:t>
+              <a:t>2/28/2018</a:t>
             </a:fld>
             <a:endParaRPr lang="en-US"/>
           </a:p>
@@ -1860,7 +1877,7 @@
           <a:lstStyle/>
           <a:p>
             <a:r>
-              <a:rPr lang="de-DE" smtClean="0"/>
+              <a:rPr lang="de-DE"/>
               <a:t>Titelmasterformat durch Klicken bearbeiten</a:t>
             </a:r>
             <a:endParaRPr lang="en-US"/>
@@ -1884,7 +1901,7 @@
           <a:p>
             <a:fld id="{0ACB0EB2-4780-487C-B2C2-8D0796C04687}" type="datetimeFigureOut">
               <a:rPr lang="en-US" smtClean="0"/>
-              <a:t>11/8/2017</a:t>
+              <a:t>2/28/2018</a:t>
             </a:fld>
             <a:endParaRPr lang="en-US"/>
           </a:p>
@@ -1979,7 +1996,7 @@
           <a:p>
             <a:fld id="{0ACB0EB2-4780-487C-B2C2-8D0796C04687}" type="datetimeFigureOut">
               <a:rPr lang="en-US" smtClean="0"/>
-              <a:t>11/8/2017</a:t>
+              <a:t>2/28/2018</a:t>
             </a:fld>
             <a:endParaRPr lang="en-US"/>
           </a:p>
@@ -2082,7 +2099,7 @@
           </a:lstStyle>
           <a:p>
             <a:r>
-              <a:rPr lang="de-DE" smtClean="0"/>
+              <a:rPr lang="de-DE"/>
               <a:t>Titelmasterformat durch Klicken bearbeiten</a:t>
             </a:r>
             <a:endParaRPr lang="en-US"/>
@@ -2139,35 +2156,35 @@
           <a:p>
             <a:pPr lvl="0"/>
             <a:r>
-              <a:rPr lang="de-DE" smtClean="0"/>
+              <a:rPr lang="de-DE"/>
               <a:t>Textmasterformat bearbeiten</a:t>
             </a:r>
           </a:p>
           <a:p>
             <a:pPr lvl="1"/>
             <a:r>
-              <a:rPr lang="de-DE" smtClean="0"/>
+              <a:rPr lang="de-DE"/>
               <a:t>Zweite Ebene</a:t>
             </a:r>
           </a:p>
           <a:p>
             <a:pPr lvl="2"/>
             <a:r>
-              <a:rPr lang="de-DE" smtClean="0"/>
+              <a:rPr lang="de-DE"/>
               <a:t>Dritte Ebene</a:t>
             </a:r>
           </a:p>
           <a:p>
             <a:pPr lvl="3"/>
             <a:r>
-              <a:rPr lang="de-DE" smtClean="0"/>
+              <a:rPr lang="de-DE"/>
               <a:t>Vierte Ebene</a:t>
             </a:r>
           </a:p>
           <a:p>
             <a:pPr lvl="4"/>
             <a:r>
-              <a:rPr lang="de-DE" smtClean="0"/>
+              <a:rPr lang="de-DE"/>
               <a:t>Fünfte Ebene</a:t>
             </a:r>
             <a:endParaRPr lang="en-US"/>
@@ -2233,7 +2250,7 @@
           <a:p>
             <a:pPr lvl="0"/>
             <a:r>
-              <a:rPr lang="de-DE" smtClean="0"/>
+              <a:rPr lang="de-DE"/>
               <a:t>Textmasterformat bearbeiten</a:t>
             </a:r>
           </a:p>
@@ -2256,7 +2273,7 @@
           <a:p>
             <a:fld id="{0ACB0EB2-4780-487C-B2C2-8D0796C04687}" type="datetimeFigureOut">
               <a:rPr lang="en-US" smtClean="0"/>
-              <a:t>11/8/2017</a:t>
+              <a:t>2/28/2018</a:t>
             </a:fld>
             <a:endParaRPr lang="en-US"/>
           </a:p>
@@ -2359,7 +2376,7 @@
           </a:lstStyle>
           <a:p>
             <a:r>
-              <a:rPr lang="de-DE" smtClean="0"/>
+              <a:rPr lang="de-DE"/>
               <a:t>Titelmasterformat durch Klicken bearbeiten</a:t>
             </a:r>
             <a:endParaRPr lang="en-US"/>
@@ -2486,7 +2503,7 @@
           <a:p>
             <a:pPr lvl="0"/>
             <a:r>
-              <a:rPr lang="de-DE" smtClean="0"/>
+              <a:rPr lang="de-DE"/>
               <a:t>Textmasterformat bearbeiten</a:t>
             </a:r>
           </a:p>
@@ -2509,7 +2526,7 @@
           <a:p>
             <a:fld id="{0ACB0EB2-4780-487C-B2C2-8D0796C04687}" type="datetimeFigureOut">
               <a:rPr lang="en-US" smtClean="0"/>
-              <a:t>11/8/2017</a:t>
+              <a:t>2/28/2018</a:t>
             </a:fld>
             <a:endParaRPr lang="en-US"/>
           </a:p>
@@ -2618,7 +2635,7 @@
           <a:lstStyle/>
           <a:p>
             <a:r>
-              <a:rPr lang="de-DE" smtClean="0"/>
+              <a:rPr lang="de-DE"/>
               <a:t>Titelmasterformat durch Klicken bearbeiten</a:t>
             </a:r>
             <a:endParaRPr lang="en-US"/>
@@ -2652,35 +2669,35 @@
           <a:p>
             <a:pPr lvl="0"/>
             <a:r>
-              <a:rPr lang="de-DE" smtClean="0"/>
+              <a:rPr lang="de-DE"/>
               <a:t>Textmasterformat bearbeiten</a:t>
             </a:r>
           </a:p>
           <a:p>
             <a:pPr lvl="1"/>
             <a:r>
-              <a:rPr lang="de-DE" smtClean="0"/>
+              <a:rPr lang="de-DE"/>
               <a:t>Zweite Ebene</a:t>
             </a:r>
           </a:p>
           <a:p>
             <a:pPr lvl="2"/>
             <a:r>
-              <a:rPr lang="de-DE" smtClean="0"/>
+              <a:rPr lang="de-DE"/>
               <a:t>Dritte Ebene</a:t>
             </a:r>
           </a:p>
           <a:p>
             <a:pPr lvl="3"/>
             <a:r>
-              <a:rPr lang="de-DE" smtClean="0"/>
+              <a:rPr lang="de-DE"/>
               <a:t>Vierte Ebene</a:t>
             </a:r>
           </a:p>
           <a:p>
             <a:pPr lvl="4"/>
             <a:r>
-              <a:rPr lang="de-DE" smtClean="0"/>
+              <a:rPr lang="de-DE"/>
               <a:t>Fünfte Ebene</a:t>
             </a:r>
             <a:endParaRPr lang="en-US"/>
@@ -2722,7 +2739,7 @@
           <a:p>
             <a:fld id="{0ACB0EB2-4780-487C-B2C2-8D0796C04687}" type="datetimeFigureOut">
               <a:rPr lang="en-US" smtClean="0"/>
-              <a:t>11/8/2017</a:t>
+              <a:t>2/28/2018</a:t>
             </a:fld>
             <a:endParaRPr lang="en-US"/>
           </a:p>
@@ -3168,26 +3185,25 @@
           <a:lstStyle/>
           <a:p>
             <a:r>
-              <a:rPr lang="de-DE" sz="1200" dirty="0" smtClean="0"/>
+              <a:rPr lang="de-DE" sz="1200" dirty="0"/>
               <a:t>a)  </a:t>
             </a:r>
             <a:r>
-              <a:rPr lang="de-DE" sz="1200" dirty="0" err="1" smtClean="0"/>
+              <a:rPr lang="de-DE" sz="1200" dirty="0" err="1"/>
               <a:t>Measured</a:t>
             </a:r>
             <a:r>
-              <a:rPr lang="de-DE" sz="1200" dirty="0" smtClean="0"/>
+              <a:rPr lang="de-DE" sz="1200" dirty="0"/>
               <a:t> quantitative </a:t>
             </a:r>
             <a:r>
-              <a:rPr lang="de-DE" sz="1200" dirty="0" err="1" smtClean="0"/>
+              <a:rPr lang="de-DE" sz="1200" dirty="0" err="1"/>
               <a:t>data</a:t>
             </a:r>
             <a:r>
-              <a:rPr lang="de-DE" sz="1200" dirty="0" smtClean="0"/>
+              <a:rPr lang="de-DE" sz="1200" dirty="0"/>
               <a:t>:</a:t>
             </a:r>
-            <a:endParaRPr lang="de-DE" sz="1200" dirty="0"/>
           </a:p>
         </p:txBody>
       </p:sp>
@@ -3214,26 +3230,25 @@
           <a:lstStyle/>
           <a:p>
             <a:r>
-              <a:rPr lang="de-DE" sz="1000" i="1" dirty="0" smtClean="0"/>
+              <a:rPr lang="de-DE" sz="1000" i="1" dirty="0"/>
               <a:t>Entity: an individual x </a:t>
             </a:r>
             <a:r>
-              <a:rPr lang="de-DE" sz="1000" i="1" dirty="0" err="1" smtClean="0"/>
+              <a:rPr lang="de-DE" sz="1000" i="1" dirty="0" err="1"/>
               <a:t>of</a:t>
             </a:r>
             <a:r>
-              <a:rPr lang="de-DE" sz="1000" i="1" dirty="0" smtClean="0"/>
+              <a:rPr lang="de-DE" sz="1000" i="1" dirty="0"/>
               <a:t> </a:t>
             </a:r>
             <a:r>
-              <a:rPr lang="de-DE" sz="1000" i="1" dirty="0" err="1" smtClean="0"/>
+              <a:rPr lang="de-DE" sz="1000" i="1" dirty="0" err="1"/>
               <a:t>taxon</a:t>
             </a:r>
             <a:r>
-              <a:rPr lang="de-DE" sz="1000" i="1" dirty="0" smtClean="0"/>
+              <a:rPr lang="de-DE" sz="1000" i="1" dirty="0"/>
               <a:t> z</a:t>
             </a:r>
-            <a:endParaRPr lang="de-DE" sz="1000" i="1" dirty="0"/>
           </a:p>
         </p:txBody>
       </p:sp>
@@ -3260,34 +3275,33 @@
           <a:lstStyle/>
           <a:p>
             <a:r>
-              <a:rPr lang="de-DE" sz="1000" i="1" dirty="0" smtClean="0"/>
+              <a:rPr lang="de-DE" sz="1000" i="1" dirty="0"/>
               <a:t>Quality: </a:t>
             </a:r>
             <a:r>
-              <a:rPr lang="de-DE" sz="1000" i="1" dirty="0" err="1" smtClean="0"/>
+              <a:rPr lang="de-DE" sz="1000" i="1" dirty="0" err="1"/>
               <a:t>femur</a:t>
             </a:r>
             <a:r>
-              <a:rPr lang="de-DE" sz="1000" i="1" dirty="0" smtClean="0"/>
+              <a:rPr lang="de-DE" sz="1000" i="1" dirty="0"/>
               <a:t> </a:t>
             </a:r>
             <a:r>
-              <a:rPr lang="de-DE" sz="1000" i="1" dirty="0" err="1" smtClean="0"/>
+              <a:rPr lang="de-DE" sz="1000" i="1" dirty="0" err="1"/>
               <a:t>length</a:t>
             </a:r>
             <a:r>
-              <a:rPr lang="de-DE" sz="1000" i="1" dirty="0" smtClean="0"/>
+              <a:rPr lang="de-DE" sz="1000" i="1" dirty="0"/>
               <a:t> </a:t>
             </a:r>
             <a:r>
-              <a:rPr lang="de-DE" sz="1000" i="1" dirty="0" err="1" smtClean="0"/>
+              <a:rPr lang="de-DE" sz="1000" i="1" dirty="0" err="1"/>
               <a:t>equals</a:t>
             </a:r>
             <a:r>
-              <a:rPr lang="de-DE" sz="1000" i="1" dirty="0" smtClean="0"/>
+              <a:rPr lang="de-DE" sz="1000" i="1" dirty="0"/>
               <a:t> 14.1 mm</a:t>
             </a:r>
-            <a:endParaRPr lang="de-DE" sz="1000" i="1" dirty="0"/>
           </a:p>
         </p:txBody>
       </p:sp>
@@ -3434,18 +3448,17 @@
           <a:lstStyle/>
           <a:p>
             <a:r>
-              <a:rPr lang="de-DE" sz="1200" dirty="0" smtClean="0"/>
+              <a:rPr lang="de-DE" sz="1200" dirty="0"/>
               <a:t>b) Aggregate quantitative </a:t>
             </a:r>
             <a:r>
-              <a:rPr lang="de-DE" sz="1200" dirty="0" err="1" smtClean="0"/>
+              <a:rPr lang="de-DE" sz="1200" dirty="0" err="1"/>
               <a:t>data</a:t>
             </a:r>
             <a:r>
-              <a:rPr lang="de-DE" sz="1200" dirty="0" smtClean="0"/>
+              <a:rPr lang="de-DE" sz="1200" dirty="0"/>
               <a:t>:</a:t>
             </a:r>
-            <a:endParaRPr lang="de-DE" sz="1200" dirty="0"/>
           </a:p>
         </p:txBody>
       </p:sp>
@@ -3472,26 +3485,25 @@
           <a:lstStyle/>
           <a:p>
             <a:r>
-              <a:rPr lang="de-DE" sz="1200" dirty="0" smtClean="0"/>
+              <a:rPr lang="de-DE" sz="1200" dirty="0"/>
               <a:t>d) Quantitative </a:t>
             </a:r>
             <a:r>
-              <a:rPr lang="de-DE" sz="1200" dirty="0" err="1" smtClean="0"/>
+              <a:rPr lang="de-DE" sz="1200" dirty="0" err="1"/>
               <a:t>literature</a:t>
             </a:r>
             <a:r>
-              <a:rPr lang="de-DE" sz="1200" dirty="0" smtClean="0"/>
+              <a:rPr lang="de-DE" sz="1200" dirty="0"/>
               <a:t> </a:t>
             </a:r>
             <a:r>
-              <a:rPr lang="de-DE" sz="1200" dirty="0" err="1" smtClean="0"/>
+              <a:rPr lang="de-DE" sz="1200" dirty="0" err="1"/>
               <a:t>data</a:t>
             </a:r>
             <a:r>
-              <a:rPr lang="de-DE" sz="1200" dirty="0" smtClean="0"/>
+              <a:rPr lang="de-DE" sz="1200" dirty="0"/>
               <a:t>:</a:t>
             </a:r>
-            <a:endParaRPr lang="de-DE" sz="1200" dirty="0"/>
           </a:p>
         </p:txBody>
       </p:sp>
@@ -4022,52 +4034,47 @@
           <a:lstStyle/>
           <a:p>
             <a:r>
-              <a:rPr lang="de-DE" sz="1000" i="1" dirty="0" smtClean="0"/>
+              <a:rPr lang="de-DE" sz="1000" i="1" dirty="0"/>
               <a:t>Quality: </a:t>
             </a:r>
             <a:r>
-              <a:rPr lang="de-DE" sz="1000" i="1" dirty="0" err="1" smtClean="0"/>
+              <a:rPr lang="de-DE" sz="1000" i="1" dirty="0" err="1"/>
               <a:t>average</a:t>
             </a:r>
             <a:r>
-              <a:rPr lang="de-DE" sz="1000" i="1" dirty="0" smtClean="0"/>
+              <a:rPr lang="de-DE" sz="1000" i="1" dirty="0"/>
               <a:t> adult </a:t>
             </a:r>
             <a:r>
-              <a:rPr lang="de-DE" sz="1000" i="1" dirty="0" err="1" smtClean="0"/>
+              <a:rPr lang="de-DE" sz="1000" i="1" dirty="0" err="1"/>
               <a:t>femur</a:t>
             </a:r>
-            <a:r>
-              <a:rPr lang="de-DE" sz="1000" i="1" dirty="0" smtClean="0"/>
-              <a:t> </a:t>
-            </a:r>
-            <a:r>
-              <a:rPr lang="de-DE" sz="1000" i="1" dirty="0" err="1" smtClean="0"/>
-              <a:t>length</a:t>
-            </a:r>
-            <a:r>
-              <a:rPr lang="de-DE" sz="1000" i="1" dirty="0" smtClean="0"/>
-              <a:t> </a:t>
-            </a:r>
-          </a:p>
-          <a:p>
             <a:r>
               <a:rPr lang="de-DE" sz="1000" i="1" dirty="0"/>
               <a:t> </a:t>
             </a:r>
             <a:r>
-              <a:rPr lang="de-DE" sz="1000" i="1" dirty="0" smtClean="0"/>
-              <a:t>                    </a:t>
-            </a:r>
-            <a:r>
-              <a:rPr lang="de-DE" sz="1000" i="1" dirty="0" err="1" smtClean="0"/>
+              <a:rPr lang="de-DE" sz="1000" i="1" dirty="0" err="1"/>
+              <a:t>length</a:t>
+            </a:r>
+            <a:r>
+              <a:rPr lang="de-DE" sz="1000" i="1" dirty="0"/>
+              <a:t> </a:t>
+            </a:r>
+          </a:p>
+          <a:p>
+            <a:r>
+              <a:rPr lang="de-DE" sz="1000" i="1" dirty="0"/>
+              <a:t>                     </a:t>
+            </a:r>
+            <a:r>
+              <a:rPr lang="de-DE" sz="1000" i="1" dirty="0" err="1"/>
               <a:t>is</a:t>
             </a:r>
             <a:r>
-              <a:rPr lang="de-DE" sz="1000" i="1" dirty="0" smtClean="0"/>
+              <a:rPr lang="de-DE" sz="1000" i="1" dirty="0"/>
               <a:t> 12.2 ± 2.3 mm</a:t>
             </a:r>
-            <a:endParaRPr lang="de-DE" sz="1000" i="1" dirty="0"/>
           </a:p>
         </p:txBody>
       </p:sp>
@@ -4094,18 +4101,17 @@
           <a:lstStyle/>
           <a:p>
             <a:r>
-              <a:rPr lang="de-DE" sz="1000" i="1" dirty="0" smtClean="0"/>
+              <a:rPr lang="de-DE" sz="1000" i="1" dirty="0"/>
               <a:t>Entity:  </a:t>
             </a:r>
             <a:r>
-              <a:rPr lang="de-DE" sz="1000" i="1" dirty="0" err="1" smtClean="0"/>
+              <a:rPr lang="de-DE" sz="1000" i="1" dirty="0" err="1"/>
               <a:t>taxon</a:t>
             </a:r>
             <a:r>
-              <a:rPr lang="de-DE" sz="1000" i="1" dirty="0" smtClean="0"/>
+              <a:rPr lang="de-DE" sz="1000" i="1" dirty="0"/>
               <a:t> x</a:t>
             </a:r>
-            <a:endParaRPr lang="de-DE" sz="1000" i="1" dirty="0"/>
           </a:p>
         </p:txBody>
       </p:sp>
@@ -4132,34 +4138,33 @@
           <a:lstStyle/>
           <a:p>
             <a:r>
-              <a:rPr lang="de-DE" sz="1000" i="1" dirty="0" smtClean="0"/>
+              <a:rPr lang="de-DE" sz="1000" i="1" dirty="0"/>
               <a:t>Quality: min. </a:t>
             </a:r>
             <a:r>
-              <a:rPr lang="de-DE" sz="1000" i="1" dirty="0" err="1" smtClean="0"/>
+              <a:rPr lang="de-DE" sz="1000" i="1" dirty="0" err="1"/>
               <a:t>body</a:t>
             </a:r>
             <a:r>
-              <a:rPr lang="de-DE" sz="1000" i="1" dirty="0" smtClean="0"/>
+              <a:rPr lang="de-DE" sz="1000" i="1" dirty="0"/>
               <a:t> </a:t>
             </a:r>
             <a:r>
-              <a:rPr lang="de-DE" sz="1000" i="1" dirty="0" err="1" smtClean="0"/>
+              <a:rPr lang="de-DE" sz="1000" i="1" dirty="0" err="1"/>
               <a:t>length</a:t>
             </a:r>
             <a:r>
-              <a:rPr lang="de-DE" sz="1000" i="1" dirty="0" smtClean="0"/>
+              <a:rPr lang="de-DE" sz="1000" i="1" dirty="0"/>
               <a:t> </a:t>
             </a:r>
             <a:r>
-              <a:rPr lang="de-DE" sz="1000" i="1" dirty="0" err="1" smtClean="0"/>
+              <a:rPr lang="de-DE" sz="1000" i="1" dirty="0" err="1"/>
               <a:t>of</a:t>
             </a:r>
             <a:r>
-              <a:rPr lang="de-DE" sz="1000" i="1" dirty="0" smtClean="0"/>
+              <a:rPr lang="de-DE" sz="1000" i="1" dirty="0"/>
               <a:t> 8 mm</a:t>
             </a:r>
-            <a:endParaRPr lang="de-DE" sz="1000" i="1" dirty="0"/>
           </a:p>
         </p:txBody>
       </p:sp>
@@ -4186,34 +4191,33 @@
           <a:lstStyle/>
           <a:p>
             <a:r>
-              <a:rPr lang="de-DE" sz="1000" i="1" dirty="0" smtClean="0"/>
+              <a:rPr lang="de-DE" sz="1000" i="1" dirty="0"/>
               <a:t>Entity: </a:t>
             </a:r>
             <a:r>
-              <a:rPr lang="de-DE" sz="1000" i="1" dirty="0" err="1" smtClean="0"/>
+              <a:rPr lang="de-DE" sz="1000" i="1" dirty="0" err="1"/>
               <a:t>males</a:t>
             </a:r>
             <a:r>
-              <a:rPr lang="de-DE" sz="1000" i="1" dirty="0" smtClean="0"/>
+              <a:rPr lang="de-DE" sz="1000" i="1" dirty="0"/>
               <a:t> </a:t>
             </a:r>
             <a:r>
-              <a:rPr lang="de-DE" sz="1000" i="1" dirty="0" err="1" smtClean="0"/>
+              <a:rPr lang="de-DE" sz="1000" i="1" dirty="0" err="1"/>
               <a:t>of</a:t>
             </a:r>
             <a:r>
-              <a:rPr lang="de-DE" sz="1000" i="1" dirty="0" smtClean="0"/>
+              <a:rPr lang="de-DE" sz="1000" i="1" dirty="0"/>
               <a:t> </a:t>
             </a:r>
             <a:r>
-              <a:rPr lang="de-DE" sz="1000" i="1" dirty="0" err="1" smtClean="0"/>
+              <a:rPr lang="de-DE" sz="1000" i="1" dirty="0" err="1"/>
               <a:t>taxon</a:t>
             </a:r>
             <a:r>
-              <a:rPr lang="de-DE" sz="1000" i="1" dirty="0" smtClean="0"/>
+              <a:rPr lang="de-DE" sz="1000" i="1" dirty="0"/>
               <a:t> x</a:t>
             </a:r>
-            <a:endParaRPr lang="de-DE" sz="1000" i="1" dirty="0"/>
           </a:p>
         </p:txBody>
       </p:sp>
@@ -4332,42 +4336,41 @@
           <a:lstStyle/>
           <a:p>
             <a:r>
-              <a:rPr lang="de-DE" sz="1200" dirty="0" smtClean="0"/>
+              <a:rPr lang="de-DE" sz="1200" dirty="0"/>
               <a:t>c) Qualitative </a:t>
             </a:r>
             <a:r>
-              <a:rPr lang="de-DE" sz="1200" dirty="0" err="1" smtClean="0"/>
+              <a:rPr lang="de-DE" sz="1200" dirty="0" err="1"/>
               <a:t>literature</a:t>
             </a:r>
             <a:r>
-              <a:rPr lang="de-DE" sz="1200" dirty="0" smtClean="0"/>
+              <a:rPr lang="de-DE" sz="1200" dirty="0"/>
               <a:t> </a:t>
             </a:r>
             <a:r>
-              <a:rPr lang="de-DE" sz="1200" dirty="0" err="1" smtClean="0"/>
+              <a:rPr lang="de-DE" sz="1200" dirty="0" err="1"/>
               <a:t>or</a:t>
             </a:r>
             <a:r>
-              <a:rPr lang="de-DE" sz="1200" dirty="0" smtClean="0"/>
+              <a:rPr lang="de-DE" sz="1200" dirty="0"/>
               <a:t> </a:t>
             </a:r>
             <a:r>
-              <a:rPr lang="de-DE" sz="1200" dirty="0" err="1" smtClean="0"/>
+              <a:rPr lang="de-DE" sz="1200" dirty="0" err="1"/>
               <a:t>database</a:t>
             </a:r>
             <a:r>
-              <a:rPr lang="de-DE" sz="1200" dirty="0" smtClean="0"/>
+              <a:rPr lang="de-DE" sz="1200" dirty="0"/>
               <a:t> </a:t>
             </a:r>
             <a:r>
-              <a:rPr lang="de-DE" sz="1200" dirty="0" err="1" smtClean="0"/>
+              <a:rPr lang="de-DE" sz="1200" dirty="0" err="1"/>
               <a:t>data</a:t>
             </a:r>
             <a:r>
-              <a:rPr lang="de-DE" sz="1200" dirty="0" smtClean="0"/>
+              <a:rPr lang="de-DE" sz="1200" dirty="0"/>
               <a:t>:</a:t>
             </a:r>
-            <a:endParaRPr lang="de-DE" sz="1200" dirty="0"/>
           </a:p>
         </p:txBody>
       </p:sp>
@@ -4394,11 +4397,11 @@
           <a:lstStyle/>
           <a:p>
             <a:r>
-              <a:rPr lang="de-DE" sz="1000" i="1" dirty="0" smtClean="0"/>
+              <a:rPr lang="de-DE" sz="1000" i="1" dirty="0"/>
               <a:t>Quality: </a:t>
             </a:r>
             <a:r>
-              <a:rPr lang="de-DE" sz="1000" i="1" dirty="0" err="1" smtClean="0"/>
+              <a:rPr lang="de-DE" sz="1000" i="1" dirty="0" err="1"/>
               <a:t>herbivore</a:t>
             </a:r>
             <a:endParaRPr lang="de-DE" sz="1000" i="1" dirty="0"/>
@@ -4428,18 +4431,17 @@
           <a:lstStyle/>
           <a:p>
             <a:r>
-              <a:rPr lang="de-DE" sz="1000" i="1" dirty="0" smtClean="0"/>
+              <a:rPr lang="de-DE" sz="1000" i="1" dirty="0"/>
               <a:t>Entity: </a:t>
             </a:r>
             <a:r>
-              <a:rPr lang="de-DE" sz="1000" i="1" dirty="0" err="1" smtClean="0"/>
+              <a:rPr lang="de-DE" sz="1000" i="1" dirty="0" err="1"/>
               <a:t>genus</a:t>
             </a:r>
             <a:r>
-              <a:rPr lang="de-DE" sz="1000" i="1" dirty="0" smtClean="0"/>
+              <a:rPr lang="de-DE" sz="1000" i="1" dirty="0"/>
               <a:t> x</a:t>
             </a:r>
-            <a:endParaRPr lang="de-DE" sz="1000" i="1" dirty="0"/>
           </a:p>
         </p:txBody>
       </p:sp>
@@ -4555,13 +4557,6 @@
   <p:clrMapOvr>
     <a:masterClrMapping/>
   </p:clrMapOvr>
-  <p:timing>
-    <p:tnLst>
-      <p:par>
-        <p:cTn id="1" dur="indefinite" restart="never" nodeType="tmRoot"/>
-      </p:par>
-    </p:tnLst>
-  </p:timing>
 </p:sld>
 </file>
 
@@ -4605,37 +4600,37 @@
           <a:lstStyle/>
           <a:p>
             <a:r>
-              <a:rPr lang="de-DE" sz="1400" dirty="0" smtClean="0"/>
+              <a:rPr lang="de-DE" sz="1400" dirty="0"/>
               <a:t>a) </a:t>
             </a:r>
             <a:r>
-              <a:rPr lang="de-DE" sz="1400" dirty="0" err="1" smtClean="0"/>
+              <a:rPr lang="de-DE" sz="1400" dirty="0" err="1"/>
               <a:t>species</a:t>
             </a:r>
             <a:r>
-              <a:rPr lang="de-DE" sz="1400" dirty="0" smtClean="0"/>
+              <a:rPr lang="de-DE" sz="1400" dirty="0"/>
               <a:t> </a:t>
             </a:r>
             <a:r>
-              <a:rPr lang="de-DE" sz="1400" dirty="0" smtClean="0">
+              <a:rPr lang="de-DE" sz="1400" dirty="0">
                 <a:latin typeface="Arial monospaced for SAP" panose="020B0609020202030204" pitchFamily="49" charset="0"/>
               </a:rPr>
               <a:t>x</a:t>
             </a:r>
             <a:r>
-              <a:rPr lang="de-DE" sz="1400" dirty="0" smtClean="0"/>
+              <a:rPr lang="de-DE" sz="1400" dirty="0"/>
               <a:t> </a:t>
             </a:r>
             <a:r>
-              <a:rPr lang="de-DE" sz="1400" dirty="0" err="1" smtClean="0"/>
+              <a:rPr lang="de-DE" sz="1400" dirty="0" err="1"/>
               <a:t>trait</a:t>
             </a:r>
             <a:r>
-              <a:rPr lang="de-DE" sz="1400" dirty="0" smtClean="0"/>
+              <a:rPr lang="de-DE" sz="1400" dirty="0"/>
               <a:t> </a:t>
             </a:r>
             <a:r>
-              <a:rPr lang="de-DE" sz="1400" dirty="0" err="1" smtClean="0"/>
+              <a:rPr lang="de-DE" sz="1400" dirty="0" err="1"/>
               <a:t>matrix</a:t>
             </a:r>
             <a:endParaRPr lang="en-US" sz="1400" dirty="0"/>
@@ -4665,23 +4660,19 @@
           <a:lstStyle/>
           <a:p>
             <a:r>
-              <a:rPr lang="de-DE" sz="1400" dirty="0" smtClean="0"/>
+              <a:rPr lang="de-DE" sz="1400" dirty="0"/>
               <a:t>b) </a:t>
             </a:r>
             <a:r>
               <a:rPr lang="de-DE" sz="1400" dirty="0" err="1"/>
-              <a:t>o</a:t>
-            </a:r>
-            <a:r>
-              <a:rPr lang="de-DE" sz="1400" dirty="0" err="1" smtClean="0"/>
-              <a:t>ccurrence</a:t>
-            </a:r>
-            <a:r>
-              <a:rPr lang="de-DE" sz="1400" dirty="0" smtClean="0"/>
+              <a:t>occurrence</a:t>
+            </a:r>
+            <a:r>
+              <a:rPr lang="de-DE" sz="1400" dirty="0"/>
               <a:t> </a:t>
             </a:r>
             <a:r>
-              <a:rPr lang="de-DE" sz="1400" dirty="0" err="1" smtClean="0"/>
+              <a:rPr lang="de-DE" sz="1400" dirty="0" err="1"/>
               <a:t>wide-table</a:t>
             </a:r>
             <a:endParaRPr lang="en-US" sz="1400" dirty="0"/>
@@ -4711,23 +4702,23 @@
           <a:lstStyle/>
           <a:p>
             <a:r>
-              <a:rPr lang="de-DE" sz="1400" dirty="0" smtClean="0"/>
+              <a:rPr lang="de-DE" sz="1400" dirty="0"/>
               <a:t>c) </a:t>
             </a:r>
             <a:r>
-              <a:rPr lang="de-DE" sz="1400" dirty="0" err="1" smtClean="0"/>
+              <a:rPr lang="de-DE" sz="1400" dirty="0" err="1"/>
               <a:t>measurement</a:t>
             </a:r>
             <a:r>
-              <a:rPr lang="de-DE" sz="1400" dirty="0" smtClean="0"/>
+              <a:rPr lang="de-DE" sz="1400" dirty="0"/>
               <a:t> </a:t>
             </a:r>
             <a:r>
-              <a:rPr lang="de-DE" sz="1400" dirty="0" err="1" smtClean="0"/>
+              <a:rPr lang="de-DE" sz="1400" dirty="0" err="1"/>
               <a:t>long-table</a:t>
             </a:r>
             <a:r>
-              <a:rPr lang="de-DE" sz="1400" dirty="0" smtClean="0"/>
+              <a:rPr lang="de-DE" sz="1400" dirty="0"/>
               <a:t> </a:t>
             </a:r>
             <a:endParaRPr lang="en-US" sz="1400" dirty="0"/>
@@ -4807,15 +4798,15 @@
           <a:lstStyle/>
           <a:p>
             <a:r>
-              <a:rPr lang="de-DE" sz="1000" i="1" dirty="0" err="1" smtClean="0"/>
+              <a:rPr lang="de-DE" sz="1000" i="1" dirty="0" err="1"/>
               <a:t>taxon</a:t>
             </a:r>
             <a:r>
-              <a:rPr lang="de-DE" sz="1000" i="1" dirty="0" smtClean="0"/>
+              <a:rPr lang="de-DE" sz="1000" i="1" dirty="0"/>
               <a:t> </a:t>
             </a:r>
             <a:r>
-              <a:rPr lang="de-DE" sz="1000" i="1" dirty="0" err="1" smtClean="0"/>
+              <a:rPr lang="de-DE" sz="1000" i="1" dirty="0" err="1"/>
               <a:t>identifier</a:t>
             </a:r>
             <a:endParaRPr lang="de-DE" sz="1000" i="1" dirty="0"/>
@@ -5069,7 +5060,7 @@
           <a:lstStyle/>
           <a:p>
             <a:r>
-              <a:rPr lang="de-DE" sz="1200" i="1" dirty="0" err="1" smtClean="0">
+              <a:rPr lang="de-DE" sz="1200" i="1" dirty="0" err="1">
                 <a:ln w="19050">
                   <a:noFill/>
                 </a:ln>
@@ -5144,22 +5135,18 @@
           <a:lstStyle/>
           <a:p>
             <a:r>
-              <a:rPr lang="de-DE" sz="1000" i="1" dirty="0" err="1" smtClean="0"/>
+              <a:rPr lang="de-DE" sz="1000" i="1" dirty="0" err="1"/>
               <a:t>taxon</a:t>
             </a:r>
             <a:r>
-              <a:rPr lang="de-DE" sz="1000" i="1" dirty="0" smtClean="0"/>
+              <a:rPr lang="de-DE" sz="1000" i="1" dirty="0"/>
               <a:t> </a:t>
             </a:r>
-            <a:r>
-              <a:rPr lang="de-DE" sz="1000" i="1" dirty="0" smtClean="0"/>
-              <a:t/>
-            </a:r>
             <a:br>
-              <a:rPr lang="de-DE" sz="1000" i="1" dirty="0" smtClean="0"/>
+              <a:rPr lang="de-DE" sz="1000" i="1" dirty="0"/>
             </a:br>
             <a:r>
-              <a:rPr lang="de-DE" sz="1000" i="1" dirty="0" err="1" smtClean="0"/>
+              <a:rPr lang="de-DE" sz="1000" i="1" dirty="0" err="1"/>
               <a:t>identifier</a:t>
             </a:r>
             <a:endParaRPr lang="de-DE" sz="1000" i="1" dirty="0"/>
@@ -5265,18 +5252,18 @@
           <a:lstStyle/>
           <a:p>
             <a:r>
-              <a:rPr lang="de-DE" sz="1000" i="1" dirty="0" err="1" smtClean="0"/>
+              <a:rPr lang="de-DE" sz="1000" i="1" dirty="0" err="1"/>
               <a:t>occurrence</a:t>
             </a:r>
             <a:r>
-              <a:rPr lang="de-DE" sz="1000" i="1" dirty="0" smtClean="0"/>
+              <a:rPr lang="de-DE" sz="1000" i="1" dirty="0"/>
               <a:t> </a:t>
             </a:r>
             <a:br>
-              <a:rPr lang="de-DE" sz="1000" i="1" dirty="0" smtClean="0"/>
+              <a:rPr lang="de-DE" sz="1000" i="1" dirty="0"/>
             </a:br>
             <a:r>
-              <a:rPr lang="de-DE" sz="1000" i="1" dirty="0" err="1" smtClean="0"/>
+              <a:rPr lang="de-DE" sz="1000" i="1" dirty="0" err="1"/>
               <a:t>identifier</a:t>
             </a:r>
             <a:endParaRPr lang="de-DE" sz="1000" i="1" dirty="0"/>
@@ -5306,15 +5293,15 @@
           <a:lstStyle/>
           <a:p>
             <a:r>
-              <a:rPr lang="de-DE" sz="1000" i="1" dirty="0" err="1" smtClean="0"/>
+              <a:rPr lang="de-DE" sz="1000" i="1" dirty="0" err="1"/>
               <a:t>trait</a:t>
             </a:r>
             <a:r>
-              <a:rPr lang="de-DE" sz="1000" i="1" dirty="0" smtClean="0"/>
+              <a:rPr lang="de-DE" sz="1000" i="1" dirty="0"/>
               <a:t> </a:t>
             </a:r>
             <a:r>
-              <a:rPr lang="de-DE" sz="1000" i="1" dirty="0" err="1" smtClean="0"/>
+              <a:rPr lang="de-DE" sz="1000" i="1" dirty="0" err="1"/>
               <a:t>identifier</a:t>
             </a:r>
             <a:endParaRPr lang="de-DE" sz="1000" i="1" dirty="0"/>
@@ -5532,15 +5519,15 @@
           <a:lstStyle/>
           <a:p>
             <a:r>
-              <a:rPr lang="de-DE" sz="1000" i="1" dirty="0" err="1" smtClean="0"/>
+              <a:rPr lang="de-DE" sz="1000" i="1" dirty="0" err="1"/>
               <a:t>taxon</a:t>
             </a:r>
             <a:r>
-              <a:rPr lang="de-DE" sz="1000" i="1" dirty="0" smtClean="0"/>
+              <a:rPr lang="de-DE" sz="1000" i="1" dirty="0"/>
               <a:t> </a:t>
             </a:r>
             <a:r>
-              <a:rPr lang="de-DE" sz="1000" i="1" dirty="0" err="1" smtClean="0"/>
+              <a:rPr lang="de-DE" sz="1000" i="1" dirty="0" err="1"/>
               <a:t>identifier</a:t>
             </a:r>
             <a:endParaRPr lang="de-DE" sz="1000" i="1" dirty="0"/>
@@ -5570,15 +5557,15 @@
           <a:lstStyle/>
           <a:p>
             <a:r>
-              <a:rPr lang="de-DE" sz="1000" i="1" dirty="0" err="1" smtClean="0"/>
+              <a:rPr lang="de-DE" sz="1000" i="1" dirty="0" err="1"/>
               <a:t>occurrence</a:t>
             </a:r>
             <a:r>
-              <a:rPr lang="de-DE" sz="1000" i="1" dirty="0" smtClean="0"/>
+              <a:rPr lang="de-DE" sz="1000" i="1" dirty="0"/>
               <a:t> </a:t>
             </a:r>
             <a:r>
-              <a:rPr lang="de-DE" sz="1000" i="1" dirty="0" err="1" smtClean="0"/>
+              <a:rPr lang="de-DE" sz="1000" i="1" dirty="0" err="1"/>
               <a:t>identifier</a:t>
             </a:r>
             <a:endParaRPr lang="de-DE" sz="1000" i="1" dirty="0"/>
@@ -5608,15 +5595,15 @@
           <a:lstStyle/>
           <a:p>
             <a:r>
-              <a:rPr lang="de-DE" sz="1000" i="1" dirty="0" err="1" smtClean="0"/>
+              <a:rPr lang="de-DE" sz="1000" i="1" dirty="0" err="1"/>
               <a:t>measurement</a:t>
             </a:r>
             <a:r>
-              <a:rPr lang="de-DE" sz="1000" i="1" dirty="0" smtClean="0"/>
+              <a:rPr lang="de-DE" sz="1000" i="1" dirty="0"/>
               <a:t> </a:t>
             </a:r>
             <a:r>
-              <a:rPr lang="de-DE" sz="1000" i="1" dirty="0" err="1" smtClean="0"/>
+              <a:rPr lang="de-DE" sz="1000" i="1" dirty="0" err="1"/>
               <a:t>identifier</a:t>
             </a:r>
             <a:endParaRPr lang="de-DE" sz="1000" i="1" dirty="0"/>
@@ -5792,15 +5779,15 @@
           <a:lstStyle/>
           <a:p>
             <a:r>
-              <a:rPr lang="de-DE" sz="1000" i="1" dirty="0" err="1" smtClean="0"/>
+              <a:rPr lang="de-DE" sz="1000" i="1" dirty="0" err="1"/>
               <a:t>trait</a:t>
             </a:r>
             <a:r>
-              <a:rPr lang="de-DE" sz="1000" i="1" dirty="0" smtClean="0"/>
+              <a:rPr lang="de-DE" sz="1000" i="1" dirty="0"/>
               <a:t> </a:t>
             </a:r>
             <a:r>
-              <a:rPr lang="de-DE" sz="1000" i="1" dirty="0" err="1" smtClean="0"/>
+              <a:rPr lang="de-DE" sz="1000" i="1" dirty="0" err="1"/>
               <a:t>identifier</a:t>
             </a:r>
             <a:endParaRPr lang="de-DE" sz="1000" i="1" dirty="0"/>
@@ -6141,15 +6128,15 @@
           <a:lstStyle/>
           <a:p>
             <a:r>
-              <a:rPr lang="de-DE" sz="1000" i="1" dirty="0" err="1" smtClean="0"/>
+              <a:rPr lang="de-DE" sz="1000" i="1" dirty="0" err="1"/>
               <a:t>trait</a:t>
             </a:r>
             <a:r>
-              <a:rPr lang="de-DE" sz="1000" i="1" dirty="0" smtClean="0"/>
+              <a:rPr lang="de-DE" sz="1000" i="1" dirty="0"/>
               <a:t> </a:t>
             </a:r>
             <a:r>
-              <a:rPr lang="de-DE" sz="1000" i="1" dirty="0" err="1" smtClean="0"/>
+              <a:rPr lang="de-DE" sz="1000" i="1" dirty="0" err="1"/>
               <a:t>identifier</a:t>
             </a:r>
             <a:endParaRPr lang="de-DE" sz="1000" i="1" dirty="0"/>
@@ -6289,7 +6276,7 @@
           <a:lstStyle/>
           <a:p>
             <a:r>
-              <a:rPr lang="de-DE" sz="1200" i="1" dirty="0" err="1" smtClean="0">
+              <a:rPr lang="de-DE" sz="1200" i="1" dirty="0" err="1">
                 <a:ln w="19050">
                   <a:noFill/>
                 </a:ln>
@@ -6365,7 +6352,7 @@
           <a:lstStyle/>
           <a:p>
             <a:r>
-              <a:rPr lang="de-DE" sz="1200" i="1" dirty="0" err="1" smtClean="0">
+              <a:rPr lang="de-DE" sz="1200" i="1" dirty="0" err="1">
                 <a:ln w="19050">
                   <a:noFill/>
                 </a:ln>
@@ -6679,18 +6666,18 @@
           <a:lstStyle/>
           <a:p>
             <a:r>
-              <a:rPr lang="de-DE" sz="1000" i="1" dirty="0" err="1" smtClean="0"/>
+              <a:rPr lang="de-DE" sz="1000" i="1" dirty="0" err="1"/>
               <a:t>occurrence</a:t>
             </a:r>
             <a:r>
-              <a:rPr lang="de-DE" sz="1000" i="1" dirty="0" smtClean="0"/>
+              <a:rPr lang="de-DE" sz="1000" i="1" dirty="0"/>
               <a:t> </a:t>
             </a:r>
             <a:br>
-              <a:rPr lang="de-DE" sz="1000" i="1" dirty="0" smtClean="0"/>
+              <a:rPr lang="de-DE" sz="1000" i="1" dirty="0"/>
             </a:br>
             <a:r>
-              <a:rPr lang="de-DE" sz="1000" i="1" dirty="0" err="1" smtClean="0"/>
+              <a:rPr lang="de-DE" sz="1000" i="1" dirty="0" err="1"/>
               <a:t>identifier</a:t>
             </a:r>
             <a:endParaRPr lang="de-DE" sz="1000" i="1" dirty="0"/>
@@ -6782,22 +6769,18 @@
           <a:lstStyle/>
           <a:p>
             <a:r>
-              <a:rPr lang="de-DE" sz="1000" i="1" dirty="0" err="1" smtClean="0"/>
+              <a:rPr lang="de-DE" sz="1000" i="1" dirty="0" err="1"/>
               <a:t>measurement</a:t>
             </a:r>
             <a:r>
-              <a:rPr lang="de-DE" sz="1000" i="1" dirty="0" smtClean="0"/>
+              <a:rPr lang="de-DE" sz="1000" i="1" dirty="0"/>
               <a:t> </a:t>
             </a:r>
-            <a:r>
-              <a:rPr lang="de-DE" sz="1000" i="1" dirty="0" smtClean="0"/>
-              <a:t/>
-            </a:r>
             <a:br>
-              <a:rPr lang="de-DE" sz="1000" i="1" dirty="0" smtClean="0"/>
+              <a:rPr lang="de-DE" sz="1000" i="1" dirty="0"/>
             </a:br>
             <a:r>
-              <a:rPr lang="de-DE" sz="1000" i="1" dirty="0" err="1" smtClean="0"/>
+              <a:rPr lang="de-DE" sz="1000" i="1" dirty="0" err="1"/>
               <a:t>identifier</a:t>
             </a:r>
             <a:endParaRPr lang="de-DE" sz="1000" i="1" dirty="0"/>
@@ -6864,27 +6847,27 @@
           <a:lstStyle/>
           <a:p>
             <a:r>
-              <a:rPr lang="de-DE" sz="1400" dirty="0" smtClean="0"/>
+              <a:rPr lang="de-DE" sz="1400" dirty="0"/>
               <a:t>d) </a:t>
             </a:r>
             <a:r>
-              <a:rPr lang="de-DE" sz="1400" dirty="0" err="1" smtClean="0"/>
+              <a:rPr lang="de-DE" sz="1400" dirty="0" err="1"/>
               <a:t>occurrence</a:t>
             </a:r>
             <a:r>
-              <a:rPr lang="de-DE" sz="1400" dirty="0" smtClean="0"/>
+              <a:rPr lang="de-DE" sz="1400" dirty="0"/>
               <a:t> </a:t>
             </a:r>
             <a:r>
-              <a:rPr lang="de-DE" sz="1400" dirty="0" err="1" smtClean="0"/>
+              <a:rPr lang="de-DE" sz="1400" dirty="0" err="1"/>
               <a:t>level</a:t>
             </a:r>
             <a:r>
-              <a:rPr lang="de-DE" sz="1400" dirty="0" smtClean="0"/>
+              <a:rPr lang="de-DE" sz="1400" dirty="0"/>
               <a:t> </a:t>
             </a:r>
             <a:r>
-              <a:rPr lang="de-DE" sz="1400" dirty="0" err="1" smtClean="0"/>
+              <a:rPr lang="de-DE" sz="1400" dirty="0" err="1"/>
               <a:t>information</a:t>
             </a:r>
             <a:endParaRPr lang="en-US" sz="1400" dirty="0"/>
@@ -6914,19 +6897,19 @@
           <a:lstStyle/>
           <a:p>
             <a:r>
-              <a:rPr lang="de-DE" sz="1400" dirty="0" smtClean="0"/>
+              <a:rPr lang="de-DE" sz="1400" dirty="0"/>
               <a:t>e) </a:t>
             </a:r>
             <a:r>
-              <a:rPr lang="de-DE" sz="1400" dirty="0" err="1" smtClean="0"/>
+              <a:rPr lang="de-DE" sz="1400" dirty="0" err="1"/>
               <a:t>measurement</a:t>
             </a:r>
             <a:r>
-              <a:rPr lang="de-DE" sz="1400" dirty="0" smtClean="0"/>
+              <a:rPr lang="de-DE" sz="1400" dirty="0"/>
               <a:t>-level </a:t>
             </a:r>
             <a:r>
-              <a:rPr lang="de-DE" sz="1400" dirty="0" err="1" smtClean="0"/>
+              <a:rPr lang="de-DE" sz="1400" dirty="0" err="1"/>
               <a:t>information</a:t>
             </a:r>
             <a:endParaRPr lang="en-US" sz="1400" dirty="0"/>
@@ -6943,13 +6926,6 @@
   <p:clrMapOvr>
     <a:masterClrMapping/>
   </p:clrMapOvr>
-  <p:timing>
-    <p:tnLst>
-      <p:par>
-        <p:cTn id="1" dur="indefinite" restart="never" nodeType="tmRoot"/>
-      </p:par>
-    </p:tnLst>
-  </p:timing>
 </p:sld>
 </file>
 
@@ -7199,23 +7175,19 @@
           <a:lstStyle/>
           <a:p>
             <a:r>
-              <a:rPr lang="de-DE" sz="1100" b="1" dirty="0" err="1" smtClean="0">
+              <a:rPr lang="de-DE" sz="1100" b="1" dirty="0" err="1">
                 <a:latin typeface="Courier New" panose="02070309020205020404" pitchFamily="49" charset="0"/>
                 <a:cs typeface="Courier New" panose="02070309020205020404" pitchFamily="49" charset="0"/>
               </a:rPr>
               <a:t>as.traitdata</a:t>
             </a:r>
             <a:r>
-              <a:rPr lang="de-DE" sz="1100" b="1" dirty="0" smtClean="0">
+              <a:rPr lang="de-DE" sz="1100" b="1" dirty="0">
                 <a:latin typeface="Courier New" panose="02070309020205020404" pitchFamily="49" charset="0"/>
                 <a:cs typeface="Courier New" panose="02070309020205020404" pitchFamily="49" charset="0"/>
               </a:rPr>
               <a:t>()</a:t>
             </a:r>
-            <a:endParaRPr lang="de-DE" sz="1100" b="1" dirty="0">
-              <a:latin typeface="Courier New" panose="02070309020205020404" pitchFamily="49" charset="0"/>
-              <a:cs typeface="Courier New" panose="02070309020205020404" pitchFamily="49" charset="0"/>
-            </a:endParaRPr>
           </a:p>
         </p:txBody>
       </p:sp>
@@ -7246,23 +7218,19 @@
           <a:lstStyle/>
           <a:p>
             <a:r>
-              <a:rPr lang="de-DE" sz="1100" b="1" dirty="0" err="1" smtClean="0">
+              <a:rPr lang="de-DE" sz="1100" b="1" dirty="0" err="1">
                 <a:latin typeface="Courier New" panose="02070309020205020404" pitchFamily="49" charset="0"/>
                 <a:cs typeface="Courier New" panose="02070309020205020404" pitchFamily="49" charset="0"/>
               </a:rPr>
               <a:t>standardize.traits</a:t>
             </a:r>
             <a:r>
-              <a:rPr lang="de-DE" sz="1100" b="1" dirty="0" smtClean="0">
+              <a:rPr lang="de-DE" sz="1100" b="1" dirty="0">
                 <a:latin typeface="Courier New" panose="02070309020205020404" pitchFamily="49" charset="0"/>
                 <a:cs typeface="Courier New" panose="02070309020205020404" pitchFamily="49" charset="0"/>
               </a:rPr>
               <a:t>()</a:t>
             </a:r>
-            <a:endParaRPr lang="de-DE" sz="1100" b="1" dirty="0">
-              <a:latin typeface="Courier New" panose="02070309020205020404" pitchFamily="49" charset="0"/>
-              <a:cs typeface="Courier New" panose="02070309020205020404" pitchFamily="49" charset="0"/>
-            </a:endParaRPr>
           </a:p>
         </p:txBody>
       </p:sp>
@@ -7398,23 +7366,19 @@
           <a:lstStyle/>
           <a:p>
             <a:r>
-              <a:rPr lang="de-DE" sz="1100" b="1" dirty="0" err="1" smtClean="0">
+              <a:rPr lang="de-DE" sz="1100" b="1" dirty="0" err="1">
                 <a:latin typeface="Courier New" panose="02070309020205020404" pitchFamily="49" charset="0"/>
                 <a:cs typeface="Courier New" panose="02070309020205020404" pitchFamily="49" charset="0"/>
               </a:rPr>
               <a:t>standardize.taxonomy</a:t>
             </a:r>
             <a:r>
-              <a:rPr lang="de-DE" sz="1100" b="1" dirty="0" smtClean="0">
+              <a:rPr lang="de-DE" sz="1100" b="1" dirty="0">
                 <a:latin typeface="Courier New" panose="02070309020205020404" pitchFamily="49" charset="0"/>
                 <a:cs typeface="Courier New" panose="02070309020205020404" pitchFamily="49" charset="0"/>
               </a:rPr>
               <a:t>()</a:t>
             </a:r>
-            <a:endParaRPr lang="de-DE" sz="1100" b="1" dirty="0">
-              <a:latin typeface="Courier New" panose="02070309020205020404" pitchFamily="49" charset="0"/>
-              <a:cs typeface="Courier New" panose="02070309020205020404" pitchFamily="49" charset="0"/>
-            </a:endParaRPr>
           </a:p>
         </p:txBody>
       </p:sp>
@@ -7479,23 +7443,19 @@
           <a:lstStyle/>
           <a:p>
             <a:r>
-              <a:rPr lang="de-DE" sz="1100" b="1" dirty="0" err="1" smtClean="0">
+              <a:rPr lang="de-DE" sz="1100" b="1" dirty="0" err="1">
                 <a:latin typeface="Courier New" panose="02070309020205020404" pitchFamily="49" charset="0"/>
                 <a:cs typeface="Courier New" panose="02070309020205020404" pitchFamily="49" charset="0"/>
               </a:rPr>
               <a:t>standardize</a:t>
             </a:r>
             <a:r>
-              <a:rPr lang="de-DE" sz="1100" b="1" dirty="0" smtClean="0">
+              <a:rPr lang="de-DE" sz="1100" b="1" dirty="0">
                 <a:latin typeface="Courier New" panose="02070309020205020404" pitchFamily="49" charset="0"/>
                 <a:cs typeface="Courier New" panose="02070309020205020404" pitchFamily="49" charset="0"/>
               </a:rPr>
               <a:t>()</a:t>
             </a:r>
-            <a:endParaRPr lang="de-DE" sz="1100" b="1" dirty="0">
-              <a:latin typeface="Courier New" panose="02070309020205020404" pitchFamily="49" charset="0"/>
-              <a:cs typeface="Courier New" panose="02070309020205020404" pitchFamily="49" charset="0"/>
-            </a:endParaRPr>
           </a:p>
         </p:txBody>
       </p:sp>
@@ -7522,7 +7482,7 @@
           <a:lstStyle/>
           <a:p>
             <a:r>
-              <a:rPr lang="de-DE" sz="1400" dirty="0" err="1" smtClean="0"/>
+              <a:rPr lang="de-DE" sz="1400" dirty="0" err="1"/>
               <a:t>or</a:t>
             </a:r>
             <a:endParaRPr lang="de-DE" sz="1400" dirty="0"/>
@@ -7667,63 +7627,58 @@
           <a:p>
             <a:r>
               <a:rPr lang="de-DE" sz="1400" dirty="0" err="1"/>
-              <a:t>u</a:t>
-            </a:r>
-            <a:r>
-              <a:rPr lang="de-DE" sz="1400" dirty="0" err="1" smtClean="0"/>
-              <a:t>ser</a:t>
-            </a:r>
-            <a:r>
-              <a:rPr lang="de-DE" sz="1400" dirty="0" smtClean="0"/>
+              <a:t>user</a:t>
+            </a:r>
+            <a:r>
+              <a:rPr lang="de-DE" sz="1400" dirty="0"/>
               <a:t> </a:t>
             </a:r>
             <a:r>
-              <a:rPr lang="de-DE" sz="1400" dirty="0" err="1" smtClean="0"/>
+              <a:rPr lang="de-DE" sz="1400" dirty="0" err="1"/>
               <a:t>raw</a:t>
             </a:r>
             <a:r>
-              <a:rPr lang="de-DE" sz="1400" dirty="0" smtClean="0"/>
+              <a:rPr lang="de-DE" sz="1400" dirty="0"/>
               <a:t> </a:t>
             </a:r>
             <a:r>
-              <a:rPr lang="de-DE" sz="1400" dirty="0" err="1" smtClean="0"/>
+              <a:rPr lang="de-DE" sz="1400" dirty="0" err="1"/>
               <a:t>data</a:t>
             </a:r>
             <a:r>
-              <a:rPr lang="de-DE" sz="1400" dirty="0" smtClean="0"/>
+              <a:rPr lang="de-DE" sz="1400" dirty="0"/>
               <a:t> </a:t>
             </a:r>
           </a:p>
           <a:p>
             <a:r>
-              <a:rPr lang="de-DE" sz="1400" dirty="0" smtClean="0"/>
+              <a:rPr lang="de-DE" sz="1400" dirty="0"/>
               <a:t>(</a:t>
             </a:r>
             <a:r>
-              <a:rPr lang="de-DE" sz="1400" dirty="0" err="1" smtClean="0"/>
+              <a:rPr lang="de-DE" sz="1400" dirty="0" err="1"/>
               <a:t>matrix</a:t>
             </a:r>
             <a:r>
-              <a:rPr lang="de-DE" sz="1400" dirty="0" smtClean="0"/>
+              <a:rPr lang="de-DE" sz="1400" dirty="0"/>
               <a:t> </a:t>
             </a:r>
             <a:r>
-              <a:rPr lang="de-DE" sz="1400" dirty="0" err="1" smtClean="0"/>
+              <a:rPr lang="de-DE" sz="1400" dirty="0" err="1"/>
               <a:t>or</a:t>
             </a:r>
             <a:r>
-              <a:rPr lang="de-DE" sz="1400" dirty="0" smtClean="0"/>
+              <a:rPr lang="de-DE" sz="1400" dirty="0"/>
               <a:t> </a:t>
             </a:r>
             <a:r>
-              <a:rPr lang="de-DE" sz="1400" dirty="0" err="1" smtClean="0"/>
+              <a:rPr lang="de-DE" sz="1400" dirty="0" err="1"/>
               <a:t>table</a:t>
             </a:r>
             <a:r>
-              <a:rPr lang="de-DE" sz="1400" dirty="0" smtClean="0"/>
+              <a:rPr lang="de-DE" sz="1400" dirty="0"/>
               <a:t>)</a:t>
             </a:r>
-            <a:endParaRPr lang="de-DE" sz="1400" dirty="0"/>
           </a:p>
         </p:txBody>
       </p:sp>
@@ -7750,31 +7705,31 @@
           <a:lstStyle/>
           <a:p>
             <a:r>
-              <a:rPr lang="de-DE" sz="1400" dirty="0" err="1" smtClean="0"/>
+              <a:rPr lang="de-DE" sz="1400" dirty="0" err="1"/>
               <a:t>standard</a:t>
             </a:r>
             <a:r>
-              <a:rPr lang="de-DE" sz="1400" dirty="0" smtClean="0"/>
+              <a:rPr lang="de-DE" sz="1400" dirty="0"/>
               <a:t> </a:t>
             </a:r>
             <a:r>
-              <a:rPr lang="de-DE" sz="1400" dirty="0" err="1" smtClean="0"/>
+              <a:rPr lang="de-DE" sz="1400" dirty="0" err="1"/>
               <a:t>columns</a:t>
             </a:r>
             <a:r>
-              <a:rPr lang="de-DE" sz="1400" dirty="0" smtClean="0"/>
+              <a:rPr lang="de-DE" sz="1400" dirty="0"/>
               <a:t>  </a:t>
             </a:r>
             <a:r>
-              <a:rPr lang="de-DE" sz="1400" dirty="0" err="1" smtClean="0"/>
+              <a:rPr lang="de-DE" sz="1400" dirty="0" err="1"/>
               <a:t>measurement</a:t>
             </a:r>
             <a:r>
-              <a:rPr lang="de-DE" sz="1400" dirty="0" smtClean="0"/>
+              <a:rPr lang="de-DE" sz="1400" dirty="0"/>
               <a:t> </a:t>
             </a:r>
             <a:r>
-              <a:rPr lang="de-DE" sz="1400" dirty="0" err="1" smtClean="0"/>
+              <a:rPr lang="de-DE" sz="1400" dirty="0" err="1"/>
               <a:t>table</a:t>
             </a:r>
             <a:endParaRPr lang="de-DE" sz="1400" dirty="0"/>
@@ -7804,11 +7759,11 @@
           <a:lstStyle/>
           <a:p>
             <a:r>
-              <a:rPr lang="de-DE" sz="900" dirty="0" err="1" smtClean="0"/>
+              <a:rPr lang="de-DE" sz="900" dirty="0" err="1"/>
               <a:t>features</a:t>
             </a:r>
             <a:r>
-              <a:rPr lang="de-DE" sz="900" dirty="0" smtClean="0"/>
+              <a:rPr lang="de-DE" sz="900" dirty="0"/>
               <a:t>:</a:t>
             </a:r>
           </a:p>
@@ -7818,26 +7773,26 @@
               <a:buChar char="•"/>
             </a:pPr>
             <a:r>
-              <a:rPr lang="de-DE" sz="900" dirty="0" err="1" smtClean="0"/>
+              <a:rPr lang="de-DE" sz="900" dirty="0" err="1"/>
               <a:t>map</a:t>
             </a:r>
             <a:r>
-              <a:rPr lang="de-DE" sz="900" dirty="0" smtClean="0"/>
+              <a:rPr lang="de-DE" sz="900" dirty="0"/>
               <a:t> </a:t>
             </a:r>
             <a:r>
-              <a:rPr lang="de-DE" sz="900" dirty="0" err="1" smtClean="0"/>
+              <a:rPr lang="de-DE" sz="900" dirty="0" err="1"/>
               <a:t>column</a:t>
             </a:r>
             <a:r>
-              <a:rPr lang="de-DE" sz="900" dirty="0" smtClean="0"/>
+              <a:rPr lang="de-DE" sz="900" dirty="0"/>
               <a:t> </a:t>
             </a:r>
             <a:r>
-              <a:rPr lang="de-DE" sz="900" dirty="0" err="1" smtClean="0"/>
+              <a:rPr lang="de-DE" sz="900" dirty="0" err="1"/>
               <a:t>names</a:t>
             </a:r>
-            <a:endParaRPr lang="de-DE" sz="900" dirty="0" smtClean="0"/>
+            <a:endParaRPr lang="de-DE" sz="900" dirty="0"/>
           </a:p>
           <a:p>
             <a:pPr marL="171450" indent="-171450">
@@ -7846,37 +7801,33 @@
             </a:pPr>
             <a:r>
               <a:rPr lang="de-DE" sz="900" dirty="0" err="1"/>
-              <a:t>a</a:t>
-            </a:r>
-            <a:r>
-              <a:rPr lang="de-DE" sz="900" dirty="0" err="1" smtClean="0"/>
-              <a:t>dd</a:t>
-            </a:r>
-            <a:r>
-              <a:rPr lang="de-DE" sz="900" dirty="0" smtClean="0"/>
+              <a:t>add</a:t>
+            </a:r>
+            <a:r>
+              <a:rPr lang="de-DE" sz="900" dirty="0"/>
               <a:t> </a:t>
             </a:r>
             <a:r>
-              <a:rPr lang="de-DE" sz="900" dirty="0" err="1" smtClean="0"/>
+              <a:rPr lang="de-DE" sz="900" dirty="0" err="1"/>
               <a:t>measurementID</a:t>
             </a:r>
             <a:r>
-              <a:rPr lang="de-DE" sz="900" dirty="0" smtClean="0"/>
+              <a:rPr lang="de-DE" sz="900" dirty="0"/>
               <a:t> </a:t>
             </a:r>
             <a:r>
-              <a:rPr lang="de-DE" sz="900" dirty="0" err="1" smtClean="0"/>
+              <a:rPr lang="de-DE" sz="900" dirty="0" err="1"/>
               <a:t>and</a:t>
             </a:r>
             <a:r>
-              <a:rPr lang="de-DE" sz="900" dirty="0" smtClean="0"/>
+              <a:rPr lang="de-DE" sz="900" dirty="0"/>
               <a:t> </a:t>
             </a:r>
             <a:r>
-              <a:rPr lang="de-DE" sz="900" dirty="0" err="1" smtClean="0"/>
+              <a:rPr lang="de-DE" sz="900" dirty="0" err="1"/>
               <a:t>occurenceID</a:t>
             </a:r>
-            <a:endParaRPr lang="de-DE" sz="900" dirty="0" smtClean="0"/>
+            <a:endParaRPr lang="de-DE" sz="900" dirty="0"/>
           </a:p>
           <a:p>
             <a:pPr marL="171450" indent="-171450">
@@ -7885,18 +7836,14 @@
             </a:pPr>
             <a:r>
               <a:rPr lang="de-DE" sz="900" dirty="0" err="1"/>
-              <a:t>a</a:t>
-            </a:r>
-            <a:r>
-              <a:rPr lang="de-DE" sz="900" dirty="0" err="1" smtClean="0"/>
-              <a:t>dd</a:t>
-            </a:r>
-            <a:r>
-              <a:rPr lang="de-DE" sz="900" dirty="0" smtClean="0"/>
+              <a:t>add</a:t>
+            </a:r>
+            <a:r>
+              <a:rPr lang="de-DE" sz="900" dirty="0"/>
               <a:t> </a:t>
             </a:r>
             <a:r>
-              <a:rPr lang="de-DE" sz="900" dirty="0" err="1" smtClean="0"/>
+              <a:rPr lang="de-DE" sz="900" dirty="0" err="1"/>
               <a:t>units</a:t>
             </a:r>
             <a:endParaRPr lang="de-DE" sz="900" dirty="0"/>
@@ -7926,11 +7873,11 @@
           <a:lstStyle/>
           <a:p>
             <a:r>
-              <a:rPr lang="de-DE" sz="900" dirty="0" err="1" smtClean="0"/>
+              <a:rPr lang="de-DE" sz="900" dirty="0" err="1"/>
               <a:t>features</a:t>
             </a:r>
             <a:r>
-              <a:rPr lang="de-DE" sz="900" dirty="0" smtClean="0"/>
+              <a:rPr lang="de-DE" sz="900" dirty="0"/>
               <a:t>:</a:t>
             </a:r>
           </a:p>
@@ -7941,29 +7888,25 @@
             </a:pPr>
             <a:r>
               <a:rPr lang="de-DE" sz="900" dirty="0" err="1"/>
-              <a:t>h</a:t>
-            </a:r>
-            <a:r>
-              <a:rPr lang="de-DE" sz="900" dirty="0" err="1" smtClean="0"/>
-              <a:t>armonize</a:t>
-            </a:r>
-            <a:r>
-              <a:rPr lang="de-DE" sz="900" dirty="0" smtClean="0"/>
+              <a:t>harmonize</a:t>
+            </a:r>
+            <a:r>
+              <a:rPr lang="de-DE" sz="900" dirty="0"/>
               <a:t> </a:t>
             </a:r>
             <a:r>
-              <a:rPr lang="de-DE" sz="900" dirty="0" err="1" smtClean="0"/>
+              <a:rPr lang="de-DE" sz="900" dirty="0" err="1"/>
               <a:t>trait</a:t>
             </a:r>
             <a:r>
-              <a:rPr lang="de-DE" sz="900" dirty="0" smtClean="0"/>
+              <a:rPr lang="de-DE" sz="900" dirty="0"/>
               <a:t> </a:t>
             </a:r>
             <a:r>
-              <a:rPr lang="de-DE" sz="900" dirty="0" err="1" smtClean="0"/>
+              <a:rPr lang="de-DE" sz="900" dirty="0" err="1"/>
               <a:t>names</a:t>
             </a:r>
-            <a:endParaRPr lang="de-DE" sz="900" dirty="0" smtClean="0"/>
+            <a:endParaRPr lang="de-DE" sz="900" dirty="0"/>
           </a:p>
           <a:p>
             <a:pPr marL="171450" indent="-171450">
@@ -7972,18 +7915,14 @@
             </a:pPr>
             <a:r>
               <a:rPr lang="de-DE" sz="900" dirty="0" err="1"/>
-              <a:t>u</a:t>
-            </a:r>
-            <a:r>
-              <a:rPr lang="de-DE" sz="900" dirty="0" err="1" smtClean="0"/>
-              <a:t>nit</a:t>
-            </a:r>
-            <a:r>
-              <a:rPr lang="de-DE" sz="900" dirty="0" smtClean="0"/>
+              <a:t>unit</a:t>
+            </a:r>
+            <a:r>
+              <a:rPr lang="de-DE" sz="900" dirty="0"/>
               <a:t> </a:t>
             </a:r>
             <a:r>
-              <a:rPr lang="de-DE" sz="900" dirty="0" err="1" smtClean="0"/>
+              <a:rPr lang="de-DE" sz="900" dirty="0" err="1"/>
               <a:t>conversion</a:t>
             </a:r>
             <a:endParaRPr lang="de-DE" sz="900" dirty="0"/>
@@ -7995,25 +7934,20 @@
             </a:pPr>
             <a:r>
               <a:rPr lang="de-DE" sz="900" dirty="0" err="1"/>
-              <a:t>m</a:t>
-            </a:r>
-            <a:r>
-              <a:rPr lang="de-DE" sz="900" dirty="0" err="1" smtClean="0"/>
-              <a:t>ap</a:t>
-            </a:r>
-            <a:r>
-              <a:rPr lang="de-DE" sz="900" dirty="0" smtClean="0"/>
+              <a:t>map</a:t>
+            </a:r>
+            <a:r>
+              <a:rPr lang="de-DE" sz="900" dirty="0"/>
               <a:t> </a:t>
             </a:r>
             <a:r>
-              <a:rPr lang="de-DE" sz="900" dirty="0" err="1" smtClean="0"/>
+              <a:rPr lang="de-DE" sz="900" dirty="0" err="1"/>
               <a:t>traitID</a:t>
             </a:r>
             <a:r>
-              <a:rPr lang="de-DE" sz="900" dirty="0" smtClean="0"/>
+              <a:rPr lang="de-DE" sz="900" dirty="0"/>
               <a:t> </a:t>
             </a:r>
-            <a:endParaRPr lang="de-DE" sz="900" dirty="0"/>
           </a:p>
         </p:txBody>
       </p:sp>
@@ -8040,11 +7974,11 @@
           <a:lstStyle/>
           <a:p>
             <a:r>
-              <a:rPr lang="de-DE" sz="900" dirty="0" err="1" smtClean="0"/>
+              <a:rPr lang="de-DE" sz="900" dirty="0" err="1"/>
               <a:t>features</a:t>
             </a:r>
             <a:r>
-              <a:rPr lang="de-DE" sz="900" dirty="0" smtClean="0"/>
+              <a:rPr lang="de-DE" sz="900" dirty="0"/>
               <a:t>:</a:t>
             </a:r>
           </a:p>
@@ -8054,47 +7988,47 @@
               <a:buChar char="•"/>
             </a:pPr>
             <a:r>
-              <a:rPr lang="de-DE" sz="900" dirty="0" err="1" smtClean="0"/>
+              <a:rPr lang="de-DE" sz="900" dirty="0" err="1"/>
               <a:t>resolve</a:t>
             </a:r>
             <a:r>
-              <a:rPr lang="de-DE" sz="900" dirty="0" smtClean="0"/>
+              <a:rPr lang="de-DE" sz="900" dirty="0"/>
               <a:t> </a:t>
             </a:r>
             <a:r>
-              <a:rPr lang="de-DE" sz="900" dirty="0" err="1" smtClean="0"/>
+              <a:rPr lang="de-DE" sz="900" dirty="0" err="1"/>
               <a:t>user</a:t>
             </a:r>
             <a:r>
-              <a:rPr lang="de-DE" sz="900" dirty="0" smtClean="0"/>
+              <a:rPr lang="de-DE" sz="900" dirty="0"/>
               <a:t> </a:t>
             </a:r>
             <a:r>
-              <a:rPr lang="de-DE" sz="900" dirty="0" err="1" smtClean="0"/>
+              <a:rPr lang="de-DE" sz="900" dirty="0" err="1"/>
               <a:t>names</a:t>
             </a:r>
             <a:r>
-              <a:rPr lang="de-DE" sz="900" dirty="0" smtClean="0"/>
+              <a:rPr lang="de-DE" sz="900" dirty="0"/>
               <a:t> </a:t>
             </a:r>
             <a:r>
-              <a:rPr lang="de-DE" sz="900" dirty="0" err="1" smtClean="0"/>
+              <a:rPr lang="de-DE" sz="900" dirty="0" err="1"/>
               <a:t>to</a:t>
             </a:r>
             <a:r>
-              <a:rPr lang="de-DE" sz="900" dirty="0" smtClean="0"/>
+              <a:rPr lang="de-DE" sz="900" dirty="0"/>
               <a:t> </a:t>
             </a:r>
             <a:r>
-              <a:rPr lang="de-DE" sz="900" dirty="0" err="1" smtClean="0"/>
+              <a:rPr lang="de-DE" sz="900" dirty="0" err="1"/>
               <a:t>accepted</a:t>
             </a:r>
             <a:r>
-              <a:rPr lang="de-DE" sz="900" dirty="0" smtClean="0"/>
+              <a:rPr lang="de-DE" sz="900" dirty="0"/>
               <a:t> </a:t>
             </a:r>
             <a:r>
-              <a:rPr lang="de-DE" sz="900" dirty="0" err="1" smtClean="0"/>
+              <a:rPr lang="de-DE" sz="900" dirty="0" err="1"/>
               <a:t>names</a:t>
             </a:r>
             <a:endParaRPr lang="de-DE" sz="900" dirty="0"/>
@@ -8105,35 +8039,35 @@
               <a:buChar char="•"/>
             </a:pPr>
             <a:r>
-              <a:rPr lang="de-DE" sz="900" dirty="0" err="1" smtClean="0"/>
+              <a:rPr lang="de-DE" sz="900" dirty="0" err="1"/>
               <a:t>fuzzy</a:t>
             </a:r>
             <a:r>
-              <a:rPr lang="de-DE" sz="900" dirty="0" smtClean="0"/>
+              <a:rPr lang="de-DE" sz="900" dirty="0"/>
               <a:t> </a:t>
             </a:r>
             <a:r>
-              <a:rPr lang="de-DE" sz="900" dirty="0" err="1" smtClean="0"/>
+              <a:rPr lang="de-DE" sz="900" dirty="0" err="1"/>
               <a:t>matching</a:t>
             </a:r>
             <a:r>
-              <a:rPr lang="de-DE" sz="900" dirty="0" smtClean="0"/>
+              <a:rPr lang="de-DE" sz="900" dirty="0"/>
               <a:t> (</a:t>
             </a:r>
             <a:r>
-              <a:rPr lang="de-DE" sz="900" dirty="0" err="1" smtClean="0"/>
+              <a:rPr lang="de-DE" sz="900" dirty="0" err="1"/>
               <a:t>spell</a:t>
             </a:r>
             <a:r>
-              <a:rPr lang="de-DE" sz="900" dirty="0" smtClean="0"/>
+              <a:rPr lang="de-DE" sz="900" dirty="0"/>
               <a:t> </a:t>
             </a:r>
             <a:r>
-              <a:rPr lang="de-DE" sz="900" dirty="0" err="1" smtClean="0"/>
+              <a:rPr lang="de-DE" sz="900" dirty="0" err="1"/>
               <a:t>checking</a:t>
             </a:r>
             <a:r>
-              <a:rPr lang="de-DE" sz="900" dirty="0" smtClean="0"/>
+              <a:rPr lang="de-DE" sz="900" dirty="0"/>
               <a:t>)</a:t>
             </a:r>
           </a:p>
@@ -8144,21 +8078,17 @@
             </a:pPr>
             <a:r>
               <a:rPr lang="de-DE" sz="900" dirty="0" err="1"/>
-              <a:t>r</a:t>
-            </a:r>
-            <a:r>
-              <a:rPr lang="de-DE" sz="900" dirty="0" err="1" smtClean="0"/>
-              <a:t>esolve</a:t>
-            </a:r>
-            <a:r>
-              <a:rPr lang="de-DE" sz="900" dirty="0" smtClean="0"/>
+              <a:t>resolve</a:t>
+            </a:r>
+            <a:r>
+              <a:rPr lang="de-DE" sz="900" dirty="0"/>
               <a:t> </a:t>
             </a:r>
             <a:r>
-              <a:rPr lang="de-DE" sz="900" dirty="0" err="1" smtClean="0"/>
+              <a:rPr lang="de-DE" sz="900" dirty="0" err="1"/>
               <a:t>synonyms</a:t>
             </a:r>
-            <a:endParaRPr lang="de-DE" sz="900" dirty="0" smtClean="0"/>
+            <a:endParaRPr lang="de-DE" sz="900" dirty="0"/>
           </a:p>
           <a:p>
             <a:pPr marL="171450" indent="-171450">
@@ -8166,15 +8096,15 @@
               <a:buChar char="•"/>
             </a:pPr>
             <a:r>
-              <a:rPr lang="de-DE" sz="900" dirty="0" err="1" smtClean="0"/>
+              <a:rPr lang="de-DE" sz="900" dirty="0" err="1"/>
               <a:t>map</a:t>
             </a:r>
             <a:r>
-              <a:rPr lang="de-DE" sz="900" dirty="0" smtClean="0"/>
+              <a:rPr lang="de-DE" sz="900" dirty="0"/>
               <a:t> </a:t>
             </a:r>
             <a:r>
-              <a:rPr lang="de-DE" sz="900" dirty="0" err="1" smtClean="0"/>
+              <a:rPr lang="de-DE" sz="900" dirty="0" err="1"/>
               <a:t>taxonID</a:t>
             </a:r>
             <a:endParaRPr lang="de-DE" sz="900" dirty="0"/>
@@ -8488,66 +8418,62 @@
           <a:p>
             <a:r>
               <a:rPr lang="de-DE" sz="1400" dirty="0" err="1"/>
-              <a:t>c</a:t>
-            </a:r>
-            <a:r>
-              <a:rPr lang="de-DE" sz="1400" dirty="0" err="1" smtClean="0"/>
-              <a:t>ompliant</a:t>
-            </a:r>
-            <a:r>
-              <a:rPr lang="de-DE" sz="1400" dirty="0" smtClean="0"/>
+              <a:t>compliant</a:t>
+            </a:r>
+            <a:r>
+              <a:rPr lang="de-DE" sz="1400" dirty="0"/>
               <a:t> </a:t>
             </a:r>
             <a:r>
-              <a:rPr lang="de-DE" sz="1400" dirty="0" err="1" smtClean="0"/>
+              <a:rPr lang="de-DE" sz="1400" dirty="0" err="1"/>
               <a:t>trait</a:t>
             </a:r>
             <a:r>
-              <a:rPr lang="de-DE" sz="1400" dirty="0" smtClean="0"/>
+              <a:rPr lang="de-DE" sz="1400" dirty="0"/>
               <a:t>-dataset </a:t>
             </a:r>
             <a:r>
-              <a:rPr lang="de-DE" sz="1400" dirty="0" err="1" smtClean="0"/>
+              <a:rPr lang="de-DE" sz="1400" dirty="0" err="1"/>
               <a:t>with</a:t>
             </a:r>
             <a:r>
-              <a:rPr lang="de-DE" sz="1400" dirty="0" smtClean="0"/>
+              <a:rPr lang="de-DE" sz="1400" dirty="0"/>
               <a:t> </a:t>
             </a:r>
             <a:r>
-              <a:rPr lang="de-DE" sz="1400" dirty="0" err="1" smtClean="0"/>
+              <a:rPr lang="de-DE" sz="1400" dirty="0" err="1"/>
               <a:t>mapped</a:t>
             </a:r>
             <a:r>
-              <a:rPr lang="de-DE" sz="1400" dirty="0" smtClean="0"/>
+              <a:rPr lang="de-DE" sz="1400" dirty="0"/>
               <a:t> </a:t>
             </a:r>
             <a:r>
-              <a:rPr lang="de-DE" sz="1400" dirty="0" err="1" smtClean="0"/>
+              <a:rPr lang="de-DE" sz="1400" dirty="0" err="1"/>
               <a:t>taxon</a:t>
             </a:r>
             <a:r>
-              <a:rPr lang="de-DE" sz="1400" dirty="0" smtClean="0"/>
+              <a:rPr lang="de-DE" sz="1400" dirty="0"/>
               <a:t> </a:t>
             </a:r>
             <a:r>
-              <a:rPr lang="de-DE" sz="1400" dirty="0" err="1" smtClean="0"/>
+              <a:rPr lang="de-DE" sz="1400" dirty="0" err="1"/>
               <a:t>names</a:t>
             </a:r>
             <a:r>
-              <a:rPr lang="de-DE" sz="1400" dirty="0" smtClean="0"/>
+              <a:rPr lang="de-DE" sz="1400" dirty="0"/>
               <a:t> </a:t>
             </a:r>
             <a:r>
-              <a:rPr lang="de-DE" sz="1400" dirty="0" err="1" smtClean="0"/>
+              <a:rPr lang="de-DE" sz="1400" dirty="0" err="1"/>
               <a:t>and</a:t>
             </a:r>
             <a:r>
-              <a:rPr lang="de-DE" sz="1400" dirty="0" smtClean="0"/>
+              <a:rPr lang="de-DE" sz="1400" dirty="0"/>
               <a:t> </a:t>
             </a:r>
             <a:r>
-              <a:rPr lang="de-DE" sz="1400" dirty="0" err="1" smtClean="0"/>
+              <a:rPr lang="de-DE" sz="1400" dirty="0" err="1"/>
               <a:t>traits</a:t>
             </a:r>
             <a:endParaRPr lang="de-DE" sz="1400" dirty="0"/>
@@ -8558,6 +8484,5549 @@
     <p:extLst>
       <p:ext uri="{BB962C8B-B14F-4D97-AF65-F5344CB8AC3E}">
         <p14:creationId xmlns:p14="http://schemas.microsoft.com/office/powerpoint/2010/main" val="1992654366"/>
+      </p:ext>
+    </p:extLst>
+  </p:cSld>
+  <p:clrMapOvr>
+    <a:masterClrMapping/>
+  </p:clrMapOvr>
+</p:sld>
+</file>
+
+<file path=ppt/slides/slide4.xml><?xml version="1.0" encoding="utf-8"?>
+<p:sld xmlns:a="http://schemas.openxmlformats.org/drawingml/2006/main" xmlns:r="http://schemas.openxmlformats.org/officeDocument/2006/relationships" xmlns:p="http://schemas.openxmlformats.org/presentationml/2006/main">
+  <p:cSld>
+    <p:spTree>
+      <p:nvGrpSpPr>
+        <p:cNvPr id="1" name=""/>
+        <p:cNvGrpSpPr/>
+        <p:nvPr/>
+      </p:nvGrpSpPr>
+      <p:grpSpPr>
+        <a:xfrm>
+          <a:off x="0" y="0"/>
+          <a:ext cx="0" cy="0"/>
+          <a:chOff x="0" y="0"/>
+          <a:chExt cx="0" cy="0"/>
+        </a:xfrm>
+      </p:grpSpPr>
+      <p:cxnSp>
+        <p:nvCxnSpPr>
+          <p:cNvPr id="2" name="Connecteur droit avec flèche 10">
+            <a:extLst>
+              <a:ext uri="{FF2B5EF4-FFF2-40B4-BE49-F238E27FC236}">
+                <a16:creationId xmlns:a16="http://schemas.microsoft.com/office/drawing/2014/main" id="{52CBED8E-9AF2-4D58-8FB4-3FA2345C6E5C}"/>
+              </a:ext>
+            </a:extLst>
+          </p:cNvPr>
+          <p:cNvCxnSpPr/>
+          <p:nvPr/>
+        </p:nvCxnSpPr>
+        <p:spPr>
+          <a:xfrm>
+            <a:off x="4464012" y="940591"/>
+            <a:ext cx="0" cy="302998"/>
+          </a:xfrm>
+          <a:prstGeom prst="straightConnector1">
+            <a:avLst/>
+          </a:prstGeom>
+          <a:ln w="12700" cap="flat" cmpd="sng" algn="ctr">
+            <a:solidFill>
+              <a:schemeClr val="dk1"/>
+            </a:solidFill>
+            <a:prstDash val="solid"/>
+            <a:round/>
+            <a:headEnd type="none" w="med" len="med"/>
+            <a:tailEnd type="triangle" w="med" len="med"/>
+          </a:ln>
+        </p:spPr>
+        <p:style>
+          <a:lnRef idx="0">
+            <a:scrgbClr r="0" g="0" b="0"/>
+          </a:lnRef>
+          <a:fillRef idx="0">
+            <a:scrgbClr r="0" g="0" b="0"/>
+          </a:fillRef>
+          <a:effectRef idx="0">
+            <a:scrgbClr r="0" g="0" b="0"/>
+          </a:effectRef>
+          <a:fontRef idx="minor">
+            <a:schemeClr val="tx1"/>
+          </a:fontRef>
+        </p:style>
+      </p:cxnSp>
+      <p:sp>
+        <p:nvSpPr>
+          <p:cNvPr id="3" name="ZoneTexte 11">
+            <a:extLst>
+              <a:ext uri="{FF2B5EF4-FFF2-40B4-BE49-F238E27FC236}">
+                <a16:creationId xmlns:a16="http://schemas.microsoft.com/office/drawing/2014/main" id="{D834988B-247C-4DF7-AB2B-E65E198F7F62}"/>
+              </a:ext>
+            </a:extLst>
+          </p:cNvPr>
+          <p:cNvSpPr txBox="1"/>
+          <p:nvPr/>
+        </p:nvSpPr>
+        <p:spPr>
+          <a:xfrm>
+            <a:off x="4355421" y="2135263"/>
+            <a:ext cx="216579" cy="523220"/>
+          </a:xfrm>
+          <a:prstGeom prst="rect">
+            <a:avLst/>
+          </a:prstGeom>
+          <a:noFill/>
+          <a:ln cap="flat">
+            <a:noFill/>
+          </a:ln>
+        </p:spPr>
+        <p:txBody>
+          <a:bodyPr vert="horz" wrap="square" lIns="91440" tIns="45720" rIns="91440" bIns="45720" anchor="t" anchorCtr="1" compatLnSpc="1">
+            <a:spAutoFit/>
+          </a:bodyPr>
+          <a:lstStyle>
+            <a:defPPr>
+              <a:defRPr lang="fr-FR"/>
+            </a:defPPr>
+            <a:lvl1pPr marL="0" algn="l" defTabSz="914400" rtl="0" eaLnBrk="1" latinLnBrk="0" hangingPunct="1">
+              <a:defRPr sz="1800" kern="1200">
+                <a:solidFill>
+                  <a:schemeClr val="tx1"/>
+                </a:solidFill>
+                <a:latin typeface="+mn-lt"/>
+                <a:ea typeface="+mn-ea"/>
+                <a:cs typeface="+mn-cs"/>
+              </a:defRPr>
+            </a:lvl1pPr>
+            <a:lvl2pPr marL="457200" algn="l" defTabSz="914400" rtl="0" eaLnBrk="1" latinLnBrk="0" hangingPunct="1">
+              <a:defRPr sz="1800" kern="1200">
+                <a:solidFill>
+                  <a:schemeClr val="tx1"/>
+                </a:solidFill>
+                <a:latin typeface="+mn-lt"/>
+                <a:ea typeface="+mn-ea"/>
+                <a:cs typeface="+mn-cs"/>
+              </a:defRPr>
+            </a:lvl2pPr>
+            <a:lvl3pPr marL="914400" algn="l" defTabSz="914400" rtl="0" eaLnBrk="1" latinLnBrk="0" hangingPunct="1">
+              <a:defRPr sz="1800" kern="1200">
+                <a:solidFill>
+                  <a:schemeClr val="tx1"/>
+                </a:solidFill>
+                <a:latin typeface="+mn-lt"/>
+                <a:ea typeface="+mn-ea"/>
+                <a:cs typeface="+mn-cs"/>
+              </a:defRPr>
+            </a:lvl3pPr>
+            <a:lvl4pPr marL="1371600" algn="l" defTabSz="914400" rtl="0" eaLnBrk="1" latinLnBrk="0" hangingPunct="1">
+              <a:defRPr sz="1800" kern="1200">
+                <a:solidFill>
+                  <a:schemeClr val="tx1"/>
+                </a:solidFill>
+                <a:latin typeface="+mn-lt"/>
+                <a:ea typeface="+mn-ea"/>
+                <a:cs typeface="+mn-cs"/>
+              </a:defRPr>
+            </a:lvl4pPr>
+            <a:lvl5pPr marL="1828800" algn="l" defTabSz="914400" rtl="0" eaLnBrk="1" latinLnBrk="0" hangingPunct="1">
+              <a:defRPr sz="1800" kern="1200">
+                <a:solidFill>
+                  <a:schemeClr val="tx1"/>
+                </a:solidFill>
+                <a:latin typeface="+mn-lt"/>
+                <a:ea typeface="+mn-ea"/>
+                <a:cs typeface="+mn-cs"/>
+              </a:defRPr>
+            </a:lvl5pPr>
+            <a:lvl6pPr marL="2286000" algn="l" defTabSz="914400" rtl="0" eaLnBrk="1" latinLnBrk="0" hangingPunct="1">
+              <a:defRPr sz="1800" kern="1200">
+                <a:solidFill>
+                  <a:schemeClr val="tx1"/>
+                </a:solidFill>
+                <a:latin typeface="+mn-lt"/>
+                <a:ea typeface="+mn-ea"/>
+                <a:cs typeface="+mn-cs"/>
+              </a:defRPr>
+            </a:lvl6pPr>
+            <a:lvl7pPr marL="2743200" algn="l" defTabSz="914400" rtl="0" eaLnBrk="1" latinLnBrk="0" hangingPunct="1">
+              <a:defRPr sz="1800" kern="1200">
+                <a:solidFill>
+                  <a:schemeClr val="tx1"/>
+                </a:solidFill>
+                <a:latin typeface="+mn-lt"/>
+                <a:ea typeface="+mn-ea"/>
+                <a:cs typeface="+mn-cs"/>
+              </a:defRPr>
+            </a:lvl7pPr>
+            <a:lvl8pPr marL="3200400" algn="l" defTabSz="914400" rtl="0" eaLnBrk="1" latinLnBrk="0" hangingPunct="1">
+              <a:defRPr sz="1800" kern="1200">
+                <a:solidFill>
+                  <a:schemeClr val="tx1"/>
+                </a:solidFill>
+                <a:latin typeface="+mn-lt"/>
+                <a:ea typeface="+mn-ea"/>
+                <a:cs typeface="+mn-cs"/>
+              </a:defRPr>
+            </a:lvl8pPr>
+            <a:lvl9pPr marL="3657600" algn="l" defTabSz="914400" rtl="0" eaLnBrk="1" latinLnBrk="0" hangingPunct="1">
+              <a:defRPr sz="1800" kern="1200">
+                <a:solidFill>
+                  <a:schemeClr val="tx1"/>
+                </a:solidFill>
+                <a:latin typeface="+mn-lt"/>
+                <a:ea typeface="+mn-ea"/>
+                <a:cs typeface="+mn-cs"/>
+              </a:defRPr>
+            </a:lvl9pPr>
+          </a:lstStyle>
+          <a:p>
+            <a:pPr marL="0" marR="0" lvl="0" indent="0" algn="ctr" defTabSz="457200" rtl="0" fontAlgn="auto" hangingPunct="1">
+              <a:lnSpc>
+                <a:spcPct val="100000"/>
+              </a:lnSpc>
+              <a:spcBef>
+                <a:spcPts val="0"/>
+              </a:spcBef>
+              <a:spcAft>
+                <a:spcPts val="0"/>
+              </a:spcAft>
+              <a:buNone/>
+              <a:tabLst/>
+              <a:defRPr sz="1800" b="0" i="0" u="none" strike="noStrike" kern="0" cap="none" spc="0" baseline="0">
+                <a:solidFill>
+                  <a:srgbClr val="000000"/>
+                </a:solidFill>
+                <a:uFillTx/>
+              </a:defRPr>
+            </a:pPr>
+            <a:r>
+              <a:rPr lang="en-US" sz="2800" i="0" u="none" strike="noStrike" kern="1200" cap="none" spc="0" baseline="0" dirty="0">
+                <a:solidFill>
+                  <a:srgbClr val="000000"/>
+                </a:solidFill>
+                <a:uFillTx/>
+                <a:latin typeface="Arial Narrow" panose="020B0606020202030204" pitchFamily="34" charset="0"/>
+              </a:rPr>
+              <a:t>+</a:t>
+            </a:r>
+            <a:endParaRPr lang="en-US" sz="1800" i="0" u="none" strike="noStrike" kern="1200" cap="none" spc="0" baseline="0" dirty="0">
+              <a:solidFill>
+                <a:srgbClr val="000000"/>
+              </a:solidFill>
+              <a:uFillTx/>
+              <a:latin typeface="Arial Narrow" panose="020B0606020202030204" pitchFamily="34" charset="0"/>
+            </a:endParaRPr>
+          </a:p>
+        </p:txBody>
+      </p:sp>
+      <p:sp>
+        <p:nvSpPr>
+          <p:cNvPr id="4" name="ZoneTexte 12">
+            <a:extLst>
+              <a:ext uri="{FF2B5EF4-FFF2-40B4-BE49-F238E27FC236}">
+                <a16:creationId xmlns:a16="http://schemas.microsoft.com/office/drawing/2014/main" id="{DEBDDC23-4C72-4D1C-9602-12E104D59665}"/>
+              </a:ext>
+            </a:extLst>
+          </p:cNvPr>
+          <p:cNvSpPr txBox="1"/>
+          <p:nvPr/>
+        </p:nvSpPr>
+        <p:spPr>
+          <a:xfrm>
+            <a:off x="367068" y="2080589"/>
+            <a:ext cx="2658662" cy="461665"/>
+          </a:xfrm>
+          <a:prstGeom prst="rect">
+            <a:avLst/>
+          </a:prstGeom>
+          <a:noFill/>
+          <a:ln cap="flat">
+            <a:noFill/>
+          </a:ln>
+        </p:spPr>
+        <p:txBody>
+          <a:bodyPr vert="horz" wrap="square" lIns="91440" tIns="45720" rIns="91440" bIns="45720" anchor="t" anchorCtr="0" compatLnSpc="1">
+            <a:spAutoFit/>
+          </a:bodyPr>
+          <a:lstStyle>
+            <a:defPPr>
+              <a:defRPr lang="fr-FR"/>
+            </a:defPPr>
+            <a:lvl1pPr marL="0" algn="l" defTabSz="914400" rtl="0" eaLnBrk="1" latinLnBrk="0" hangingPunct="1">
+              <a:defRPr sz="1800" kern="1200">
+                <a:solidFill>
+                  <a:schemeClr val="tx1"/>
+                </a:solidFill>
+                <a:latin typeface="+mn-lt"/>
+                <a:ea typeface="+mn-ea"/>
+                <a:cs typeface="+mn-cs"/>
+              </a:defRPr>
+            </a:lvl1pPr>
+            <a:lvl2pPr marL="457200" algn="l" defTabSz="914400" rtl="0" eaLnBrk="1" latinLnBrk="0" hangingPunct="1">
+              <a:defRPr sz="1800" kern="1200">
+                <a:solidFill>
+                  <a:schemeClr val="tx1"/>
+                </a:solidFill>
+                <a:latin typeface="+mn-lt"/>
+                <a:ea typeface="+mn-ea"/>
+                <a:cs typeface="+mn-cs"/>
+              </a:defRPr>
+            </a:lvl2pPr>
+            <a:lvl3pPr marL="914400" algn="l" defTabSz="914400" rtl="0" eaLnBrk="1" latinLnBrk="0" hangingPunct="1">
+              <a:defRPr sz="1800" kern="1200">
+                <a:solidFill>
+                  <a:schemeClr val="tx1"/>
+                </a:solidFill>
+                <a:latin typeface="+mn-lt"/>
+                <a:ea typeface="+mn-ea"/>
+                <a:cs typeface="+mn-cs"/>
+              </a:defRPr>
+            </a:lvl3pPr>
+            <a:lvl4pPr marL="1371600" algn="l" defTabSz="914400" rtl="0" eaLnBrk="1" latinLnBrk="0" hangingPunct="1">
+              <a:defRPr sz="1800" kern="1200">
+                <a:solidFill>
+                  <a:schemeClr val="tx1"/>
+                </a:solidFill>
+                <a:latin typeface="+mn-lt"/>
+                <a:ea typeface="+mn-ea"/>
+                <a:cs typeface="+mn-cs"/>
+              </a:defRPr>
+            </a:lvl4pPr>
+            <a:lvl5pPr marL="1828800" algn="l" defTabSz="914400" rtl="0" eaLnBrk="1" latinLnBrk="0" hangingPunct="1">
+              <a:defRPr sz="1800" kern="1200">
+                <a:solidFill>
+                  <a:schemeClr val="tx1"/>
+                </a:solidFill>
+                <a:latin typeface="+mn-lt"/>
+                <a:ea typeface="+mn-ea"/>
+                <a:cs typeface="+mn-cs"/>
+              </a:defRPr>
+            </a:lvl5pPr>
+            <a:lvl6pPr marL="2286000" algn="l" defTabSz="914400" rtl="0" eaLnBrk="1" latinLnBrk="0" hangingPunct="1">
+              <a:defRPr sz="1800" kern="1200">
+                <a:solidFill>
+                  <a:schemeClr val="tx1"/>
+                </a:solidFill>
+                <a:latin typeface="+mn-lt"/>
+                <a:ea typeface="+mn-ea"/>
+                <a:cs typeface="+mn-cs"/>
+              </a:defRPr>
+            </a:lvl6pPr>
+            <a:lvl7pPr marL="2743200" algn="l" defTabSz="914400" rtl="0" eaLnBrk="1" latinLnBrk="0" hangingPunct="1">
+              <a:defRPr sz="1800" kern="1200">
+                <a:solidFill>
+                  <a:schemeClr val="tx1"/>
+                </a:solidFill>
+                <a:latin typeface="+mn-lt"/>
+                <a:ea typeface="+mn-ea"/>
+                <a:cs typeface="+mn-cs"/>
+              </a:defRPr>
+            </a:lvl7pPr>
+            <a:lvl8pPr marL="3200400" algn="l" defTabSz="914400" rtl="0" eaLnBrk="1" latinLnBrk="0" hangingPunct="1">
+              <a:defRPr sz="1800" kern="1200">
+                <a:solidFill>
+                  <a:schemeClr val="tx1"/>
+                </a:solidFill>
+                <a:latin typeface="+mn-lt"/>
+                <a:ea typeface="+mn-ea"/>
+                <a:cs typeface="+mn-cs"/>
+              </a:defRPr>
+            </a:lvl8pPr>
+            <a:lvl9pPr marL="3657600" algn="l" defTabSz="914400" rtl="0" eaLnBrk="1" latinLnBrk="0" hangingPunct="1">
+              <a:defRPr sz="1800" kern="1200">
+                <a:solidFill>
+                  <a:schemeClr val="tx1"/>
+                </a:solidFill>
+                <a:latin typeface="+mn-lt"/>
+                <a:ea typeface="+mn-ea"/>
+                <a:cs typeface="+mn-cs"/>
+              </a:defRPr>
+            </a:lvl9pPr>
+          </a:lstStyle>
+          <a:p>
+            <a:pPr marL="0" marR="0" lvl="0" indent="0" algn="l" defTabSz="457200" rtl="0" fontAlgn="auto" hangingPunct="1">
+              <a:lnSpc>
+                <a:spcPct val="100000"/>
+              </a:lnSpc>
+              <a:spcBef>
+                <a:spcPts val="0"/>
+              </a:spcBef>
+              <a:spcAft>
+                <a:spcPts val="0"/>
+              </a:spcAft>
+              <a:buNone/>
+              <a:tabLst/>
+              <a:defRPr sz="1800" b="0" i="0" u="none" strike="noStrike" kern="0" cap="none" spc="0" baseline="0">
+                <a:solidFill>
+                  <a:srgbClr val="000000"/>
+                </a:solidFill>
+                <a:uFillTx/>
+              </a:defRPr>
+            </a:pPr>
+            <a:r>
+              <a:rPr lang="en-US" sz="1400" b="1" i="0" u="none" strike="noStrike" kern="1200" cap="none" spc="0" baseline="0" dirty="0">
+                <a:solidFill>
+                  <a:srgbClr val="000000"/>
+                </a:solidFill>
+                <a:uFillTx/>
+                <a:latin typeface="Calibri"/>
+              </a:rPr>
+              <a:t>Standardized names and URIs</a:t>
+            </a:r>
+          </a:p>
+          <a:p>
+            <a:pPr marL="0" marR="0" lvl="0" indent="0" algn="l" defTabSz="457200" rtl="0" fontAlgn="auto" hangingPunct="1">
+              <a:lnSpc>
+                <a:spcPct val="100000"/>
+              </a:lnSpc>
+              <a:spcBef>
+                <a:spcPts val="0"/>
+              </a:spcBef>
+              <a:spcAft>
+                <a:spcPts val="0"/>
+              </a:spcAft>
+              <a:buNone/>
+              <a:tabLst/>
+              <a:defRPr sz="1800" b="0" i="0" u="none" strike="noStrike" kern="0" cap="none" spc="0" baseline="0">
+                <a:solidFill>
+                  <a:srgbClr val="000000"/>
+                </a:solidFill>
+                <a:uFillTx/>
+              </a:defRPr>
+            </a:pPr>
+            <a:r>
+              <a:rPr lang="en-US" sz="1000" dirty="0">
+                <a:solidFill>
+                  <a:srgbClr val="000000"/>
+                </a:solidFill>
+                <a:latin typeface="Calibri"/>
+              </a:rPr>
+              <a:t>(added as columns to core table)</a:t>
+            </a:r>
+            <a:endParaRPr lang="en-US" sz="1000" i="0" u="none" strike="noStrike" kern="1200" cap="none" spc="0" baseline="0" dirty="0">
+              <a:solidFill>
+                <a:srgbClr val="000000"/>
+              </a:solidFill>
+              <a:uFillTx/>
+              <a:latin typeface="Calibri"/>
+            </a:endParaRPr>
+          </a:p>
+        </p:txBody>
+      </p:sp>
+      <p:sp>
+        <p:nvSpPr>
+          <p:cNvPr id="5" name="ZoneTexte 13">
+            <a:extLst>
+              <a:ext uri="{FF2B5EF4-FFF2-40B4-BE49-F238E27FC236}">
+                <a16:creationId xmlns:a16="http://schemas.microsoft.com/office/drawing/2014/main" id="{08690115-9F2E-4210-9A4D-E6BE3196BB2F}"/>
+              </a:ext>
+            </a:extLst>
+          </p:cNvPr>
+          <p:cNvSpPr txBox="1"/>
+          <p:nvPr/>
+        </p:nvSpPr>
+        <p:spPr>
+          <a:xfrm>
+            <a:off x="350635" y="976352"/>
+            <a:ext cx="2209537" cy="469359"/>
+          </a:xfrm>
+          <a:prstGeom prst="rect">
+            <a:avLst/>
+          </a:prstGeom>
+          <a:noFill/>
+          <a:ln cap="flat">
+            <a:noFill/>
+          </a:ln>
+        </p:spPr>
+        <p:txBody>
+          <a:bodyPr vert="horz" wrap="square" lIns="91440" tIns="45720" rIns="91440" bIns="45720" anchor="t" anchorCtr="0" compatLnSpc="1">
+            <a:spAutoFit/>
+          </a:bodyPr>
+          <a:lstStyle>
+            <a:defPPr>
+              <a:defRPr lang="fr-FR"/>
+            </a:defPPr>
+            <a:lvl1pPr marL="0" algn="l" defTabSz="914400" rtl="0" eaLnBrk="1" latinLnBrk="0" hangingPunct="1">
+              <a:defRPr sz="1800" kern="1200">
+                <a:solidFill>
+                  <a:schemeClr val="tx1"/>
+                </a:solidFill>
+                <a:latin typeface="+mn-lt"/>
+                <a:ea typeface="+mn-ea"/>
+                <a:cs typeface="+mn-cs"/>
+              </a:defRPr>
+            </a:lvl1pPr>
+            <a:lvl2pPr marL="457200" algn="l" defTabSz="914400" rtl="0" eaLnBrk="1" latinLnBrk="0" hangingPunct="1">
+              <a:defRPr sz="1800" kern="1200">
+                <a:solidFill>
+                  <a:schemeClr val="tx1"/>
+                </a:solidFill>
+                <a:latin typeface="+mn-lt"/>
+                <a:ea typeface="+mn-ea"/>
+                <a:cs typeface="+mn-cs"/>
+              </a:defRPr>
+            </a:lvl2pPr>
+            <a:lvl3pPr marL="914400" algn="l" defTabSz="914400" rtl="0" eaLnBrk="1" latinLnBrk="0" hangingPunct="1">
+              <a:defRPr sz="1800" kern="1200">
+                <a:solidFill>
+                  <a:schemeClr val="tx1"/>
+                </a:solidFill>
+                <a:latin typeface="+mn-lt"/>
+                <a:ea typeface="+mn-ea"/>
+                <a:cs typeface="+mn-cs"/>
+              </a:defRPr>
+            </a:lvl3pPr>
+            <a:lvl4pPr marL="1371600" algn="l" defTabSz="914400" rtl="0" eaLnBrk="1" latinLnBrk="0" hangingPunct="1">
+              <a:defRPr sz="1800" kern="1200">
+                <a:solidFill>
+                  <a:schemeClr val="tx1"/>
+                </a:solidFill>
+                <a:latin typeface="+mn-lt"/>
+                <a:ea typeface="+mn-ea"/>
+                <a:cs typeface="+mn-cs"/>
+              </a:defRPr>
+            </a:lvl4pPr>
+            <a:lvl5pPr marL="1828800" algn="l" defTabSz="914400" rtl="0" eaLnBrk="1" latinLnBrk="0" hangingPunct="1">
+              <a:defRPr sz="1800" kern="1200">
+                <a:solidFill>
+                  <a:schemeClr val="tx1"/>
+                </a:solidFill>
+                <a:latin typeface="+mn-lt"/>
+                <a:ea typeface="+mn-ea"/>
+                <a:cs typeface="+mn-cs"/>
+              </a:defRPr>
+            </a:lvl5pPr>
+            <a:lvl6pPr marL="2286000" algn="l" defTabSz="914400" rtl="0" eaLnBrk="1" latinLnBrk="0" hangingPunct="1">
+              <a:defRPr sz="1800" kern="1200">
+                <a:solidFill>
+                  <a:schemeClr val="tx1"/>
+                </a:solidFill>
+                <a:latin typeface="+mn-lt"/>
+                <a:ea typeface="+mn-ea"/>
+                <a:cs typeface="+mn-cs"/>
+              </a:defRPr>
+            </a:lvl6pPr>
+            <a:lvl7pPr marL="2743200" algn="l" defTabSz="914400" rtl="0" eaLnBrk="1" latinLnBrk="0" hangingPunct="1">
+              <a:defRPr sz="1800" kern="1200">
+                <a:solidFill>
+                  <a:schemeClr val="tx1"/>
+                </a:solidFill>
+                <a:latin typeface="+mn-lt"/>
+                <a:ea typeface="+mn-ea"/>
+                <a:cs typeface="+mn-cs"/>
+              </a:defRPr>
+            </a:lvl7pPr>
+            <a:lvl8pPr marL="3200400" algn="l" defTabSz="914400" rtl="0" eaLnBrk="1" latinLnBrk="0" hangingPunct="1">
+              <a:defRPr sz="1800" kern="1200">
+                <a:solidFill>
+                  <a:schemeClr val="tx1"/>
+                </a:solidFill>
+                <a:latin typeface="+mn-lt"/>
+                <a:ea typeface="+mn-ea"/>
+                <a:cs typeface="+mn-cs"/>
+              </a:defRPr>
+            </a:lvl8pPr>
+            <a:lvl9pPr marL="3657600" algn="l" defTabSz="914400" rtl="0" eaLnBrk="1" latinLnBrk="0" hangingPunct="1">
+              <a:defRPr sz="1800" kern="1200">
+                <a:solidFill>
+                  <a:schemeClr val="tx1"/>
+                </a:solidFill>
+                <a:latin typeface="+mn-lt"/>
+                <a:ea typeface="+mn-ea"/>
+                <a:cs typeface="+mn-cs"/>
+              </a:defRPr>
+            </a:lvl9pPr>
+          </a:lstStyle>
+          <a:p>
+            <a:pPr marL="0" marR="0" lvl="0" indent="0" algn="l" defTabSz="457200" rtl="0" fontAlgn="auto" hangingPunct="1">
+              <a:lnSpc>
+                <a:spcPct val="100000"/>
+              </a:lnSpc>
+              <a:spcBef>
+                <a:spcPts val="0"/>
+              </a:spcBef>
+              <a:spcAft>
+                <a:spcPts val="0"/>
+              </a:spcAft>
+              <a:buNone/>
+              <a:tabLst/>
+              <a:defRPr sz="1800" b="0" i="0" u="none" strike="noStrike" kern="0" cap="none" spc="0" baseline="0">
+                <a:solidFill>
+                  <a:srgbClr val="000000"/>
+                </a:solidFill>
+                <a:uFillTx/>
+              </a:defRPr>
+            </a:pPr>
+            <a:r>
+              <a:rPr lang="en-US" sz="1400" b="1" dirty="0">
+                <a:solidFill>
+                  <a:srgbClr val="000000"/>
+                </a:solidFill>
+                <a:latin typeface="Calibri"/>
+              </a:rPr>
+              <a:t>Core observation</a:t>
+            </a:r>
+            <a:r>
+              <a:rPr lang="en-US" sz="1400" b="1" i="0" u="none" strike="noStrike" kern="1200" cap="none" spc="0" baseline="0" dirty="0">
+                <a:solidFill>
+                  <a:srgbClr val="000000"/>
+                </a:solidFill>
+                <a:uFillTx/>
+                <a:latin typeface="Calibri"/>
+              </a:rPr>
+              <a:t> table </a:t>
+            </a:r>
+            <a:br>
+              <a:rPr lang="en-US" sz="1400" b="1" i="0" u="none" strike="noStrike" kern="1200" cap="none" spc="0" baseline="0" dirty="0">
+                <a:solidFill>
+                  <a:srgbClr val="000000"/>
+                </a:solidFill>
+                <a:uFillTx/>
+                <a:latin typeface="Calibri"/>
+              </a:rPr>
+            </a:br>
+            <a:r>
+              <a:rPr lang="en-US" sz="1000" i="0" u="none" strike="noStrike" kern="1200" cap="none" spc="0" baseline="0" dirty="0">
+                <a:solidFill>
+                  <a:srgbClr val="000000"/>
+                </a:solidFill>
+                <a:uFillTx/>
+                <a:latin typeface="Calibri"/>
+              </a:rPr>
+              <a:t>(one row per measurement)</a:t>
+            </a:r>
+            <a:endParaRPr lang="en-US" sz="1050" i="0" u="none" strike="noStrike" kern="1200" cap="none" spc="0" baseline="0" dirty="0">
+              <a:solidFill>
+                <a:srgbClr val="000000"/>
+              </a:solidFill>
+              <a:uFillTx/>
+              <a:latin typeface="Calibri"/>
+            </a:endParaRPr>
+          </a:p>
+        </p:txBody>
+      </p:sp>
+      <p:sp>
+        <p:nvSpPr>
+          <p:cNvPr id="6" name="ZoneTexte 15">
+            <a:extLst>
+              <a:ext uri="{FF2B5EF4-FFF2-40B4-BE49-F238E27FC236}">
+                <a16:creationId xmlns:a16="http://schemas.microsoft.com/office/drawing/2014/main" id="{64FA4DCB-D1B0-4053-A457-D7B365CB5570}"/>
+              </a:ext>
+            </a:extLst>
+          </p:cNvPr>
+          <p:cNvSpPr txBox="1"/>
+          <p:nvPr/>
+        </p:nvSpPr>
+        <p:spPr>
+          <a:xfrm>
+            <a:off x="4355421" y="3535737"/>
+            <a:ext cx="216579" cy="523220"/>
+          </a:xfrm>
+          <a:prstGeom prst="rect">
+            <a:avLst/>
+          </a:prstGeom>
+          <a:noFill/>
+          <a:ln cap="flat">
+            <a:noFill/>
+          </a:ln>
+        </p:spPr>
+        <p:txBody>
+          <a:bodyPr vert="horz" wrap="square" lIns="91440" tIns="45720" rIns="91440" bIns="45720" anchor="t" anchorCtr="1" compatLnSpc="1">
+            <a:spAutoFit/>
+          </a:bodyPr>
+          <a:lstStyle>
+            <a:defPPr>
+              <a:defRPr lang="fr-FR"/>
+            </a:defPPr>
+            <a:lvl1pPr marL="0" algn="l" defTabSz="914400" rtl="0" eaLnBrk="1" latinLnBrk="0" hangingPunct="1">
+              <a:defRPr sz="1800" kern="1200">
+                <a:solidFill>
+                  <a:schemeClr val="tx1"/>
+                </a:solidFill>
+                <a:latin typeface="+mn-lt"/>
+                <a:ea typeface="+mn-ea"/>
+                <a:cs typeface="+mn-cs"/>
+              </a:defRPr>
+            </a:lvl1pPr>
+            <a:lvl2pPr marL="457200" algn="l" defTabSz="914400" rtl="0" eaLnBrk="1" latinLnBrk="0" hangingPunct="1">
+              <a:defRPr sz="1800" kern="1200">
+                <a:solidFill>
+                  <a:schemeClr val="tx1"/>
+                </a:solidFill>
+                <a:latin typeface="+mn-lt"/>
+                <a:ea typeface="+mn-ea"/>
+                <a:cs typeface="+mn-cs"/>
+              </a:defRPr>
+            </a:lvl2pPr>
+            <a:lvl3pPr marL="914400" algn="l" defTabSz="914400" rtl="0" eaLnBrk="1" latinLnBrk="0" hangingPunct="1">
+              <a:defRPr sz="1800" kern="1200">
+                <a:solidFill>
+                  <a:schemeClr val="tx1"/>
+                </a:solidFill>
+                <a:latin typeface="+mn-lt"/>
+                <a:ea typeface="+mn-ea"/>
+                <a:cs typeface="+mn-cs"/>
+              </a:defRPr>
+            </a:lvl3pPr>
+            <a:lvl4pPr marL="1371600" algn="l" defTabSz="914400" rtl="0" eaLnBrk="1" latinLnBrk="0" hangingPunct="1">
+              <a:defRPr sz="1800" kern="1200">
+                <a:solidFill>
+                  <a:schemeClr val="tx1"/>
+                </a:solidFill>
+                <a:latin typeface="+mn-lt"/>
+                <a:ea typeface="+mn-ea"/>
+                <a:cs typeface="+mn-cs"/>
+              </a:defRPr>
+            </a:lvl4pPr>
+            <a:lvl5pPr marL="1828800" algn="l" defTabSz="914400" rtl="0" eaLnBrk="1" latinLnBrk="0" hangingPunct="1">
+              <a:defRPr sz="1800" kern="1200">
+                <a:solidFill>
+                  <a:schemeClr val="tx1"/>
+                </a:solidFill>
+                <a:latin typeface="+mn-lt"/>
+                <a:ea typeface="+mn-ea"/>
+                <a:cs typeface="+mn-cs"/>
+              </a:defRPr>
+            </a:lvl5pPr>
+            <a:lvl6pPr marL="2286000" algn="l" defTabSz="914400" rtl="0" eaLnBrk="1" latinLnBrk="0" hangingPunct="1">
+              <a:defRPr sz="1800" kern="1200">
+                <a:solidFill>
+                  <a:schemeClr val="tx1"/>
+                </a:solidFill>
+                <a:latin typeface="+mn-lt"/>
+                <a:ea typeface="+mn-ea"/>
+                <a:cs typeface="+mn-cs"/>
+              </a:defRPr>
+            </a:lvl6pPr>
+            <a:lvl7pPr marL="2743200" algn="l" defTabSz="914400" rtl="0" eaLnBrk="1" latinLnBrk="0" hangingPunct="1">
+              <a:defRPr sz="1800" kern="1200">
+                <a:solidFill>
+                  <a:schemeClr val="tx1"/>
+                </a:solidFill>
+                <a:latin typeface="+mn-lt"/>
+                <a:ea typeface="+mn-ea"/>
+                <a:cs typeface="+mn-cs"/>
+              </a:defRPr>
+            </a:lvl7pPr>
+            <a:lvl8pPr marL="3200400" algn="l" defTabSz="914400" rtl="0" eaLnBrk="1" latinLnBrk="0" hangingPunct="1">
+              <a:defRPr sz="1800" kern="1200">
+                <a:solidFill>
+                  <a:schemeClr val="tx1"/>
+                </a:solidFill>
+                <a:latin typeface="+mn-lt"/>
+                <a:ea typeface="+mn-ea"/>
+                <a:cs typeface="+mn-cs"/>
+              </a:defRPr>
+            </a:lvl8pPr>
+            <a:lvl9pPr marL="3657600" algn="l" defTabSz="914400" rtl="0" eaLnBrk="1" latinLnBrk="0" hangingPunct="1">
+              <a:defRPr sz="1800" kern="1200">
+                <a:solidFill>
+                  <a:schemeClr val="tx1"/>
+                </a:solidFill>
+                <a:latin typeface="+mn-lt"/>
+                <a:ea typeface="+mn-ea"/>
+                <a:cs typeface="+mn-cs"/>
+              </a:defRPr>
+            </a:lvl9pPr>
+          </a:lstStyle>
+          <a:p>
+            <a:pPr marL="0" marR="0" lvl="0" indent="0" algn="ctr" defTabSz="457200" rtl="0" fontAlgn="auto" hangingPunct="1">
+              <a:lnSpc>
+                <a:spcPct val="100000"/>
+              </a:lnSpc>
+              <a:spcBef>
+                <a:spcPts val="0"/>
+              </a:spcBef>
+              <a:spcAft>
+                <a:spcPts val="0"/>
+              </a:spcAft>
+              <a:buNone/>
+              <a:tabLst/>
+              <a:defRPr sz="1800" b="0" i="0" u="none" strike="noStrike" kern="0" cap="none" spc="0" baseline="0">
+                <a:solidFill>
+                  <a:srgbClr val="000000"/>
+                </a:solidFill>
+                <a:uFillTx/>
+              </a:defRPr>
+            </a:pPr>
+            <a:r>
+              <a:rPr lang="en-US" sz="2800" i="0" u="none" strike="noStrike" kern="1200" cap="none" spc="0" baseline="0" dirty="0">
+                <a:solidFill>
+                  <a:srgbClr val="000000"/>
+                </a:solidFill>
+                <a:uFillTx/>
+                <a:latin typeface="Arial Narrow" panose="020B0606020202030204" pitchFamily="34" charset="0"/>
+              </a:rPr>
+              <a:t>+</a:t>
+            </a:r>
+            <a:endParaRPr lang="en-US" sz="1800" i="0" u="none" strike="noStrike" kern="1200" cap="none" spc="0" baseline="0" dirty="0">
+              <a:solidFill>
+                <a:srgbClr val="000000"/>
+              </a:solidFill>
+              <a:uFillTx/>
+              <a:latin typeface="Arial Narrow" panose="020B0606020202030204" pitchFamily="34" charset="0"/>
+            </a:endParaRPr>
+          </a:p>
+        </p:txBody>
+      </p:sp>
+      <p:sp>
+        <p:nvSpPr>
+          <p:cNvPr id="7" name="ZoneTexte 16">
+            <a:extLst>
+              <a:ext uri="{FF2B5EF4-FFF2-40B4-BE49-F238E27FC236}">
+                <a16:creationId xmlns:a16="http://schemas.microsoft.com/office/drawing/2014/main" id="{65831AFE-5D26-4022-ADB6-46F36AAE22AB}"/>
+              </a:ext>
+            </a:extLst>
+          </p:cNvPr>
+          <p:cNvSpPr txBox="1"/>
+          <p:nvPr/>
+        </p:nvSpPr>
+        <p:spPr>
+          <a:xfrm>
+            <a:off x="367068" y="3889027"/>
+            <a:ext cx="2044692" cy="615553"/>
+          </a:xfrm>
+          <a:prstGeom prst="rect">
+            <a:avLst/>
+          </a:prstGeom>
+          <a:noFill/>
+          <a:ln cap="flat">
+            <a:noFill/>
+          </a:ln>
+        </p:spPr>
+        <p:txBody>
+          <a:bodyPr vert="horz" wrap="square" lIns="91440" tIns="45720" rIns="91440" bIns="45720" anchor="t" anchorCtr="0" compatLnSpc="1">
+            <a:spAutoFit/>
+          </a:bodyPr>
+          <a:lstStyle>
+            <a:defPPr>
+              <a:defRPr lang="fr-FR"/>
+            </a:defPPr>
+            <a:lvl1pPr marL="0" algn="l" defTabSz="914400" rtl="0" eaLnBrk="1" latinLnBrk="0" hangingPunct="1">
+              <a:defRPr sz="1800" kern="1200">
+                <a:solidFill>
+                  <a:schemeClr val="tx1"/>
+                </a:solidFill>
+                <a:latin typeface="+mn-lt"/>
+                <a:ea typeface="+mn-ea"/>
+                <a:cs typeface="+mn-cs"/>
+              </a:defRPr>
+            </a:lvl1pPr>
+            <a:lvl2pPr marL="457200" algn="l" defTabSz="914400" rtl="0" eaLnBrk="1" latinLnBrk="0" hangingPunct="1">
+              <a:defRPr sz="1800" kern="1200">
+                <a:solidFill>
+                  <a:schemeClr val="tx1"/>
+                </a:solidFill>
+                <a:latin typeface="+mn-lt"/>
+                <a:ea typeface="+mn-ea"/>
+                <a:cs typeface="+mn-cs"/>
+              </a:defRPr>
+            </a:lvl2pPr>
+            <a:lvl3pPr marL="914400" algn="l" defTabSz="914400" rtl="0" eaLnBrk="1" latinLnBrk="0" hangingPunct="1">
+              <a:defRPr sz="1800" kern="1200">
+                <a:solidFill>
+                  <a:schemeClr val="tx1"/>
+                </a:solidFill>
+                <a:latin typeface="+mn-lt"/>
+                <a:ea typeface="+mn-ea"/>
+                <a:cs typeface="+mn-cs"/>
+              </a:defRPr>
+            </a:lvl3pPr>
+            <a:lvl4pPr marL="1371600" algn="l" defTabSz="914400" rtl="0" eaLnBrk="1" latinLnBrk="0" hangingPunct="1">
+              <a:defRPr sz="1800" kern="1200">
+                <a:solidFill>
+                  <a:schemeClr val="tx1"/>
+                </a:solidFill>
+                <a:latin typeface="+mn-lt"/>
+                <a:ea typeface="+mn-ea"/>
+                <a:cs typeface="+mn-cs"/>
+              </a:defRPr>
+            </a:lvl4pPr>
+            <a:lvl5pPr marL="1828800" algn="l" defTabSz="914400" rtl="0" eaLnBrk="1" latinLnBrk="0" hangingPunct="1">
+              <a:defRPr sz="1800" kern="1200">
+                <a:solidFill>
+                  <a:schemeClr val="tx1"/>
+                </a:solidFill>
+                <a:latin typeface="+mn-lt"/>
+                <a:ea typeface="+mn-ea"/>
+                <a:cs typeface="+mn-cs"/>
+              </a:defRPr>
+            </a:lvl5pPr>
+            <a:lvl6pPr marL="2286000" algn="l" defTabSz="914400" rtl="0" eaLnBrk="1" latinLnBrk="0" hangingPunct="1">
+              <a:defRPr sz="1800" kern="1200">
+                <a:solidFill>
+                  <a:schemeClr val="tx1"/>
+                </a:solidFill>
+                <a:latin typeface="+mn-lt"/>
+                <a:ea typeface="+mn-ea"/>
+                <a:cs typeface="+mn-cs"/>
+              </a:defRPr>
+            </a:lvl6pPr>
+            <a:lvl7pPr marL="2743200" algn="l" defTabSz="914400" rtl="0" eaLnBrk="1" latinLnBrk="0" hangingPunct="1">
+              <a:defRPr sz="1800" kern="1200">
+                <a:solidFill>
+                  <a:schemeClr val="tx1"/>
+                </a:solidFill>
+                <a:latin typeface="+mn-lt"/>
+                <a:ea typeface="+mn-ea"/>
+                <a:cs typeface="+mn-cs"/>
+              </a:defRPr>
+            </a:lvl7pPr>
+            <a:lvl8pPr marL="3200400" algn="l" defTabSz="914400" rtl="0" eaLnBrk="1" latinLnBrk="0" hangingPunct="1">
+              <a:defRPr sz="1800" kern="1200">
+                <a:solidFill>
+                  <a:schemeClr val="tx1"/>
+                </a:solidFill>
+                <a:latin typeface="+mn-lt"/>
+                <a:ea typeface="+mn-ea"/>
+                <a:cs typeface="+mn-cs"/>
+              </a:defRPr>
+            </a:lvl8pPr>
+            <a:lvl9pPr marL="3657600" algn="l" defTabSz="914400" rtl="0" eaLnBrk="1" latinLnBrk="0" hangingPunct="1">
+              <a:defRPr sz="1800" kern="1200">
+                <a:solidFill>
+                  <a:schemeClr val="tx1"/>
+                </a:solidFill>
+                <a:latin typeface="+mn-lt"/>
+                <a:ea typeface="+mn-ea"/>
+                <a:cs typeface="+mn-cs"/>
+              </a:defRPr>
+            </a:lvl9pPr>
+          </a:lstStyle>
+          <a:p>
+            <a:pPr lvl="0" defTabSz="457200">
+              <a:defRPr sz="1800" b="0" i="0" u="none" strike="noStrike" kern="0" cap="none" spc="0" baseline="0">
+                <a:solidFill>
+                  <a:srgbClr val="000000"/>
+                </a:solidFill>
+                <a:uFillTx/>
+              </a:defRPr>
+            </a:pPr>
+            <a:r>
+              <a:rPr lang="en-US" sz="1400" b="1" i="0" u="none" strike="noStrike" kern="1200" cap="none" spc="0" baseline="0" dirty="0">
+                <a:solidFill>
+                  <a:srgbClr val="000000"/>
+                </a:solidFill>
+                <a:uFillTx/>
+                <a:latin typeface="Calibri"/>
+              </a:rPr>
+              <a:t>Extensions</a:t>
+            </a:r>
+            <a:br>
+              <a:rPr lang="en-US" sz="1400" b="1" i="0" u="none" strike="noStrike" kern="1200" cap="none" spc="0" baseline="0" dirty="0">
+                <a:solidFill>
+                  <a:srgbClr val="000000"/>
+                </a:solidFill>
+                <a:uFillTx/>
+                <a:latin typeface="Calibri"/>
+              </a:rPr>
+            </a:br>
+            <a:r>
+              <a:rPr lang="en-US" sz="1000" kern="0" dirty="0">
+                <a:solidFill>
+                  <a:srgbClr val="000000"/>
+                </a:solidFill>
+              </a:rPr>
+              <a:t>(added as columns, </a:t>
+            </a:r>
+            <a:br>
+              <a:rPr lang="en-US" sz="1000" kern="0" dirty="0">
+                <a:solidFill>
+                  <a:srgbClr val="000000"/>
+                </a:solidFill>
+              </a:rPr>
+            </a:br>
+            <a:r>
+              <a:rPr lang="en-US" sz="1000" kern="0" dirty="0">
+                <a:solidFill>
+                  <a:srgbClr val="000000"/>
+                </a:solidFill>
+              </a:rPr>
+              <a:t>mapped to identifiers)</a:t>
+            </a:r>
+            <a:endParaRPr lang="en-US" sz="1000" dirty="0">
+              <a:solidFill>
+                <a:srgbClr val="000000"/>
+              </a:solidFill>
+            </a:endParaRPr>
+          </a:p>
+        </p:txBody>
+      </p:sp>
+      <p:sp>
+        <p:nvSpPr>
+          <p:cNvPr id="8" name="Rectangle 19">
+            <a:extLst>
+              <a:ext uri="{FF2B5EF4-FFF2-40B4-BE49-F238E27FC236}">
+                <a16:creationId xmlns:a16="http://schemas.microsoft.com/office/drawing/2014/main" id="{DF4C1386-7099-4C6B-84DD-566113A95F2C}"/>
+              </a:ext>
+            </a:extLst>
+          </p:cNvPr>
+          <p:cNvSpPr/>
+          <p:nvPr/>
+        </p:nvSpPr>
+        <p:spPr>
+          <a:xfrm>
+            <a:off x="1763688" y="3948814"/>
+            <a:ext cx="7195165" cy="2782402"/>
+          </a:xfrm>
+          <a:prstGeom prst="rect">
+            <a:avLst/>
+          </a:prstGeom>
+          <a:noFill/>
+          <a:ln w="12701" cap="flat">
+            <a:solidFill>
+              <a:srgbClr val="000000"/>
+            </a:solidFill>
+            <a:prstDash val="solid"/>
+            <a:miter/>
+          </a:ln>
+        </p:spPr>
+        <p:txBody>
+          <a:bodyPr vert="horz" wrap="square" lIns="91440" tIns="45720" rIns="91440" bIns="45720" anchor="ctr" anchorCtr="1" compatLnSpc="1">
+            <a:noAutofit/>
+          </a:bodyPr>
+          <a:lstStyle>
+            <a:defPPr>
+              <a:defRPr lang="fr-FR"/>
+            </a:defPPr>
+            <a:lvl1pPr marL="0" algn="l" defTabSz="914400" rtl="0" eaLnBrk="1" latinLnBrk="0" hangingPunct="1">
+              <a:defRPr sz="1800" kern="1200">
+                <a:solidFill>
+                  <a:schemeClr val="tx1"/>
+                </a:solidFill>
+                <a:latin typeface="+mn-lt"/>
+                <a:ea typeface="+mn-ea"/>
+                <a:cs typeface="+mn-cs"/>
+              </a:defRPr>
+            </a:lvl1pPr>
+            <a:lvl2pPr marL="457200" algn="l" defTabSz="914400" rtl="0" eaLnBrk="1" latinLnBrk="0" hangingPunct="1">
+              <a:defRPr sz="1800" kern="1200">
+                <a:solidFill>
+                  <a:schemeClr val="tx1"/>
+                </a:solidFill>
+                <a:latin typeface="+mn-lt"/>
+                <a:ea typeface="+mn-ea"/>
+                <a:cs typeface="+mn-cs"/>
+              </a:defRPr>
+            </a:lvl2pPr>
+            <a:lvl3pPr marL="914400" algn="l" defTabSz="914400" rtl="0" eaLnBrk="1" latinLnBrk="0" hangingPunct="1">
+              <a:defRPr sz="1800" kern="1200">
+                <a:solidFill>
+                  <a:schemeClr val="tx1"/>
+                </a:solidFill>
+                <a:latin typeface="+mn-lt"/>
+                <a:ea typeface="+mn-ea"/>
+                <a:cs typeface="+mn-cs"/>
+              </a:defRPr>
+            </a:lvl3pPr>
+            <a:lvl4pPr marL="1371600" algn="l" defTabSz="914400" rtl="0" eaLnBrk="1" latinLnBrk="0" hangingPunct="1">
+              <a:defRPr sz="1800" kern="1200">
+                <a:solidFill>
+                  <a:schemeClr val="tx1"/>
+                </a:solidFill>
+                <a:latin typeface="+mn-lt"/>
+                <a:ea typeface="+mn-ea"/>
+                <a:cs typeface="+mn-cs"/>
+              </a:defRPr>
+            </a:lvl4pPr>
+            <a:lvl5pPr marL="1828800" algn="l" defTabSz="914400" rtl="0" eaLnBrk="1" latinLnBrk="0" hangingPunct="1">
+              <a:defRPr sz="1800" kern="1200">
+                <a:solidFill>
+                  <a:schemeClr val="tx1"/>
+                </a:solidFill>
+                <a:latin typeface="+mn-lt"/>
+                <a:ea typeface="+mn-ea"/>
+                <a:cs typeface="+mn-cs"/>
+              </a:defRPr>
+            </a:lvl5pPr>
+            <a:lvl6pPr marL="2286000" algn="l" defTabSz="914400" rtl="0" eaLnBrk="1" latinLnBrk="0" hangingPunct="1">
+              <a:defRPr sz="1800" kern="1200">
+                <a:solidFill>
+                  <a:schemeClr val="tx1"/>
+                </a:solidFill>
+                <a:latin typeface="+mn-lt"/>
+                <a:ea typeface="+mn-ea"/>
+                <a:cs typeface="+mn-cs"/>
+              </a:defRPr>
+            </a:lvl6pPr>
+            <a:lvl7pPr marL="2743200" algn="l" defTabSz="914400" rtl="0" eaLnBrk="1" latinLnBrk="0" hangingPunct="1">
+              <a:defRPr sz="1800" kern="1200">
+                <a:solidFill>
+                  <a:schemeClr val="tx1"/>
+                </a:solidFill>
+                <a:latin typeface="+mn-lt"/>
+                <a:ea typeface="+mn-ea"/>
+                <a:cs typeface="+mn-cs"/>
+              </a:defRPr>
+            </a:lvl7pPr>
+            <a:lvl8pPr marL="3200400" algn="l" defTabSz="914400" rtl="0" eaLnBrk="1" latinLnBrk="0" hangingPunct="1">
+              <a:defRPr sz="1800" kern="1200">
+                <a:solidFill>
+                  <a:schemeClr val="tx1"/>
+                </a:solidFill>
+                <a:latin typeface="+mn-lt"/>
+                <a:ea typeface="+mn-ea"/>
+                <a:cs typeface="+mn-cs"/>
+              </a:defRPr>
+            </a:lvl8pPr>
+            <a:lvl9pPr marL="3657600" algn="l" defTabSz="914400" rtl="0" eaLnBrk="1" latinLnBrk="0" hangingPunct="1">
+              <a:defRPr sz="1800" kern="1200">
+                <a:solidFill>
+                  <a:schemeClr val="tx1"/>
+                </a:solidFill>
+                <a:latin typeface="+mn-lt"/>
+                <a:ea typeface="+mn-ea"/>
+                <a:cs typeface="+mn-cs"/>
+              </a:defRPr>
+            </a:lvl9pPr>
+          </a:lstStyle>
+          <a:p>
+            <a:pPr marL="0" marR="0" lvl="0" indent="0" algn="ctr" defTabSz="457200" rtl="0" fontAlgn="auto" hangingPunct="1">
+              <a:lnSpc>
+                <a:spcPct val="100000"/>
+              </a:lnSpc>
+              <a:spcBef>
+                <a:spcPts val="0"/>
+              </a:spcBef>
+              <a:spcAft>
+                <a:spcPts val="0"/>
+              </a:spcAft>
+              <a:buNone/>
+              <a:tabLst/>
+              <a:defRPr sz="1800" b="0" i="0" u="none" strike="noStrike" kern="0" cap="none" spc="0" baseline="0">
+                <a:solidFill>
+                  <a:srgbClr val="000000"/>
+                </a:solidFill>
+                <a:uFillTx/>
+              </a:defRPr>
+            </a:pPr>
+            <a:endParaRPr lang="en-US" sz="1800" b="0" i="0" u="none" strike="noStrike" kern="1200" cap="none" spc="0" baseline="0">
+              <a:solidFill>
+                <a:srgbClr val="FFFFFF"/>
+              </a:solidFill>
+              <a:uFillTx/>
+              <a:latin typeface="Calibri"/>
+            </a:endParaRPr>
+          </a:p>
+        </p:txBody>
+      </p:sp>
+      <p:sp>
+        <p:nvSpPr>
+          <p:cNvPr id="9" name="Rectangle 22">
+            <a:extLst>
+              <a:ext uri="{FF2B5EF4-FFF2-40B4-BE49-F238E27FC236}">
+                <a16:creationId xmlns:a16="http://schemas.microsoft.com/office/drawing/2014/main" id="{16B5765D-1FB7-46C2-867E-DAE8C585AF39}"/>
+              </a:ext>
+            </a:extLst>
+          </p:cNvPr>
+          <p:cNvSpPr/>
+          <p:nvPr/>
+        </p:nvSpPr>
+        <p:spPr>
+          <a:xfrm>
+            <a:off x="1835696" y="4018254"/>
+            <a:ext cx="1512168" cy="461665"/>
+          </a:xfrm>
+          <a:prstGeom prst="rect">
+            <a:avLst/>
+          </a:prstGeom>
+          <a:noFill/>
+          <a:ln cap="flat">
+            <a:noFill/>
+            <a:prstDash val="solid"/>
+          </a:ln>
+        </p:spPr>
+        <p:txBody>
+          <a:bodyPr vert="horz" wrap="square" lIns="91440" tIns="45720" rIns="91440" bIns="45720" anchor="t" anchorCtr="0" compatLnSpc="1">
+            <a:spAutoFit/>
+          </a:bodyPr>
+          <a:lstStyle>
+            <a:defPPr>
+              <a:defRPr lang="fr-FR"/>
+            </a:defPPr>
+            <a:lvl1pPr marL="0" algn="l" defTabSz="914400" rtl="0" eaLnBrk="1" latinLnBrk="0" hangingPunct="1">
+              <a:defRPr sz="1800" kern="1200">
+                <a:solidFill>
+                  <a:schemeClr val="tx1"/>
+                </a:solidFill>
+                <a:latin typeface="+mn-lt"/>
+                <a:ea typeface="+mn-ea"/>
+                <a:cs typeface="+mn-cs"/>
+              </a:defRPr>
+            </a:lvl1pPr>
+            <a:lvl2pPr marL="457200" algn="l" defTabSz="914400" rtl="0" eaLnBrk="1" latinLnBrk="0" hangingPunct="1">
+              <a:defRPr sz="1800" kern="1200">
+                <a:solidFill>
+                  <a:schemeClr val="tx1"/>
+                </a:solidFill>
+                <a:latin typeface="+mn-lt"/>
+                <a:ea typeface="+mn-ea"/>
+                <a:cs typeface="+mn-cs"/>
+              </a:defRPr>
+            </a:lvl2pPr>
+            <a:lvl3pPr marL="914400" algn="l" defTabSz="914400" rtl="0" eaLnBrk="1" latinLnBrk="0" hangingPunct="1">
+              <a:defRPr sz="1800" kern="1200">
+                <a:solidFill>
+                  <a:schemeClr val="tx1"/>
+                </a:solidFill>
+                <a:latin typeface="+mn-lt"/>
+                <a:ea typeface="+mn-ea"/>
+                <a:cs typeface="+mn-cs"/>
+              </a:defRPr>
+            </a:lvl3pPr>
+            <a:lvl4pPr marL="1371600" algn="l" defTabSz="914400" rtl="0" eaLnBrk="1" latinLnBrk="0" hangingPunct="1">
+              <a:defRPr sz="1800" kern="1200">
+                <a:solidFill>
+                  <a:schemeClr val="tx1"/>
+                </a:solidFill>
+                <a:latin typeface="+mn-lt"/>
+                <a:ea typeface="+mn-ea"/>
+                <a:cs typeface="+mn-cs"/>
+              </a:defRPr>
+            </a:lvl4pPr>
+            <a:lvl5pPr marL="1828800" algn="l" defTabSz="914400" rtl="0" eaLnBrk="1" latinLnBrk="0" hangingPunct="1">
+              <a:defRPr sz="1800" kern="1200">
+                <a:solidFill>
+                  <a:schemeClr val="tx1"/>
+                </a:solidFill>
+                <a:latin typeface="+mn-lt"/>
+                <a:ea typeface="+mn-ea"/>
+                <a:cs typeface="+mn-cs"/>
+              </a:defRPr>
+            </a:lvl5pPr>
+            <a:lvl6pPr marL="2286000" algn="l" defTabSz="914400" rtl="0" eaLnBrk="1" latinLnBrk="0" hangingPunct="1">
+              <a:defRPr sz="1800" kern="1200">
+                <a:solidFill>
+                  <a:schemeClr val="tx1"/>
+                </a:solidFill>
+                <a:latin typeface="+mn-lt"/>
+                <a:ea typeface="+mn-ea"/>
+                <a:cs typeface="+mn-cs"/>
+              </a:defRPr>
+            </a:lvl6pPr>
+            <a:lvl7pPr marL="2743200" algn="l" defTabSz="914400" rtl="0" eaLnBrk="1" latinLnBrk="0" hangingPunct="1">
+              <a:defRPr sz="1800" kern="1200">
+                <a:solidFill>
+                  <a:schemeClr val="tx1"/>
+                </a:solidFill>
+                <a:latin typeface="+mn-lt"/>
+                <a:ea typeface="+mn-ea"/>
+                <a:cs typeface="+mn-cs"/>
+              </a:defRPr>
+            </a:lvl7pPr>
+            <a:lvl8pPr marL="3200400" algn="l" defTabSz="914400" rtl="0" eaLnBrk="1" latinLnBrk="0" hangingPunct="1">
+              <a:defRPr sz="1800" kern="1200">
+                <a:solidFill>
+                  <a:schemeClr val="tx1"/>
+                </a:solidFill>
+                <a:latin typeface="+mn-lt"/>
+                <a:ea typeface="+mn-ea"/>
+                <a:cs typeface="+mn-cs"/>
+              </a:defRPr>
+            </a:lvl8pPr>
+            <a:lvl9pPr marL="3657600" algn="l" defTabSz="914400" rtl="0" eaLnBrk="1" latinLnBrk="0" hangingPunct="1">
+              <a:defRPr sz="1800" kern="1200">
+                <a:solidFill>
+                  <a:schemeClr val="tx1"/>
+                </a:solidFill>
+                <a:latin typeface="+mn-lt"/>
+                <a:ea typeface="+mn-ea"/>
+                <a:cs typeface="+mn-cs"/>
+              </a:defRPr>
+            </a:lvl9pPr>
+          </a:lstStyle>
+          <a:p>
+            <a:pPr marL="0" marR="0" lvl="0" indent="0" algn="l" defTabSz="457200" rtl="0" fontAlgn="auto" hangingPunct="1">
+              <a:lnSpc>
+                <a:spcPct val="100000"/>
+              </a:lnSpc>
+              <a:spcBef>
+                <a:spcPts val="0"/>
+              </a:spcBef>
+              <a:spcAft>
+                <a:spcPts val="0"/>
+              </a:spcAft>
+              <a:buNone/>
+              <a:tabLst/>
+              <a:defRPr sz="1800" b="0" i="0" u="none" strike="noStrike" kern="0" cap="none" spc="0" baseline="0">
+                <a:solidFill>
+                  <a:srgbClr val="000000"/>
+                </a:solidFill>
+                <a:uFillTx/>
+              </a:defRPr>
+            </a:pPr>
+            <a:r>
+              <a:rPr lang="en-US" sz="1200" b="1" i="0" u="none" strike="noStrike" kern="1200" cap="none" spc="0" baseline="0" dirty="0">
+                <a:solidFill>
+                  <a:srgbClr val="000000"/>
+                </a:solidFill>
+                <a:uFillTx/>
+                <a:latin typeface="Calibri"/>
+              </a:rPr>
+              <a:t>Measurement </a:t>
+            </a:r>
+          </a:p>
+          <a:p>
+            <a:pPr marL="0" marR="0" lvl="0" indent="0" algn="l" defTabSz="457200" rtl="0" fontAlgn="auto" hangingPunct="1">
+              <a:lnSpc>
+                <a:spcPct val="100000"/>
+              </a:lnSpc>
+              <a:spcBef>
+                <a:spcPts val="0"/>
+              </a:spcBef>
+              <a:spcAft>
+                <a:spcPts val="0"/>
+              </a:spcAft>
+              <a:buNone/>
+              <a:tabLst/>
+              <a:defRPr sz="1800" b="0" i="0" u="none" strike="noStrike" kern="0" cap="none" spc="0" baseline="0">
+                <a:solidFill>
+                  <a:srgbClr val="000000"/>
+                </a:solidFill>
+                <a:uFillTx/>
+              </a:defRPr>
+            </a:pPr>
+            <a:r>
+              <a:rPr lang="en-US" sz="1200" b="1" i="0" u="none" strike="noStrike" kern="1200" cap="none" spc="0" baseline="0" dirty="0">
+                <a:solidFill>
+                  <a:srgbClr val="000000"/>
+                </a:solidFill>
+                <a:uFillTx/>
+                <a:latin typeface="Calibri"/>
+              </a:rPr>
+              <a:t>or Fact</a:t>
+            </a:r>
+          </a:p>
+        </p:txBody>
+      </p:sp>
+      <p:sp>
+        <p:nvSpPr>
+          <p:cNvPr id="10" name="Rectangle 23">
+            <a:extLst>
+              <a:ext uri="{FF2B5EF4-FFF2-40B4-BE49-F238E27FC236}">
+                <a16:creationId xmlns:a16="http://schemas.microsoft.com/office/drawing/2014/main" id="{85FD1073-BCE8-40CD-85C1-7DCBED420517}"/>
+              </a:ext>
+            </a:extLst>
+          </p:cNvPr>
+          <p:cNvSpPr/>
+          <p:nvPr/>
+        </p:nvSpPr>
+        <p:spPr>
+          <a:xfrm>
+            <a:off x="1834155" y="4933312"/>
+            <a:ext cx="1271372" cy="203172"/>
+          </a:xfrm>
+          <a:prstGeom prst="rect">
+            <a:avLst/>
+          </a:prstGeom>
+          <a:noFill/>
+          <a:ln cap="flat">
+            <a:noFill/>
+            <a:prstDash val="solid"/>
+          </a:ln>
+        </p:spPr>
+        <p:txBody>
+          <a:bodyPr vert="horz" wrap="square" lIns="91440" tIns="45720" rIns="91440" bIns="45720" anchor="t" anchorCtr="0" compatLnSpc="1">
+            <a:spAutoFit/>
+          </a:bodyPr>
+          <a:lstStyle>
+            <a:defPPr>
+              <a:defRPr lang="fr-FR"/>
+            </a:defPPr>
+            <a:lvl1pPr marL="0" algn="l" defTabSz="914400" rtl="0" eaLnBrk="1" latinLnBrk="0" hangingPunct="1">
+              <a:defRPr sz="1800" kern="1200">
+                <a:solidFill>
+                  <a:schemeClr val="tx1"/>
+                </a:solidFill>
+                <a:latin typeface="+mn-lt"/>
+                <a:ea typeface="+mn-ea"/>
+                <a:cs typeface="+mn-cs"/>
+              </a:defRPr>
+            </a:lvl1pPr>
+            <a:lvl2pPr marL="457200" algn="l" defTabSz="914400" rtl="0" eaLnBrk="1" latinLnBrk="0" hangingPunct="1">
+              <a:defRPr sz="1800" kern="1200">
+                <a:solidFill>
+                  <a:schemeClr val="tx1"/>
+                </a:solidFill>
+                <a:latin typeface="+mn-lt"/>
+                <a:ea typeface="+mn-ea"/>
+                <a:cs typeface="+mn-cs"/>
+              </a:defRPr>
+            </a:lvl2pPr>
+            <a:lvl3pPr marL="914400" algn="l" defTabSz="914400" rtl="0" eaLnBrk="1" latinLnBrk="0" hangingPunct="1">
+              <a:defRPr sz="1800" kern="1200">
+                <a:solidFill>
+                  <a:schemeClr val="tx1"/>
+                </a:solidFill>
+                <a:latin typeface="+mn-lt"/>
+                <a:ea typeface="+mn-ea"/>
+                <a:cs typeface="+mn-cs"/>
+              </a:defRPr>
+            </a:lvl3pPr>
+            <a:lvl4pPr marL="1371600" algn="l" defTabSz="914400" rtl="0" eaLnBrk="1" latinLnBrk="0" hangingPunct="1">
+              <a:defRPr sz="1800" kern="1200">
+                <a:solidFill>
+                  <a:schemeClr val="tx1"/>
+                </a:solidFill>
+                <a:latin typeface="+mn-lt"/>
+                <a:ea typeface="+mn-ea"/>
+                <a:cs typeface="+mn-cs"/>
+              </a:defRPr>
+            </a:lvl4pPr>
+            <a:lvl5pPr marL="1828800" algn="l" defTabSz="914400" rtl="0" eaLnBrk="1" latinLnBrk="0" hangingPunct="1">
+              <a:defRPr sz="1800" kern="1200">
+                <a:solidFill>
+                  <a:schemeClr val="tx1"/>
+                </a:solidFill>
+                <a:latin typeface="+mn-lt"/>
+                <a:ea typeface="+mn-ea"/>
+                <a:cs typeface="+mn-cs"/>
+              </a:defRPr>
+            </a:lvl5pPr>
+            <a:lvl6pPr marL="2286000" algn="l" defTabSz="914400" rtl="0" eaLnBrk="1" latinLnBrk="0" hangingPunct="1">
+              <a:defRPr sz="1800" kern="1200">
+                <a:solidFill>
+                  <a:schemeClr val="tx1"/>
+                </a:solidFill>
+                <a:latin typeface="+mn-lt"/>
+                <a:ea typeface="+mn-ea"/>
+                <a:cs typeface="+mn-cs"/>
+              </a:defRPr>
+            </a:lvl6pPr>
+            <a:lvl7pPr marL="2743200" algn="l" defTabSz="914400" rtl="0" eaLnBrk="1" latinLnBrk="0" hangingPunct="1">
+              <a:defRPr sz="1800" kern="1200">
+                <a:solidFill>
+                  <a:schemeClr val="tx1"/>
+                </a:solidFill>
+                <a:latin typeface="+mn-lt"/>
+                <a:ea typeface="+mn-ea"/>
+                <a:cs typeface="+mn-cs"/>
+              </a:defRPr>
+            </a:lvl7pPr>
+            <a:lvl8pPr marL="3200400" algn="l" defTabSz="914400" rtl="0" eaLnBrk="1" latinLnBrk="0" hangingPunct="1">
+              <a:defRPr sz="1800" kern="1200">
+                <a:solidFill>
+                  <a:schemeClr val="tx1"/>
+                </a:solidFill>
+                <a:latin typeface="+mn-lt"/>
+                <a:ea typeface="+mn-ea"/>
+                <a:cs typeface="+mn-cs"/>
+              </a:defRPr>
+            </a:lvl8pPr>
+            <a:lvl9pPr marL="3657600" algn="l" defTabSz="914400" rtl="0" eaLnBrk="1" latinLnBrk="0" hangingPunct="1">
+              <a:defRPr sz="1800" kern="1200">
+                <a:solidFill>
+                  <a:schemeClr val="tx1"/>
+                </a:solidFill>
+                <a:latin typeface="+mn-lt"/>
+                <a:ea typeface="+mn-ea"/>
+                <a:cs typeface="+mn-cs"/>
+              </a:defRPr>
+            </a:lvl9pPr>
+          </a:lstStyle>
+          <a:p>
+            <a:pPr marL="0" marR="0" lvl="0" indent="0" algn="l" defTabSz="457200" rtl="0" fontAlgn="auto" hangingPunct="1">
+              <a:lnSpc>
+                <a:spcPct val="100000"/>
+              </a:lnSpc>
+              <a:spcBef>
+                <a:spcPts val="0"/>
+              </a:spcBef>
+              <a:spcAft>
+                <a:spcPts val="0"/>
+              </a:spcAft>
+              <a:buNone/>
+              <a:tabLst/>
+              <a:defRPr sz="1800" b="0" i="0" u="none" strike="noStrike" kern="0" cap="none" spc="0" baseline="0">
+                <a:solidFill>
+                  <a:srgbClr val="000000"/>
+                </a:solidFill>
+                <a:uFillTx/>
+              </a:defRPr>
+            </a:pPr>
+            <a:r>
+              <a:rPr lang="en-US" sz="1200" b="1" i="0" u="none" strike="noStrike" kern="1200" cap="none" spc="0" baseline="0" dirty="0">
+                <a:solidFill>
+                  <a:srgbClr val="000000"/>
+                </a:solidFill>
+                <a:uFillTx/>
+                <a:latin typeface="Calibri"/>
+              </a:rPr>
+              <a:t>Occurrence</a:t>
+            </a:r>
+          </a:p>
+        </p:txBody>
+      </p:sp>
+      <p:sp>
+        <p:nvSpPr>
+          <p:cNvPr id="11" name="Rectangle 24">
+            <a:extLst>
+              <a:ext uri="{FF2B5EF4-FFF2-40B4-BE49-F238E27FC236}">
+                <a16:creationId xmlns:a16="http://schemas.microsoft.com/office/drawing/2014/main" id="{C0FBF421-1BCB-4EFE-BBED-034CFEC588BF}"/>
+              </a:ext>
+            </a:extLst>
+          </p:cNvPr>
+          <p:cNvSpPr/>
+          <p:nvPr/>
+        </p:nvSpPr>
+        <p:spPr>
+          <a:xfrm>
+            <a:off x="1872377" y="5881648"/>
+            <a:ext cx="1295363" cy="338617"/>
+          </a:xfrm>
+          <a:prstGeom prst="rect">
+            <a:avLst/>
+          </a:prstGeom>
+          <a:noFill/>
+          <a:ln cap="flat">
+            <a:noFill/>
+            <a:prstDash val="solid"/>
+          </a:ln>
+        </p:spPr>
+        <p:txBody>
+          <a:bodyPr vert="horz" wrap="square" lIns="91440" tIns="45720" rIns="91440" bIns="45720" anchor="t" anchorCtr="0" compatLnSpc="1">
+            <a:spAutoFit/>
+          </a:bodyPr>
+          <a:lstStyle>
+            <a:defPPr>
+              <a:defRPr lang="fr-FR"/>
+            </a:defPPr>
+            <a:lvl1pPr marL="0" algn="l" defTabSz="914400" rtl="0" eaLnBrk="1" latinLnBrk="0" hangingPunct="1">
+              <a:defRPr sz="1800" kern="1200">
+                <a:solidFill>
+                  <a:schemeClr val="tx1"/>
+                </a:solidFill>
+                <a:latin typeface="+mn-lt"/>
+                <a:ea typeface="+mn-ea"/>
+                <a:cs typeface="+mn-cs"/>
+              </a:defRPr>
+            </a:lvl1pPr>
+            <a:lvl2pPr marL="457200" algn="l" defTabSz="914400" rtl="0" eaLnBrk="1" latinLnBrk="0" hangingPunct="1">
+              <a:defRPr sz="1800" kern="1200">
+                <a:solidFill>
+                  <a:schemeClr val="tx1"/>
+                </a:solidFill>
+                <a:latin typeface="+mn-lt"/>
+                <a:ea typeface="+mn-ea"/>
+                <a:cs typeface="+mn-cs"/>
+              </a:defRPr>
+            </a:lvl2pPr>
+            <a:lvl3pPr marL="914400" algn="l" defTabSz="914400" rtl="0" eaLnBrk="1" latinLnBrk="0" hangingPunct="1">
+              <a:defRPr sz="1800" kern="1200">
+                <a:solidFill>
+                  <a:schemeClr val="tx1"/>
+                </a:solidFill>
+                <a:latin typeface="+mn-lt"/>
+                <a:ea typeface="+mn-ea"/>
+                <a:cs typeface="+mn-cs"/>
+              </a:defRPr>
+            </a:lvl3pPr>
+            <a:lvl4pPr marL="1371600" algn="l" defTabSz="914400" rtl="0" eaLnBrk="1" latinLnBrk="0" hangingPunct="1">
+              <a:defRPr sz="1800" kern="1200">
+                <a:solidFill>
+                  <a:schemeClr val="tx1"/>
+                </a:solidFill>
+                <a:latin typeface="+mn-lt"/>
+                <a:ea typeface="+mn-ea"/>
+                <a:cs typeface="+mn-cs"/>
+              </a:defRPr>
+            </a:lvl4pPr>
+            <a:lvl5pPr marL="1828800" algn="l" defTabSz="914400" rtl="0" eaLnBrk="1" latinLnBrk="0" hangingPunct="1">
+              <a:defRPr sz="1800" kern="1200">
+                <a:solidFill>
+                  <a:schemeClr val="tx1"/>
+                </a:solidFill>
+                <a:latin typeface="+mn-lt"/>
+                <a:ea typeface="+mn-ea"/>
+                <a:cs typeface="+mn-cs"/>
+              </a:defRPr>
+            </a:lvl5pPr>
+            <a:lvl6pPr marL="2286000" algn="l" defTabSz="914400" rtl="0" eaLnBrk="1" latinLnBrk="0" hangingPunct="1">
+              <a:defRPr sz="1800" kern="1200">
+                <a:solidFill>
+                  <a:schemeClr val="tx1"/>
+                </a:solidFill>
+                <a:latin typeface="+mn-lt"/>
+                <a:ea typeface="+mn-ea"/>
+                <a:cs typeface="+mn-cs"/>
+              </a:defRPr>
+            </a:lvl6pPr>
+            <a:lvl7pPr marL="2743200" algn="l" defTabSz="914400" rtl="0" eaLnBrk="1" latinLnBrk="0" hangingPunct="1">
+              <a:defRPr sz="1800" kern="1200">
+                <a:solidFill>
+                  <a:schemeClr val="tx1"/>
+                </a:solidFill>
+                <a:latin typeface="+mn-lt"/>
+                <a:ea typeface="+mn-ea"/>
+                <a:cs typeface="+mn-cs"/>
+              </a:defRPr>
+            </a:lvl7pPr>
+            <a:lvl8pPr marL="3200400" algn="l" defTabSz="914400" rtl="0" eaLnBrk="1" latinLnBrk="0" hangingPunct="1">
+              <a:defRPr sz="1800" kern="1200">
+                <a:solidFill>
+                  <a:schemeClr val="tx1"/>
+                </a:solidFill>
+                <a:latin typeface="+mn-lt"/>
+                <a:ea typeface="+mn-ea"/>
+                <a:cs typeface="+mn-cs"/>
+              </a:defRPr>
+            </a:lvl8pPr>
+            <a:lvl9pPr marL="3657600" algn="l" defTabSz="914400" rtl="0" eaLnBrk="1" latinLnBrk="0" hangingPunct="1">
+              <a:defRPr sz="1800" kern="1200">
+                <a:solidFill>
+                  <a:schemeClr val="tx1"/>
+                </a:solidFill>
+                <a:latin typeface="+mn-lt"/>
+                <a:ea typeface="+mn-ea"/>
+                <a:cs typeface="+mn-cs"/>
+              </a:defRPr>
+            </a:lvl9pPr>
+          </a:lstStyle>
+          <a:p>
+            <a:pPr marL="0" marR="0" lvl="0" indent="0" algn="l" defTabSz="457200" rtl="0" fontAlgn="auto" hangingPunct="1">
+              <a:lnSpc>
+                <a:spcPct val="100000"/>
+              </a:lnSpc>
+              <a:spcBef>
+                <a:spcPts val="0"/>
+              </a:spcBef>
+              <a:spcAft>
+                <a:spcPts val="0"/>
+              </a:spcAft>
+              <a:buNone/>
+              <a:tabLst/>
+              <a:defRPr sz="1800" b="0" i="0" u="none" strike="noStrike" kern="0" cap="none" spc="0" baseline="0">
+                <a:solidFill>
+                  <a:srgbClr val="000000"/>
+                </a:solidFill>
+                <a:uFillTx/>
+              </a:defRPr>
+            </a:pPr>
+            <a:r>
+              <a:rPr lang="en-US" sz="1200" b="1" i="0" u="none" strike="noStrike" kern="1200" cap="none" spc="0" baseline="0" dirty="0">
+                <a:solidFill>
+                  <a:srgbClr val="000000"/>
+                </a:solidFill>
+                <a:uFillTx/>
+                <a:latin typeface="Calibri"/>
+              </a:rPr>
+              <a:t>Biodiversity</a:t>
+            </a:r>
+          </a:p>
+          <a:p>
+            <a:pPr marL="0" marR="0" lvl="0" indent="0" algn="l" defTabSz="457200" rtl="0" fontAlgn="auto" hangingPunct="1">
+              <a:lnSpc>
+                <a:spcPct val="100000"/>
+              </a:lnSpc>
+              <a:spcBef>
+                <a:spcPts val="0"/>
+              </a:spcBef>
+              <a:spcAft>
+                <a:spcPts val="0"/>
+              </a:spcAft>
+              <a:buNone/>
+              <a:tabLst/>
+              <a:defRPr sz="1800" b="0" i="0" u="none" strike="noStrike" kern="0" cap="none" spc="0" baseline="0">
+                <a:solidFill>
+                  <a:srgbClr val="000000"/>
+                </a:solidFill>
+                <a:uFillTx/>
+              </a:defRPr>
+            </a:pPr>
+            <a:r>
+              <a:rPr lang="en-US" sz="1200" b="1" i="0" u="none" strike="noStrike" kern="1200" cap="none" spc="0" baseline="0" dirty="0" err="1">
+                <a:solidFill>
+                  <a:srgbClr val="000000"/>
+                </a:solidFill>
+                <a:uFillTx/>
+                <a:latin typeface="Calibri"/>
+              </a:rPr>
+              <a:t>Exploratories</a:t>
+            </a:r>
+            <a:endParaRPr lang="en-US" sz="1200" b="1" i="0" u="none" strike="noStrike" kern="1200" cap="none" spc="0" baseline="0" dirty="0">
+              <a:solidFill>
+                <a:srgbClr val="000000"/>
+              </a:solidFill>
+              <a:uFillTx/>
+              <a:latin typeface="Calibri"/>
+            </a:endParaRPr>
+          </a:p>
+        </p:txBody>
+      </p:sp>
+      <p:sp>
+        <p:nvSpPr>
+          <p:cNvPr id="12" name="ZoneTexte 26">
+            <a:extLst>
+              <a:ext uri="{FF2B5EF4-FFF2-40B4-BE49-F238E27FC236}">
+                <a16:creationId xmlns:a16="http://schemas.microsoft.com/office/drawing/2014/main" id="{740D12DE-8262-4E24-9E22-D18D4DEB2E7A}"/>
+              </a:ext>
+            </a:extLst>
+          </p:cNvPr>
+          <p:cNvSpPr txBox="1"/>
+          <p:nvPr/>
+        </p:nvSpPr>
+        <p:spPr>
+          <a:xfrm>
+            <a:off x="345451" y="107516"/>
+            <a:ext cx="2209537" cy="469359"/>
+          </a:xfrm>
+          <a:prstGeom prst="rect">
+            <a:avLst/>
+          </a:prstGeom>
+          <a:noFill/>
+          <a:ln cap="flat">
+            <a:noFill/>
+          </a:ln>
+        </p:spPr>
+        <p:txBody>
+          <a:bodyPr vert="horz" wrap="square" lIns="91440" tIns="45720" rIns="91440" bIns="45720" anchor="t" anchorCtr="0" compatLnSpc="1">
+            <a:spAutoFit/>
+          </a:bodyPr>
+          <a:lstStyle>
+            <a:defPPr>
+              <a:defRPr lang="fr-FR"/>
+            </a:defPPr>
+            <a:lvl1pPr marL="0" algn="l" defTabSz="914400" rtl="0" eaLnBrk="1" latinLnBrk="0" hangingPunct="1">
+              <a:defRPr sz="1800" kern="1200">
+                <a:solidFill>
+                  <a:schemeClr val="tx1"/>
+                </a:solidFill>
+                <a:latin typeface="+mn-lt"/>
+                <a:ea typeface="+mn-ea"/>
+                <a:cs typeface="+mn-cs"/>
+              </a:defRPr>
+            </a:lvl1pPr>
+            <a:lvl2pPr marL="457200" algn="l" defTabSz="914400" rtl="0" eaLnBrk="1" latinLnBrk="0" hangingPunct="1">
+              <a:defRPr sz="1800" kern="1200">
+                <a:solidFill>
+                  <a:schemeClr val="tx1"/>
+                </a:solidFill>
+                <a:latin typeface="+mn-lt"/>
+                <a:ea typeface="+mn-ea"/>
+                <a:cs typeface="+mn-cs"/>
+              </a:defRPr>
+            </a:lvl2pPr>
+            <a:lvl3pPr marL="914400" algn="l" defTabSz="914400" rtl="0" eaLnBrk="1" latinLnBrk="0" hangingPunct="1">
+              <a:defRPr sz="1800" kern="1200">
+                <a:solidFill>
+                  <a:schemeClr val="tx1"/>
+                </a:solidFill>
+                <a:latin typeface="+mn-lt"/>
+                <a:ea typeface="+mn-ea"/>
+                <a:cs typeface="+mn-cs"/>
+              </a:defRPr>
+            </a:lvl3pPr>
+            <a:lvl4pPr marL="1371600" algn="l" defTabSz="914400" rtl="0" eaLnBrk="1" latinLnBrk="0" hangingPunct="1">
+              <a:defRPr sz="1800" kern="1200">
+                <a:solidFill>
+                  <a:schemeClr val="tx1"/>
+                </a:solidFill>
+                <a:latin typeface="+mn-lt"/>
+                <a:ea typeface="+mn-ea"/>
+                <a:cs typeface="+mn-cs"/>
+              </a:defRPr>
+            </a:lvl4pPr>
+            <a:lvl5pPr marL="1828800" algn="l" defTabSz="914400" rtl="0" eaLnBrk="1" latinLnBrk="0" hangingPunct="1">
+              <a:defRPr sz="1800" kern="1200">
+                <a:solidFill>
+                  <a:schemeClr val="tx1"/>
+                </a:solidFill>
+                <a:latin typeface="+mn-lt"/>
+                <a:ea typeface="+mn-ea"/>
+                <a:cs typeface="+mn-cs"/>
+              </a:defRPr>
+            </a:lvl5pPr>
+            <a:lvl6pPr marL="2286000" algn="l" defTabSz="914400" rtl="0" eaLnBrk="1" latinLnBrk="0" hangingPunct="1">
+              <a:defRPr sz="1800" kern="1200">
+                <a:solidFill>
+                  <a:schemeClr val="tx1"/>
+                </a:solidFill>
+                <a:latin typeface="+mn-lt"/>
+                <a:ea typeface="+mn-ea"/>
+                <a:cs typeface="+mn-cs"/>
+              </a:defRPr>
+            </a:lvl6pPr>
+            <a:lvl7pPr marL="2743200" algn="l" defTabSz="914400" rtl="0" eaLnBrk="1" latinLnBrk="0" hangingPunct="1">
+              <a:defRPr sz="1800" kern="1200">
+                <a:solidFill>
+                  <a:schemeClr val="tx1"/>
+                </a:solidFill>
+                <a:latin typeface="+mn-lt"/>
+                <a:ea typeface="+mn-ea"/>
+                <a:cs typeface="+mn-cs"/>
+              </a:defRPr>
+            </a:lvl7pPr>
+            <a:lvl8pPr marL="3200400" algn="l" defTabSz="914400" rtl="0" eaLnBrk="1" latinLnBrk="0" hangingPunct="1">
+              <a:defRPr sz="1800" kern="1200">
+                <a:solidFill>
+                  <a:schemeClr val="tx1"/>
+                </a:solidFill>
+                <a:latin typeface="+mn-lt"/>
+                <a:ea typeface="+mn-ea"/>
+                <a:cs typeface="+mn-cs"/>
+              </a:defRPr>
+            </a:lvl8pPr>
+            <a:lvl9pPr marL="3657600" algn="l" defTabSz="914400" rtl="0" eaLnBrk="1" latinLnBrk="0" hangingPunct="1">
+              <a:defRPr sz="1800" kern="1200">
+                <a:solidFill>
+                  <a:schemeClr val="tx1"/>
+                </a:solidFill>
+                <a:latin typeface="+mn-lt"/>
+                <a:ea typeface="+mn-ea"/>
+                <a:cs typeface="+mn-cs"/>
+              </a:defRPr>
+            </a:lvl9pPr>
+          </a:lstStyle>
+          <a:p>
+            <a:pPr marL="0" marR="0" lvl="0" indent="0" algn="l" defTabSz="457200" rtl="0" fontAlgn="auto" hangingPunct="1">
+              <a:lnSpc>
+                <a:spcPct val="100000"/>
+              </a:lnSpc>
+              <a:spcBef>
+                <a:spcPts val="0"/>
+              </a:spcBef>
+              <a:spcAft>
+                <a:spcPts val="0"/>
+              </a:spcAft>
+              <a:buNone/>
+              <a:tabLst/>
+              <a:defRPr sz="1800" b="0" i="0" u="none" strike="noStrike" kern="0" cap="none" spc="0" baseline="0">
+                <a:solidFill>
+                  <a:srgbClr val="000000"/>
+                </a:solidFill>
+                <a:uFillTx/>
+              </a:defRPr>
+            </a:pPr>
+            <a:r>
+              <a:rPr lang="en-US" sz="1400" b="1" i="0" u="none" strike="noStrike" kern="1200" cap="none" spc="0" baseline="0" dirty="0">
+                <a:solidFill>
+                  <a:srgbClr val="000000"/>
+                </a:solidFill>
+                <a:uFillTx/>
+                <a:latin typeface="Calibri"/>
+              </a:rPr>
+              <a:t>Species x traits matrix </a:t>
+            </a:r>
+            <a:r>
+              <a:rPr lang="en-US" sz="1000" i="0" u="none" strike="noStrike" kern="1200" cap="none" spc="0" baseline="0" dirty="0">
+                <a:solidFill>
+                  <a:srgbClr val="000000"/>
+                </a:solidFill>
+                <a:uFillTx/>
+                <a:latin typeface="Calibri"/>
+              </a:rPr>
+              <a:t>(several trait measures per species)</a:t>
+            </a:r>
+            <a:endParaRPr lang="en-US" sz="1400" i="0" u="none" strike="noStrike" kern="1200" cap="none" spc="0" baseline="0" dirty="0">
+              <a:solidFill>
+                <a:srgbClr val="000000"/>
+              </a:solidFill>
+              <a:uFillTx/>
+              <a:latin typeface="Calibri"/>
+            </a:endParaRPr>
+          </a:p>
+        </p:txBody>
+      </p:sp>
+      <p:graphicFrame>
+        <p:nvGraphicFramePr>
+          <p:cNvPr id="20" name="Tabelle 19">
+            <a:extLst>
+              <a:ext uri="{FF2B5EF4-FFF2-40B4-BE49-F238E27FC236}">
+                <a16:creationId xmlns:a16="http://schemas.microsoft.com/office/drawing/2014/main" id="{E3BE8AD4-B666-4E20-97A2-CBC3E36AD06B}"/>
+              </a:ext>
+            </a:extLst>
+          </p:cNvPr>
+          <p:cNvGraphicFramePr>
+            <a:graphicFrameLocks noGrp="1"/>
+          </p:cNvGraphicFramePr>
+          <p:nvPr>
+            <p:extLst>
+              <p:ext uri="{D42A27DB-BD31-4B8C-83A1-F6EECF244321}">
+                <p14:modId xmlns:p14="http://schemas.microsoft.com/office/powerpoint/2010/main" val="2197994694"/>
+              </p:ext>
+            </p:extLst>
+          </p:nvPr>
+        </p:nvGraphicFramePr>
+        <p:xfrm>
+          <a:off x="2809149" y="126784"/>
+          <a:ext cx="3092541" cy="746692"/>
+        </p:xfrm>
+        <a:graphic>
+          <a:graphicData uri="http://schemas.openxmlformats.org/drawingml/2006/table">
+            <a:tbl>
+              <a:tblPr firstRow="1" bandRow="1">
+                <a:tableStyleId>{073A0DAA-6AF3-43AB-8588-CEC1D06C72B9}</a:tableStyleId>
+              </a:tblPr>
+              <a:tblGrid>
+                <a:gridCol w="860295">
+                  <a:extLst>
+                    <a:ext uri="{9D8B030D-6E8A-4147-A177-3AD203B41FA5}">
+                      <a16:colId xmlns:a16="http://schemas.microsoft.com/office/drawing/2014/main" val="1697269629"/>
+                    </a:ext>
+                  </a:extLst>
+                </a:gridCol>
+                <a:gridCol w="898160">
+                  <a:extLst>
+                    <a:ext uri="{9D8B030D-6E8A-4147-A177-3AD203B41FA5}">
+                      <a16:colId xmlns:a16="http://schemas.microsoft.com/office/drawing/2014/main" val="219674215"/>
+                    </a:ext>
+                  </a:extLst>
+                </a:gridCol>
+                <a:gridCol w="1107175">
+                  <a:extLst>
+                    <a:ext uri="{9D8B030D-6E8A-4147-A177-3AD203B41FA5}">
+                      <a16:colId xmlns:a16="http://schemas.microsoft.com/office/drawing/2014/main" val="3215726334"/>
+                    </a:ext>
+                  </a:extLst>
+                </a:gridCol>
+                <a:gridCol w="226911">
+                  <a:extLst>
+                    <a:ext uri="{9D8B030D-6E8A-4147-A177-3AD203B41FA5}">
+                      <a16:colId xmlns:a16="http://schemas.microsoft.com/office/drawing/2014/main" val="2895665170"/>
+                    </a:ext>
+                  </a:extLst>
+                </a:gridCol>
+              </a:tblGrid>
+              <a:tr h="186673">
+                <a:tc>
+                  <a:txBody>
+                    <a:bodyPr/>
+                    <a:lstStyle/>
+                    <a:p>
+                      <a:r>
+                        <a:rPr lang="de-DE" sz="900" dirty="0" err="1"/>
+                        <a:t>my_sp_name</a:t>
+                      </a:r>
+                      <a:endParaRPr lang="de-DE" sz="900" dirty="0"/>
+                    </a:p>
+                  </a:txBody>
+                  <a:tcPr marL="42084" marR="42084" marT="21042" marB="21042"/>
+                </a:tc>
+                <a:tc>
+                  <a:txBody>
+                    <a:bodyPr/>
+                    <a:lstStyle/>
+                    <a:p>
+                      <a:r>
+                        <a:rPr lang="de-DE" sz="900" dirty="0" err="1"/>
+                        <a:t>body_length_cm</a:t>
+                      </a:r>
+                      <a:endParaRPr lang="de-DE" sz="900" dirty="0"/>
+                    </a:p>
+                  </a:txBody>
+                  <a:tcPr marL="42084" marR="42084" marT="21042" marB="21042"/>
+                </a:tc>
+                <a:tc>
+                  <a:txBody>
+                    <a:bodyPr/>
+                    <a:lstStyle/>
+                    <a:p>
+                      <a:r>
+                        <a:rPr lang="de-DE" sz="900" dirty="0" err="1"/>
+                        <a:t>antenna_length_cm</a:t>
+                      </a:r>
+                      <a:endParaRPr lang="de-DE" sz="900" dirty="0"/>
+                    </a:p>
+                  </a:txBody>
+                  <a:tcPr marL="42084" marR="42084" marT="21042" marB="21042"/>
+                </a:tc>
+                <a:tc>
+                  <a:txBody>
+                    <a:bodyPr/>
+                    <a:lstStyle/>
+                    <a:p>
+                      <a:r>
+                        <a:rPr lang="de-DE" sz="900" dirty="0"/>
+                        <a:t>…</a:t>
+                      </a:r>
+                    </a:p>
+                  </a:txBody>
+                  <a:tcPr marL="42084" marR="42084" marT="21042" marB="21042"/>
+                </a:tc>
+                <a:extLst>
+                  <a:ext uri="{0D108BD9-81ED-4DB2-BD59-A6C34878D82A}">
+                    <a16:rowId xmlns:a16="http://schemas.microsoft.com/office/drawing/2014/main" val="3257178836"/>
+                  </a:ext>
+                </a:extLst>
+              </a:tr>
+              <a:tr h="186673">
+                <a:tc>
+                  <a:txBody>
+                    <a:bodyPr/>
+                    <a:lstStyle/>
+                    <a:p>
+                      <a:r>
+                        <a:rPr lang="de-DE" sz="900" dirty="0" err="1"/>
+                        <a:t>Agonum_ericeti</a:t>
+                      </a:r>
+                      <a:endParaRPr lang="de-DE" sz="900" dirty="0"/>
+                    </a:p>
+                  </a:txBody>
+                  <a:tcPr marL="42084" marR="42084" marT="21042" marB="21042"/>
+                </a:tc>
+                <a:tc>
+                  <a:txBody>
+                    <a:bodyPr/>
+                    <a:lstStyle/>
+                    <a:p>
+                      <a:r>
+                        <a:rPr lang="de-DE" sz="900" dirty="0"/>
+                        <a:t>0.587</a:t>
+                      </a:r>
+                    </a:p>
+                  </a:txBody>
+                  <a:tcPr marL="42084" marR="42084" marT="21042" marB="21042"/>
+                </a:tc>
+                <a:tc>
+                  <a:txBody>
+                    <a:bodyPr/>
+                    <a:lstStyle/>
+                    <a:p>
+                      <a:r>
+                        <a:rPr lang="de-DE" sz="900" dirty="0"/>
+                        <a:t>0.374</a:t>
+                      </a:r>
+                    </a:p>
+                  </a:txBody>
+                  <a:tcPr marL="42084" marR="42084" marT="21042" marB="21042"/>
+                </a:tc>
+                <a:tc>
+                  <a:txBody>
+                    <a:bodyPr/>
+                    <a:lstStyle/>
+                    <a:p>
+                      <a:endParaRPr lang="de-DE" sz="900" dirty="0"/>
+                    </a:p>
+                  </a:txBody>
+                  <a:tcPr marL="42084" marR="42084" marT="21042" marB="21042"/>
+                </a:tc>
+                <a:extLst>
+                  <a:ext uri="{0D108BD9-81ED-4DB2-BD59-A6C34878D82A}">
+                    <a16:rowId xmlns:a16="http://schemas.microsoft.com/office/drawing/2014/main" val="2184986327"/>
+                  </a:ext>
+                </a:extLst>
+              </a:tr>
+              <a:tr h="186673">
+                <a:tc>
+                  <a:txBody>
+                    <a:bodyPr/>
+                    <a:lstStyle/>
+                    <a:p>
+                      <a:r>
+                        <a:rPr lang="de-DE" sz="900" dirty="0" err="1"/>
+                        <a:t>Agonum_gracilis</a:t>
+                      </a:r>
+                      <a:endParaRPr lang="de-DE" sz="900" dirty="0"/>
+                    </a:p>
+                  </a:txBody>
+                  <a:tcPr marL="42084" marR="42084" marT="21042" marB="21042"/>
+                </a:tc>
+                <a:tc>
+                  <a:txBody>
+                    <a:bodyPr/>
+                    <a:lstStyle/>
+                    <a:p>
+                      <a:r>
+                        <a:rPr lang="de-DE" sz="900" dirty="0"/>
+                        <a:t>0.480</a:t>
+                      </a:r>
+                    </a:p>
+                  </a:txBody>
+                  <a:tcPr marL="42084" marR="42084" marT="21042" marB="21042"/>
+                </a:tc>
+                <a:tc>
+                  <a:txBody>
+                    <a:bodyPr/>
+                    <a:lstStyle/>
+                    <a:p>
+                      <a:r>
+                        <a:rPr lang="de-DE" sz="900" dirty="0"/>
+                        <a:t>0.322</a:t>
+                      </a:r>
+                    </a:p>
+                  </a:txBody>
+                  <a:tcPr marL="42084" marR="42084" marT="21042" marB="21042"/>
+                </a:tc>
+                <a:tc>
+                  <a:txBody>
+                    <a:bodyPr/>
+                    <a:lstStyle/>
+                    <a:p>
+                      <a:endParaRPr lang="de-DE" sz="900" dirty="0"/>
+                    </a:p>
+                  </a:txBody>
+                  <a:tcPr marL="42084" marR="42084" marT="21042" marB="21042"/>
+                </a:tc>
+                <a:extLst>
+                  <a:ext uri="{0D108BD9-81ED-4DB2-BD59-A6C34878D82A}">
+                    <a16:rowId xmlns:a16="http://schemas.microsoft.com/office/drawing/2014/main" val="3108221415"/>
+                  </a:ext>
+                </a:extLst>
+              </a:tr>
+              <a:tr h="186673">
+                <a:tc>
+                  <a:txBody>
+                    <a:bodyPr/>
+                    <a:lstStyle/>
+                    <a:p>
+                      <a:r>
+                        <a:rPr lang="de-DE" sz="900" dirty="0"/>
+                        <a:t>…</a:t>
+                      </a:r>
+                    </a:p>
+                  </a:txBody>
+                  <a:tcPr marL="42084" marR="42084" marT="21042" marB="21042"/>
+                </a:tc>
+                <a:tc>
+                  <a:txBody>
+                    <a:bodyPr/>
+                    <a:lstStyle/>
+                    <a:p>
+                      <a:r>
+                        <a:rPr lang="de-DE" sz="900" dirty="0"/>
+                        <a:t>…</a:t>
+                      </a:r>
+                    </a:p>
+                  </a:txBody>
+                  <a:tcPr marL="42084" marR="42084" marT="21042" marB="21042"/>
+                </a:tc>
+                <a:tc>
+                  <a:txBody>
+                    <a:bodyPr/>
+                    <a:lstStyle/>
+                    <a:p>
+                      <a:r>
+                        <a:rPr lang="de-DE" sz="900" dirty="0"/>
+                        <a:t>…</a:t>
+                      </a:r>
+                    </a:p>
+                  </a:txBody>
+                  <a:tcPr marL="42084" marR="42084" marT="21042" marB="21042"/>
+                </a:tc>
+                <a:tc>
+                  <a:txBody>
+                    <a:bodyPr/>
+                    <a:lstStyle/>
+                    <a:p>
+                      <a:endParaRPr lang="de-DE" sz="900" dirty="0"/>
+                    </a:p>
+                  </a:txBody>
+                  <a:tcPr marL="42084" marR="42084" marT="21042" marB="21042"/>
+                </a:tc>
+                <a:extLst>
+                  <a:ext uri="{0D108BD9-81ED-4DB2-BD59-A6C34878D82A}">
+                    <a16:rowId xmlns:a16="http://schemas.microsoft.com/office/drawing/2014/main" val="2043834846"/>
+                  </a:ext>
+                </a:extLst>
+              </a:tr>
+            </a:tbl>
+          </a:graphicData>
+        </a:graphic>
+      </p:graphicFrame>
+      <p:graphicFrame>
+        <p:nvGraphicFramePr>
+          <p:cNvPr id="21" name="Tabelle 20">
+            <a:extLst>
+              <a:ext uri="{FF2B5EF4-FFF2-40B4-BE49-F238E27FC236}">
+                <a16:creationId xmlns:a16="http://schemas.microsoft.com/office/drawing/2014/main" id="{DA4D8BDA-DB16-436D-94DD-EBC7277B4FB0}"/>
+              </a:ext>
+            </a:extLst>
+          </p:cNvPr>
+          <p:cNvGraphicFramePr>
+            <a:graphicFrameLocks noGrp="1"/>
+          </p:cNvGraphicFramePr>
+          <p:nvPr>
+            <p:extLst>
+              <p:ext uri="{D42A27DB-BD31-4B8C-83A1-F6EECF244321}">
+                <p14:modId xmlns:p14="http://schemas.microsoft.com/office/powerpoint/2010/main" val="2840429420"/>
+              </p:ext>
+            </p:extLst>
+          </p:nvPr>
+        </p:nvGraphicFramePr>
+        <p:xfrm>
+          <a:off x="2809150" y="1313332"/>
+          <a:ext cx="3092541" cy="933365"/>
+        </p:xfrm>
+        <a:graphic>
+          <a:graphicData uri="http://schemas.openxmlformats.org/drawingml/2006/table">
+            <a:tbl>
+              <a:tblPr firstRow="1" bandRow="1">
+                <a:tableStyleId>{073A0DAA-6AF3-43AB-8588-CEC1D06C72B9}</a:tableStyleId>
+              </a:tblPr>
+              <a:tblGrid>
+                <a:gridCol w="920903">
+                  <a:extLst>
+                    <a:ext uri="{9D8B030D-6E8A-4147-A177-3AD203B41FA5}">
+                      <a16:colId xmlns:a16="http://schemas.microsoft.com/office/drawing/2014/main" val="1697269629"/>
+                    </a:ext>
+                  </a:extLst>
+                </a:gridCol>
+                <a:gridCol w="1080120">
+                  <a:extLst>
+                    <a:ext uri="{9D8B030D-6E8A-4147-A177-3AD203B41FA5}">
+                      <a16:colId xmlns:a16="http://schemas.microsoft.com/office/drawing/2014/main" val="219674215"/>
+                    </a:ext>
+                  </a:extLst>
+                </a:gridCol>
+                <a:gridCol w="576064">
+                  <a:extLst>
+                    <a:ext uri="{9D8B030D-6E8A-4147-A177-3AD203B41FA5}">
+                      <a16:colId xmlns:a16="http://schemas.microsoft.com/office/drawing/2014/main" val="3215726334"/>
+                    </a:ext>
+                  </a:extLst>
+                </a:gridCol>
+                <a:gridCol w="515454">
+                  <a:extLst>
+                    <a:ext uri="{9D8B030D-6E8A-4147-A177-3AD203B41FA5}">
+                      <a16:colId xmlns:a16="http://schemas.microsoft.com/office/drawing/2014/main" val="2895665170"/>
+                    </a:ext>
+                  </a:extLst>
+                </a:gridCol>
+              </a:tblGrid>
+              <a:tr h="186673">
+                <a:tc>
+                  <a:txBody>
+                    <a:bodyPr/>
+                    <a:lstStyle/>
+                    <a:p>
+                      <a:r>
+                        <a:rPr lang="de-DE" sz="900" dirty="0" err="1"/>
+                        <a:t>scientificName</a:t>
+                      </a:r>
+                      <a:endParaRPr lang="de-DE" sz="900" dirty="0"/>
+                    </a:p>
+                  </a:txBody>
+                  <a:tcPr marL="42084" marR="42084" marT="21042" marB="21042"/>
+                </a:tc>
+                <a:tc>
+                  <a:txBody>
+                    <a:bodyPr/>
+                    <a:lstStyle/>
+                    <a:p>
+                      <a:r>
+                        <a:rPr lang="de-DE" sz="900" dirty="0" err="1"/>
+                        <a:t>traitName</a:t>
+                      </a:r>
+                      <a:endParaRPr lang="de-DE" sz="900" dirty="0"/>
+                    </a:p>
+                  </a:txBody>
+                  <a:tcPr marL="42084" marR="42084" marT="21042" marB="21042"/>
+                </a:tc>
+                <a:tc>
+                  <a:txBody>
+                    <a:bodyPr/>
+                    <a:lstStyle/>
+                    <a:p>
+                      <a:r>
+                        <a:rPr lang="de-DE" sz="900" dirty="0" err="1"/>
+                        <a:t>traitValue</a:t>
+                      </a:r>
+                      <a:endParaRPr lang="de-DE" sz="900" dirty="0"/>
+                    </a:p>
+                  </a:txBody>
+                  <a:tcPr marL="42084" marR="42084" marT="21042" marB="21042"/>
+                </a:tc>
+                <a:tc>
+                  <a:txBody>
+                    <a:bodyPr/>
+                    <a:lstStyle/>
+                    <a:p>
+                      <a:r>
+                        <a:rPr lang="de-DE" sz="900" dirty="0" err="1"/>
+                        <a:t>traitUnit</a:t>
+                      </a:r>
+                      <a:endParaRPr lang="de-DE" sz="900" dirty="0"/>
+                    </a:p>
+                  </a:txBody>
+                  <a:tcPr marL="42084" marR="42084" marT="21042" marB="21042"/>
+                </a:tc>
+                <a:extLst>
+                  <a:ext uri="{0D108BD9-81ED-4DB2-BD59-A6C34878D82A}">
+                    <a16:rowId xmlns:a16="http://schemas.microsoft.com/office/drawing/2014/main" val="3257178836"/>
+                  </a:ext>
+                </a:extLst>
+              </a:tr>
+              <a:tr h="186673">
+                <a:tc>
+                  <a:txBody>
+                    <a:bodyPr/>
+                    <a:lstStyle/>
+                    <a:p>
+                      <a:r>
+                        <a:rPr lang="de-DE" sz="900" dirty="0" err="1"/>
+                        <a:t>Agonum_ericeti</a:t>
+                      </a:r>
+                      <a:endParaRPr lang="de-DE" sz="900" dirty="0"/>
+                    </a:p>
+                  </a:txBody>
+                  <a:tcPr marL="42084" marR="42084" marT="21042" marB="21042"/>
+                </a:tc>
+                <a:tc>
+                  <a:txBody>
+                    <a:bodyPr/>
+                    <a:lstStyle/>
+                    <a:p>
+                      <a:r>
+                        <a:rPr lang="de-DE" sz="900" dirty="0" err="1"/>
+                        <a:t>body_length_cm</a:t>
+                      </a:r>
+                      <a:endParaRPr lang="de-DE" sz="900" dirty="0"/>
+                    </a:p>
+                  </a:txBody>
+                  <a:tcPr marL="42084" marR="42084" marT="21042" marB="21042"/>
+                </a:tc>
+                <a:tc>
+                  <a:txBody>
+                    <a:bodyPr/>
+                    <a:lstStyle/>
+                    <a:p>
+                      <a:pPr marL="0" marR="0" lvl="0" indent="0" algn="l" defTabSz="914400" rtl="0" eaLnBrk="1" fontAlgn="auto" latinLnBrk="0" hangingPunct="1">
+                        <a:lnSpc>
+                          <a:spcPct val="100000"/>
+                        </a:lnSpc>
+                        <a:spcBef>
+                          <a:spcPts val="0"/>
+                        </a:spcBef>
+                        <a:spcAft>
+                          <a:spcPts val="0"/>
+                        </a:spcAft>
+                        <a:buClrTx/>
+                        <a:buSzTx/>
+                        <a:buFontTx/>
+                        <a:buNone/>
+                        <a:tabLst/>
+                        <a:defRPr/>
+                      </a:pPr>
+                      <a:r>
+                        <a:rPr lang="de-DE" sz="900" dirty="0"/>
+                        <a:t>0.587</a:t>
+                      </a:r>
+                    </a:p>
+                  </a:txBody>
+                  <a:tcPr marL="42084" marR="42084" marT="21042" marB="21042"/>
+                </a:tc>
+                <a:tc>
+                  <a:txBody>
+                    <a:bodyPr/>
+                    <a:lstStyle/>
+                    <a:p>
+                      <a:r>
+                        <a:rPr lang="de-DE" sz="900" dirty="0"/>
+                        <a:t>cm</a:t>
+                      </a:r>
+                    </a:p>
+                  </a:txBody>
+                  <a:tcPr marL="42084" marR="42084" marT="21042" marB="21042"/>
+                </a:tc>
+                <a:extLst>
+                  <a:ext uri="{0D108BD9-81ED-4DB2-BD59-A6C34878D82A}">
+                    <a16:rowId xmlns:a16="http://schemas.microsoft.com/office/drawing/2014/main" val="2184986327"/>
+                  </a:ext>
+                </a:extLst>
+              </a:tr>
+              <a:tr h="186673">
+                <a:tc>
+                  <a:txBody>
+                    <a:bodyPr/>
+                    <a:lstStyle/>
+                    <a:p>
+                      <a:r>
+                        <a:rPr lang="de-DE" sz="900" dirty="0" err="1"/>
+                        <a:t>Agonum_ericeti</a:t>
+                      </a:r>
+                      <a:endParaRPr lang="de-DE" sz="900" dirty="0"/>
+                    </a:p>
+                  </a:txBody>
+                  <a:tcPr marL="42084" marR="42084" marT="21042" marB="21042"/>
+                </a:tc>
+                <a:tc>
+                  <a:txBody>
+                    <a:bodyPr/>
+                    <a:lstStyle/>
+                    <a:p>
+                      <a:pPr marL="0" marR="0" lvl="0" indent="0" algn="l" defTabSz="914400" rtl="0" eaLnBrk="1" fontAlgn="auto" latinLnBrk="0" hangingPunct="1">
+                        <a:lnSpc>
+                          <a:spcPct val="100000"/>
+                        </a:lnSpc>
+                        <a:spcBef>
+                          <a:spcPts val="0"/>
+                        </a:spcBef>
+                        <a:spcAft>
+                          <a:spcPts val="0"/>
+                        </a:spcAft>
+                        <a:buClrTx/>
+                        <a:buSzTx/>
+                        <a:buFontTx/>
+                        <a:buNone/>
+                        <a:tabLst/>
+                        <a:defRPr/>
+                      </a:pPr>
+                      <a:r>
+                        <a:rPr lang="de-DE" sz="900" dirty="0" err="1"/>
+                        <a:t>antenna_length_cm</a:t>
+                      </a:r>
+                      <a:endParaRPr lang="de-DE" sz="900" dirty="0"/>
+                    </a:p>
+                  </a:txBody>
+                  <a:tcPr marL="42084" marR="42084" marT="21042" marB="21042"/>
+                </a:tc>
+                <a:tc>
+                  <a:txBody>
+                    <a:bodyPr/>
+                    <a:lstStyle/>
+                    <a:p>
+                      <a:pPr marL="0" marR="0" lvl="0" indent="0" algn="l" defTabSz="914400" rtl="0" eaLnBrk="1" fontAlgn="auto" latinLnBrk="0" hangingPunct="1">
+                        <a:lnSpc>
+                          <a:spcPct val="100000"/>
+                        </a:lnSpc>
+                        <a:spcBef>
+                          <a:spcPts val="0"/>
+                        </a:spcBef>
+                        <a:spcAft>
+                          <a:spcPts val="0"/>
+                        </a:spcAft>
+                        <a:buClrTx/>
+                        <a:buSzTx/>
+                        <a:buFontTx/>
+                        <a:buNone/>
+                        <a:tabLst/>
+                        <a:defRPr/>
+                      </a:pPr>
+                      <a:r>
+                        <a:rPr lang="de-DE" sz="900" dirty="0"/>
+                        <a:t>0.374</a:t>
+                      </a:r>
+                    </a:p>
+                  </a:txBody>
+                  <a:tcPr marL="42084" marR="42084" marT="21042" marB="21042"/>
+                </a:tc>
+                <a:tc>
+                  <a:txBody>
+                    <a:bodyPr/>
+                    <a:lstStyle/>
+                    <a:p>
+                      <a:r>
+                        <a:rPr lang="de-DE" sz="900" dirty="0"/>
+                        <a:t>cm</a:t>
+                      </a:r>
+                    </a:p>
+                  </a:txBody>
+                  <a:tcPr marL="42084" marR="42084" marT="21042" marB="21042"/>
+                </a:tc>
+                <a:extLst>
+                  <a:ext uri="{0D108BD9-81ED-4DB2-BD59-A6C34878D82A}">
+                    <a16:rowId xmlns:a16="http://schemas.microsoft.com/office/drawing/2014/main" val="3108221415"/>
+                  </a:ext>
+                </a:extLst>
+              </a:tr>
+              <a:tr h="186673">
+                <a:tc>
+                  <a:txBody>
+                    <a:bodyPr/>
+                    <a:lstStyle/>
+                    <a:p>
+                      <a:r>
+                        <a:rPr lang="de-DE" sz="900" dirty="0" err="1"/>
+                        <a:t>Agonum_gracilis</a:t>
+                      </a:r>
+                      <a:endParaRPr lang="de-DE" sz="900" dirty="0"/>
+                    </a:p>
+                  </a:txBody>
+                  <a:tcPr marL="42084" marR="42084" marT="21042" marB="21042"/>
+                </a:tc>
+                <a:tc>
+                  <a:txBody>
+                    <a:bodyPr/>
+                    <a:lstStyle/>
+                    <a:p>
+                      <a:pPr marL="0" marR="0" lvl="0" indent="0" algn="l" defTabSz="914400" rtl="0" eaLnBrk="1" fontAlgn="auto" latinLnBrk="0" hangingPunct="1">
+                        <a:lnSpc>
+                          <a:spcPct val="100000"/>
+                        </a:lnSpc>
+                        <a:spcBef>
+                          <a:spcPts val="0"/>
+                        </a:spcBef>
+                        <a:spcAft>
+                          <a:spcPts val="0"/>
+                        </a:spcAft>
+                        <a:buClrTx/>
+                        <a:buSzTx/>
+                        <a:buFontTx/>
+                        <a:buNone/>
+                        <a:tabLst/>
+                        <a:defRPr/>
+                      </a:pPr>
+                      <a:r>
+                        <a:rPr lang="de-DE" sz="900" dirty="0" err="1"/>
+                        <a:t>body_length_cm</a:t>
+                      </a:r>
+                      <a:endParaRPr lang="de-DE" sz="900" dirty="0"/>
+                    </a:p>
+                  </a:txBody>
+                  <a:tcPr marL="42084" marR="42084" marT="21042" marB="21042"/>
+                </a:tc>
+                <a:tc>
+                  <a:txBody>
+                    <a:bodyPr/>
+                    <a:lstStyle/>
+                    <a:p>
+                      <a:pPr marL="0" marR="0" lvl="0" indent="0" algn="l" defTabSz="914400" rtl="0" eaLnBrk="1" fontAlgn="auto" latinLnBrk="0" hangingPunct="1">
+                        <a:lnSpc>
+                          <a:spcPct val="100000"/>
+                        </a:lnSpc>
+                        <a:spcBef>
+                          <a:spcPts val="0"/>
+                        </a:spcBef>
+                        <a:spcAft>
+                          <a:spcPts val="0"/>
+                        </a:spcAft>
+                        <a:buClrTx/>
+                        <a:buSzTx/>
+                        <a:buFontTx/>
+                        <a:buNone/>
+                        <a:tabLst/>
+                        <a:defRPr/>
+                      </a:pPr>
+                      <a:r>
+                        <a:rPr lang="de-DE" sz="900" dirty="0"/>
+                        <a:t>0.480</a:t>
+                      </a:r>
+                    </a:p>
+                  </a:txBody>
+                  <a:tcPr marL="42084" marR="42084" marT="21042" marB="21042"/>
+                </a:tc>
+                <a:tc>
+                  <a:txBody>
+                    <a:bodyPr/>
+                    <a:lstStyle/>
+                    <a:p>
+                      <a:r>
+                        <a:rPr lang="de-DE" sz="900" dirty="0"/>
+                        <a:t>cm</a:t>
+                      </a:r>
+                    </a:p>
+                  </a:txBody>
+                  <a:tcPr marL="42084" marR="42084" marT="21042" marB="21042"/>
+                </a:tc>
+                <a:extLst>
+                  <a:ext uri="{0D108BD9-81ED-4DB2-BD59-A6C34878D82A}">
+                    <a16:rowId xmlns:a16="http://schemas.microsoft.com/office/drawing/2014/main" val="2043834846"/>
+                  </a:ext>
+                </a:extLst>
+              </a:tr>
+              <a:tr h="186673">
+                <a:tc>
+                  <a:txBody>
+                    <a:bodyPr/>
+                    <a:lstStyle/>
+                    <a:p>
+                      <a:r>
+                        <a:rPr lang="de-DE" sz="900" dirty="0"/>
+                        <a:t>…</a:t>
+                      </a:r>
+                    </a:p>
+                  </a:txBody>
+                  <a:tcPr marL="42084" marR="42084" marT="21042" marB="21042"/>
+                </a:tc>
+                <a:tc>
+                  <a:txBody>
+                    <a:bodyPr/>
+                    <a:lstStyle/>
+                    <a:p>
+                      <a:r>
+                        <a:rPr lang="de-DE" sz="900" dirty="0"/>
+                        <a:t>…</a:t>
+                      </a:r>
+                    </a:p>
+                  </a:txBody>
+                  <a:tcPr marL="42084" marR="42084" marT="21042" marB="21042"/>
+                </a:tc>
+                <a:tc>
+                  <a:txBody>
+                    <a:bodyPr/>
+                    <a:lstStyle/>
+                    <a:p>
+                      <a:r>
+                        <a:rPr lang="de-DE" sz="900" dirty="0"/>
+                        <a:t>…</a:t>
+                      </a:r>
+                    </a:p>
+                  </a:txBody>
+                  <a:tcPr marL="42084" marR="42084" marT="21042" marB="21042"/>
+                </a:tc>
+                <a:tc>
+                  <a:txBody>
+                    <a:bodyPr/>
+                    <a:lstStyle/>
+                    <a:p>
+                      <a:r>
+                        <a:rPr lang="de-DE" sz="900" dirty="0"/>
+                        <a:t>…</a:t>
+                      </a:r>
+                    </a:p>
+                  </a:txBody>
+                  <a:tcPr marL="42084" marR="42084" marT="21042" marB="21042"/>
+                </a:tc>
+                <a:extLst>
+                  <a:ext uri="{0D108BD9-81ED-4DB2-BD59-A6C34878D82A}">
+                    <a16:rowId xmlns:a16="http://schemas.microsoft.com/office/drawing/2014/main" val="2089846096"/>
+                  </a:ext>
+                </a:extLst>
+              </a:tr>
+            </a:tbl>
+          </a:graphicData>
+        </a:graphic>
+      </p:graphicFrame>
+      <p:graphicFrame>
+        <p:nvGraphicFramePr>
+          <p:cNvPr id="22" name="Tabelle 21">
+            <a:extLst>
+              <a:ext uri="{FF2B5EF4-FFF2-40B4-BE49-F238E27FC236}">
+                <a16:creationId xmlns:a16="http://schemas.microsoft.com/office/drawing/2014/main" id="{7F255F5F-8CE0-4D72-AEDD-474C6BDFBBEB}"/>
+              </a:ext>
+            </a:extLst>
+          </p:cNvPr>
+          <p:cNvGraphicFramePr>
+            <a:graphicFrameLocks noGrp="1"/>
+          </p:cNvGraphicFramePr>
+          <p:nvPr>
+            <p:extLst>
+              <p:ext uri="{D42A27DB-BD31-4B8C-83A1-F6EECF244321}">
+                <p14:modId xmlns:p14="http://schemas.microsoft.com/office/powerpoint/2010/main" val="1920817242"/>
+              </p:ext>
+            </p:extLst>
+          </p:nvPr>
+        </p:nvGraphicFramePr>
+        <p:xfrm>
+          <a:off x="467544" y="2560846"/>
+          <a:ext cx="8547286" cy="1139678"/>
+        </p:xfrm>
+        <a:graphic>
+          <a:graphicData uri="http://schemas.openxmlformats.org/drawingml/2006/table">
+            <a:tbl>
+              <a:tblPr firstRow="1" bandRow="1">
+                <a:tableStyleId>{073A0DAA-6AF3-43AB-8588-CEC1D06C72B9}</a:tableStyleId>
+              </a:tblPr>
+              <a:tblGrid>
+                <a:gridCol w="994827">
+                  <a:extLst>
+                    <a:ext uri="{9D8B030D-6E8A-4147-A177-3AD203B41FA5}">
+                      <a16:colId xmlns:a16="http://schemas.microsoft.com/office/drawing/2014/main" val="1697269629"/>
+                    </a:ext>
+                  </a:extLst>
+                </a:gridCol>
+                <a:gridCol w="871438">
+                  <a:extLst>
+                    <a:ext uri="{9D8B030D-6E8A-4147-A177-3AD203B41FA5}">
+                      <a16:colId xmlns:a16="http://schemas.microsoft.com/office/drawing/2014/main" val="219674215"/>
+                    </a:ext>
+                  </a:extLst>
+                </a:gridCol>
+                <a:gridCol w="726198">
+                  <a:extLst>
+                    <a:ext uri="{9D8B030D-6E8A-4147-A177-3AD203B41FA5}">
+                      <a16:colId xmlns:a16="http://schemas.microsoft.com/office/drawing/2014/main" val="3215726334"/>
+                    </a:ext>
+                  </a:extLst>
+                </a:gridCol>
+                <a:gridCol w="726198">
+                  <a:extLst>
+                    <a:ext uri="{9D8B030D-6E8A-4147-A177-3AD203B41FA5}">
+                      <a16:colId xmlns:a16="http://schemas.microsoft.com/office/drawing/2014/main" val="2895665170"/>
+                    </a:ext>
+                  </a:extLst>
+                </a:gridCol>
+                <a:gridCol w="653578">
+                  <a:extLst>
+                    <a:ext uri="{9D8B030D-6E8A-4147-A177-3AD203B41FA5}">
+                      <a16:colId xmlns:a16="http://schemas.microsoft.com/office/drawing/2014/main" val="578644310"/>
+                    </a:ext>
+                  </a:extLst>
+                </a:gridCol>
+                <a:gridCol w="653578">
+                  <a:extLst>
+                    <a:ext uri="{9D8B030D-6E8A-4147-A177-3AD203B41FA5}">
+                      <a16:colId xmlns:a16="http://schemas.microsoft.com/office/drawing/2014/main" val="2278059557"/>
+                    </a:ext>
+                  </a:extLst>
+                </a:gridCol>
+                <a:gridCol w="825125">
+                  <a:extLst>
+                    <a:ext uri="{9D8B030D-6E8A-4147-A177-3AD203B41FA5}">
+                      <a16:colId xmlns:a16="http://schemas.microsoft.com/office/drawing/2014/main" val="1707921576"/>
+                    </a:ext>
+                  </a:extLst>
+                </a:gridCol>
+                <a:gridCol w="1512168">
+                  <a:extLst>
+                    <a:ext uri="{9D8B030D-6E8A-4147-A177-3AD203B41FA5}">
+                      <a16:colId xmlns:a16="http://schemas.microsoft.com/office/drawing/2014/main" val="1208448622"/>
+                    </a:ext>
+                  </a:extLst>
+                </a:gridCol>
+                <a:gridCol w="864096">
+                  <a:extLst>
+                    <a:ext uri="{9D8B030D-6E8A-4147-A177-3AD203B41FA5}">
+                      <a16:colId xmlns:a16="http://schemas.microsoft.com/office/drawing/2014/main" val="3500473864"/>
+                    </a:ext>
+                  </a:extLst>
+                </a:gridCol>
+                <a:gridCol w="720080">
+                  <a:extLst>
+                    <a:ext uri="{9D8B030D-6E8A-4147-A177-3AD203B41FA5}">
+                      <a16:colId xmlns:a16="http://schemas.microsoft.com/office/drawing/2014/main" val="3209219977"/>
+                    </a:ext>
+                  </a:extLst>
+                </a:gridCol>
+              </a:tblGrid>
+              <a:tr h="186673">
+                <a:tc>
+                  <a:txBody>
+                    <a:bodyPr/>
+                    <a:lstStyle/>
+                    <a:p>
+                      <a:r>
+                        <a:rPr lang="de-DE" sz="900" dirty="0" err="1"/>
+                        <a:t>scientificNameStd</a:t>
+                      </a:r>
+                      <a:endParaRPr lang="de-DE" sz="900" dirty="0"/>
+                    </a:p>
+                  </a:txBody>
+                  <a:tcPr marL="42084" marR="42084" marT="21042" marB="21042">
+                    <a:solidFill>
+                      <a:schemeClr val="tx2">
+                        <a:lumMod val="60000"/>
+                        <a:lumOff val="40000"/>
+                      </a:schemeClr>
+                    </a:solidFill>
+                  </a:tcPr>
+                </a:tc>
+                <a:tc>
+                  <a:txBody>
+                    <a:bodyPr/>
+                    <a:lstStyle/>
+                    <a:p>
+                      <a:r>
+                        <a:rPr lang="de-DE" sz="900" dirty="0" err="1"/>
+                        <a:t>traitNameStd</a:t>
+                      </a:r>
+                      <a:endParaRPr lang="de-DE" sz="900" dirty="0"/>
+                    </a:p>
+                  </a:txBody>
+                  <a:tcPr marL="42084" marR="42084" marT="21042" marB="21042">
+                    <a:solidFill>
+                      <a:schemeClr val="tx2">
+                        <a:lumMod val="60000"/>
+                        <a:lumOff val="40000"/>
+                      </a:schemeClr>
+                    </a:solidFill>
+                  </a:tcPr>
+                </a:tc>
+                <a:tc>
+                  <a:txBody>
+                    <a:bodyPr/>
+                    <a:lstStyle/>
+                    <a:p>
+                      <a:r>
+                        <a:rPr lang="de-DE" sz="900" dirty="0" err="1"/>
+                        <a:t>traitValueStd</a:t>
+                      </a:r>
+                      <a:endParaRPr lang="de-DE" sz="900" dirty="0"/>
+                    </a:p>
+                  </a:txBody>
+                  <a:tcPr marL="42084" marR="42084" marT="21042" marB="21042">
+                    <a:solidFill>
+                      <a:schemeClr val="tx2">
+                        <a:lumMod val="60000"/>
+                        <a:lumOff val="40000"/>
+                      </a:schemeClr>
+                    </a:solidFill>
+                  </a:tcPr>
+                </a:tc>
+                <a:tc>
+                  <a:txBody>
+                    <a:bodyPr/>
+                    <a:lstStyle/>
+                    <a:p>
+                      <a:r>
+                        <a:rPr lang="de-DE" sz="900" dirty="0" err="1"/>
+                        <a:t>traitUnitStd</a:t>
+                      </a:r>
+                      <a:endParaRPr lang="de-DE" sz="900" dirty="0"/>
+                    </a:p>
+                  </a:txBody>
+                  <a:tcPr marL="42084" marR="42084" marT="21042" marB="21042">
+                    <a:solidFill>
+                      <a:schemeClr val="tx2">
+                        <a:lumMod val="60000"/>
+                        <a:lumOff val="40000"/>
+                      </a:schemeClr>
+                    </a:solidFill>
+                  </a:tcPr>
+                </a:tc>
+                <a:tc>
+                  <a:txBody>
+                    <a:bodyPr/>
+                    <a:lstStyle/>
+                    <a:p>
+                      <a:r>
+                        <a:rPr lang="de-DE" sz="900" dirty="0" err="1"/>
+                        <a:t>taxonRank</a:t>
+                      </a:r>
+                      <a:endParaRPr lang="de-DE" sz="900" dirty="0"/>
+                    </a:p>
+                  </a:txBody>
+                  <a:tcPr marL="42084" marR="42084" marT="21042" marB="21042">
+                    <a:solidFill>
+                      <a:schemeClr val="tx2">
+                        <a:lumMod val="60000"/>
+                        <a:lumOff val="40000"/>
+                      </a:schemeClr>
+                    </a:solidFill>
+                  </a:tcPr>
+                </a:tc>
+                <a:tc>
+                  <a:txBody>
+                    <a:bodyPr/>
+                    <a:lstStyle/>
+                    <a:p>
+                      <a:r>
+                        <a:rPr lang="de-DE" sz="900" dirty="0" err="1"/>
+                        <a:t>order</a:t>
+                      </a:r>
+                      <a:endParaRPr lang="de-DE" sz="900" dirty="0"/>
+                    </a:p>
+                  </a:txBody>
+                  <a:tcPr marL="42084" marR="42084" marT="21042" marB="21042">
+                    <a:solidFill>
+                      <a:schemeClr val="tx2">
+                        <a:lumMod val="60000"/>
+                        <a:lumOff val="40000"/>
+                      </a:schemeClr>
+                    </a:solidFill>
+                  </a:tcPr>
+                </a:tc>
+                <a:tc>
+                  <a:txBody>
+                    <a:bodyPr/>
+                    <a:lstStyle/>
+                    <a:p>
+                      <a:r>
+                        <a:rPr lang="de-DE" sz="900" dirty="0" err="1"/>
+                        <a:t>taxonID</a:t>
+                      </a:r>
+                      <a:endParaRPr lang="de-DE" sz="900" dirty="0"/>
+                    </a:p>
+                  </a:txBody>
+                  <a:tcPr marL="42084" marR="42084" marT="21042" marB="21042">
+                    <a:solidFill>
+                      <a:schemeClr val="tx2">
+                        <a:lumMod val="60000"/>
+                        <a:lumOff val="40000"/>
+                      </a:schemeClr>
+                    </a:solidFill>
+                  </a:tcPr>
+                </a:tc>
+                <a:tc>
+                  <a:txBody>
+                    <a:bodyPr/>
+                    <a:lstStyle/>
+                    <a:p>
+                      <a:r>
+                        <a:rPr lang="de-DE" sz="900" dirty="0" err="1"/>
+                        <a:t>traitID</a:t>
+                      </a:r>
+                      <a:endParaRPr lang="de-DE" sz="900" dirty="0"/>
+                    </a:p>
+                  </a:txBody>
+                  <a:tcPr marL="42084" marR="42084" marT="21042" marB="21042">
+                    <a:solidFill>
+                      <a:schemeClr val="tx2">
+                        <a:lumMod val="60000"/>
+                        <a:lumOff val="40000"/>
+                      </a:schemeClr>
+                    </a:solidFill>
+                  </a:tcPr>
+                </a:tc>
+                <a:tc>
+                  <a:txBody>
+                    <a:bodyPr/>
+                    <a:lstStyle/>
+                    <a:p>
+                      <a:r>
+                        <a:rPr lang="de-DE" sz="900" dirty="0" err="1"/>
+                        <a:t>measurementID</a:t>
+                      </a:r>
+                      <a:endParaRPr lang="de-DE" sz="900" dirty="0"/>
+                    </a:p>
+                  </a:txBody>
+                  <a:tcPr marL="42084" marR="42084" marT="21042" marB="21042">
+                    <a:solidFill>
+                      <a:schemeClr val="accent6">
+                        <a:lumMod val="50000"/>
+                      </a:schemeClr>
+                    </a:solidFill>
+                  </a:tcPr>
+                </a:tc>
+                <a:tc>
+                  <a:txBody>
+                    <a:bodyPr/>
+                    <a:lstStyle/>
+                    <a:p>
+                      <a:r>
+                        <a:rPr lang="de-DE" sz="900" dirty="0" err="1"/>
+                        <a:t>occurrenceID</a:t>
+                      </a:r>
+                      <a:endParaRPr lang="de-DE" sz="900" dirty="0"/>
+                    </a:p>
+                  </a:txBody>
+                  <a:tcPr marL="42084" marR="42084" marT="21042" marB="21042">
+                    <a:solidFill>
+                      <a:schemeClr val="bg2">
+                        <a:lumMod val="50000"/>
+                      </a:schemeClr>
+                    </a:solidFill>
+                  </a:tcPr>
+                </a:tc>
+                <a:extLst>
+                  <a:ext uri="{0D108BD9-81ED-4DB2-BD59-A6C34878D82A}">
+                    <a16:rowId xmlns:a16="http://schemas.microsoft.com/office/drawing/2014/main" val="3257178836"/>
+                  </a:ext>
+                </a:extLst>
+              </a:tr>
+              <a:tr h="186673">
+                <a:tc>
+                  <a:txBody>
+                    <a:bodyPr/>
+                    <a:lstStyle/>
+                    <a:p>
+                      <a:r>
+                        <a:rPr lang="de-DE" sz="900" dirty="0" err="1"/>
+                        <a:t>Agonum</a:t>
+                      </a:r>
+                      <a:r>
+                        <a:rPr lang="de-DE" sz="900" dirty="0"/>
+                        <a:t> </a:t>
+                      </a:r>
+                      <a:r>
+                        <a:rPr lang="de-DE" sz="900" dirty="0" err="1"/>
+                        <a:t>ericeti</a:t>
+                      </a:r>
+                      <a:endParaRPr lang="de-DE" sz="900" dirty="0"/>
+                    </a:p>
+                  </a:txBody>
+                  <a:tcPr marL="42084" marR="42084" marT="21042" marB="21042"/>
+                </a:tc>
+                <a:tc>
+                  <a:txBody>
+                    <a:bodyPr/>
+                    <a:lstStyle/>
+                    <a:p>
+                      <a:r>
+                        <a:rPr lang="de-DE" sz="900" dirty="0" err="1"/>
+                        <a:t>body_length</a:t>
+                      </a:r>
+                      <a:endParaRPr lang="de-DE" sz="900" dirty="0"/>
+                    </a:p>
+                  </a:txBody>
+                  <a:tcPr marL="42084" marR="42084" marT="21042" marB="21042"/>
+                </a:tc>
+                <a:tc>
+                  <a:txBody>
+                    <a:bodyPr/>
+                    <a:lstStyle/>
+                    <a:p>
+                      <a:pPr marL="0" marR="0" lvl="0" indent="0" algn="l" defTabSz="914400" rtl="0" eaLnBrk="1" fontAlgn="auto" latinLnBrk="0" hangingPunct="1">
+                        <a:lnSpc>
+                          <a:spcPct val="100000"/>
+                        </a:lnSpc>
+                        <a:spcBef>
+                          <a:spcPts val="0"/>
+                        </a:spcBef>
+                        <a:spcAft>
+                          <a:spcPts val="0"/>
+                        </a:spcAft>
+                        <a:buClrTx/>
+                        <a:buSzTx/>
+                        <a:buFontTx/>
+                        <a:buNone/>
+                        <a:tabLst/>
+                        <a:defRPr/>
+                      </a:pPr>
+                      <a:r>
+                        <a:rPr lang="de-DE" sz="900" dirty="0"/>
+                        <a:t>5.87</a:t>
+                      </a:r>
+                    </a:p>
+                  </a:txBody>
+                  <a:tcPr marL="42084" marR="42084" marT="21042" marB="21042"/>
+                </a:tc>
+                <a:tc>
+                  <a:txBody>
+                    <a:bodyPr/>
+                    <a:lstStyle/>
+                    <a:p>
+                      <a:r>
+                        <a:rPr lang="de-DE" sz="900" dirty="0"/>
+                        <a:t>mm</a:t>
+                      </a:r>
+                    </a:p>
+                  </a:txBody>
+                  <a:tcPr marL="42084" marR="42084" marT="21042" marB="21042"/>
+                </a:tc>
+                <a:tc>
+                  <a:txBody>
+                    <a:bodyPr/>
+                    <a:lstStyle/>
+                    <a:p>
+                      <a:r>
+                        <a:rPr lang="de-DE" sz="900" dirty="0" err="1"/>
+                        <a:t>species</a:t>
+                      </a:r>
+                      <a:endParaRPr lang="de-DE" sz="900" dirty="0"/>
+                    </a:p>
+                  </a:txBody>
+                  <a:tcPr marL="42084" marR="42084" marT="21042" marB="21042"/>
+                </a:tc>
+                <a:tc>
+                  <a:txBody>
+                    <a:bodyPr/>
+                    <a:lstStyle/>
+                    <a:p>
+                      <a:r>
+                        <a:rPr lang="de-DE" sz="900" dirty="0" err="1"/>
+                        <a:t>Coleoptera</a:t>
+                      </a:r>
+                      <a:endParaRPr lang="de-DE" sz="900" dirty="0"/>
+                    </a:p>
+                  </a:txBody>
+                  <a:tcPr marL="42084" marR="42084" marT="21042" marB="21042"/>
+                </a:tc>
+                <a:tc>
+                  <a:txBody>
+                    <a:bodyPr/>
+                    <a:lstStyle/>
+                    <a:p>
+                      <a:r>
+                        <a:rPr lang="de-DE" sz="700" dirty="0"/>
+                        <a:t>http://www.gbif.org/species/5755044</a:t>
+                      </a:r>
+                    </a:p>
+                  </a:txBody>
+                  <a:tcPr marL="42084" marR="42084" marT="21042" marB="21042"/>
+                </a:tc>
+                <a:tc>
+                  <a:txBody>
+                    <a:bodyPr/>
+                    <a:lstStyle/>
+                    <a:p>
+                      <a:r>
+                        <a:rPr lang="de-DE" sz="700" dirty="0"/>
+                        <a:t>http://t-sita.cesab.org/</a:t>
+                      </a:r>
+                      <a:br>
+                        <a:rPr lang="de-DE" sz="700" dirty="0"/>
+                      </a:br>
+                      <a:r>
+                        <a:rPr lang="de-DE" sz="700" dirty="0" err="1"/>
+                        <a:t>BETSI_vizInfo.jsp?trait</a:t>
+                      </a:r>
+                      <a:r>
+                        <a:rPr lang="de-DE" sz="700" dirty="0"/>
+                        <a:t>=Body_length</a:t>
+                      </a:r>
+                    </a:p>
+                  </a:txBody>
+                  <a:tcPr marL="42084" marR="42084" marT="21042" marB="21042"/>
+                </a:tc>
+                <a:tc>
+                  <a:txBody>
+                    <a:bodyPr/>
+                    <a:lstStyle/>
+                    <a:p>
+                      <a:r>
+                        <a:rPr lang="de-DE" sz="900" dirty="0"/>
+                        <a:t>1</a:t>
+                      </a:r>
+                    </a:p>
+                  </a:txBody>
+                  <a:tcPr marL="42084" marR="42084" marT="21042" marB="21042"/>
+                </a:tc>
+                <a:tc>
+                  <a:txBody>
+                    <a:bodyPr/>
+                    <a:lstStyle/>
+                    <a:p>
+                      <a:r>
+                        <a:rPr lang="de-DE" sz="900" dirty="0"/>
+                        <a:t>001</a:t>
+                      </a:r>
+                    </a:p>
+                  </a:txBody>
+                  <a:tcPr marL="42084" marR="42084" marT="21042" marB="21042"/>
+                </a:tc>
+                <a:extLst>
+                  <a:ext uri="{0D108BD9-81ED-4DB2-BD59-A6C34878D82A}">
+                    <a16:rowId xmlns:a16="http://schemas.microsoft.com/office/drawing/2014/main" val="2184986327"/>
+                  </a:ext>
+                </a:extLst>
+              </a:tr>
+              <a:tr h="186673">
+                <a:tc>
+                  <a:txBody>
+                    <a:bodyPr/>
+                    <a:lstStyle/>
+                    <a:p>
+                      <a:r>
+                        <a:rPr lang="de-DE" sz="900" dirty="0" err="1"/>
+                        <a:t>Agonum</a:t>
+                      </a:r>
+                      <a:r>
+                        <a:rPr lang="de-DE" sz="900" dirty="0"/>
+                        <a:t> </a:t>
+                      </a:r>
+                      <a:r>
+                        <a:rPr lang="de-DE" sz="900" dirty="0" err="1"/>
+                        <a:t>ericeti</a:t>
+                      </a:r>
+                      <a:endParaRPr lang="de-DE" sz="900" dirty="0"/>
+                    </a:p>
+                  </a:txBody>
+                  <a:tcPr marL="42084" marR="42084" marT="21042" marB="21042"/>
+                </a:tc>
+                <a:tc>
+                  <a:txBody>
+                    <a:bodyPr/>
+                    <a:lstStyle/>
+                    <a:p>
+                      <a:pPr marL="0" marR="0" lvl="0" indent="0" algn="l" defTabSz="914400" rtl="0" eaLnBrk="1" fontAlgn="auto" latinLnBrk="0" hangingPunct="1">
+                        <a:lnSpc>
+                          <a:spcPct val="100000"/>
+                        </a:lnSpc>
+                        <a:spcBef>
+                          <a:spcPts val="0"/>
+                        </a:spcBef>
+                        <a:spcAft>
+                          <a:spcPts val="0"/>
+                        </a:spcAft>
+                        <a:buClrTx/>
+                        <a:buSzTx/>
+                        <a:buFontTx/>
+                        <a:buNone/>
+                        <a:tabLst/>
+                        <a:defRPr/>
+                      </a:pPr>
+                      <a:r>
+                        <a:rPr lang="de-DE" sz="900" dirty="0" err="1"/>
+                        <a:t>antenna_length</a:t>
+                      </a:r>
+                      <a:endParaRPr lang="de-DE" sz="900" dirty="0"/>
+                    </a:p>
+                  </a:txBody>
+                  <a:tcPr marL="42084" marR="42084" marT="21042" marB="21042"/>
+                </a:tc>
+                <a:tc>
+                  <a:txBody>
+                    <a:bodyPr/>
+                    <a:lstStyle/>
+                    <a:p>
+                      <a:pPr marL="0" marR="0" lvl="0" indent="0" algn="l" defTabSz="914400" rtl="0" eaLnBrk="1" fontAlgn="auto" latinLnBrk="0" hangingPunct="1">
+                        <a:lnSpc>
+                          <a:spcPct val="100000"/>
+                        </a:lnSpc>
+                        <a:spcBef>
+                          <a:spcPts val="0"/>
+                        </a:spcBef>
+                        <a:spcAft>
+                          <a:spcPts val="0"/>
+                        </a:spcAft>
+                        <a:buClrTx/>
+                        <a:buSzTx/>
+                        <a:buFontTx/>
+                        <a:buNone/>
+                        <a:tabLst/>
+                        <a:defRPr/>
+                      </a:pPr>
+                      <a:r>
+                        <a:rPr lang="de-DE" sz="900" dirty="0"/>
+                        <a:t>3.74</a:t>
+                      </a:r>
+                    </a:p>
+                  </a:txBody>
+                  <a:tcPr marL="42084" marR="42084" marT="21042" marB="21042"/>
+                </a:tc>
+                <a:tc>
+                  <a:txBody>
+                    <a:bodyPr/>
+                    <a:lstStyle/>
+                    <a:p>
+                      <a:r>
+                        <a:rPr lang="de-DE" sz="900" dirty="0"/>
+                        <a:t>mm</a:t>
+                      </a:r>
+                    </a:p>
+                  </a:txBody>
+                  <a:tcPr marL="42084" marR="42084" marT="21042" marB="21042"/>
+                </a:tc>
+                <a:tc>
+                  <a:txBody>
+                    <a:bodyPr/>
+                    <a:lstStyle/>
+                    <a:p>
+                      <a:r>
+                        <a:rPr lang="de-DE" sz="900" dirty="0" err="1"/>
+                        <a:t>species</a:t>
+                      </a:r>
+                      <a:endParaRPr lang="de-DE" sz="900" dirty="0"/>
+                    </a:p>
+                  </a:txBody>
+                  <a:tcPr marL="42084" marR="42084" marT="21042" marB="21042"/>
+                </a:tc>
+                <a:tc>
+                  <a:txBody>
+                    <a:bodyPr/>
+                    <a:lstStyle/>
+                    <a:p>
+                      <a:r>
+                        <a:rPr lang="de-DE" sz="900" dirty="0" err="1"/>
+                        <a:t>Coleoptera</a:t>
+                      </a:r>
+                      <a:endParaRPr lang="de-DE" sz="900" dirty="0"/>
+                    </a:p>
+                  </a:txBody>
+                  <a:tcPr marL="42084" marR="42084" marT="21042" marB="21042"/>
+                </a:tc>
+                <a:tc>
+                  <a:txBody>
+                    <a:bodyPr/>
+                    <a:lstStyle/>
+                    <a:p>
+                      <a:pPr marL="0" marR="0" lvl="0" indent="0" algn="l" defTabSz="914400" rtl="0" eaLnBrk="1" fontAlgn="auto" latinLnBrk="0" hangingPunct="1">
+                        <a:lnSpc>
+                          <a:spcPct val="100000"/>
+                        </a:lnSpc>
+                        <a:spcBef>
+                          <a:spcPts val="0"/>
+                        </a:spcBef>
+                        <a:spcAft>
+                          <a:spcPts val="0"/>
+                        </a:spcAft>
+                        <a:buClrTx/>
+                        <a:buSzTx/>
+                        <a:buFontTx/>
+                        <a:buNone/>
+                        <a:tabLst/>
+                        <a:defRPr/>
+                      </a:pPr>
+                      <a:r>
+                        <a:rPr lang="de-DE" sz="700" dirty="0"/>
+                        <a:t>http://www.gbif.org/species/5755044</a:t>
+                      </a:r>
+                    </a:p>
+                  </a:txBody>
+                  <a:tcPr marL="42084" marR="42084" marT="21042" marB="21042"/>
+                </a:tc>
+                <a:tc>
+                  <a:txBody>
+                    <a:bodyPr/>
+                    <a:lstStyle/>
+                    <a:p>
+                      <a:pPr marL="0" marR="0" lvl="0" indent="0" algn="l" defTabSz="914400" rtl="0" eaLnBrk="1" fontAlgn="auto" latinLnBrk="0" hangingPunct="1">
+                        <a:lnSpc>
+                          <a:spcPct val="100000"/>
+                        </a:lnSpc>
+                        <a:spcBef>
+                          <a:spcPts val="0"/>
+                        </a:spcBef>
+                        <a:spcAft>
+                          <a:spcPts val="0"/>
+                        </a:spcAft>
+                        <a:buClrTx/>
+                        <a:buSzTx/>
+                        <a:buFontTx/>
+                        <a:buNone/>
+                        <a:tabLst/>
+                        <a:defRPr/>
+                      </a:pPr>
+                      <a:r>
+                        <a:rPr kumimoji="0" lang="de-DE" sz="700" b="0" i="0" u="none" strike="noStrike" kern="1200" cap="none" spc="0" normalizeH="0" baseline="0" noProof="0" dirty="0">
+                          <a:ln>
+                            <a:noFill/>
+                          </a:ln>
+                          <a:solidFill>
+                            <a:prstClr val="black"/>
+                          </a:solidFill>
+                          <a:effectLst/>
+                          <a:uLnTx/>
+                          <a:uFillTx/>
+                          <a:latin typeface="+mn-lt"/>
+                          <a:ea typeface="+mn-ea"/>
+                          <a:cs typeface="+mn-cs"/>
+                        </a:rPr>
+                        <a:t>http://t-sita.cesab.org/</a:t>
+                      </a:r>
+                      <a:br>
+                        <a:rPr kumimoji="0" lang="de-DE" sz="700" b="0" i="0" u="none" strike="noStrike" kern="1200" cap="none" spc="0" normalizeH="0" baseline="0" noProof="0" dirty="0">
+                          <a:ln>
+                            <a:noFill/>
+                          </a:ln>
+                          <a:solidFill>
+                            <a:prstClr val="black"/>
+                          </a:solidFill>
+                          <a:effectLst/>
+                          <a:uLnTx/>
+                          <a:uFillTx/>
+                          <a:latin typeface="+mn-lt"/>
+                          <a:ea typeface="+mn-ea"/>
+                          <a:cs typeface="+mn-cs"/>
+                        </a:rPr>
+                      </a:br>
+                      <a:r>
+                        <a:rPr kumimoji="0" lang="de-DE" sz="700" b="0" i="0" u="none" strike="noStrike" kern="1200" cap="none" spc="0" normalizeH="0" baseline="0" noProof="0" dirty="0" err="1">
+                          <a:ln>
+                            <a:noFill/>
+                          </a:ln>
+                          <a:solidFill>
+                            <a:prstClr val="black"/>
+                          </a:solidFill>
+                          <a:effectLst/>
+                          <a:uLnTx/>
+                          <a:uFillTx/>
+                          <a:latin typeface="+mn-lt"/>
+                          <a:ea typeface="+mn-ea"/>
+                          <a:cs typeface="+mn-cs"/>
+                        </a:rPr>
+                        <a:t>BETSI_vizInfo.jsp?trait</a:t>
+                      </a:r>
+                      <a:r>
+                        <a:rPr kumimoji="0" lang="de-DE" sz="700" b="0" i="0" u="none" strike="noStrike" kern="1200" cap="none" spc="0" normalizeH="0" baseline="0" noProof="0" dirty="0">
+                          <a:ln>
+                            <a:noFill/>
+                          </a:ln>
+                          <a:solidFill>
+                            <a:prstClr val="black"/>
+                          </a:solidFill>
+                          <a:effectLst/>
+                          <a:uLnTx/>
+                          <a:uFillTx/>
+                          <a:latin typeface="+mn-lt"/>
+                          <a:ea typeface="+mn-ea"/>
+                          <a:cs typeface="+mn-cs"/>
+                        </a:rPr>
+                        <a:t>=</a:t>
+                      </a:r>
+                      <a:r>
+                        <a:rPr kumimoji="0" lang="de-DE" sz="700" b="0" i="0" u="none" strike="noStrike" kern="1200" cap="none" spc="0" normalizeH="0" baseline="0" noProof="0" dirty="0" err="1">
+                          <a:ln>
+                            <a:noFill/>
+                          </a:ln>
+                          <a:solidFill>
+                            <a:prstClr val="black"/>
+                          </a:solidFill>
+                          <a:effectLst/>
+                          <a:uLnTx/>
+                          <a:uFillTx/>
+                          <a:latin typeface="+mn-lt"/>
+                          <a:ea typeface="+mn-ea"/>
+                          <a:cs typeface="+mn-cs"/>
+                        </a:rPr>
+                        <a:t>Antenna_length</a:t>
+                      </a:r>
+                      <a:endParaRPr kumimoji="0" lang="de-DE" sz="700" b="0" i="0" u="none" strike="noStrike" kern="1200" cap="none" spc="0" normalizeH="0" baseline="0" noProof="0" dirty="0">
+                        <a:ln>
+                          <a:noFill/>
+                        </a:ln>
+                        <a:solidFill>
+                          <a:prstClr val="black"/>
+                        </a:solidFill>
+                        <a:effectLst/>
+                        <a:uLnTx/>
+                        <a:uFillTx/>
+                        <a:latin typeface="+mn-lt"/>
+                        <a:ea typeface="+mn-ea"/>
+                        <a:cs typeface="+mn-cs"/>
+                      </a:endParaRPr>
+                    </a:p>
+                  </a:txBody>
+                  <a:tcPr marL="42084" marR="42084" marT="21042" marB="21042"/>
+                </a:tc>
+                <a:tc>
+                  <a:txBody>
+                    <a:bodyPr/>
+                    <a:lstStyle/>
+                    <a:p>
+                      <a:r>
+                        <a:rPr lang="de-DE" sz="900" dirty="0"/>
+                        <a:t>2</a:t>
+                      </a:r>
+                    </a:p>
+                  </a:txBody>
+                  <a:tcPr marL="42084" marR="42084" marT="21042" marB="21042"/>
+                </a:tc>
+                <a:tc>
+                  <a:txBody>
+                    <a:bodyPr/>
+                    <a:lstStyle/>
+                    <a:p>
+                      <a:r>
+                        <a:rPr lang="de-DE" sz="900" dirty="0"/>
+                        <a:t>001</a:t>
+                      </a:r>
+                    </a:p>
+                  </a:txBody>
+                  <a:tcPr marL="42084" marR="42084" marT="21042" marB="21042"/>
+                </a:tc>
+                <a:extLst>
+                  <a:ext uri="{0D108BD9-81ED-4DB2-BD59-A6C34878D82A}">
+                    <a16:rowId xmlns:a16="http://schemas.microsoft.com/office/drawing/2014/main" val="3108221415"/>
+                  </a:ext>
+                </a:extLst>
+              </a:tr>
+              <a:tr h="186673">
+                <a:tc>
+                  <a:txBody>
+                    <a:bodyPr/>
+                    <a:lstStyle/>
+                    <a:p>
+                      <a:r>
+                        <a:rPr lang="de-DE" sz="900" dirty="0" err="1"/>
+                        <a:t>Agonum</a:t>
+                      </a:r>
+                      <a:r>
+                        <a:rPr lang="de-DE" sz="900" dirty="0"/>
+                        <a:t> </a:t>
+                      </a:r>
+                      <a:r>
+                        <a:rPr lang="de-DE" sz="900" dirty="0" err="1"/>
+                        <a:t>gracile</a:t>
+                      </a:r>
+                      <a:endParaRPr lang="de-DE" sz="900" dirty="0"/>
+                    </a:p>
+                  </a:txBody>
+                  <a:tcPr marL="42084" marR="42084" marT="21042" marB="21042"/>
+                </a:tc>
+                <a:tc>
+                  <a:txBody>
+                    <a:bodyPr/>
+                    <a:lstStyle/>
+                    <a:p>
+                      <a:pPr marL="0" marR="0" lvl="0" indent="0" algn="l" defTabSz="914400" rtl="0" eaLnBrk="1" fontAlgn="auto" latinLnBrk="0" hangingPunct="1">
+                        <a:lnSpc>
+                          <a:spcPct val="100000"/>
+                        </a:lnSpc>
+                        <a:spcBef>
+                          <a:spcPts val="0"/>
+                        </a:spcBef>
+                        <a:spcAft>
+                          <a:spcPts val="0"/>
+                        </a:spcAft>
+                        <a:buClrTx/>
+                        <a:buSzTx/>
+                        <a:buFontTx/>
+                        <a:buNone/>
+                        <a:tabLst/>
+                        <a:defRPr/>
+                      </a:pPr>
+                      <a:r>
+                        <a:rPr lang="de-DE" sz="900" dirty="0" err="1"/>
+                        <a:t>body_length</a:t>
+                      </a:r>
+                      <a:endParaRPr lang="de-DE" sz="900" dirty="0"/>
+                    </a:p>
+                  </a:txBody>
+                  <a:tcPr marL="42084" marR="42084" marT="21042" marB="21042"/>
+                </a:tc>
+                <a:tc>
+                  <a:txBody>
+                    <a:bodyPr/>
+                    <a:lstStyle/>
+                    <a:p>
+                      <a:pPr marL="0" marR="0" lvl="0" indent="0" algn="l" defTabSz="914400" rtl="0" eaLnBrk="1" fontAlgn="auto" latinLnBrk="0" hangingPunct="1">
+                        <a:lnSpc>
+                          <a:spcPct val="100000"/>
+                        </a:lnSpc>
+                        <a:spcBef>
+                          <a:spcPts val="0"/>
+                        </a:spcBef>
+                        <a:spcAft>
+                          <a:spcPts val="0"/>
+                        </a:spcAft>
+                        <a:buClrTx/>
+                        <a:buSzTx/>
+                        <a:buFontTx/>
+                        <a:buNone/>
+                        <a:tabLst/>
+                        <a:defRPr/>
+                      </a:pPr>
+                      <a:r>
+                        <a:rPr lang="de-DE" sz="900" dirty="0"/>
+                        <a:t>4.80</a:t>
+                      </a:r>
+                    </a:p>
+                  </a:txBody>
+                  <a:tcPr marL="42084" marR="42084" marT="21042" marB="21042"/>
+                </a:tc>
+                <a:tc>
+                  <a:txBody>
+                    <a:bodyPr/>
+                    <a:lstStyle/>
+                    <a:p>
+                      <a:r>
+                        <a:rPr lang="de-DE" sz="900" dirty="0"/>
+                        <a:t>mm</a:t>
+                      </a:r>
+                    </a:p>
+                  </a:txBody>
+                  <a:tcPr marL="42084" marR="42084" marT="21042" marB="21042"/>
+                </a:tc>
+                <a:tc>
+                  <a:txBody>
+                    <a:bodyPr/>
+                    <a:lstStyle/>
+                    <a:p>
+                      <a:r>
+                        <a:rPr lang="de-DE" sz="900" dirty="0" err="1"/>
+                        <a:t>species</a:t>
+                      </a:r>
+                      <a:endParaRPr lang="de-DE" sz="900" dirty="0"/>
+                    </a:p>
+                  </a:txBody>
+                  <a:tcPr marL="42084" marR="42084" marT="21042" marB="21042"/>
+                </a:tc>
+                <a:tc>
+                  <a:txBody>
+                    <a:bodyPr/>
+                    <a:lstStyle/>
+                    <a:p>
+                      <a:r>
+                        <a:rPr lang="de-DE" sz="900" dirty="0" err="1"/>
+                        <a:t>Coleoptera</a:t>
+                      </a:r>
+                      <a:endParaRPr lang="de-DE" sz="900" dirty="0"/>
+                    </a:p>
+                  </a:txBody>
+                  <a:tcPr marL="42084" marR="42084" marT="21042" marB="21042"/>
+                </a:tc>
+                <a:tc>
+                  <a:txBody>
+                    <a:bodyPr/>
+                    <a:lstStyle/>
+                    <a:p>
+                      <a:r>
+                        <a:rPr lang="de-DE" sz="700" dirty="0"/>
+                        <a:t>http://www.gbif.org/species/5755080</a:t>
+                      </a:r>
+                    </a:p>
+                  </a:txBody>
+                  <a:tcPr marL="42084" marR="42084" marT="21042" marB="21042"/>
+                </a:tc>
+                <a:tc>
+                  <a:txBody>
+                    <a:bodyPr/>
+                    <a:lstStyle/>
+                    <a:p>
+                      <a:pPr marL="0" marR="0" lvl="0" indent="0" algn="l" defTabSz="914400" rtl="0" eaLnBrk="1" fontAlgn="auto" latinLnBrk="0" hangingPunct="1">
+                        <a:lnSpc>
+                          <a:spcPct val="100000"/>
+                        </a:lnSpc>
+                        <a:spcBef>
+                          <a:spcPts val="0"/>
+                        </a:spcBef>
+                        <a:spcAft>
+                          <a:spcPts val="0"/>
+                        </a:spcAft>
+                        <a:buClrTx/>
+                        <a:buSzTx/>
+                        <a:buFontTx/>
+                        <a:buNone/>
+                        <a:tabLst/>
+                        <a:defRPr/>
+                      </a:pPr>
+                      <a:r>
+                        <a:rPr kumimoji="0" lang="de-DE" sz="700" b="0" i="0" u="none" strike="noStrike" kern="1200" cap="none" spc="0" normalizeH="0" baseline="0" noProof="0" dirty="0">
+                          <a:ln>
+                            <a:noFill/>
+                          </a:ln>
+                          <a:solidFill>
+                            <a:prstClr val="black"/>
+                          </a:solidFill>
+                          <a:effectLst/>
+                          <a:uLnTx/>
+                          <a:uFillTx/>
+                          <a:latin typeface="+mn-lt"/>
+                          <a:ea typeface="+mn-ea"/>
+                          <a:cs typeface="+mn-cs"/>
+                        </a:rPr>
+                        <a:t>http://t-sita.cesab.org/</a:t>
+                      </a:r>
+                      <a:br>
+                        <a:rPr kumimoji="0" lang="de-DE" sz="700" b="0" i="0" u="none" strike="noStrike" kern="1200" cap="none" spc="0" normalizeH="0" baseline="0" noProof="0" dirty="0">
+                          <a:ln>
+                            <a:noFill/>
+                          </a:ln>
+                          <a:solidFill>
+                            <a:prstClr val="black"/>
+                          </a:solidFill>
+                          <a:effectLst/>
+                          <a:uLnTx/>
+                          <a:uFillTx/>
+                          <a:latin typeface="+mn-lt"/>
+                          <a:ea typeface="+mn-ea"/>
+                          <a:cs typeface="+mn-cs"/>
+                        </a:rPr>
+                      </a:br>
+                      <a:r>
+                        <a:rPr kumimoji="0" lang="de-DE" sz="700" b="0" i="0" u="none" strike="noStrike" kern="1200" cap="none" spc="0" normalizeH="0" baseline="0" noProof="0" dirty="0" err="1">
+                          <a:ln>
+                            <a:noFill/>
+                          </a:ln>
+                          <a:solidFill>
+                            <a:prstClr val="black"/>
+                          </a:solidFill>
+                          <a:effectLst/>
+                          <a:uLnTx/>
+                          <a:uFillTx/>
+                          <a:latin typeface="+mn-lt"/>
+                          <a:ea typeface="+mn-ea"/>
+                          <a:cs typeface="+mn-cs"/>
+                        </a:rPr>
+                        <a:t>BETSI_vizInfo.jsp?trait</a:t>
+                      </a:r>
+                      <a:r>
+                        <a:rPr kumimoji="0" lang="de-DE" sz="700" b="0" i="0" u="none" strike="noStrike" kern="1200" cap="none" spc="0" normalizeH="0" baseline="0" noProof="0" dirty="0">
+                          <a:ln>
+                            <a:noFill/>
+                          </a:ln>
+                          <a:solidFill>
+                            <a:prstClr val="black"/>
+                          </a:solidFill>
+                          <a:effectLst/>
+                          <a:uLnTx/>
+                          <a:uFillTx/>
+                          <a:latin typeface="+mn-lt"/>
+                          <a:ea typeface="+mn-ea"/>
+                          <a:cs typeface="+mn-cs"/>
+                        </a:rPr>
+                        <a:t>=</a:t>
+                      </a:r>
+                      <a:r>
+                        <a:rPr kumimoji="0" lang="de-DE" sz="700" b="0" i="0" u="none" strike="noStrike" kern="1200" cap="none" spc="0" normalizeH="0" baseline="0" noProof="0" dirty="0" err="1">
+                          <a:ln>
+                            <a:noFill/>
+                          </a:ln>
+                          <a:solidFill>
+                            <a:prstClr val="black"/>
+                          </a:solidFill>
+                          <a:effectLst/>
+                          <a:uLnTx/>
+                          <a:uFillTx/>
+                          <a:latin typeface="+mn-lt"/>
+                          <a:ea typeface="+mn-ea"/>
+                          <a:cs typeface="+mn-cs"/>
+                        </a:rPr>
+                        <a:t>Body_length</a:t>
+                      </a:r>
+                      <a:endParaRPr kumimoji="0" lang="de-DE" sz="700" b="0" i="0" u="none" strike="noStrike" kern="1200" cap="none" spc="0" normalizeH="0" baseline="0" noProof="0" dirty="0">
+                        <a:ln>
+                          <a:noFill/>
+                        </a:ln>
+                        <a:solidFill>
+                          <a:prstClr val="black"/>
+                        </a:solidFill>
+                        <a:effectLst/>
+                        <a:uLnTx/>
+                        <a:uFillTx/>
+                        <a:latin typeface="+mn-lt"/>
+                        <a:ea typeface="+mn-ea"/>
+                        <a:cs typeface="+mn-cs"/>
+                      </a:endParaRPr>
+                    </a:p>
+                  </a:txBody>
+                  <a:tcPr marL="42084" marR="42084" marT="21042" marB="21042"/>
+                </a:tc>
+                <a:tc>
+                  <a:txBody>
+                    <a:bodyPr/>
+                    <a:lstStyle/>
+                    <a:p>
+                      <a:r>
+                        <a:rPr lang="de-DE" sz="900" dirty="0"/>
+                        <a:t>3</a:t>
+                      </a:r>
+                    </a:p>
+                  </a:txBody>
+                  <a:tcPr marL="42084" marR="42084" marT="21042" marB="21042"/>
+                </a:tc>
+                <a:tc>
+                  <a:txBody>
+                    <a:bodyPr/>
+                    <a:lstStyle/>
+                    <a:p>
+                      <a:r>
+                        <a:rPr lang="de-DE" sz="900" dirty="0"/>
+                        <a:t>002</a:t>
+                      </a:r>
+                    </a:p>
+                  </a:txBody>
+                  <a:tcPr marL="42084" marR="42084" marT="21042" marB="21042"/>
+                </a:tc>
+                <a:extLst>
+                  <a:ext uri="{0D108BD9-81ED-4DB2-BD59-A6C34878D82A}">
+                    <a16:rowId xmlns:a16="http://schemas.microsoft.com/office/drawing/2014/main" val="2043834846"/>
+                  </a:ext>
+                </a:extLst>
+              </a:tr>
+              <a:tr h="186673">
+                <a:tc>
+                  <a:txBody>
+                    <a:bodyPr/>
+                    <a:lstStyle/>
+                    <a:p>
+                      <a:r>
+                        <a:rPr lang="de-DE" sz="900" dirty="0"/>
+                        <a:t>…</a:t>
+                      </a:r>
+                    </a:p>
+                  </a:txBody>
+                  <a:tcPr marL="42084" marR="42084" marT="21042" marB="21042"/>
+                </a:tc>
+                <a:tc>
+                  <a:txBody>
+                    <a:bodyPr/>
+                    <a:lstStyle/>
+                    <a:p>
+                      <a:r>
+                        <a:rPr lang="de-DE" sz="900" dirty="0"/>
+                        <a:t>…</a:t>
+                      </a:r>
+                    </a:p>
+                  </a:txBody>
+                  <a:tcPr marL="42084" marR="42084" marT="21042" marB="21042"/>
+                </a:tc>
+                <a:tc>
+                  <a:txBody>
+                    <a:bodyPr/>
+                    <a:lstStyle/>
+                    <a:p>
+                      <a:r>
+                        <a:rPr lang="de-DE" sz="900" dirty="0"/>
+                        <a:t>…</a:t>
+                      </a:r>
+                    </a:p>
+                  </a:txBody>
+                  <a:tcPr marL="42084" marR="42084" marT="21042" marB="21042"/>
+                </a:tc>
+                <a:tc>
+                  <a:txBody>
+                    <a:bodyPr/>
+                    <a:lstStyle/>
+                    <a:p>
+                      <a:r>
+                        <a:rPr lang="de-DE" sz="900" dirty="0"/>
+                        <a:t>…</a:t>
+                      </a:r>
+                    </a:p>
+                  </a:txBody>
+                  <a:tcPr marL="42084" marR="42084" marT="21042" marB="21042"/>
+                </a:tc>
+                <a:tc>
+                  <a:txBody>
+                    <a:bodyPr/>
+                    <a:lstStyle/>
+                    <a:p>
+                      <a:r>
+                        <a:rPr lang="de-DE" sz="900" dirty="0"/>
+                        <a:t>…</a:t>
+                      </a:r>
+                    </a:p>
+                  </a:txBody>
+                  <a:tcPr marL="42084" marR="42084" marT="21042" marB="21042"/>
+                </a:tc>
+                <a:tc>
+                  <a:txBody>
+                    <a:bodyPr/>
+                    <a:lstStyle/>
+                    <a:p>
+                      <a:r>
+                        <a:rPr lang="de-DE" sz="900" dirty="0"/>
+                        <a:t>…</a:t>
+                      </a:r>
+                    </a:p>
+                  </a:txBody>
+                  <a:tcPr marL="42084" marR="42084" marT="21042" marB="21042"/>
+                </a:tc>
+                <a:tc>
+                  <a:txBody>
+                    <a:bodyPr/>
+                    <a:lstStyle/>
+                    <a:p>
+                      <a:r>
+                        <a:rPr lang="de-DE" sz="900" dirty="0"/>
+                        <a:t>..</a:t>
+                      </a:r>
+                    </a:p>
+                  </a:txBody>
+                  <a:tcPr marL="42084" marR="42084" marT="21042" marB="21042"/>
+                </a:tc>
+                <a:tc>
+                  <a:txBody>
+                    <a:bodyPr/>
+                    <a:lstStyle/>
+                    <a:p>
+                      <a:endParaRPr lang="de-DE" sz="900" dirty="0"/>
+                    </a:p>
+                  </a:txBody>
+                  <a:tcPr marL="42084" marR="42084" marT="21042" marB="21042"/>
+                </a:tc>
+                <a:tc>
+                  <a:txBody>
+                    <a:bodyPr/>
+                    <a:lstStyle/>
+                    <a:p>
+                      <a:endParaRPr lang="de-DE" sz="900" dirty="0"/>
+                    </a:p>
+                  </a:txBody>
+                  <a:tcPr marL="42084" marR="42084" marT="21042" marB="21042"/>
+                </a:tc>
+                <a:tc>
+                  <a:txBody>
+                    <a:bodyPr/>
+                    <a:lstStyle/>
+                    <a:p>
+                      <a:endParaRPr lang="de-DE" sz="900" dirty="0"/>
+                    </a:p>
+                  </a:txBody>
+                  <a:tcPr marL="42084" marR="42084" marT="21042" marB="21042"/>
+                </a:tc>
+                <a:extLst>
+                  <a:ext uri="{0D108BD9-81ED-4DB2-BD59-A6C34878D82A}">
+                    <a16:rowId xmlns:a16="http://schemas.microsoft.com/office/drawing/2014/main" val="2089846096"/>
+                  </a:ext>
+                </a:extLst>
+              </a:tr>
+            </a:tbl>
+          </a:graphicData>
+        </a:graphic>
+      </p:graphicFrame>
+      <p:graphicFrame>
+        <p:nvGraphicFramePr>
+          <p:cNvPr id="23" name="Tabelle 22">
+            <a:extLst>
+              <a:ext uri="{FF2B5EF4-FFF2-40B4-BE49-F238E27FC236}">
+                <a16:creationId xmlns:a16="http://schemas.microsoft.com/office/drawing/2014/main" id="{AD635351-488F-48D6-8497-04AD03E74BC1}"/>
+              </a:ext>
+            </a:extLst>
+          </p:cNvPr>
+          <p:cNvGraphicFramePr>
+            <a:graphicFrameLocks noGrp="1"/>
+          </p:cNvGraphicFramePr>
+          <p:nvPr>
+            <p:extLst>
+              <p:ext uri="{D42A27DB-BD31-4B8C-83A1-F6EECF244321}">
+                <p14:modId xmlns:p14="http://schemas.microsoft.com/office/powerpoint/2010/main" val="2173902044"/>
+              </p:ext>
+            </p:extLst>
+          </p:nvPr>
+        </p:nvGraphicFramePr>
+        <p:xfrm>
+          <a:off x="3054198" y="4078041"/>
+          <a:ext cx="5795420" cy="815463"/>
+        </p:xfrm>
+        <a:graphic>
+          <a:graphicData uri="http://schemas.openxmlformats.org/drawingml/2006/table">
+            <a:tbl>
+              <a:tblPr firstRow="1" bandRow="1">
+                <a:tableStyleId>{073A0DAA-6AF3-43AB-8588-CEC1D06C72B9}</a:tableStyleId>
+              </a:tblPr>
+              <a:tblGrid>
+                <a:gridCol w="898876">
+                  <a:extLst>
+                    <a:ext uri="{9D8B030D-6E8A-4147-A177-3AD203B41FA5}">
+                      <a16:colId xmlns:a16="http://schemas.microsoft.com/office/drawing/2014/main" val="1697269629"/>
+                    </a:ext>
+                  </a:extLst>
+                </a:gridCol>
+                <a:gridCol w="1008112">
+                  <a:extLst>
+                    <a:ext uri="{9D8B030D-6E8A-4147-A177-3AD203B41FA5}">
+                      <a16:colId xmlns:a16="http://schemas.microsoft.com/office/drawing/2014/main" val="219674215"/>
+                    </a:ext>
+                  </a:extLst>
+                </a:gridCol>
+                <a:gridCol w="1152128">
+                  <a:extLst>
+                    <a:ext uri="{9D8B030D-6E8A-4147-A177-3AD203B41FA5}">
+                      <a16:colId xmlns:a16="http://schemas.microsoft.com/office/drawing/2014/main" val="3215726334"/>
+                    </a:ext>
+                  </a:extLst>
+                </a:gridCol>
+                <a:gridCol w="1296144">
+                  <a:extLst>
+                    <a:ext uri="{9D8B030D-6E8A-4147-A177-3AD203B41FA5}">
+                      <a16:colId xmlns:a16="http://schemas.microsoft.com/office/drawing/2014/main" val="2895665170"/>
+                    </a:ext>
+                  </a:extLst>
+                </a:gridCol>
+                <a:gridCol w="1080120">
+                  <a:extLst>
+                    <a:ext uri="{9D8B030D-6E8A-4147-A177-3AD203B41FA5}">
+                      <a16:colId xmlns:a16="http://schemas.microsoft.com/office/drawing/2014/main" val="2870347392"/>
+                    </a:ext>
+                  </a:extLst>
+                </a:gridCol>
+                <a:gridCol w="360040">
+                  <a:extLst>
+                    <a:ext uri="{9D8B030D-6E8A-4147-A177-3AD203B41FA5}">
+                      <a16:colId xmlns:a16="http://schemas.microsoft.com/office/drawing/2014/main" val="2102818021"/>
+                    </a:ext>
+                  </a:extLst>
+                </a:gridCol>
+              </a:tblGrid>
+              <a:tr h="186673">
+                <a:tc>
+                  <a:txBody>
+                    <a:bodyPr/>
+                    <a:lstStyle/>
+                    <a:p>
+                      <a:r>
+                        <a:rPr lang="de-DE" sz="900" dirty="0" err="1"/>
+                        <a:t>measurementID</a:t>
+                      </a:r>
+                      <a:endParaRPr lang="de-DE" sz="900" dirty="0"/>
+                    </a:p>
+                  </a:txBody>
+                  <a:tcPr marL="42084" marR="42084" marT="21042" marB="21042">
+                    <a:solidFill>
+                      <a:schemeClr val="accent6">
+                        <a:lumMod val="50000"/>
+                      </a:schemeClr>
+                    </a:solidFill>
+                  </a:tcPr>
+                </a:tc>
+                <a:tc>
+                  <a:txBody>
+                    <a:bodyPr/>
+                    <a:lstStyle/>
+                    <a:p>
+                      <a:r>
+                        <a:rPr lang="de-DE" sz="900" dirty="0" err="1"/>
+                        <a:t>basisOfRecord</a:t>
+                      </a:r>
+                      <a:endParaRPr lang="de-DE" sz="900" dirty="0"/>
+                    </a:p>
+                  </a:txBody>
+                  <a:tcPr marL="42084" marR="42084" marT="21042" marB="21042">
+                    <a:solidFill>
+                      <a:schemeClr val="accent6">
+                        <a:lumMod val="50000"/>
+                      </a:schemeClr>
+                    </a:solidFill>
+                  </a:tcPr>
+                </a:tc>
+                <a:tc>
+                  <a:txBody>
+                    <a:bodyPr/>
+                    <a:lstStyle/>
+                    <a:p>
+                      <a:r>
+                        <a:rPr lang="de-DE" sz="900" dirty="0" err="1"/>
+                        <a:t>measurementMethod</a:t>
+                      </a:r>
+                      <a:endParaRPr lang="de-DE" sz="900" dirty="0"/>
+                    </a:p>
+                  </a:txBody>
+                  <a:tcPr marL="42084" marR="42084" marT="21042" marB="21042">
+                    <a:solidFill>
+                      <a:schemeClr val="accent6">
+                        <a:lumMod val="50000"/>
+                      </a:schemeClr>
+                    </a:solidFill>
+                  </a:tcPr>
+                </a:tc>
+                <a:tc>
+                  <a:txBody>
+                    <a:bodyPr/>
+                    <a:lstStyle/>
+                    <a:p>
+                      <a:r>
+                        <a:rPr lang="de-DE" sz="900" dirty="0" err="1"/>
+                        <a:t>measurementResolution</a:t>
+                      </a:r>
+                      <a:endParaRPr lang="de-DE" sz="900" dirty="0"/>
+                    </a:p>
+                  </a:txBody>
+                  <a:tcPr marL="42084" marR="42084" marT="21042" marB="21042">
+                    <a:solidFill>
+                      <a:schemeClr val="accent6">
+                        <a:lumMod val="50000"/>
+                      </a:schemeClr>
+                    </a:solidFill>
+                  </a:tcPr>
+                </a:tc>
+                <a:tc>
+                  <a:txBody>
+                    <a:bodyPr/>
+                    <a:lstStyle/>
+                    <a:p>
+                      <a:r>
+                        <a:rPr lang="de-DE" sz="900" dirty="0" err="1"/>
+                        <a:t>references</a:t>
+                      </a:r>
+                      <a:endParaRPr lang="de-DE" sz="900" dirty="0"/>
+                    </a:p>
+                  </a:txBody>
+                  <a:tcPr marL="42084" marR="42084" marT="21042" marB="21042">
+                    <a:solidFill>
+                      <a:schemeClr val="accent6">
+                        <a:lumMod val="50000"/>
+                      </a:schemeClr>
+                    </a:solidFill>
+                  </a:tcPr>
+                </a:tc>
+                <a:tc>
+                  <a:txBody>
+                    <a:bodyPr/>
+                    <a:lstStyle/>
+                    <a:p>
+                      <a:r>
+                        <a:rPr lang="de-DE" sz="900" dirty="0"/>
+                        <a:t>…</a:t>
+                      </a:r>
+                    </a:p>
+                  </a:txBody>
+                  <a:tcPr marL="42084" marR="42084" marT="21042" marB="21042">
+                    <a:solidFill>
+                      <a:schemeClr val="accent6">
+                        <a:lumMod val="50000"/>
+                      </a:schemeClr>
+                    </a:solidFill>
+                  </a:tcPr>
+                </a:tc>
+                <a:extLst>
+                  <a:ext uri="{0D108BD9-81ED-4DB2-BD59-A6C34878D82A}">
+                    <a16:rowId xmlns:a16="http://schemas.microsoft.com/office/drawing/2014/main" val="3257178836"/>
+                  </a:ext>
+                </a:extLst>
+              </a:tr>
+              <a:tr h="186673">
+                <a:tc>
+                  <a:txBody>
+                    <a:bodyPr/>
+                    <a:lstStyle/>
+                    <a:p>
+                      <a:r>
+                        <a:rPr lang="de-DE" sz="900" dirty="0"/>
+                        <a:t>1</a:t>
+                      </a:r>
+                    </a:p>
+                  </a:txBody>
+                  <a:tcPr marL="42084" marR="42084" marT="21042" marB="21042"/>
+                </a:tc>
+                <a:tc>
+                  <a:txBody>
+                    <a:bodyPr/>
+                    <a:lstStyle/>
+                    <a:p>
+                      <a:r>
+                        <a:rPr lang="de-DE" sz="900" dirty="0" err="1"/>
+                        <a:t>PreservedSpecimen</a:t>
+                      </a:r>
+                      <a:endParaRPr lang="de-DE" sz="900" dirty="0"/>
+                    </a:p>
+                  </a:txBody>
+                  <a:tcPr marL="42084" marR="42084" marT="21042" marB="21042"/>
+                </a:tc>
+                <a:tc>
+                  <a:txBody>
+                    <a:bodyPr/>
+                    <a:lstStyle/>
+                    <a:p>
+                      <a:pPr marL="0" marR="0" lvl="0" indent="0" algn="l" defTabSz="914400" rtl="0" eaLnBrk="1" fontAlgn="auto" latinLnBrk="0" hangingPunct="1">
+                        <a:lnSpc>
+                          <a:spcPct val="100000"/>
+                        </a:lnSpc>
+                        <a:spcBef>
+                          <a:spcPts val="0"/>
+                        </a:spcBef>
+                        <a:spcAft>
+                          <a:spcPts val="0"/>
+                        </a:spcAft>
+                        <a:buClrTx/>
+                        <a:buSzTx/>
+                        <a:buFontTx/>
+                        <a:buNone/>
+                        <a:tabLst/>
+                        <a:defRPr/>
+                      </a:pPr>
+                      <a:r>
+                        <a:rPr lang="de-DE" sz="900" dirty="0"/>
+                        <a:t>Digital </a:t>
+                      </a:r>
+                      <a:r>
+                        <a:rPr lang="de-DE" sz="900" dirty="0" err="1"/>
+                        <a:t>caliper</a:t>
+                      </a:r>
+                      <a:endParaRPr lang="de-DE" sz="900" dirty="0"/>
+                    </a:p>
+                  </a:txBody>
+                  <a:tcPr marL="42084" marR="42084" marT="21042" marB="21042"/>
+                </a:tc>
+                <a:tc>
+                  <a:txBody>
+                    <a:bodyPr/>
+                    <a:lstStyle/>
+                    <a:p>
+                      <a:r>
+                        <a:rPr lang="de-DE" sz="900" dirty="0"/>
+                        <a:t>0.1 mm</a:t>
+                      </a:r>
+                    </a:p>
+                  </a:txBody>
+                  <a:tcPr marL="42084" marR="42084" marT="21042" marB="21042"/>
+                </a:tc>
+                <a:tc>
+                  <a:txBody>
+                    <a:bodyPr/>
+                    <a:lstStyle/>
+                    <a:p>
+                      <a:r>
+                        <a:rPr lang="de-DE" sz="900" dirty="0"/>
+                        <a:t>NA</a:t>
+                      </a:r>
+                    </a:p>
+                  </a:txBody>
+                  <a:tcPr marL="42084" marR="42084" marT="21042" marB="21042"/>
+                </a:tc>
+                <a:tc>
+                  <a:txBody>
+                    <a:bodyPr/>
+                    <a:lstStyle/>
+                    <a:p>
+                      <a:endParaRPr lang="de-DE" sz="900" dirty="0"/>
+                    </a:p>
+                  </a:txBody>
+                  <a:tcPr marL="42084" marR="42084" marT="21042" marB="21042"/>
+                </a:tc>
+                <a:extLst>
+                  <a:ext uri="{0D108BD9-81ED-4DB2-BD59-A6C34878D82A}">
+                    <a16:rowId xmlns:a16="http://schemas.microsoft.com/office/drawing/2014/main" val="2184986327"/>
+                  </a:ext>
+                </a:extLst>
+              </a:tr>
+              <a:tr h="186673">
+                <a:tc>
+                  <a:txBody>
+                    <a:bodyPr/>
+                    <a:lstStyle/>
+                    <a:p>
+                      <a:r>
+                        <a:rPr lang="de-DE" sz="900" dirty="0"/>
+                        <a:t>2</a:t>
+                      </a:r>
+                    </a:p>
+                  </a:txBody>
+                  <a:tcPr marL="42084" marR="42084" marT="21042" marB="21042"/>
+                </a:tc>
+                <a:tc>
+                  <a:txBody>
+                    <a:bodyPr/>
+                    <a:lstStyle/>
+                    <a:p>
+                      <a:pPr marL="0" marR="0" lvl="0" indent="0" algn="l" defTabSz="914400" rtl="0" eaLnBrk="1" fontAlgn="auto" latinLnBrk="0" hangingPunct="1">
+                        <a:lnSpc>
+                          <a:spcPct val="100000"/>
+                        </a:lnSpc>
+                        <a:spcBef>
+                          <a:spcPts val="0"/>
+                        </a:spcBef>
+                        <a:spcAft>
+                          <a:spcPts val="0"/>
+                        </a:spcAft>
+                        <a:buClrTx/>
+                        <a:buSzTx/>
+                        <a:buFontTx/>
+                        <a:buNone/>
+                        <a:tabLst/>
+                        <a:defRPr/>
+                      </a:pPr>
+                      <a:r>
+                        <a:rPr lang="de-DE" sz="900" dirty="0" err="1"/>
+                        <a:t>LiteratureData</a:t>
+                      </a:r>
+                      <a:endParaRPr lang="de-DE" sz="900" dirty="0"/>
+                    </a:p>
+                  </a:txBody>
+                  <a:tcPr marL="42084" marR="42084" marT="21042" marB="21042"/>
+                </a:tc>
+                <a:tc>
+                  <a:txBody>
+                    <a:bodyPr/>
+                    <a:lstStyle/>
+                    <a:p>
+                      <a:pPr marL="0" marR="0" lvl="0" indent="0" algn="l" defTabSz="914400" rtl="0" eaLnBrk="1" fontAlgn="auto" latinLnBrk="0" hangingPunct="1">
+                        <a:lnSpc>
+                          <a:spcPct val="100000"/>
+                        </a:lnSpc>
+                        <a:spcBef>
+                          <a:spcPts val="0"/>
+                        </a:spcBef>
+                        <a:spcAft>
+                          <a:spcPts val="0"/>
+                        </a:spcAft>
+                        <a:buClrTx/>
+                        <a:buSzTx/>
+                        <a:buFontTx/>
+                        <a:buNone/>
+                        <a:tabLst/>
+                        <a:defRPr/>
+                      </a:pPr>
+                      <a:r>
+                        <a:rPr lang="de-DE" sz="900" dirty="0"/>
+                        <a:t>NA</a:t>
+                      </a:r>
+                    </a:p>
+                  </a:txBody>
+                  <a:tcPr marL="42084" marR="42084" marT="21042" marB="21042"/>
+                </a:tc>
+                <a:tc>
+                  <a:txBody>
+                    <a:bodyPr/>
+                    <a:lstStyle/>
+                    <a:p>
+                      <a:r>
+                        <a:rPr lang="de-DE" sz="900" dirty="0" err="1"/>
+                        <a:t>genus</a:t>
+                      </a:r>
+                      <a:endParaRPr lang="de-DE" sz="900" dirty="0"/>
+                    </a:p>
+                  </a:txBody>
+                  <a:tcPr marL="42084" marR="42084" marT="21042" marB="21042"/>
+                </a:tc>
+                <a:tc>
+                  <a:txBody>
+                    <a:bodyPr/>
+                    <a:lstStyle/>
+                    <a:p>
+                      <a:pPr marL="0" marR="0" lvl="0" indent="0" algn="l" defTabSz="914400" rtl="0" eaLnBrk="1" fontAlgn="auto" latinLnBrk="0" hangingPunct="1">
+                        <a:lnSpc>
+                          <a:spcPct val="100000"/>
+                        </a:lnSpc>
+                        <a:spcBef>
+                          <a:spcPts val="0"/>
+                        </a:spcBef>
+                        <a:spcAft>
+                          <a:spcPts val="0"/>
+                        </a:spcAft>
+                        <a:buClrTx/>
+                        <a:buSzTx/>
+                        <a:buFontTx/>
+                        <a:buNone/>
+                        <a:tabLst/>
+                        <a:defRPr/>
+                      </a:pPr>
+                      <a:r>
+                        <a:rPr lang="de-DE" sz="700" dirty="0">
+                          <a:effectLst/>
+                        </a:rPr>
+                        <a:t>https://doi.org/</a:t>
+                      </a:r>
+                      <a:br>
+                        <a:rPr lang="de-DE" sz="700" dirty="0">
+                          <a:effectLst/>
+                        </a:rPr>
+                      </a:br>
+                      <a:r>
+                        <a:rPr lang="de-DE" sz="700" dirty="0">
+                          <a:effectLst/>
+                        </a:rPr>
+                        <a:t>10.1038/sdata.2015.13</a:t>
+                      </a:r>
+                    </a:p>
+                  </a:txBody>
+                  <a:tcPr marL="42084" marR="42084" marT="21042" marB="21042"/>
+                </a:tc>
+                <a:tc>
+                  <a:txBody>
+                    <a:bodyPr/>
+                    <a:lstStyle/>
+                    <a:p>
+                      <a:endParaRPr lang="de-DE" sz="900" dirty="0"/>
+                    </a:p>
+                  </a:txBody>
+                  <a:tcPr marL="42084" marR="42084" marT="21042" marB="21042"/>
+                </a:tc>
+                <a:extLst>
+                  <a:ext uri="{0D108BD9-81ED-4DB2-BD59-A6C34878D82A}">
+                    <a16:rowId xmlns:a16="http://schemas.microsoft.com/office/drawing/2014/main" val="3108221415"/>
+                  </a:ext>
+                </a:extLst>
+              </a:tr>
+              <a:tr h="186673">
+                <a:tc>
+                  <a:txBody>
+                    <a:bodyPr/>
+                    <a:lstStyle/>
+                    <a:p>
+                      <a:r>
+                        <a:rPr lang="de-DE" sz="900" dirty="0"/>
+                        <a:t>…</a:t>
+                      </a:r>
+                    </a:p>
+                  </a:txBody>
+                  <a:tcPr marL="42084" marR="42084" marT="21042" marB="21042"/>
+                </a:tc>
+                <a:tc>
+                  <a:txBody>
+                    <a:bodyPr/>
+                    <a:lstStyle/>
+                    <a:p>
+                      <a:r>
+                        <a:rPr lang="de-DE" sz="900" dirty="0"/>
+                        <a:t>…</a:t>
+                      </a:r>
+                    </a:p>
+                  </a:txBody>
+                  <a:tcPr marL="42084" marR="42084" marT="21042" marB="21042"/>
+                </a:tc>
+                <a:tc>
+                  <a:txBody>
+                    <a:bodyPr/>
+                    <a:lstStyle/>
+                    <a:p>
+                      <a:r>
+                        <a:rPr lang="de-DE" sz="900" dirty="0"/>
+                        <a:t>…</a:t>
+                      </a:r>
+                    </a:p>
+                  </a:txBody>
+                  <a:tcPr marL="42084" marR="42084" marT="21042" marB="21042"/>
+                </a:tc>
+                <a:tc>
+                  <a:txBody>
+                    <a:bodyPr/>
+                    <a:lstStyle/>
+                    <a:p>
+                      <a:r>
+                        <a:rPr lang="de-DE" sz="900" dirty="0"/>
+                        <a:t>…</a:t>
+                      </a:r>
+                    </a:p>
+                  </a:txBody>
+                  <a:tcPr marL="42084" marR="42084" marT="21042" marB="21042"/>
+                </a:tc>
+                <a:tc>
+                  <a:txBody>
+                    <a:bodyPr/>
+                    <a:lstStyle/>
+                    <a:p>
+                      <a:endParaRPr lang="de-DE" sz="900" dirty="0"/>
+                    </a:p>
+                  </a:txBody>
+                  <a:tcPr marL="42084" marR="42084" marT="21042" marB="21042"/>
+                </a:tc>
+                <a:tc>
+                  <a:txBody>
+                    <a:bodyPr/>
+                    <a:lstStyle/>
+                    <a:p>
+                      <a:endParaRPr lang="de-DE" sz="900" dirty="0"/>
+                    </a:p>
+                  </a:txBody>
+                  <a:tcPr marL="42084" marR="42084" marT="21042" marB="21042"/>
+                </a:tc>
+                <a:extLst>
+                  <a:ext uri="{0D108BD9-81ED-4DB2-BD59-A6C34878D82A}">
+                    <a16:rowId xmlns:a16="http://schemas.microsoft.com/office/drawing/2014/main" val="2089846096"/>
+                  </a:ext>
+                </a:extLst>
+              </a:tr>
+            </a:tbl>
+          </a:graphicData>
+        </a:graphic>
+      </p:graphicFrame>
+      <p:graphicFrame>
+        <p:nvGraphicFramePr>
+          <p:cNvPr id="24" name="Tabelle 23">
+            <a:extLst>
+              <a:ext uri="{FF2B5EF4-FFF2-40B4-BE49-F238E27FC236}">
+                <a16:creationId xmlns:a16="http://schemas.microsoft.com/office/drawing/2014/main" id="{02CF1BDE-CB64-4A6A-8374-8206AC44D973}"/>
+              </a:ext>
+            </a:extLst>
+          </p:cNvPr>
+          <p:cNvGraphicFramePr>
+            <a:graphicFrameLocks noGrp="1"/>
+          </p:cNvGraphicFramePr>
+          <p:nvPr>
+            <p:extLst>
+              <p:ext uri="{D42A27DB-BD31-4B8C-83A1-F6EECF244321}">
+                <p14:modId xmlns:p14="http://schemas.microsoft.com/office/powerpoint/2010/main" val="485035053"/>
+              </p:ext>
+            </p:extLst>
+          </p:nvPr>
+        </p:nvGraphicFramePr>
+        <p:xfrm>
+          <a:off x="3055838" y="5009271"/>
+          <a:ext cx="4684514" cy="746692"/>
+        </p:xfrm>
+        <a:graphic>
+          <a:graphicData uri="http://schemas.openxmlformats.org/drawingml/2006/table">
+            <a:tbl>
+              <a:tblPr firstRow="1" bandRow="1">
+                <a:tableStyleId>{073A0DAA-6AF3-43AB-8588-CEC1D06C72B9}</a:tableStyleId>
+              </a:tblPr>
+              <a:tblGrid>
+                <a:gridCol w="780490">
+                  <a:extLst>
+                    <a:ext uri="{9D8B030D-6E8A-4147-A177-3AD203B41FA5}">
+                      <a16:colId xmlns:a16="http://schemas.microsoft.com/office/drawing/2014/main" val="1697269629"/>
+                    </a:ext>
+                  </a:extLst>
+                </a:gridCol>
+                <a:gridCol w="288032">
+                  <a:extLst>
+                    <a:ext uri="{9D8B030D-6E8A-4147-A177-3AD203B41FA5}">
+                      <a16:colId xmlns:a16="http://schemas.microsoft.com/office/drawing/2014/main" val="219674215"/>
+                    </a:ext>
+                  </a:extLst>
+                </a:gridCol>
+                <a:gridCol w="576064">
+                  <a:extLst>
+                    <a:ext uri="{9D8B030D-6E8A-4147-A177-3AD203B41FA5}">
+                      <a16:colId xmlns:a16="http://schemas.microsoft.com/office/drawing/2014/main" val="3215726334"/>
+                    </a:ext>
+                  </a:extLst>
+                </a:gridCol>
+                <a:gridCol w="1008112">
+                  <a:extLst>
+                    <a:ext uri="{9D8B030D-6E8A-4147-A177-3AD203B41FA5}">
+                      <a16:colId xmlns:a16="http://schemas.microsoft.com/office/drawing/2014/main" val="2895665170"/>
+                    </a:ext>
+                  </a:extLst>
+                </a:gridCol>
+                <a:gridCol w="648072">
+                  <a:extLst>
+                    <a:ext uri="{9D8B030D-6E8A-4147-A177-3AD203B41FA5}">
+                      <a16:colId xmlns:a16="http://schemas.microsoft.com/office/drawing/2014/main" val="2870347392"/>
+                    </a:ext>
+                  </a:extLst>
+                </a:gridCol>
+                <a:gridCol w="504056">
+                  <a:extLst>
+                    <a:ext uri="{9D8B030D-6E8A-4147-A177-3AD203B41FA5}">
+                      <a16:colId xmlns:a16="http://schemas.microsoft.com/office/drawing/2014/main" val="1349911281"/>
+                    </a:ext>
+                  </a:extLst>
+                </a:gridCol>
+                <a:gridCol w="504056">
+                  <a:extLst>
+                    <a:ext uri="{9D8B030D-6E8A-4147-A177-3AD203B41FA5}">
+                      <a16:colId xmlns:a16="http://schemas.microsoft.com/office/drawing/2014/main" val="2577146054"/>
+                    </a:ext>
+                  </a:extLst>
+                </a:gridCol>
+                <a:gridCol w="375632">
+                  <a:extLst>
+                    <a:ext uri="{9D8B030D-6E8A-4147-A177-3AD203B41FA5}">
+                      <a16:colId xmlns:a16="http://schemas.microsoft.com/office/drawing/2014/main" val="2102818021"/>
+                    </a:ext>
+                  </a:extLst>
+                </a:gridCol>
+              </a:tblGrid>
+              <a:tr h="186673">
+                <a:tc>
+                  <a:txBody>
+                    <a:bodyPr/>
+                    <a:lstStyle/>
+                    <a:p>
+                      <a:r>
+                        <a:rPr lang="de-DE" sz="900" dirty="0" err="1"/>
+                        <a:t>occurrenceID</a:t>
+                      </a:r>
+                      <a:endParaRPr lang="de-DE" sz="900" dirty="0"/>
+                    </a:p>
+                  </a:txBody>
+                  <a:tcPr marL="42084" marR="42084" marT="21042" marB="21042">
+                    <a:solidFill>
+                      <a:schemeClr val="bg2">
+                        <a:lumMod val="50000"/>
+                      </a:schemeClr>
+                    </a:solidFill>
+                  </a:tcPr>
+                </a:tc>
+                <a:tc>
+                  <a:txBody>
+                    <a:bodyPr/>
+                    <a:lstStyle/>
+                    <a:p>
+                      <a:r>
+                        <a:rPr lang="de-DE" sz="900" dirty="0"/>
+                        <a:t>sex</a:t>
+                      </a:r>
+                    </a:p>
+                  </a:txBody>
+                  <a:tcPr marL="42084" marR="42084" marT="21042" marB="21042">
+                    <a:solidFill>
+                      <a:schemeClr val="bg2">
+                        <a:lumMod val="50000"/>
+                      </a:schemeClr>
+                    </a:solidFill>
+                  </a:tcPr>
+                </a:tc>
+                <a:tc>
+                  <a:txBody>
+                    <a:bodyPr/>
+                    <a:lstStyle/>
+                    <a:p>
+                      <a:r>
+                        <a:rPr lang="de-DE" sz="900" dirty="0" err="1"/>
+                        <a:t>lifeStage</a:t>
+                      </a:r>
+                      <a:endParaRPr lang="de-DE" sz="900" dirty="0"/>
+                    </a:p>
+                  </a:txBody>
+                  <a:tcPr marL="42084" marR="42084" marT="21042" marB="21042">
+                    <a:solidFill>
+                      <a:schemeClr val="bg2">
+                        <a:lumMod val="50000"/>
+                      </a:schemeClr>
+                    </a:solidFill>
+                  </a:tcPr>
+                </a:tc>
+                <a:tc>
+                  <a:txBody>
+                    <a:bodyPr/>
+                    <a:lstStyle/>
+                    <a:p>
+                      <a:r>
+                        <a:rPr lang="de-DE" sz="900" dirty="0" err="1"/>
+                        <a:t>samplingProtocol</a:t>
+                      </a:r>
+                      <a:endParaRPr lang="de-DE" sz="900" dirty="0"/>
+                    </a:p>
+                  </a:txBody>
+                  <a:tcPr marL="42084" marR="42084" marT="21042" marB="21042">
+                    <a:solidFill>
+                      <a:schemeClr val="bg2">
+                        <a:lumMod val="50000"/>
+                      </a:schemeClr>
+                    </a:solidFill>
+                  </a:tcPr>
+                </a:tc>
+                <a:tc>
+                  <a:txBody>
+                    <a:bodyPr/>
+                    <a:lstStyle/>
+                    <a:p>
+                      <a:r>
+                        <a:rPr lang="de-DE" sz="900" dirty="0" err="1"/>
+                        <a:t>eventDate</a:t>
+                      </a:r>
+                      <a:endParaRPr lang="de-DE" sz="900" dirty="0"/>
+                    </a:p>
+                  </a:txBody>
+                  <a:tcPr marL="42084" marR="42084" marT="21042" marB="21042">
+                    <a:solidFill>
+                      <a:schemeClr val="bg2">
+                        <a:lumMod val="50000"/>
+                      </a:schemeClr>
+                    </a:solidFill>
+                  </a:tcPr>
+                </a:tc>
+                <a:tc>
+                  <a:txBody>
+                    <a:bodyPr/>
+                    <a:lstStyle/>
+                    <a:p>
+                      <a:r>
+                        <a:rPr lang="de-DE" sz="900" dirty="0" err="1"/>
+                        <a:t>country</a:t>
+                      </a:r>
+                      <a:endParaRPr lang="de-DE" sz="900" dirty="0"/>
+                    </a:p>
+                  </a:txBody>
+                  <a:tcPr marL="42084" marR="42084" marT="21042" marB="21042">
+                    <a:solidFill>
+                      <a:schemeClr val="bg2">
+                        <a:lumMod val="50000"/>
+                      </a:schemeClr>
+                    </a:solidFill>
+                  </a:tcPr>
+                </a:tc>
+                <a:tc>
+                  <a:txBody>
+                    <a:bodyPr/>
+                    <a:lstStyle/>
+                    <a:p>
+                      <a:r>
+                        <a:rPr lang="de-DE" sz="900" dirty="0" err="1"/>
+                        <a:t>habitat</a:t>
+                      </a:r>
+                      <a:endParaRPr lang="de-DE" sz="900" dirty="0"/>
+                    </a:p>
+                  </a:txBody>
+                  <a:tcPr marL="42084" marR="42084" marT="21042" marB="21042">
+                    <a:solidFill>
+                      <a:schemeClr val="bg2">
+                        <a:lumMod val="50000"/>
+                      </a:schemeClr>
+                    </a:solidFill>
+                  </a:tcPr>
+                </a:tc>
+                <a:tc>
+                  <a:txBody>
+                    <a:bodyPr/>
+                    <a:lstStyle/>
+                    <a:p>
+                      <a:r>
+                        <a:rPr lang="de-DE" sz="900" dirty="0"/>
+                        <a:t>…</a:t>
+                      </a:r>
+                    </a:p>
+                  </a:txBody>
+                  <a:tcPr marL="42084" marR="42084" marT="21042" marB="21042">
+                    <a:solidFill>
+                      <a:schemeClr val="bg2">
+                        <a:lumMod val="50000"/>
+                      </a:schemeClr>
+                    </a:solidFill>
+                  </a:tcPr>
+                </a:tc>
+                <a:extLst>
+                  <a:ext uri="{0D108BD9-81ED-4DB2-BD59-A6C34878D82A}">
+                    <a16:rowId xmlns:a16="http://schemas.microsoft.com/office/drawing/2014/main" val="3257178836"/>
+                  </a:ext>
+                </a:extLst>
+              </a:tr>
+              <a:tr h="186673">
+                <a:tc>
+                  <a:txBody>
+                    <a:bodyPr/>
+                    <a:lstStyle/>
+                    <a:p>
+                      <a:r>
+                        <a:rPr lang="de-DE" sz="900" dirty="0"/>
+                        <a:t>001</a:t>
+                      </a:r>
+                    </a:p>
+                  </a:txBody>
+                  <a:tcPr marL="42084" marR="42084" marT="21042" marB="21042"/>
+                </a:tc>
+                <a:tc>
+                  <a:txBody>
+                    <a:bodyPr/>
+                    <a:lstStyle/>
+                    <a:p>
+                      <a:r>
+                        <a:rPr lang="de-DE" sz="900" dirty="0"/>
+                        <a:t>f</a:t>
+                      </a:r>
+                    </a:p>
+                  </a:txBody>
+                  <a:tcPr marL="42084" marR="42084" marT="21042" marB="21042"/>
+                </a:tc>
+                <a:tc>
+                  <a:txBody>
+                    <a:bodyPr/>
+                    <a:lstStyle/>
+                    <a:p>
+                      <a:pPr marL="0" marR="0" lvl="0" indent="0" algn="l" defTabSz="914400" rtl="0" eaLnBrk="1" fontAlgn="auto" latinLnBrk="0" hangingPunct="1">
+                        <a:lnSpc>
+                          <a:spcPct val="100000"/>
+                        </a:lnSpc>
+                        <a:spcBef>
+                          <a:spcPts val="0"/>
+                        </a:spcBef>
+                        <a:spcAft>
+                          <a:spcPts val="0"/>
+                        </a:spcAft>
+                        <a:buClrTx/>
+                        <a:buSzTx/>
+                        <a:buFontTx/>
+                        <a:buNone/>
+                        <a:tabLst/>
+                        <a:defRPr/>
+                      </a:pPr>
+                      <a:r>
+                        <a:rPr lang="de-DE" sz="900" dirty="0"/>
+                        <a:t>adult</a:t>
+                      </a:r>
+                    </a:p>
+                  </a:txBody>
+                  <a:tcPr marL="42084" marR="42084" marT="21042" marB="21042"/>
+                </a:tc>
+                <a:tc>
+                  <a:txBody>
+                    <a:bodyPr/>
+                    <a:lstStyle/>
+                    <a:p>
+                      <a:r>
+                        <a:rPr lang="de-DE" sz="900" dirty="0" err="1"/>
+                        <a:t>Pitfall</a:t>
+                      </a:r>
+                      <a:r>
+                        <a:rPr lang="de-DE" sz="900" dirty="0"/>
+                        <a:t> </a:t>
+                      </a:r>
+                      <a:r>
+                        <a:rPr lang="de-DE" sz="900" dirty="0" err="1"/>
+                        <a:t>trap</a:t>
+                      </a:r>
+                      <a:endParaRPr lang="de-DE" sz="900" dirty="0"/>
+                    </a:p>
+                  </a:txBody>
+                  <a:tcPr marL="42084" marR="42084" marT="21042" marB="21042"/>
+                </a:tc>
+                <a:tc>
+                  <a:txBody>
+                    <a:bodyPr/>
+                    <a:lstStyle/>
+                    <a:p>
+                      <a:r>
+                        <a:rPr lang="de-DE" sz="900" dirty="0"/>
+                        <a:t>2008-06-12</a:t>
+                      </a:r>
+                    </a:p>
+                  </a:txBody>
+                  <a:tcPr marL="42084" marR="42084" marT="21042" marB="21042"/>
+                </a:tc>
+                <a:tc>
+                  <a:txBody>
+                    <a:bodyPr/>
+                    <a:lstStyle/>
+                    <a:p>
+                      <a:r>
+                        <a:rPr lang="de-DE" sz="900" dirty="0"/>
+                        <a:t>DE</a:t>
+                      </a:r>
+                    </a:p>
+                  </a:txBody>
+                  <a:tcPr marL="42084" marR="42084" marT="21042" marB="21042"/>
+                </a:tc>
+                <a:tc>
+                  <a:txBody>
+                    <a:bodyPr/>
+                    <a:lstStyle/>
+                    <a:p>
+                      <a:r>
+                        <a:rPr lang="de-DE" sz="900" dirty="0" err="1"/>
+                        <a:t>forest</a:t>
+                      </a:r>
+                      <a:endParaRPr lang="de-DE" sz="900" dirty="0"/>
+                    </a:p>
+                  </a:txBody>
+                  <a:tcPr marL="42084" marR="42084" marT="21042" marB="21042"/>
+                </a:tc>
+                <a:tc>
+                  <a:txBody>
+                    <a:bodyPr/>
+                    <a:lstStyle/>
+                    <a:p>
+                      <a:endParaRPr lang="de-DE" sz="900" dirty="0"/>
+                    </a:p>
+                  </a:txBody>
+                  <a:tcPr marL="42084" marR="42084" marT="21042" marB="21042"/>
+                </a:tc>
+                <a:extLst>
+                  <a:ext uri="{0D108BD9-81ED-4DB2-BD59-A6C34878D82A}">
+                    <a16:rowId xmlns:a16="http://schemas.microsoft.com/office/drawing/2014/main" val="2184986327"/>
+                  </a:ext>
+                </a:extLst>
+              </a:tr>
+              <a:tr h="186673">
+                <a:tc>
+                  <a:txBody>
+                    <a:bodyPr/>
+                    <a:lstStyle/>
+                    <a:p>
+                      <a:r>
+                        <a:rPr lang="de-DE" sz="900" dirty="0"/>
+                        <a:t>002</a:t>
+                      </a:r>
+                    </a:p>
+                  </a:txBody>
+                  <a:tcPr marL="42084" marR="42084" marT="21042" marB="21042"/>
+                </a:tc>
+                <a:tc>
+                  <a:txBody>
+                    <a:bodyPr/>
+                    <a:lstStyle/>
+                    <a:p>
+                      <a:pPr marL="0" marR="0" lvl="0" indent="0" algn="l" defTabSz="914400" rtl="0" eaLnBrk="1" fontAlgn="auto" latinLnBrk="0" hangingPunct="1">
+                        <a:lnSpc>
+                          <a:spcPct val="100000"/>
+                        </a:lnSpc>
+                        <a:spcBef>
+                          <a:spcPts val="0"/>
+                        </a:spcBef>
+                        <a:spcAft>
+                          <a:spcPts val="0"/>
+                        </a:spcAft>
+                        <a:buClrTx/>
+                        <a:buSzTx/>
+                        <a:buFontTx/>
+                        <a:buNone/>
+                        <a:tabLst/>
+                        <a:defRPr/>
+                      </a:pPr>
+                      <a:r>
+                        <a:rPr lang="de-DE" sz="900" dirty="0"/>
+                        <a:t>m</a:t>
+                      </a:r>
+                    </a:p>
+                  </a:txBody>
+                  <a:tcPr marL="42084" marR="42084" marT="21042" marB="21042"/>
+                </a:tc>
+                <a:tc>
+                  <a:txBody>
+                    <a:bodyPr/>
+                    <a:lstStyle/>
+                    <a:p>
+                      <a:pPr marL="0" marR="0" lvl="0" indent="0" algn="l" defTabSz="914400" rtl="0" eaLnBrk="1" fontAlgn="auto" latinLnBrk="0" hangingPunct="1">
+                        <a:lnSpc>
+                          <a:spcPct val="100000"/>
+                        </a:lnSpc>
+                        <a:spcBef>
+                          <a:spcPts val="0"/>
+                        </a:spcBef>
+                        <a:spcAft>
+                          <a:spcPts val="0"/>
+                        </a:spcAft>
+                        <a:buClrTx/>
+                        <a:buSzTx/>
+                        <a:buFontTx/>
+                        <a:buNone/>
+                        <a:tabLst/>
+                        <a:defRPr/>
+                      </a:pPr>
+                      <a:r>
+                        <a:rPr lang="de-DE" sz="900" dirty="0"/>
+                        <a:t>adult</a:t>
+                      </a:r>
+                    </a:p>
+                  </a:txBody>
+                  <a:tcPr marL="42084" marR="42084" marT="21042" marB="21042"/>
+                </a:tc>
+                <a:tc>
+                  <a:txBody>
+                    <a:bodyPr/>
+                    <a:lstStyle/>
+                    <a:p>
+                      <a:r>
+                        <a:rPr lang="de-DE" sz="900" dirty="0" err="1"/>
+                        <a:t>Pitfall</a:t>
+                      </a:r>
+                      <a:r>
+                        <a:rPr lang="de-DE" sz="900" dirty="0"/>
+                        <a:t> </a:t>
+                      </a:r>
+                      <a:r>
+                        <a:rPr lang="de-DE" sz="900" dirty="0" err="1"/>
+                        <a:t>trap</a:t>
+                      </a:r>
+                      <a:endParaRPr lang="de-DE" sz="900" dirty="0"/>
+                    </a:p>
+                  </a:txBody>
+                  <a:tcPr marL="42084" marR="42084" marT="21042" marB="21042"/>
+                </a:tc>
+                <a:tc>
+                  <a:txBody>
+                    <a:bodyPr/>
+                    <a:lstStyle/>
+                    <a:p>
+                      <a:pPr marL="0" marR="0" lvl="0" indent="0" algn="l" defTabSz="914400" rtl="0" eaLnBrk="1" fontAlgn="auto" latinLnBrk="0" hangingPunct="1">
+                        <a:lnSpc>
+                          <a:spcPct val="100000"/>
+                        </a:lnSpc>
+                        <a:spcBef>
+                          <a:spcPts val="0"/>
+                        </a:spcBef>
+                        <a:spcAft>
+                          <a:spcPts val="0"/>
+                        </a:spcAft>
+                        <a:buClrTx/>
+                        <a:buSzTx/>
+                        <a:buFontTx/>
+                        <a:buNone/>
+                        <a:tabLst/>
+                        <a:defRPr/>
+                      </a:pPr>
+                      <a:r>
+                        <a:rPr kumimoji="0" lang="de-DE" sz="900" b="0" i="0" u="none" strike="noStrike" kern="1200" cap="none" spc="0" normalizeH="0" baseline="0" noProof="0" dirty="0">
+                          <a:ln>
+                            <a:noFill/>
+                          </a:ln>
+                          <a:solidFill>
+                            <a:prstClr val="black"/>
+                          </a:solidFill>
+                          <a:effectLst/>
+                          <a:uLnTx/>
+                          <a:uFillTx/>
+                          <a:latin typeface="+mn-lt"/>
+                          <a:ea typeface="+mn-ea"/>
+                          <a:cs typeface="+mn-cs"/>
+                        </a:rPr>
+                        <a:t>2008-06-12</a:t>
+                      </a:r>
+                    </a:p>
+                  </a:txBody>
+                  <a:tcPr marL="42084" marR="42084" marT="21042" marB="21042"/>
+                </a:tc>
+                <a:tc>
+                  <a:txBody>
+                    <a:bodyPr/>
+                    <a:lstStyle/>
+                    <a:p>
+                      <a:r>
+                        <a:rPr lang="de-DE" sz="900" dirty="0"/>
+                        <a:t>DE</a:t>
+                      </a:r>
+                    </a:p>
+                  </a:txBody>
+                  <a:tcPr marL="42084" marR="42084" marT="21042" marB="21042"/>
+                </a:tc>
+                <a:tc>
+                  <a:txBody>
+                    <a:bodyPr/>
+                    <a:lstStyle/>
+                    <a:p>
+                      <a:r>
+                        <a:rPr lang="de-DE" sz="900" dirty="0" err="1"/>
+                        <a:t>forest</a:t>
+                      </a:r>
+                      <a:endParaRPr lang="de-DE" sz="900" dirty="0"/>
+                    </a:p>
+                  </a:txBody>
+                  <a:tcPr marL="42084" marR="42084" marT="21042" marB="21042"/>
+                </a:tc>
+                <a:tc>
+                  <a:txBody>
+                    <a:bodyPr/>
+                    <a:lstStyle/>
+                    <a:p>
+                      <a:endParaRPr lang="de-DE" sz="900" dirty="0"/>
+                    </a:p>
+                  </a:txBody>
+                  <a:tcPr marL="42084" marR="42084" marT="21042" marB="21042"/>
+                </a:tc>
+                <a:extLst>
+                  <a:ext uri="{0D108BD9-81ED-4DB2-BD59-A6C34878D82A}">
+                    <a16:rowId xmlns:a16="http://schemas.microsoft.com/office/drawing/2014/main" val="3108221415"/>
+                  </a:ext>
+                </a:extLst>
+              </a:tr>
+              <a:tr h="186673">
+                <a:tc>
+                  <a:txBody>
+                    <a:bodyPr/>
+                    <a:lstStyle/>
+                    <a:p>
+                      <a:r>
+                        <a:rPr lang="de-DE" sz="900" dirty="0"/>
+                        <a:t>…</a:t>
+                      </a:r>
+                    </a:p>
+                  </a:txBody>
+                  <a:tcPr marL="42084" marR="42084" marT="21042" marB="21042"/>
+                </a:tc>
+                <a:tc>
+                  <a:txBody>
+                    <a:bodyPr/>
+                    <a:lstStyle/>
+                    <a:p>
+                      <a:r>
+                        <a:rPr lang="de-DE" sz="900" dirty="0"/>
+                        <a:t>…</a:t>
+                      </a:r>
+                    </a:p>
+                  </a:txBody>
+                  <a:tcPr marL="42084" marR="42084" marT="21042" marB="21042"/>
+                </a:tc>
+                <a:tc>
+                  <a:txBody>
+                    <a:bodyPr/>
+                    <a:lstStyle/>
+                    <a:p>
+                      <a:r>
+                        <a:rPr lang="de-DE" sz="900" dirty="0"/>
+                        <a:t>…</a:t>
+                      </a:r>
+                    </a:p>
+                  </a:txBody>
+                  <a:tcPr marL="42084" marR="42084" marT="21042" marB="21042"/>
+                </a:tc>
+                <a:tc>
+                  <a:txBody>
+                    <a:bodyPr/>
+                    <a:lstStyle/>
+                    <a:p>
+                      <a:r>
+                        <a:rPr lang="de-DE" sz="900" dirty="0"/>
+                        <a:t>…</a:t>
+                      </a:r>
+                    </a:p>
+                  </a:txBody>
+                  <a:tcPr marL="42084" marR="42084" marT="21042" marB="21042"/>
+                </a:tc>
+                <a:tc>
+                  <a:txBody>
+                    <a:bodyPr/>
+                    <a:lstStyle/>
+                    <a:p>
+                      <a:r>
+                        <a:rPr lang="de-DE" sz="900" dirty="0"/>
+                        <a:t>…</a:t>
+                      </a:r>
+                    </a:p>
+                  </a:txBody>
+                  <a:tcPr marL="42084" marR="42084" marT="21042" marB="21042"/>
+                </a:tc>
+                <a:tc>
+                  <a:txBody>
+                    <a:bodyPr/>
+                    <a:lstStyle/>
+                    <a:p>
+                      <a:r>
+                        <a:rPr lang="de-DE" sz="900" dirty="0"/>
+                        <a:t>…</a:t>
+                      </a:r>
+                    </a:p>
+                  </a:txBody>
+                  <a:tcPr marL="42084" marR="42084" marT="21042" marB="21042"/>
+                </a:tc>
+                <a:tc>
+                  <a:txBody>
+                    <a:bodyPr/>
+                    <a:lstStyle/>
+                    <a:p>
+                      <a:r>
+                        <a:rPr lang="de-DE" sz="900" dirty="0"/>
+                        <a:t>…</a:t>
+                      </a:r>
+                    </a:p>
+                  </a:txBody>
+                  <a:tcPr marL="42084" marR="42084" marT="21042" marB="21042"/>
+                </a:tc>
+                <a:tc>
+                  <a:txBody>
+                    <a:bodyPr/>
+                    <a:lstStyle/>
+                    <a:p>
+                      <a:endParaRPr lang="de-DE" sz="900" dirty="0"/>
+                    </a:p>
+                  </a:txBody>
+                  <a:tcPr marL="42084" marR="42084" marT="21042" marB="21042"/>
+                </a:tc>
+                <a:extLst>
+                  <a:ext uri="{0D108BD9-81ED-4DB2-BD59-A6C34878D82A}">
+                    <a16:rowId xmlns:a16="http://schemas.microsoft.com/office/drawing/2014/main" val="2089846096"/>
+                  </a:ext>
+                </a:extLst>
+              </a:tr>
+            </a:tbl>
+          </a:graphicData>
+        </a:graphic>
+      </p:graphicFrame>
+      <p:graphicFrame>
+        <p:nvGraphicFramePr>
+          <p:cNvPr id="26" name="Tabelle 25">
+            <a:extLst>
+              <a:ext uri="{FF2B5EF4-FFF2-40B4-BE49-F238E27FC236}">
+                <a16:creationId xmlns:a16="http://schemas.microsoft.com/office/drawing/2014/main" id="{63EB03B9-E2A8-4BE0-9605-23897426053D}"/>
+              </a:ext>
+            </a:extLst>
+          </p:cNvPr>
+          <p:cNvGraphicFramePr>
+            <a:graphicFrameLocks noGrp="1"/>
+          </p:cNvGraphicFramePr>
+          <p:nvPr>
+            <p:extLst>
+              <p:ext uri="{D42A27DB-BD31-4B8C-83A1-F6EECF244321}">
+                <p14:modId xmlns:p14="http://schemas.microsoft.com/office/powerpoint/2010/main" val="3210843394"/>
+              </p:ext>
+            </p:extLst>
+          </p:nvPr>
+        </p:nvGraphicFramePr>
+        <p:xfrm>
+          <a:off x="3054198" y="5897261"/>
+          <a:ext cx="4686154" cy="746692"/>
+        </p:xfrm>
+        <a:graphic>
+          <a:graphicData uri="http://schemas.openxmlformats.org/drawingml/2006/table">
+            <a:tbl>
+              <a:tblPr firstRow="1" bandRow="1">
+                <a:tableStyleId>{073A0DAA-6AF3-43AB-8588-CEC1D06C72B9}</a:tableStyleId>
+              </a:tblPr>
+              <a:tblGrid>
+                <a:gridCol w="713556">
+                  <a:extLst>
+                    <a:ext uri="{9D8B030D-6E8A-4147-A177-3AD203B41FA5}">
+                      <a16:colId xmlns:a16="http://schemas.microsoft.com/office/drawing/2014/main" val="1697269629"/>
+                    </a:ext>
+                  </a:extLst>
+                </a:gridCol>
+                <a:gridCol w="1088197">
+                  <a:extLst>
+                    <a:ext uri="{9D8B030D-6E8A-4147-A177-3AD203B41FA5}">
+                      <a16:colId xmlns:a16="http://schemas.microsoft.com/office/drawing/2014/main" val="219674215"/>
+                    </a:ext>
+                  </a:extLst>
+                </a:gridCol>
+                <a:gridCol w="1144051">
+                  <a:extLst>
+                    <a:ext uri="{9D8B030D-6E8A-4147-A177-3AD203B41FA5}">
+                      <a16:colId xmlns:a16="http://schemas.microsoft.com/office/drawing/2014/main" val="2895665170"/>
+                    </a:ext>
+                  </a:extLst>
+                </a:gridCol>
+                <a:gridCol w="720080">
+                  <a:extLst>
+                    <a:ext uri="{9D8B030D-6E8A-4147-A177-3AD203B41FA5}">
+                      <a16:colId xmlns:a16="http://schemas.microsoft.com/office/drawing/2014/main" val="2870347392"/>
+                    </a:ext>
+                  </a:extLst>
+                </a:gridCol>
+                <a:gridCol w="648072">
+                  <a:extLst>
+                    <a:ext uri="{9D8B030D-6E8A-4147-A177-3AD203B41FA5}">
+                      <a16:colId xmlns:a16="http://schemas.microsoft.com/office/drawing/2014/main" val="1349911281"/>
+                    </a:ext>
+                  </a:extLst>
+                </a:gridCol>
+                <a:gridCol w="372198">
+                  <a:extLst>
+                    <a:ext uri="{9D8B030D-6E8A-4147-A177-3AD203B41FA5}">
+                      <a16:colId xmlns:a16="http://schemas.microsoft.com/office/drawing/2014/main" val="2102818021"/>
+                    </a:ext>
+                  </a:extLst>
+                </a:gridCol>
+              </a:tblGrid>
+              <a:tr h="186673">
+                <a:tc>
+                  <a:txBody>
+                    <a:bodyPr/>
+                    <a:lstStyle/>
+                    <a:p>
+                      <a:r>
+                        <a:rPr lang="de-DE" sz="900" dirty="0" err="1"/>
+                        <a:t>occurrenceID</a:t>
+                      </a:r>
+                      <a:endParaRPr lang="de-DE" sz="900" dirty="0"/>
+                    </a:p>
+                  </a:txBody>
+                  <a:tcPr marL="42084" marR="42084" marT="21042" marB="21042">
+                    <a:solidFill>
+                      <a:schemeClr val="bg2">
+                        <a:lumMod val="50000"/>
+                      </a:schemeClr>
+                    </a:solidFill>
+                  </a:tcPr>
+                </a:tc>
+                <a:tc>
+                  <a:txBody>
+                    <a:bodyPr/>
+                    <a:lstStyle/>
+                    <a:p>
+                      <a:r>
+                        <a:rPr lang="de-DE" sz="900" dirty="0" err="1"/>
+                        <a:t>OriginExploratories</a:t>
+                      </a:r>
+                      <a:endParaRPr lang="de-DE" sz="900" dirty="0"/>
+                    </a:p>
+                  </a:txBody>
+                  <a:tcPr marL="42084" marR="42084" marT="21042" marB="21042">
+                    <a:solidFill>
+                      <a:schemeClr val="bg2">
+                        <a:lumMod val="50000"/>
+                      </a:schemeClr>
+                    </a:solidFill>
+                  </a:tcPr>
+                </a:tc>
+                <a:tc>
+                  <a:txBody>
+                    <a:bodyPr/>
+                    <a:lstStyle/>
+                    <a:p>
+                      <a:r>
+                        <a:rPr lang="de-DE" sz="900" dirty="0" err="1"/>
+                        <a:t>ExploratoriesPlotID</a:t>
+                      </a:r>
+                      <a:endParaRPr lang="de-DE" sz="900" dirty="0"/>
+                    </a:p>
+                  </a:txBody>
+                  <a:tcPr marL="42084" marR="42084" marT="21042" marB="21042">
+                    <a:solidFill>
+                      <a:schemeClr val="bg2">
+                        <a:lumMod val="50000"/>
+                      </a:schemeClr>
+                    </a:solidFill>
+                  </a:tcPr>
+                </a:tc>
+                <a:tc>
+                  <a:txBody>
+                    <a:bodyPr/>
+                    <a:lstStyle/>
+                    <a:p>
+                      <a:r>
+                        <a:rPr lang="de-DE" sz="900" dirty="0" err="1"/>
+                        <a:t>Exploratory</a:t>
+                      </a:r>
+                      <a:endParaRPr lang="de-DE" sz="900" dirty="0"/>
+                    </a:p>
+                  </a:txBody>
+                  <a:tcPr marL="42084" marR="42084" marT="21042" marB="21042">
+                    <a:solidFill>
+                      <a:schemeClr val="bg2">
+                        <a:lumMod val="50000"/>
+                      </a:schemeClr>
+                    </a:solidFill>
+                  </a:tcPr>
+                </a:tc>
+                <a:tc>
+                  <a:txBody>
+                    <a:bodyPr/>
+                    <a:lstStyle/>
+                    <a:p>
+                      <a:r>
+                        <a:rPr lang="de-DE" sz="900" dirty="0" err="1"/>
+                        <a:t>ExploType</a:t>
+                      </a:r>
+                      <a:endParaRPr lang="de-DE" sz="900" dirty="0"/>
+                    </a:p>
+                  </a:txBody>
+                  <a:tcPr marL="42084" marR="42084" marT="21042" marB="21042">
+                    <a:solidFill>
+                      <a:schemeClr val="bg2">
+                        <a:lumMod val="50000"/>
+                      </a:schemeClr>
+                    </a:solidFill>
+                  </a:tcPr>
+                </a:tc>
+                <a:tc>
+                  <a:txBody>
+                    <a:bodyPr/>
+                    <a:lstStyle/>
+                    <a:p>
+                      <a:r>
+                        <a:rPr lang="de-DE" sz="900" dirty="0"/>
+                        <a:t>…</a:t>
+                      </a:r>
+                    </a:p>
+                  </a:txBody>
+                  <a:tcPr marL="42084" marR="42084" marT="21042" marB="21042">
+                    <a:solidFill>
+                      <a:schemeClr val="bg2">
+                        <a:lumMod val="50000"/>
+                      </a:schemeClr>
+                    </a:solidFill>
+                  </a:tcPr>
+                </a:tc>
+                <a:extLst>
+                  <a:ext uri="{0D108BD9-81ED-4DB2-BD59-A6C34878D82A}">
+                    <a16:rowId xmlns:a16="http://schemas.microsoft.com/office/drawing/2014/main" val="3257178836"/>
+                  </a:ext>
+                </a:extLst>
+              </a:tr>
+              <a:tr h="186673">
+                <a:tc>
+                  <a:txBody>
+                    <a:bodyPr/>
+                    <a:lstStyle/>
+                    <a:p>
+                      <a:r>
+                        <a:rPr lang="de-DE" sz="900" dirty="0"/>
+                        <a:t>001</a:t>
+                      </a:r>
+                    </a:p>
+                  </a:txBody>
+                  <a:tcPr marL="42084" marR="42084" marT="21042" marB="21042"/>
+                </a:tc>
+                <a:tc>
+                  <a:txBody>
+                    <a:bodyPr/>
+                    <a:lstStyle/>
+                    <a:p>
+                      <a:r>
+                        <a:rPr lang="de-DE" sz="900" dirty="0"/>
+                        <a:t>TRUE</a:t>
+                      </a:r>
+                    </a:p>
+                  </a:txBody>
+                  <a:tcPr marL="42084" marR="42084" marT="21042" marB="21042"/>
+                </a:tc>
+                <a:tc>
+                  <a:txBody>
+                    <a:bodyPr/>
+                    <a:lstStyle/>
+                    <a:p>
+                      <a:r>
+                        <a:rPr lang="de-DE" sz="900" dirty="0"/>
+                        <a:t>AEW2</a:t>
+                      </a:r>
+                    </a:p>
+                  </a:txBody>
+                  <a:tcPr marL="42084" marR="42084" marT="21042" marB="21042"/>
+                </a:tc>
+                <a:tc>
+                  <a:txBody>
+                    <a:bodyPr/>
+                    <a:lstStyle/>
+                    <a:p>
+                      <a:r>
+                        <a:rPr lang="de-DE" sz="900" dirty="0"/>
+                        <a:t>ALB</a:t>
+                      </a:r>
+                    </a:p>
+                  </a:txBody>
+                  <a:tcPr marL="42084" marR="42084" marT="21042" marB="21042"/>
+                </a:tc>
+                <a:tc>
+                  <a:txBody>
+                    <a:bodyPr/>
+                    <a:lstStyle/>
+                    <a:p>
+                      <a:r>
+                        <a:rPr lang="de-DE" sz="900" dirty="0"/>
+                        <a:t>F</a:t>
+                      </a:r>
+                    </a:p>
+                  </a:txBody>
+                  <a:tcPr marL="42084" marR="42084" marT="21042" marB="21042"/>
+                </a:tc>
+                <a:tc>
+                  <a:txBody>
+                    <a:bodyPr/>
+                    <a:lstStyle/>
+                    <a:p>
+                      <a:endParaRPr lang="de-DE" sz="900" dirty="0"/>
+                    </a:p>
+                  </a:txBody>
+                  <a:tcPr marL="42084" marR="42084" marT="21042" marB="21042"/>
+                </a:tc>
+                <a:extLst>
+                  <a:ext uri="{0D108BD9-81ED-4DB2-BD59-A6C34878D82A}">
+                    <a16:rowId xmlns:a16="http://schemas.microsoft.com/office/drawing/2014/main" val="2184986327"/>
+                  </a:ext>
+                </a:extLst>
+              </a:tr>
+              <a:tr h="186673">
+                <a:tc>
+                  <a:txBody>
+                    <a:bodyPr/>
+                    <a:lstStyle/>
+                    <a:p>
+                      <a:r>
+                        <a:rPr lang="de-DE" sz="900" dirty="0"/>
+                        <a:t>002</a:t>
+                      </a:r>
+                    </a:p>
+                  </a:txBody>
+                  <a:tcPr marL="42084" marR="42084" marT="21042" marB="21042"/>
+                </a:tc>
+                <a:tc>
+                  <a:txBody>
+                    <a:bodyPr/>
+                    <a:lstStyle/>
+                    <a:p>
+                      <a:pPr marL="0" marR="0" lvl="0" indent="0" algn="l" defTabSz="914400" rtl="0" eaLnBrk="1" fontAlgn="auto" latinLnBrk="0" hangingPunct="1">
+                        <a:lnSpc>
+                          <a:spcPct val="100000"/>
+                        </a:lnSpc>
+                        <a:spcBef>
+                          <a:spcPts val="0"/>
+                        </a:spcBef>
+                        <a:spcAft>
+                          <a:spcPts val="0"/>
+                        </a:spcAft>
+                        <a:buClrTx/>
+                        <a:buSzTx/>
+                        <a:buFontTx/>
+                        <a:buNone/>
+                        <a:tabLst/>
+                        <a:defRPr/>
+                      </a:pPr>
+                      <a:r>
+                        <a:rPr lang="de-DE" sz="900" dirty="0"/>
+                        <a:t>TRUE</a:t>
+                      </a:r>
+                    </a:p>
+                  </a:txBody>
+                  <a:tcPr marL="42084" marR="42084" marT="21042" marB="21042"/>
+                </a:tc>
+                <a:tc>
+                  <a:txBody>
+                    <a:bodyPr/>
+                    <a:lstStyle/>
+                    <a:p>
+                      <a:r>
+                        <a:rPr lang="de-DE" sz="900" dirty="0"/>
+                        <a:t>HEW12</a:t>
+                      </a:r>
+                    </a:p>
+                  </a:txBody>
+                  <a:tcPr marL="42084" marR="42084" marT="21042" marB="21042"/>
+                </a:tc>
+                <a:tc>
+                  <a:txBody>
+                    <a:bodyPr/>
+                    <a:lstStyle/>
+                    <a:p>
+                      <a:pPr marL="0" marR="0" lvl="0" indent="0" algn="l" defTabSz="914400" rtl="0" eaLnBrk="1" fontAlgn="auto" latinLnBrk="0" hangingPunct="1">
+                        <a:lnSpc>
+                          <a:spcPct val="100000"/>
+                        </a:lnSpc>
+                        <a:spcBef>
+                          <a:spcPts val="0"/>
+                        </a:spcBef>
+                        <a:spcAft>
+                          <a:spcPts val="0"/>
+                        </a:spcAft>
+                        <a:buClrTx/>
+                        <a:buSzTx/>
+                        <a:buFontTx/>
+                        <a:buNone/>
+                        <a:tabLst/>
+                        <a:defRPr/>
+                      </a:pPr>
+                      <a:r>
+                        <a:rPr kumimoji="0" lang="de-DE" sz="900" b="0" i="0" u="none" strike="noStrike" kern="1200" cap="none" spc="0" normalizeH="0" baseline="0" noProof="0" dirty="0">
+                          <a:ln>
+                            <a:noFill/>
+                          </a:ln>
+                          <a:solidFill>
+                            <a:prstClr val="black"/>
+                          </a:solidFill>
+                          <a:effectLst/>
+                          <a:uLnTx/>
+                          <a:uFillTx/>
+                          <a:latin typeface="+mn-lt"/>
+                          <a:ea typeface="+mn-ea"/>
+                          <a:cs typeface="+mn-cs"/>
+                        </a:rPr>
+                        <a:t>HAI</a:t>
+                      </a:r>
+                    </a:p>
+                  </a:txBody>
+                  <a:tcPr marL="42084" marR="42084" marT="21042" marB="21042"/>
+                </a:tc>
+                <a:tc>
+                  <a:txBody>
+                    <a:bodyPr/>
+                    <a:lstStyle/>
+                    <a:p>
+                      <a:r>
+                        <a:rPr lang="de-DE" sz="900" dirty="0"/>
+                        <a:t>F</a:t>
+                      </a:r>
+                    </a:p>
+                  </a:txBody>
+                  <a:tcPr marL="42084" marR="42084" marT="21042" marB="21042"/>
+                </a:tc>
+                <a:tc>
+                  <a:txBody>
+                    <a:bodyPr/>
+                    <a:lstStyle/>
+                    <a:p>
+                      <a:endParaRPr lang="de-DE" sz="900" dirty="0"/>
+                    </a:p>
+                  </a:txBody>
+                  <a:tcPr marL="42084" marR="42084" marT="21042" marB="21042"/>
+                </a:tc>
+                <a:extLst>
+                  <a:ext uri="{0D108BD9-81ED-4DB2-BD59-A6C34878D82A}">
+                    <a16:rowId xmlns:a16="http://schemas.microsoft.com/office/drawing/2014/main" val="3108221415"/>
+                  </a:ext>
+                </a:extLst>
+              </a:tr>
+              <a:tr h="186673">
+                <a:tc>
+                  <a:txBody>
+                    <a:bodyPr/>
+                    <a:lstStyle/>
+                    <a:p>
+                      <a:r>
+                        <a:rPr lang="de-DE" sz="900" dirty="0"/>
+                        <a:t>…</a:t>
+                      </a:r>
+                    </a:p>
+                  </a:txBody>
+                  <a:tcPr marL="42084" marR="42084" marT="21042" marB="21042"/>
+                </a:tc>
+                <a:tc>
+                  <a:txBody>
+                    <a:bodyPr/>
+                    <a:lstStyle/>
+                    <a:p>
+                      <a:r>
+                        <a:rPr lang="de-DE" sz="900" dirty="0"/>
+                        <a:t>…</a:t>
+                      </a:r>
+                    </a:p>
+                  </a:txBody>
+                  <a:tcPr marL="42084" marR="42084" marT="21042" marB="21042"/>
+                </a:tc>
+                <a:tc>
+                  <a:txBody>
+                    <a:bodyPr/>
+                    <a:lstStyle/>
+                    <a:p>
+                      <a:r>
+                        <a:rPr lang="de-DE" sz="900" dirty="0"/>
+                        <a:t>…</a:t>
+                      </a:r>
+                    </a:p>
+                  </a:txBody>
+                  <a:tcPr marL="42084" marR="42084" marT="21042" marB="21042"/>
+                </a:tc>
+                <a:tc>
+                  <a:txBody>
+                    <a:bodyPr/>
+                    <a:lstStyle/>
+                    <a:p>
+                      <a:r>
+                        <a:rPr lang="de-DE" sz="900" dirty="0"/>
+                        <a:t>…</a:t>
+                      </a:r>
+                    </a:p>
+                  </a:txBody>
+                  <a:tcPr marL="42084" marR="42084" marT="21042" marB="21042"/>
+                </a:tc>
+                <a:tc>
+                  <a:txBody>
+                    <a:bodyPr/>
+                    <a:lstStyle/>
+                    <a:p>
+                      <a:r>
+                        <a:rPr lang="de-DE" sz="900" dirty="0"/>
+                        <a:t>…</a:t>
+                      </a:r>
+                    </a:p>
+                  </a:txBody>
+                  <a:tcPr marL="42084" marR="42084" marT="21042" marB="21042"/>
+                </a:tc>
+                <a:tc>
+                  <a:txBody>
+                    <a:bodyPr/>
+                    <a:lstStyle/>
+                    <a:p>
+                      <a:endParaRPr lang="de-DE" sz="900" dirty="0"/>
+                    </a:p>
+                  </a:txBody>
+                  <a:tcPr marL="42084" marR="42084" marT="21042" marB="21042"/>
+                </a:tc>
+                <a:extLst>
+                  <a:ext uri="{0D108BD9-81ED-4DB2-BD59-A6C34878D82A}">
+                    <a16:rowId xmlns:a16="http://schemas.microsoft.com/office/drawing/2014/main" val="2089846096"/>
+                  </a:ext>
+                </a:extLst>
+              </a:tr>
+            </a:tbl>
+          </a:graphicData>
+        </a:graphic>
+      </p:graphicFrame>
+    </p:spTree>
+    <p:extLst>
+      <p:ext uri="{BB962C8B-B14F-4D97-AF65-F5344CB8AC3E}">
+        <p14:creationId xmlns:p14="http://schemas.microsoft.com/office/powerpoint/2010/main" val="3565110455"/>
       </p:ext>
     </p:extLst>
   </p:cSld>

--- a/manuscript/figures/figures.pptx
+++ b/manuscript/figures/figures.pptx
@@ -9,7 +9,7 @@
     <p:sldId id="257" r:id="rId3"/>
     <p:sldId id="258" r:id="rId4"/>
     <p:sldId id="259" r:id="rId5"/>
-    <p:sldId id="260" r:id="rId6"/>
+    <p:sldId id="261" r:id="rId6"/>
   </p:sldIdLst>
   <p:sldSz cx="6858000" cy="9906000" type="A4"/>
   <p:notesSz cx="7099300" cy="10234613"/>
@@ -308,7 +308,7 @@
           <a:p>
             <a:fld id="{0ACB0EB2-4780-487C-B2C2-8D0796C04687}" type="datetimeFigureOut">
               <a:rPr lang="en-US" smtClean="0"/>
-              <a:t>5/1/2018</a:t>
+              <a:t>3/21/2019</a:t>
             </a:fld>
             <a:endParaRPr lang="en-US"/>
           </a:p>
@@ -478,7 +478,7 @@
           <a:p>
             <a:fld id="{0ACB0EB2-4780-487C-B2C2-8D0796C04687}" type="datetimeFigureOut">
               <a:rPr lang="en-US" smtClean="0"/>
-              <a:t>5/1/2018</a:t>
+              <a:t>3/21/2019</a:t>
             </a:fld>
             <a:endParaRPr lang="en-US"/>
           </a:p>
@@ -658,7 +658,7 @@
           <a:p>
             <a:fld id="{0ACB0EB2-4780-487C-B2C2-8D0796C04687}" type="datetimeFigureOut">
               <a:rPr lang="en-US" smtClean="0"/>
-              <a:t>5/1/2018</a:t>
+              <a:t>3/21/2019</a:t>
             </a:fld>
             <a:endParaRPr lang="en-US"/>
           </a:p>
@@ -828,7 +828,7 @@
           <a:p>
             <a:fld id="{0ACB0EB2-4780-487C-B2C2-8D0796C04687}" type="datetimeFigureOut">
               <a:rPr lang="en-US" smtClean="0"/>
-              <a:t>5/1/2018</a:t>
+              <a:t>3/21/2019</a:t>
             </a:fld>
             <a:endParaRPr lang="en-US"/>
           </a:p>
@@ -1074,7 +1074,7 @@
           <a:p>
             <a:fld id="{0ACB0EB2-4780-487C-B2C2-8D0796C04687}" type="datetimeFigureOut">
               <a:rPr lang="en-US" smtClean="0"/>
-              <a:t>5/1/2018</a:t>
+              <a:t>3/21/2019</a:t>
             </a:fld>
             <a:endParaRPr lang="en-US"/>
           </a:p>
@@ -1362,7 +1362,7 @@
           <a:p>
             <a:fld id="{0ACB0EB2-4780-487C-B2C2-8D0796C04687}" type="datetimeFigureOut">
               <a:rPr lang="en-US" smtClean="0"/>
-              <a:t>5/1/2018</a:t>
+              <a:t>3/21/2019</a:t>
             </a:fld>
             <a:endParaRPr lang="en-US"/>
           </a:p>
@@ -1784,7 +1784,7 @@
           <a:p>
             <a:fld id="{0ACB0EB2-4780-487C-B2C2-8D0796C04687}" type="datetimeFigureOut">
               <a:rPr lang="en-US" smtClean="0"/>
-              <a:t>5/1/2018</a:t>
+              <a:t>3/21/2019</a:t>
             </a:fld>
             <a:endParaRPr lang="en-US"/>
           </a:p>
@@ -1902,7 +1902,7 @@
           <a:p>
             <a:fld id="{0ACB0EB2-4780-487C-B2C2-8D0796C04687}" type="datetimeFigureOut">
               <a:rPr lang="en-US" smtClean="0"/>
-              <a:t>5/1/2018</a:t>
+              <a:t>3/21/2019</a:t>
             </a:fld>
             <a:endParaRPr lang="en-US"/>
           </a:p>
@@ -1997,7 +1997,7 @@
           <a:p>
             <a:fld id="{0ACB0EB2-4780-487C-B2C2-8D0796C04687}" type="datetimeFigureOut">
               <a:rPr lang="en-US" smtClean="0"/>
-              <a:t>5/1/2018</a:t>
+              <a:t>3/21/2019</a:t>
             </a:fld>
             <a:endParaRPr lang="en-US"/>
           </a:p>
@@ -2274,7 +2274,7 @@
           <a:p>
             <a:fld id="{0ACB0EB2-4780-487C-B2C2-8D0796C04687}" type="datetimeFigureOut">
               <a:rPr lang="en-US" smtClean="0"/>
-              <a:t>5/1/2018</a:t>
+              <a:t>3/21/2019</a:t>
             </a:fld>
             <a:endParaRPr lang="en-US"/>
           </a:p>
@@ -2527,7 +2527,7 @@
           <a:p>
             <a:fld id="{0ACB0EB2-4780-487C-B2C2-8D0796C04687}" type="datetimeFigureOut">
               <a:rPr lang="en-US" smtClean="0"/>
-              <a:t>5/1/2018</a:t>
+              <a:t>3/21/2019</a:t>
             </a:fld>
             <a:endParaRPr lang="en-US"/>
           </a:p>
@@ -2740,7 +2740,7 @@
           <a:p>
             <a:fld id="{0ACB0EB2-4780-487C-B2C2-8D0796C04687}" type="datetimeFigureOut">
               <a:rPr lang="en-US" smtClean="0"/>
-              <a:t>5/1/2018</a:t>
+              <a:t>3/21/2019</a:t>
             </a:fld>
             <a:endParaRPr lang="en-US"/>
           </a:p>
@@ -3232,14 +3232,30 @@
           <a:p>
             <a:r>
               <a:rPr lang="de-DE" sz="750" i="1" dirty="0"/>
-              <a:t>Entity: an individual x </a:t>
-            </a:r>
-            <a:r>
-              <a:rPr lang="de-DE" sz="750" i="1" dirty="0" err="1"/>
+              <a:t> </a:t>
+            </a:r>
+            <a:r>
+              <a:rPr lang="de-DE" sz="750" dirty="0"/>
+              <a:t>an </a:t>
+            </a:r>
+            <a:r>
+              <a:rPr lang="de-DE" sz="750" i="1" dirty="0"/>
+              <a:t>individual</a:t>
+            </a:r>
+            <a:r>
+              <a:rPr lang="de-DE" sz="750" dirty="0"/>
+              <a:t> </a:t>
+            </a:r>
+            <a:r>
+              <a:rPr lang="de-DE" sz="750" i="1" dirty="0"/>
+              <a:t>x </a:t>
+            </a:r>
+            <a:r>
+              <a:rPr lang="de-DE" sz="750" dirty="0" err="1"/>
               <a:t>of</a:t>
             </a:r>
             <a:r>
-              <a:rPr lang="de-DE" sz="750" i="1" dirty="0"/>
+              <a:rPr lang="de-DE" sz="750" dirty="0"/>
               <a:t> </a:t>
             </a:r>
             <a:r>
@@ -3247,8 +3263,12 @@
               <a:t>taxon</a:t>
             </a:r>
             <a:r>
+              <a:rPr lang="de-DE" sz="750" dirty="0"/>
+              <a:t> </a:t>
+            </a:r>
+            <a:r>
               <a:rPr lang="de-DE" sz="750" i="1" dirty="0"/>
-              <a:t> z</a:t>
+              <a:t>y</a:t>
             </a:r>
           </a:p>
         </p:txBody>
@@ -3262,7 +3282,7 @@
         <p:spPr>
           <a:xfrm>
             <a:off x="1328112" y="3677898"/>
-            <a:ext cx="1643870" cy="323165"/>
+            <a:ext cx="1381172" cy="207749"/>
           </a:xfrm>
           <a:prstGeom prst="rect">
             <a:avLst/>
@@ -3277,7 +3297,7 @@
           <a:p>
             <a:r>
               <a:rPr lang="de-DE" sz="750" i="1" dirty="0"/>
-              <a:t>Quality: </a:t>
+              <a:t> </a:t>
             </a:r>
             <a:r>
               <a:rPr lang="de-DE" sz="750" i="1" dirty="0" err="1"/>
@@ -3296,8 +3316,8 @@
               <a:t> </a:t>
             </a:r>
             <a:r>
-              <a:rPr lang="de-DE" sz="750" i="1" dirty="0" err="1"/>
-              <a:t>equals</a:t>
+              <a:rPr lang="de-DE" sz="750" dirty="0" err="1"/>
+              <a:t>of</a:t>
             </a:r>
             <a:r>
               <a:rPr lang="de-DE" sz="750" i="1" dirty="0"/>
@@ -3487,7 +3507,7 @@
           <a:p>
             <a:r>
               <a:rPr lang="de-DE" sz="900" dirty="0"/>
-              <a:t>d) Quantitative </a:t>
+              <a:t>c) Quantitative </a:t>
             </a:r>
             <a:r>
               <a:rPr lang="de-DE" sz="900" dirty="0" err="1"/>
@@ -4020,8 +4040,8 @@
         </p:nvSpPr>
         <p:spPr>
           <a:xfrm>
-            <a:off x="3869181" y="3477058"/>
-            <a:ext cx="1622899" cy="323165"/>
+            <a:off x="4050426" y="3663700"/>
+            <a:ext cx="1730150" cy="207749"/>
           </a:xfrm>
           <a:prstGeom prst="rect">
             <a:avLst/>
@@ -4035,16 +4055,12 @@
           <a:lstStyle/>
           <a:p>
             <a:r>
-              <a:rPr lang="de-DE" sz="750" i="1" dirty="0"/>
-              <a:t>Quality: </a:t>
-            </a:r>
-            <a:r>
               <a:rPr lang="de-DE" sz="750" i="1" dirty="0" err="1"/>
               <a:t>average</a:t>
             </a:r>
             <a:r>
               <a:rPr lang="de-DE" sz="750" i="1" dirty="0"/>
-              <a:t> adult </a:t>
+              <a:t> </a:t>
             </a:r>
             <a:r>
               <a:rPr lang="de-DE" sz="750" i="1" dirty="0" err="1"/>
@@ -4062,15 +4078,9 @@
               <a:rPr lang="de-DE" sz="750" i="1" dirty="0"/>
               <a:t> </a:t>
             </a:r>
-          </a:p>
-          <a:p>
-            <a:r>
-              <a:rPr lang="de-DE" sz="750" i="1" dirty="0"/>
-              <a:t>                     </a:t>
-            </a:r>
-            <a:r>
-              <a:rPr lang="de-DE" sz="750" i="1" dirty="0" err="1"/>
-              <a:t>is</a:t>
+            <a:r>
+              <a:rPr lang="de-DE" sz="750" dirty="0" err="1"/>
+              <a:t>of</a:t>
             </a:r>
             <a:r>
               <a:rPr lang="de-DE" sz="750" i="1" dirty="0"/>
@@ -4088,7 +4098,7 @@
         <p:spPr>
           <a:xfrm>
             <a:off x="3804293" y="3340376"/>
-            <a:ext cx="795424" cy="207749"/>
+            <a:ext cx="1597394" cy="207749"/>
           </a:xfrm>
           <a:prstGeom prst="rect">
             <a:avLst/>
@@ -4103,7 +4113,23 @@
           <a:p>
             <a:r>
               <a:rPr lang="de-DE" sz="750" i="1" dirty="0"/>
-              <a:t>Entity:  </a:t>
+              <a:t>adult </a:t>
+            </a:r>
+            <a:r>
+              <a:rPr lang="de-DE" sz="750" i="1" dirty="0" err="1"/>
+              <a:t>individuals</a:t>
+            </a:r>
+            <a:r>
+              <a:rPr lang="de-DE" sz="750" i="1" dirty="0"/>
+              <a:t> </a:t>
+            </a:r>
+            <a:r>
+              <a:rPr lang="de-DE" sz="750" dirty="0" err="1"/>
+              <a:t>of</a:t>
+            </a:r>
+            <a:r>
+              <a:rPr lang="de-DE" sz="750" i="1" dirty="0"/>
+              <a:t> </a:t>
             </a:r>
             <a:r>
               <a:rPr lang="de-DE" sz="750" i="1" dirty="0" err="1"/>
@@ -4111,7 +4137,7 @@
             </a:r>
             <a:r>
               <a:rPr lang="de-DE" sz="750" i="1" dirty="0"/>
-              <a:t> x</a:t>
+              <a:t> y</a:t>
             </a:r>
           </a:p>
         </p:txBody>
@@ -4124,8 +4150,8 @@
         </p:nvSpPr>
         <p:spPr>
           <a:xfrm>
-            <a:off x="1423601" y="4926998"/>
-            <a:ext cx="1453388" cy="323165"/>
+            <a:off x="1464584" y="5058617"/>
+            <a:ext cx="1453388" cy="207749"/>
           </a:xfrm>
           <a:prstGeom prst="rect">
             <a:avLst/>
@@ -4139,8 +4165,12 @@
           <a:lstStyle/>
           <a:p>
             <a:r>
+              <a:rPr lang="de-DE" sz="750" i="1" dirty="0" err="1"/>
+              <a:t>average</a:t>
+            </a:r>
+            <a:r>
               <a:rPr lang="de-DE" sz="750" i="1" dirty="0"/>
-              <a:t>Quality: min. </a:t>
+              <a:t> </a:t>
             </a:r>
             <a:r>
               <a:rPr lang="de-DE" sz="750" i="1" dirty="0" err="1"/>
@@ -4159,12 +4189,12 @@
               <a:t> </a:t>
             </a:r>
             <a:r>
-              <a:rPr lang="de-DE" sz="750" i="1" dirty="0" err="1"/>
+              <a:rPr lang="de-DE" sz="750" dirty="0" err="1"/>
               <a:t>of</a:t>
             </a:r>
             <a:r>
               <a:rPr lang="de-DE" sz="750" i="1" dirty="0"/>
-              <a:t> 8 mm</a:t>
+              <a:t> 43 mm</a:t>
             </a:r>
           </a:p>
         </p:txBody>
@@ -4192,10 +4222,6 @@
           <a:lstStyle/>
           <a:p>
             <a:r>
-              <a:rPr lang="de-DE" sz="750" i="1" dirty="0"/>
-              <a:t>Entity: </a:t>
-            </a:r>
-            <a:r>
               <a:rPr lang="de-DE" sz="750" i="1" dirty="0" err="1"/>
               <a:t>males</a:t>
             </a:r>
@@ -4217,7 +4243,7 @@
             </a:r>
             <a:r>
               <a:rPr lang="de-DE" sz="750" i="1" dirty="0"/>
-              <a:t> x</a:t>
+              <a:t> y</a:t>
             </a:r>
           </a:p>
         </p:txBody>
@@ -4338,7 +4364,7 @@
           <a:p>
             <a:r>
               <a:rPr lang="de-DE" sz="900" dirty="0"/>
-              <a:t>c) Qualitative </a:t>
+              <a:t>d) Qualitative </a:t>
             </a:r>
             <a:r>
               <a:rPr lang="de-DE" sz="900" dirty="0" err="1"/>
@@ -4383,7 +4409,7 @@
         </p:nvSpPr>
         <p:spPr>
           <a:xfrm>
-            <a:off x="4202059" y="4762465"/>
+            <a:off x="4323119" y="4894278"/>
             <a:ext cx="901127" cy="207749"/>
           </a:xfrm>
           <a:prstGeom prst="rect">
@@ -4399,13 +4425,8 @@
           <a:p>
             <a:r>
               <a:rPr lang="de-DE" sz="750" i="1" dirty="0"/>
-              <a:t>Quality: </a:t>
-            </a:r>
-            <a:r>
-              <a:rPr lang="de-DE" sz="750" i="1" dirty="0" err="1"/>
               <a:t>herbivore</a:t>
             </a:r>
-            <a:endParaRPr lang="de-DE" sz="750" i="1" dirty="0"/>
           </a:p>
         </p:txBody>
       </p:sp>
@@ -4432,16 +4453,12 @@
           <a:lstStyle/>
           <a:p>
             <a:r>
-              <a:rPr lang="de-DE" sz="750" i="1" dirty="0"/>
-              <a:t>Entity: </a:t>
-            </a:r>
-            <a:r>
               <a:rPr lang="de-DE" sz="750" i="1" dirty="0" err="1"/>
               <a:t>genus</a:t>
             </a:r>
             <a:r>
               <a:rPr lang="de-DE" sz="750" i="1" dirty="0"/>
-              <a:t> x</a:t>
+              <a:t> z</a:t>
             </a:r>
           </a:p>
         </p:txBody>
@@ -4467,7 +4484,7 @@
         </p:blipFill>
         <p:spPr bwMode="auto">
           <a:xfrm>
-            <a:off x="3073477" y="4487185"/>
+            <a:off x="3073477" y="4612672"/>
             <a:ext cx="1094137" cy="657908"/>
           </a:xfrm>
           <a:prstGeom prst="rect">
@@ -4530,7 +4547,7 @@
         </p:blipFill>
         <p:spPr bwMode="auto">
           <a:xfrm rot="813710">
-            <a:off x="3423440" y="4931238"/>
+            <a:off x="3423440" y="5056725"/>
             <a:ext cx="705221" cy="416081"/>
           </a:xfrm>
           <a:prstGeom prst="rect">
@@ -4548,6 +4565,310 @@
           </a:extLst>
         </p:spPr>
       </p:pic>
+      <p:cxnSp>
+        <p:nvCxnSpPr>
+          <p:cNvPr id="4" name="Gerade Verbindung mit Pfeil 3">
+            <a:extLst>
+              <a:ext uri="{FF2B5EF4-FFF2-40B4-BE49-F238E27FC236}">
+                <a16:creationId xmlns:a16="http://schemas.microsoft.com/office/drawing/2014/main" id="{A283CAC8-BC40-4BC9-ACA6-528D8952C1CA}"/>
+              </a:ext>
+            </a:extLst>
+          </p:cNvPr>
+          <p:cNvCxnSpPr/>
+          <p:nvPr/>
+        </p:nvCxnSpPr>
+        <p:spPr>
+          <a:xfrm flipH="1" flipV="1">
+            <a:off x="1753438" y="3588642"/>
+            <a:ext cx="72008" cy="144016"/>
+          </a:xfrm>
+          <a:prstGeom prst="straightConnector1">
+            <a:avLst/>
+          </a:prstGeom>
+          <a:ln>
+            <a:headEnd type="none" w="med" len="med"/>
+            <a:tailEnd type="arrow" w="med" len="med"/>
+          </a:ln>
+        </p:spPr>
+        <p:style>
+          <a:lnRef idx="1">
+            <a:schemeClr val="dk1"/>
+          </a:lnRef>
+          <a:fillRef idx="0">
+            <a:schemeClr val="dk1"/>
+          </a:fillRef>
+          <a:effectRef idx="0">
+            <a:schemeClr val="dk1"/>
+          </a:effectRef>
+          <a:fontRef idx="minor">
+            <a:schemeClr val="tx1"/>
+          </a:fontRef>
+        </p:style>
+      </p:cxnSp>
+      <p:sp>
+        <p:nvSpPr>
+          <p:cNvPr id="5" name="Textfeld 4">
+            <a:extLst>
+              <a:ext uri="{FF2B5EF4-FFF2-40B4-BE49-F238E27FC236}">
+                <a16:creationId xmlns:a16="http://schemas.microsoft.com/office/drawing/2014/main" id="{21D82F87-2B39-48C3-B224-FBE2018EB96C}"/>
+              </a:ext>
+            </a:extLst>
+          </p:cNvPr>
+          <p:cNvSpPr txBox="1"/>
+          <p:nvPr/>
+        </p:nvSpPr>
+        <p:spPr>
+          <a:xfrm>
+            <a:off x="1790237" y="3543990"/>
+            <a:ext cx="508202" cy="215444"/>
+          </a:xfrm>
+          <a:prstGeom prst="rect">
+            <a:avLst/>
+          </a:prstGeom>
+          <a:noFill/>
+        </p:spPr>
+        <p:txBody>
+          <a:bodyPr wrap="square" rtlCol="0">
+            <a:spAutoFit/>
+          </a:bodyPr>
+          <a:lstStyle/>
+          <a:p>
+            <a:r>
+              <a:rPr lang="de-DE" sz="800" dirty="0" err="1"/>
+              <a:t>has</a:t>
+            </a:r>
+            <a:endParaRPr lang="en-GB" sz="800" dirty="0"/>
+          </a:p>
+        </p:txBody>
+      </p:sp>
+      <p:cxnSp>
+        <p:nvCxnSpPr>
+          <p:cNvPr id="49" name="Gerade Verbindung mit Pfeil 48">
+            <a:extLst>
+              <a:ext uri="{FF2B5EF4-FFF2-40B4-BE49-F238E27FC236}">
+                <a16:creationId xmlns:a16="http://schemas.microsoft.com/office/drawing/2014/main" id="{58AA1DA6-4ED4-4B0A-AE7A-413A7CE7E1E0}"/>
+              </a:ext>
+            </a:extLst>
+          </p:cNvPr>
+          <p:cNvCxnSpPr/>
+          <p:nvPr/>
+        </p:nvCxnSpPr>
+        <p:spPr>
+          <a:xfrm flipH="1" flipV="1">
+            <a:off x="4488765" y="3542946"/>
+            <a:ext cx="72008" cy="144016"/>
+          </a:xfrm>
+          <a:prstGeom prst="straightConnector1">
+            <a:avLst/>
+          </a:prstGeom>
+          <a:ln>
+            <a:headEnd type="none" w="med" len="med"/>
+            <a:tailEnd type="arrow" w="med" len="med"/>
+          </a:ln>
+        </p:spPr>
+        <p:style>
+          <a:lnRef idx="1">
+            <a:schemeClr val="dk1"/>
+          </a:lnRef>
+          <a:fillRef idx="0">
+            <a:schemeClr val="dk1"/>
+          </a:fillRef>
+          <a:effectRef idx="0">
+            <a:schemeClr val="dk1"/>
+          </a:effectRef>
+          <a:fontRef idx="minor">
+            <a:schemeClr val="tx1"/>
+          </a:fontRef>
+        </p:style>
+      </p:cxnSp>
+      <p:sp>
+        <p:nvSpPr>
+          <p:cNvPr id="50" name="Textfeld 49">
+            <a:extLst>
+              <a:ext uri="{FF2B5EF4-FFF2-40B4-BE49-F238E27FC236}">
+                <a16:creationId xmlns:a16="http://schemas.microsoft.com/office/drawing/2014/main" id="{1E77C750-F758-4ABD-8645-2E99C991A17A}"/>
+              </a:ext>
+            </a:extLst>
+          </p:cNvPr>
+          <p:cNvSpPr txBox="1"/>
+          <p:nvPr/>
+        </p:nvSpPr>
+        <p:spPr>
+          <a:xfrm>
+            <a:off x="4525564" y="3498294"/>
+            <a:ext cx="508202" cy="215444"/>
+          </a:xfrm>
+          <a:prstGeom prst="rect">
+            <a:avLst/>
+          </a:prstGeom>
+          <a:noFill/>
+        </p:spPr>
+        <p:txBody>
+          <a:bodyPr wrap="square" rtlCol="0">
+            <a:spAutoFit/>
+          </a:bodyPr>
+          <a:lstStyle/>
+          <a:p>
+            <a:r>
+              <a:rPr lang="de-DE" sz="800" dirty="0" err="1"/>
+              <a:t>have</a:t>
+            </a:r>
+            <a:endParaRPr lang="en-GB" sz="800" dirty="0"/>
+          </a:p>
+        </p:txBody>
+      </p:sp>
+      <p:cxnSp>
+        <p:nvCxnSpPr>
+          <p:cNvPr id="51" name="Gerade Verbindung mit Pfeil 50">
+            <a:extLst>
+              <a:ext uri="{FF2B5EF4-FFF2-40B4-BE49-F238E27FC236}">
+                <a16:creationId xmlns:a16="http://schemas.microsoft.com/office/drawing/2014/main" id="{6F16A161-2E4F-4951-92E4-07A40126DDAB}"/>
+              </a:ext>
+            </a:extLst>
+          </p:cNvPr>
+          <p:cNvCxnSpPr/>
+          <p:nvPr/>
+        </p:nvCxnSpPr>
+        <p:spPr>
+          <a:xfrm flipH="1" flipV="1">
+            <a:off x="1866580" y="4952139"/>
+            <a:ext cx="72008" cy="144016"/>
+          </a:xfrm>
+          <a:prstGeom prst="straightConnector1">
+            <a:avLst/>
+          </a:prstGeom>
+          <a:ln>
+            <a:headEnd type="none" w="med" len="med"/>
+            <a:tailEnd type="arrow" w="med" len="med"/>
+          </a:ln>
+        </p:spPr>
+        <p:style>
+          <a:lnRef idx="1">
+            <a:schemeClr val="dk1"/>
+          </a:lnRef>
+          <a:fillRef idx="0">
+            <a:schemeClr val="dk1"/>
+          </a:fillRef>
+          <a:effectRef idx="0">
+            <a:schemeClr val="dk1"/>
+          </a:effectRef>
+          <a:fontRef idx="minor">
+            <a:schemeClr val="tx1"/>
+          </a:fontRef>
+        </p:style>
+      </p:cxnSp>
+      <p:sp>
+        <p:nvSpPr>
+          <p:cNvPr id="52" name="Textfeld 51">
+            <a:extLst>
+              <a:ext uri="{FF2B5EF4-FFF2-40B4-BE49-F238E27FC236}">
+                <a16:creationId xmlns:a16="http://schemas.microsoft.com/office/drawing/2014/main" id="{34B88DDD-6823-40E1-A705-D57560C118CE}"/>
+              </a:ext>
+            </a:extLst>
+          </p:cNvPr>
+          <p:cNvSpPr txBox="1"/>
+          <p:nvPr/>
+        </p:nvSpPr>
+        <p:spPr>
+          <a:xfrm>
+            <a:off x="1903379" y="4907487"/>
+            <a:ext cx="508202" cy="215444"/>
+          </a:xfrm>
+          <a:prstGeom prst="rect">
+            <a:avLst/>
+          </a:prstGeom>
+          <a:noFill/>
+        </p:spPr>
+        <p:txBody>
+          <a:bodyPr wrap="square" rtlCol="0">
+            <a:spAutoFit/>
+          </a:bodyPr>
+          <a:lstStyle/>
+          <a:p>
+            <a:r>
+              <a:rPr lang="de-DE" sz="800" dirty="0" err="1"/>
+              <a:t>have</a:t>
+            </a:r>
+            <a:endParaRPr lang="en-GB" sz="800" dirty="0"/>
+          </a:p>
+        </p:txBody>
+      </p:sp>
+      <p:cxnSp>
+        <p:nvCxnSpPr>
+          <p:cNvPr id="71" name="Gerade Verbindung mit Pfeil 70">
+            <a:extLst>
+              <a:ext uri="{FF2B5EF4-FFF2-40B4-BE49-F238E27FC236}">
+                <a16:creationId xmlns:a16="http://schemas.microsoft.com/office/drawing/2014/main" id="{9AA7115D-FED3-455B-B283-761DE4F8E50E}"/>
+              </a:ext>
+            </a:extLst>
+          </p:cNvPr>
+          <p:cNvCxnSpPr/>
+          <p:nvPr/>
+        </p:nvCxnSpPr>
+        <p:spPr>
+          <a:xfrm flipH="1" flipV="1">
+            <a:off x="4484410" y="4766235"/>
+            <a:ext cx="72008" cy="144016"/>
+          </a:xfrm>
+          <a:prstGeom prst="straightConnector1">
+            <a:avLst/>
+          </a:prstGeom>
+          <a:ln>
+            <a:headEnd type="none" w="med" len="med"/>
+            <a:tailEnd type="arrow" w="med" len="med"/>
+          </a:ln>
+        </p:spPr>
+        <p:style>
+          <a:lnRef idx="1">
+            <a:schemeClr val="dk1"/>
+          </a:lnRef>
+          <a:fillRef idx="0">
+            <a:schemeClr val="dk1"/>
+          </a:fillRef>
+          <a:effectRef idx="0">
+            <a:schemeClr val="dk1"/>
+          </a:effectRef>
+          <a:fontRef idx="minor">
+            <a:schemeClr val="tx1"/>
+          </a:fontRef>
+        </p:style>
+      </p:cxnSp>
+      <p:sp>
+        <p:nvSpPr>
+          <p:cNvPr id="72" name="Textfeld 71">
+            <a:extLst>
+              <a:ext uri="{FF2B5EF4-FFF2-40B4-BE49-F238E27FC236}">
+                <a16:creationId xmlns:a16="http://schemas.microsoft.com/office/drawing/2014/main" id="{033F41E7-BC9B-4ED2-A5FA-076526FD5683}"/>
+              </a:ext>
+            </a:extLst>
+          </p:cNvPr>
+          <p:cNvSpPr txBox="1"/>
+          <p:nvPr/>
+        </p:nvSpPr>
+        <p:spPr>
+          <a:xfrm>
+            <a:off x="4521209" y="4721583"/>
+            <a:ext cx="508202" cy="215444"/>
+          </a:xfrm>
+          <a:prstGeom prst="rect">
+            <a:avLst/>
+          </a:prstGeom>
+          <a:noFill/>
+        </p:spPr>
+        <p:txBody>
+          <a:bodyPr wrap="square" rtlCol="0">
+            <a:spAutoFit/>
+          </a:bodyPr>
+          <a:lstStyle/>
+          <a:p>
+            <a:r>
+              <a:rPr lang="de-DE" sz="800" dirty="0" err="1"/>
+              <a:t>is</a:t>
+            </a:r>
+            <a:endParaRPr lang="en-GB" sz="800" dirty="0"/>
+          </a:p>
+        </p:txBody>
+      </p:sp>
     </p:spTree>
     <p:extLst>
       <p:ext uri="{BB962C8B-B14F-4D97-AF65-F5344CB8AC3E}">
@@ -8527,7 +8848,7 @@
         </p:nvCxnSpPr>
         <p:spPr>
           <a:xfrm>
-            <a:off x="3347783" y="840599"/>
+            <a:off x="4093859" y="840599"/>
             <a:ext cx="0" cy="138115"/>
           </a:xfrm>
           <a:prstGeom prst="straightConnector1">
@@ -8572,7 +8893,7 @@
         </p:nvSpPr>
         <p:spPr>
           <a:xfrm>
-            <a:off x="3266566" y="1611348"/>
+            <a:off x="4012642" y="1611348"/>
             <a:ext cx="162434" cy="392415"/>
           </a:xfrm>
           <a:prstGeom prst="rect">
@@ -8724,7 +9045,7 @@
         <p:spPr>
           <a:xfrm>
             <a:off x="275301" y="1606285"/>
-            <a:ext cx="1993997" cy="346249"/>
+            <a:ext cx="2402245" cy="346249"/>
           </a:xfrm>
           <a:prstGeom prst="rect">
             <a:avLst/>
@@ -8849,7 +9170,7 @@
                 </a:solidFill>
                 <a:latin typeface="Calibri"/>
               </a:rPr>
-              <a:t>Standardized names and URIs</a:t>
+              <a:t>Original names and unambiguous URIs</a:t>
             </a:r>
           </a:p>
           <a:p>
@@ -9055,7 +9376,7 @@
         </p:nvSpPr>
         <p:spPr>
           <a:xfrm>
-            <a:off x="3293986" y="2694858"/>
+            <a:off x="4012642" y="2762090"/>
             <a:ext cx="162434" cy="392415"/>
           </a:xfrm>
           <a:prstGeom prst="rect">
@@ -10016,7 +10337,7 @@
         <p:spPr>
           <a:xfrm>
             <a:off x="259089" y="258029"/>
-            <a:ext cx="1657153" cy="346249"/>
+            <a:ext cx="1657153" cy="369332"/>
           </a:xfrm>
           <a:prstGeom prst="rect">
             <a:avLst/>
@@ -10141,7 +10462,25 @@
                 </a:solidFill>
                 <a:latin typeface="Calibri"/>
               </a:rPr>
-              <a:t>Species x traits matrix </a:t>
+              <a:t>Species </a:t>
+            </a:r>
+            <a:r>
+              <a:rPr lang="en-US" sz="1200" dirty="0">
+                <a:solidFill>
+                  <a:srgbClr val="000000"/>
+                </a:solidFill>
+                <a:latin typeface="Calibri"/>
+              </a:rPr>
+              <a:t>x</a:t>
+            </a:r>
+            <a:r>
+              <a:rPr lang="en-US" sz="1050" b="1" dirty="0">
+                <a:solidFill>
+                  <a:srgbClr val="000000"/>
+                </a:solidFill>
+                <a:latin typeface="Calibri"/>
+              </a:rPr>
+              <a:t> traits matrix </a:t>
             </a:r>
             <a:r>
               <a:rPr lang="en-US" sz="750" dirty="0">
@@ -10176,13 +10515,13 @@
           <p:nvPr>
             <p:extLst>
               <p:ext uri="{D42A27DB-BD31-4B8C-83A1-F6EECF244321}">
-                <p14:modId xmlns:p14="http://schemas.microsoft.com/office/powerpoint/2010/main" val="3214326370"/>
+                <p14:modId xmlns:p14="http://schemas.microsoft.com/office/powerpoint/2010/main" val="735578441"/>
               </p:ext>
             </p:extLst>
           </p:nvPr>
         </p:nvGraphicFramePr>
         <p:xfrm>
-          <a:off x="2106862" y="272480"/>
+          <a:off x="2852938" y="272480"/>
           <a:ext cx="2402258" cy="560020"/>
         </p:xfrm>
         <a:graphic>
@@ -10472,13 +10811,13 @@
           <p:nvPr>
             <p:extLst>
               <p:ext uri="{D42A27DB-BD31-4B8C-83A1-F6EECF244321}">
-                <p14:modId xmlns:p14="http://schemas.microsoft.com/office/powerpoint/2010/main" val="712832758"/>
+                <p14:modId xmlns:p14="http://schemas.microsoft.com/office/powerpoint/2010/main" val="3697658826"/>
               </p:ext>
             </p:extLst>
           </p:nvPr>
         </p:nvGraphicFramePr>
         <p:xfrm>
-          <a:off x="2106860" y="1000418"/>
+          <a:off x="2852936" y="1000418"/>
           <a:ext cx="2402245" cy="700025"/>
         </p:xfrm>
         <a:graphic>
@@ -10588,7 +10927,15 @@
                     <a:p>
                       <a:r>
                         <a:rPr lang="de-DE" sz="700" dirty="0" err="1"/>
-                        <a:t>Agonum_ericeti</a:t>
+                        <a:t>Agonum</a:t>
+                      </a:r>
+                      <a:r>
+                        <a:rPr lang="de-DE" sz="700" dirty="0"/>
+                        <a:t> </a:t>
+                      </a:r>
+                      <a:r>
+                        <a:rPr lang="de-DE" sz="700" dirty="0" err="1"/>
+                        <a:t>ericeti</a:t>
                       </a:r>
                       <a:endParaRPr lang="de-DE" sz="700" dirty="0"/>
                     </a:p>
@@ -10633,7 +10980,7 @@
                       </a:pPr>
                       <a:r>
                         <a:rPr lang="de-DE" sz="700" dirty="0"/>
-                        <a:t>0.587</a:t>
+                        <a:t>5.87</a:t>
                       </a:r>
                     </a:p>
                   </a:txBody>
@@ -10646,7 +10993,7 @@
                     <a:p>
                       <a:r>
                         <a:rPr lang="de-DE" sz="700" dirty="0"/>
-                        <a:t>cm</a:t>
+                        <a:t>mm</a:t>
                       </a:r>
                     </a:p>
                   </a:txBody>
@@ -10666,7 +11013,15 @@
                     <a:p>
                       <a:r>
                         <a:rPr lang="de-DE" sz="700" dirty="0" err="1"/>
-                        <a:t>Agonum_ericeti</a:t>
+                        <a:t>Agonum</a:t>
+                      </a:r>
+                      <a:r>
+                        <a:rPr lang="de-DE" sz="700" dirty="0"/>
+                        <a:t> </a:t>
+                      </a:r>
+                      <a:r>
+                        <a:rPr lang="de-DE" sz="700" dirty="0" err="1"/>
+                        <a:t>ericeti</a:t>
                       </a:r>
                       <a:endParaRPr lang="de-DE" sz="700" dirty="0"/>
                     </a:p>
@@ -10728,7 +11083,7 @@
                       </a:pPr>
                       <a:r>
                         <a:rPr lang="de-DE" sz="700" dirty="0"/>
-                        <a:t>0.374</a:t>
+                        <a:t>3.74</a:t>
                       </a:r>
                     </a:p>
                   </a:txBody>
@@ -10741,7 +11096,7 @@
                     <a:p>
                       <a:r>
                         <a:rPr lang="de-DE" sz="700" dirty="0"/>
-                        <a:t>cm</a:t>
+                        <a:t>mm</a:t>
                       </a:r>
                     </a:p>
                   </a:txBody>
@@ -10761,7 +11116,15 @@
                     <a:p>
                       <a:r>
                         <a:rPr lang="de-DE" sz="700" dirty="0" err="1"/>
-                        <a:t>Agonum_gracilis</a:t>
+                        <a:t>Agonum</a:t>
+                      </a:r>
+                      <a:r>
+                        <a:rPr lang="de-DE" sz="700" dirty="0"/>
+                        <a:t> </a:t>
+                      </a:r>
+                      <a:r>
+                        <a:rPr lang="de-DE" sz="700" dirty="0" err="1"/>
+                        <a:t>gracile</a:t>
                       </a:r>
                       <a:endParaRPr lang="de-DE" sz="700" dirty="0"/>
                     </a:p>
@@ -10823,7 +11186,7 @@
                       </a:pPr>
                       <a:r>
                         <a:rPr lang="de-DE" sz="700" dirty="0"/>
-                        <a:t>0.480</a:t>
+                        <a:t>4.80</a:t>
                       </a:r>
                     </a:p>
                   </a:txBody>
@@ -10836,7 +11199,7 @@
                     <a:p>
                       <a:r>
                         <a:rPr lang="de-DE" sz="700" dirty="0"/>
-                        <a:t>cm</a:t>
+                        <a:t>mm</a:t>
                       </a:r>
                     </a:p>
                   </a:txBody>
@@ -10926,14 +11289,14 @@
           <p:nvPr>
             <p:extLst>
               <p:ext uri="{D42A27DB-BD31-4B8C-83A1-F6EECF244321}">
-                <p14:modId xmlns:p14="http://schemas.microsoft.com/office/powerpoint/2010/main" val="2302787597"/>
+                <p14:modId xmlns:p14="http://schemas.microsoft.com/office/powerpoint/2010/main" val="1970567761"/>
               </p:ext>
             </p:extLst>
           </p:nvPr>
         </p:nvGraphicFramePr>
         <p:xfrm>
           <a:off x="350658" y="1966478"/>
-          <a:ext cx="5886657" cy="854759"/>
+          <a:ext cx="6372708" cy="854759"/>
         </p:xfrm>
         <a:graphic>
           <a:graphicData uri="http://schemas.openxmlformats.org/drawingml/2006/table">
@@ -10942,56 +11305,56 @@
                 <a:tableStyleId>{073A0DAA-6AF3-43AB-8588-CEC1D06C72B9}</a:tableStyleId>
               </a:tblPr>
               <a:tblGrid>
-                <a:gridCol w="804524">
+                <a:gridCol w="990110">
                   <a:extLst>
                     <a:ext uri="{9D8B030D-6E8A-4147-A177-3AD203B41FA5}">
                       <a16:colId xmlns:a16="http://schemas.microsoft.com/office/drawing/2014/main" val="1697269629"/>
                     </a:ext>
                   </a:extLst>
                 </a:gridCol>
-                <a:gridCol w="704738">
+                <a:gridCol w="792088">
                   <a:extLst>
                     <a:ext uri="{9D8B030D-6E8A-4147-A177-3AD203B41FA5}">
                       <a16:colId xmlns:a16="http://schemas.microsoft.com/office/drawing/2014/main" val="219674215"/>
                     </a:ext>
                   </a:extLst>
                 </a:gridCol>
-                <a:gridCol w="587281">
+                <a:gridCol w="792088">
                   <a:extLst>
                     <a:ext uri="{9D8B030D-6E8A-4147-A177-3AD203B41FA5}">
                       <a16:colId xmlns:a16="http://schemas.microsoft.com/office/drawing/2014/main" val="3215726334"/>
                     </a:ext>
                   </a:extLst>
                 </a:gridCol>
-                <a:gridCol w="587281">
+                <a:gridCol w="792088">
                   <a:extLst>
                     <a:ext uri="{9D8B030D-6E8A-4147-A177-3AD203B41FA5}">
                       <a16:colId xmlns:a16="http://schemas.microsoft.com/office/drawing/2014/main" val="2895665170"/>
                     </a:ext>
                   </a:extLst>
                 </a:gridCol>
-                <a:gridCol w="1222899">
+                <a:gridCol w="1080120">
                   <a:extLst>
                     <a:ext uri="{9D8B030D-6E8A-4147-A177-3AD203B41FA5}">
                       <a16:colId xmlns:a16="http://schemas.microsoft.com/office/drawing/2014/main" val="1208448622"/>
                     </a:ext>
                   </a:extLst>
                 </a:gridCol>
-                <a:gridCol w="629783">
+                <a:gridCol w="648072">
                   <a:extLst>
                     <a:ext uri="{9D8B030D-6E8A-4147-A177-3AD203B41FA5}">
                       <a16:colId xmlns:a16="http://schemas.microsoft.com/office/drawing/2014/main" val="2067839206"/>
                     </a:ext>
                   </a:extLst>
                 </a:gridCol>
-                <a:gridCol w="767817">
+                <a:gridCol w="720080">
                   <a:extLst>
                     <a:ext uri="{9D8B030D-6E8A-4147-A177-3AD203B41FA5}">
                       <a16:colId xmlns:a16="http://schemas.microsoft.com/office/drawing/2014/main" val="3500473864"/>
                     </a:ext>
                   </a:extLst>
                 </a:gridCol>
-                <a:gridCol w="582334">
+                <a:gridCol w="558062">
                   <a:extLst>
                     <a:ext uri="{9D8B030D-6E8A-4147-A177-3AD203B41FA5}">
                       <a16:colId xmlns:a16="http://schemas.microsoft.com/office/drawing/2014/main" val="3209219977"/>
@@ -11007,7 +11370,7 @@
                     <a:p>
                       <a:r>
                         <a:rPr lang="de-DE" sz="700" dirty="0" err="1"/>
-                        <a:t>scientificNameStd</a:t>
+                        <a:t>verbatimScientificName</a:t>
                       </a:r>
                       <a:endParaRPr lang="de-DE" sz="700" dirty="0"/>
                     </a:p>
@@ -11028,7 +11391,7 @@
                     <a:p>
                       <a:r>
                         <a:rPr lang="de-DE" sz="700" dirty="0" err="1"/>
-                        <a:t>traitNameStd</a:t>
+                        <a:t>verbatimTraitName</a:t>
                       </a:r>
                       <a:endParaRPr lang="de-DE" sz="700" dirty="0"/>
                     </a:p>
@@ -11049,7 +11412,7 @@
                     <a:p>
                       <a:r>
                         <a:rPr lang="de-DE" sz="700" dirty="0" err="1"/>
-                        <a:t>traitValueStd</a:t>
+                        <a:t>verbatimTraitValue</a:t>
                       </a:r>
                       <a:endParaRPr lang="de-DE" sz="700" dirty="0"/>
                     </a:p>
@@ -11070,7 +11433,7 @@
                     <a:p>
                       <a:r>
                         <a:rPr lang="de-DE" sz="700" dirty="0" err="1"/>
-                        <a:t>traitUnitStd</a:t>
+                        <a:t>verbatimTraitUnit</a:t>
                       </a:r>
                       <a:endParaRPr lang="de-DE" sz="700" dirty="0"/>
                     </a:p>
@@ -11179,15 +11542,7 @@
                     <a:p>
                       <a:r>
                         <a:rPr lang="de-DE" sz="700" dirty="0" err="1"/>
-                        <a:t>Agonum</a:t>
-                      </a:r>
-                      <a:r>
-                        <a:rPr lang="de-DE" sz="700" dirty="0"/>
-                        <a:t> </a:t>
-                      </a:r>
-                      <a:r>
-                        <a:rPr lang="de-DE" sz="700" dirty="0" err="1"/>
-                        <a:t>ericeti</a:t>
+                        <a:t>Agonum_ericeti</a:t>
                       </a:r>
                       <a:endParaRPr lang="de-DE" sz="700" dirty="0"/>
                     </a:p>
@@ -11232,7 +11587,7 @@
                       </a:pPr>
                       <a:r>
                         <a:rPr lang="de-DE" sz="700" dirty="0"/>
-                        <a:t>5.87</a:t>
+                        <a:t>0.587</a:t>
                       </a:r>
                     </a:p>
                   </a:txBody>
@@ -11245,7 +11600,7 @@
                     <a:p>
                       <a:r>
                         <a:rPr lang="de-DE" sz="700" dirty="0"/>
-                        <a:t>mm</a:t>
+                        <a:t>cm</a:t>
                       </a:r>
                     </a:p>
                   </a:txBody>
@@ -11282,7 +11637,15 @@
                     <a:p>
                       <a:r>
                         <a:rPr lang="de-DE" sz="500" dirty="0"/>
-                        <a:t>http://www.gbif.org/species/5755044</a:t>
+                        <a:t>http://www.gbif.org/ </a:t>
+                      </a:r>
+                      <a:r>
+                        <a:rPr lang="de-DE" sz="500" dirty="0" err="1"/>
+                        <a:t>species</a:t>
+                      </a:r>
+                      <a:r>
+                        <a:rPr lang="de-DE" sz="500" dirty="0"/>
+                        <a:t>/5755044</a:t>
                       </a:r>
                     </a:p>
                   </a:txBody>
@@ -11328,15 +11691,7 @@
                     <a:p>
                       <a:r>
                         <a:rPr lang="de-DE" sz="700" dirty="0" err="1"/>
-                        <a:t>Agonum</a:t>
-                      </a:r>
-                      <a:r>
-                        <a:rPr lang="de-DE" sz="700" dirty="0"/>
-                        <a:t> </a:t>
-                      </a:r>
-                      <a:r>
-                        <a:rPr lang="de-DE" sz="700" dirty="0" err="1"/>
-                        <a:t>ericeti</a:t>
+                        <a:t>Agonum_ericeti</a:t>
                       </a:r>
                       <a:endParaRPr lang="de-DE" sz="700" dirty="0"/>
                     </a:p>
@@ -11398,7 +11753,7 @@
                       </a:pPr>
                       <a:r>
                         <a:rPr lang="de-DE" sz="700" dirty="0"/>
-                        <a:t>3.74</a:t>
+                        <a:t>0.374</a:t>
                       </a:r>
                     </a:p>
                   </a:txBody>
@@ -11411,7 +11766,7 @@
                     <a:p>
                       <a:r>
                         <a:rPr lang="de-DE" sz="700" dirty="0"/>
-                        <a:t>mm</a:t>
+                        <a:t>cm</a:t>
                       </a:r>
                     </a:p>
                   </a:txBody>
@@ -11440,7 +11795,7 @@
                         <a:defRPr/>
                       </a:pPr>
                       <a:r>
-                        <a:rPr kumimoji="0" lang="de-DE" sz="500" b="0" i="0" u="none" strike="noStrike" kern="1200" cap="none" spc="0" normalizeH="0" baseline="0" noProof="0" dirty="0">
+                        <a:rPr kumimoji="0" lang="de-DE" sz="500" b="0" i="0" u="none" strike="noStrike" kern="1200" cap="none" spc="-10" normalizeH="0" baseline="0" noProof="0" dirty="0">
                           <a:ln>
                             <a:noFill/>
                           </a:ln>
@@ -11457,7 +11812,7 @@
                         <a:t>http://t-sita.cesab.org/</a:t>
                       </a:r>
                       <a:br>
-                        <a:rPr kumimoji="0" lang="de-DE" sz="500" b="0" i="0" u="none" strike="noStrike" kern="1200" cap="none" spc="0" normalizeH="0" baseline="0" noProof="0" dirty="0">
+                        <a:rPr kumimoji="0" lang="de-DE" sz="500" b="0" i="0" u="none" strike="noStrike" kern="1200" cap="none" spc="-10" normalizeH="0" baseline="0" noProof="0" dirty="0">
                           <a:ln>
                             <a:noFill/>
                           </a:ln>
@@ -11473,7 +11828,7 @@
                         </a:rPr>
                       </a:br>
                       <a:r>
-                        <a:rPr kumimoji="0" lang="de-DE" sz="500" b="0" i="0" u="none" strike="noStrike" kern="1200" cap="none" spc="0" normalizeH="0" baseline="0" noProof="0" dirty="0" err="1">
+                        <a:rPr kumimoji="0" lang="de-DE" sz="500" b="0" i="0" u="none" strike="noStrike" kern="1200" cap="none" spc="-10" normalizeH="0" baseline="0" noProof="0" dirty="0" err="1">
                           <a:ln>
                             <a:noFill/>
                           </a:ln>
@@ -11490,7 +11845,7 @@
                         <a:t>BETSI_vizInfo.jsp?trait</a:t>
                       </a:r>
                       <a:r>
-                        <a:rPr kumimoji="0" lang="de-DE" sz="500" b="0" i="0" u="none" strike="noStrike" kern="1200" cap="none" spc="0" normalizeH="0" baseline="0" noProof="0" dirty="0">
+                        <a:rPr kumimoji="0" lang="de-DE" sz="500" b="0" i="0" u="none" strike="noStrike" kern="1200" cap="none" spc="-10" normalizeH="0" baseline="0" noProof="0" dirty="0">
                           <a:ln>
                             <a:noFill/>
                           </a:ln>
@@ -11507,7 +11862,7 @@
                         <a:t>=</a:t>
                       </a:r>
                       <a:r>
-                        <a:rPr kumimoji="0" lang="de-DE" sz="500" b="0" i="0" u="none" strike="noStrike" kern="1200" cap="none" spc="0" normalizeH="0" baseline="0" noProof="0" dirty="0" err="1">
+                        <a:rPr kumimoji="0" lang="de-DE" sz="500" b="0" i="0" u="none" strike="noStrike" kern="1200" cap="none" spc="-10" normalizeH="0" baseline="0" noProof="0" dirty="0" err="1">
                           <a:ln>
                             <a:noFill/>
                           </a:ln>
@@ -11523,7 +11878,7 @@
                         </a:rPr>
                         <a:t>Antenna_length</a:t>
                       </a:r>
-                      <a:endParaRPr kumimoji="0" lang="de-DE" sz="500" b="0" i="0" u="none" strike="noStrike" kern="1200" cap="none" spc="0" normalizeH="0" baseline="0" noProof="0" dirty="0">
+                      <a:endParaRPr kumimoji="0" lang="de-DE" sz="500" b="0" i="0" u="none" strike="noStrike" kern="1200" cap="none" spc="-10" normalizeH="0" baseline="0" noProof="0" dirty="0">
                         <a:ln>
                           <a:noFill/>
                         </a:ln>
@@ -11565,7 +11920,15 @@
                       </a:pPr>
                       <a:r>
                         <a:rPr lang="de-DE" sz="500" dirty="0"/>
-                        <a:t>http://www.gbif.org/species/5755044</a:t>
+                        <a:t>http://www.gbif.org/ </a:t>
+                      </a:r>
+                      <a:r>
+                        <a:rPr lang="de-DE" sz="500" dirty="0" err="1"/>
+                        <a:t>species</a:t>
+                      </a:r>
+                      <a:r>
+                        <a:rPr lang="de-DE" sz="500" dirty="0"/>
+                        <a:t>/5755044</a:t>
                       </a:r>
                     </a:p>
                   </a:txBody>
@@ -11611,15 +11974,7 @@
                     <a:p>
                       <a:r>
                         <a:rPr lang="de-DE" sz="700" dirty="0" err="1"/>
-                        <a:t>Agonum</a:t>
-                      </a:r>
-                      <a:r>
-                        <a:rPr lang="de-DE" sz="700" dirty="0"/>
-                        <a:t> </a:t>
-                      </a:r>
-                      <a:r>
-                        <a:rPr lang="de-DE" sz="700" dirty="0" err="1"/>
-                        <a:t>gracile</a:t>
+                        <a:t>Agonum_gracilis</a:t>
                       </a:r>
                       <a:endParaRPr lang="de-DE" sz="700" dirty="0"/>
                     </a:p>
@@ -11681,7 +12036,7 @@
                       </a:pPr>
                       <a:r>
                         <a:rPr lang="de-DE" sz="700" dirty="0"/>
-                        <a:t>4.80</a:t>
+                        <a:t>0.480</a:t>
                       </a:r>
                     </a:p>
                   </a:txBody>
@@ -11694,7 +12049,7 @@
                     <a:p>
                       <a:r>
                         <a:rPr lang="de-DE" sz="700" dirty="0"/>
-                        <a:t>mm</a:t>
+                        <a:t>cm</a:t>
                       </a:r>
                     </a:p>
                   </a:txBody>
@@ -11831,7 +12186,15 @@
                     <a:p>
                       <a:r>
                         <a:rPr lang="de-DE" sz="500" dirty="0"/>
-                        <a:t>http://www.gbif.org/species/5755080</a:t>
+                        <a:t>http://www.gbif.org/ </a:t>
+                      </a:r>
+                      <a:r>
+                        <a:rPr lang="de-DE" sz="500" dirty="0" err="1"/>
+                        <a:t>species</a:t>
+                      </a:r>
+                      <a:r>
+                        <a:rPr lang="de-DE" sz="500" dirty="0"/>
+                        <a:t>/5755080</a:t>
                       </a:r>
                     </a:p>
                   </a:txBody>
@@ -13214,14 +13577,14 @@
           <p:nvPr>
             <p:extLst>
               <p:ext uri="{D42A27DB-BD31-4B8C-83A1-F6EECF244321}">
-                <p14:modId xmlns:p14="http://schemas.microsoft.com/office/powerpoint/2010/main" val="1753945"/>
+                <p14:modId xmlns:p14="http://schemas.microsoft.com/office/powerpoint/2010/main" val="2495667718"/>
               </p:ext>
             </p:extLst>
           </p:nvPr>
         </p:nvGraphicFramePr>
         <p:xfrm>
           <a:off x="2294875" y="5269333"/>
-          <a:ext cx="3514616" cy="664939"/>
+          <a:ext cx="3514616" cy="560020"/>
         </p:xfrm>
         <a:graphic>
           <a:graphicData uri="http://schemas.openxmlformats.org/drawingml/2006/table">
@@ -13230,14 +13593,14 @@
                 <a:tableStyleId>{073A0DAA-6AF3-43AB-8588-CEC1D06C72B9}</a:tableStyleId>
               </a:tblPr>
               <a:tblGrid>
-                <a:gridCol w="535167">
+                <a:gridCol w="558061">
                   <a:extLst>
                     <a:ext uri="{9D8B030D-6E8A-4147-A177-3AD203B41FA5}">
                       <a16:colId xmlns:a16="http://schemas.microsoft.com/office/drawing/2014/main" val="1697269629"/>
                     </a:ext>
                   </a:extLst>
                 </a:gridCol>
-                <a:gridCol w="816148">
+                <a:gridCol w="793254">
                   <a:extLst>
                     <a:ext uri="{9D8B030D-6E8A-4147-A177-3AD203B41FA5}">
                       <a16:colId xmlns:a16="http://schemas.microsoft.com/office/drawing/2014/main" val="219674215"/>
@@ -14219,7 +14582,7 @@
         </p:nvCxnSpPr>
         <p:spPr>
           <a:xfrm>
-            <a:off x="3635815" y="840599"/>
+            <a:off x="4093859" y="840599"/>
             <a:ext cx="0" cy="138115"/>
           </a:xfrm>
           <a:prstGeom prst="straightConnector1">
@@ -14264,7 +14627,7 @@
         </p:nvSpPr>
         <p:spPr>
           <a:xfrm>
-            <a:off x="3554598" y="1611348"/>
+            <a:off x="4012642" y="1611348"/>
             <a:ext cx="162434" cy="392415"/>
           </a:xfrm>
           <a:prstGeom prst="rect">
@@ -14416,7 +14779,7 @@
         <p:spPr>
           <a:xfrm>
             <a:off x="275301" y="1606285"/>
-            <a:ext cx="1993997" cy="346249"/>
+            <a:ext cx="2402245" cy="346249"/>
           </a:xfrm>
           <a:prstGeom prst="rect">
             <a:avLst/>
@@ -14541,7 +14904,7 @@
                 </a:solidFill>
                 <a:latin typeface="Calibri"/>
               </a:rPr>
-              <a:t>c) Standardized names and URIs</a:t>
+              <a:t>Original names and unambiguous URIs</a:t>
             </a:r>
           </a:p>
           <a:p>
@@ -14580,7 +14943,7 @@
         <p:spPr>
           <a:xfrm>
             <a:off x="262977" y="909656"/>
-            <a:ext cx="1657153" cy="461665"/>
+            <a:ext cx="1657153" cy="346249"/>
           </a:xfrm>
           <a:prstGeom prst="rect">
             <a:avLst/>
@@ -14705,7 +15068,7 @@
                 </a:solidFill>
                 <a:latin typeface="Calibri"/>
               </a:rPr>
-              <a:t>b) Core observation table </a:t>
+              <a:t>Core observation table </a:t>
             </a:r>
             <a:br>
               <a:rPr lang="en-US" sz="1050" b="1" dirty="0">
@@ -14722,24 +15085,7 @@
                 </a:solidFill>
                 <a:latin typeface="Calibri"/>
               </a:rPr>
-              <a:t>(one row per measurement, </a:t>
-            </a:r>
-            <a:br>
-              <a:rPr lang="en-US" sz="750" dirty="0">
-                <a:solidFill>
-                  <a:srgbClr val="000000"/>
-                </a:solidFill>
-                <a:latin typeface="Calibri"/>
-              </a:rPr>
-            </a:br>
-            <a:r>
-              <a:rPr lang="en-US" sz="750" dirty="0">
-                <a:solidFill>
-                  <a:srgbClr val="000000"/>
-                </a:solidFill>
-                <a:latin typeface="Calibri"/>
-              </a:rPr>
-              <a:t>standardized column names)</a:t>
+              <a:t>(one row per measurement)</a:t>
             </a:r>
             <a:endParaRPr lang="en-US" sz="788" dirty="0">
               <a:solidFill>
@@ -14764,7 +15110,7 @@
         </p:nvSpPr>
         <p:spPr>
           <a:xfrm>
-            <a:off x="3582018" y="2694858"/>
+            <a:off x="4012642" y="2762090"/>
             <a:ext cx="162434" cy="392415"/>
           </a:xfrm>
           <a:prstGeom prst="rect">
@@ -15041,7 +15387,7 @@
                 </a:solidFill>
                 <a:latin typeface="Calibri"/>
               </a:rPr>
-              <a:t>d) Extensions</a:t>
+              <a:t>Extensions</a:t>
             </a:r>
             <a:br>
               <a:rPr lang="en-US" sz="1050" b="1" dirty="0">
@@ -15554,7 +15900,7 @@
         <p:spPr>
           <a:xfrm>
             <a:off x="259089" y="258029"/>
-            <a:ext cx="1729748" cy="461665"/>
+            <a:ext cx="1657153" cy="369332"/>
           </a:xfrm>
           <a:prstGeom prst="rect">
             <a:avLst/>
@@ -15679,35 +16025,26 @@
                 </a:solidFill>
                 <a:latin typeface="Calibri"/>
               </a:rPr>
-              <a:t>a) Species x traits matrix </a:t>
-            </a:r>
-            <a:br>
-              <a:rPr lang="en-US" sz="1050" b="1" dirty="0">
+              <a:t>Species </a:t>
+            </a:r>
+            <a:r>
+              <a:rPr lang="en-US" sz="1200" dirty="0">
                 <a:solidFill>
                   <a:srgbClr val="000000"/>
                 </a:solidFill>
                 <a:latin typeface="Calibri"/>
               </a:rPr>
-            </a:br>
-            <a:r>
-              <a:rPr lang="en-US" sz="750" dirty="0">
+              <a:t>x</a:t>
+            </a:r>
+            <a:r>
+              <a:rPr lang="en-US" sz="1050" b="1" dirty="0">
                 <a:solidFill>
                   <a:srgbClr val="000000"/>
                 </a:solidFill>
                 <a:latin typeface="Calibri"/>
               </a:rPr>
-              <a:t>(several trait measures per species,</a:t>
-            </a:r>
-          </a:p>
-          <a:p>
-            <a:pPr defTabSz="342900">
-              <a:defRPr sz="1800" b="0" i="0" u="none" strike="noStrike" kern="0" cap="none" spc="0" baseline="0">
-                <a:solidFill>
-                  <a:srgbClr val="000000"/>
-                </a:solidFill>
-                <a:uFillTx/>
-              </a:defRPr>
-            </a:pPr>
+              <a:t> traits matrix </a:t>
+            </a:r>
             <a:r>
               <a:rPr lang="en-US" sz="750" dirty="0">
                 <a:solidFill>
@@ -15715,7 +16052,7 @@
                 </a:solidFill>
                 <a:latin typeface="Calibri"/>
               </a:rPr>
-              <a:t>user-defined column names)</a:t>
+              <a:t>(several trait measures per species)</a:t>
             </a:r>
             <a:endParaRPr lang="en-US" sz="1050" dirty="0">
               <a:solidFill>
@@ -15741,14 +16078,14 @@
           <p:nvPr>
             <p:extLst>
               <p:ext uri="{D42A27DB-BD31-4B8C-83A1-F6EECF244321}">
-                <p14:modId xmlns:p14="http://schemas.microsoft.com/office/powerpoint/2010/main" val="139831676"/>
+                <p14:modId xmlns:p14="http://schemas.microsoft.com/office/powerpoint/2010/main" val="1182580217"/>
               </p:ext>
             </p:extLst>
           </p:nvPr>
         </p:nvGraphicFramePr>
         <p:xfrm>
-          <a:off x="2394893" y="272480"/>
-          <a:ext cx="2690277" cy="560020"/>
+          <a:off x="2852938" y="272480"/>
+          <a:ext cx="2402258" cy="560020"/>
         </p:xfrm>
         <a:graphic>
           <a:graphicData uri="http://schemas.openxmlformats.org/drawingml/2006/table">
@@ -15757,28 +16094,28 @@
                 <a:tableStyleId>{073A0DAA-6AF3-43AB-8588-CEC1D06C72B9}</a:tableStyleId>
               </a:tblPr>
               <a:tblGrid>
-                <a:gridCol w="748391">
+                <a:gridCol w="668269">
                   <a:extLst>
                     <a:ext uri="{9D8B030D-6E8A-4147-A177-3AD203B41FA5}">
                       <a16:colId xmlns:a16="http://schemas.microsoft.com/office/drawing/2014/main" val="1697269629"/>
                     </a:ext>
                   </a:extLst>
                 </a:gridCol>
-                <a:gridCol w="717764">
+                <a:gridCol w="697683">
                   <a:extLst>
                     <a:ext uri="{9D8B030D-6E8A-4147-A177-3AD203B41FA5}">
                       <a16:colId xmlns:a16="http://schemas.microsoft.com/office/drawing/2014/main" val="219674215"/>
                     </a:ext>
                   </a:extLst>
                 </a:gridCol>
-                <a:gridCol w="864096">
+                <a:gridCol w="860044">
                   <a:extLst>
                     <a:ext uri="{9D8B030D-6E8A-4147-A177-3AD203B41FA5}">
                       <a16:colId xmlns:a16="http://schemas.microsoft.com/office/drawing/2014/main" val="3215726334"/>
                     </a:ext>
                   </a:extLst>
                 </a:gridCol>
-                <a:gridCol w="360026">
+                <a:gridCol w="176262">
                   <a:extLst>
                     <a:ext uri="{9D8B030D-6E8A-4147-A177-3AD203B41FA5}">
                       <a16:colId xmlns:a16="http://schemas.microsoft.com/office/drawing/2014/main" val="2895665170"/>
@@ -15883,7 +16220,7 @@
                     <a:p>
                       <a:r>
                         <a:rPr lang="de-DE" sz="700" dirty="0"/>
-                        <a:t>0.374</a:t>
+                        <a:t>0.42</a:t>
                       </a:r>
                     </a:p>
                   </a:txBody>
@@ -15940,7 +16277,7 @@
                     <a:p>
                       <a:r>
                         <a:rPr lang="de-DE" sz="700" dirty="0"/>
-                        <a:t>0.322</a:t>
+                        <a:t>0.30</a:t>
                       </a:r>
                     </a:p>
                   </a:txBody>
@@ -16037,13 +16374,13 @@
           <p:nvPr>
             <p:extLst>
               <p:ext uri="{D42A27DB-BD31-4B8C-83A1-F6EECF244321}">
-                <p14:modId xmlns:p14="http://schemas.microsoft.com/office/powerpoint/2010/main" val="1784591346"/>
+                <p14:modId xmlns:p14="http://schemas.microsoft.com/office/powerpoint/2010/main" val="792337630"/>
               </p:ext>
             </p:extLst>
           </p:nvPr>
         </p:nvGraphicFramePr>
         <p:xfrm>
-          <a:off x="2394892" y="1000418"/>
+          <a:off x="2852936" y="1000418"/>
           <a:ext cx="2402245" cy="700025"/>
         </p:xfrm>
         <a:graphic>
@@ -16153,7 +16490,15 @@
                     <a:p>
                       <a:r>
                         <a:rPr lang="de-DE" sz="700" dirty="0" err="1"/>
-                        <a:t>Agonum_ericeti</a:t>
+                        <a:t>Agonum</a:t>
+                      </a:r>
+                      <a:r>
+                        <a:rPr lang="de-DE" sz="700" dirty="0"/>
+                        <a:t> </a:t>
+                      </a:r>
+                      <a:r>
+                        <a:rPr lang="de-DE" sz="700" dirty="0" err="1"/>
+                        <a:t>ericeti</a:t>
                       </a:r>
                       <a:endParaRPr lang="de-DE" sz="700" dirty="0"/>
                     </a:p>
@@ -16198,7 +16543,7 @@
                       </a:pPr>
                       <a:r>
                         <a:rPr lang="de-DE" sz="700" dirty="0"/>
-                        <a:t>0.587</a:t>
+                        <a:t>5.87</a:t>
                       </a:r>
                     </a:p>
                   </a:txBody>
@@ -16211,7 +16556,7 @@
                     <a:p>
                       <a:r>
                         <a:rPr lang="de-DE" sz="700" dirty="0"/>
-                        <a:t>cm</a:t>
+                        <a:t>mm</a:t>
                       </a:r>
                     </a:p>
                   </a:txBody>
@@ -16231,7 +16576,15 @@
                     <a:p>
                       <a:r>
                         <a:rPr lang="de-DE" sz="700" dirty="0" err="1"/>
-                        <a:t>Agonum_ericeti</a:t>
+                        <a:t>Agonum</a:t>
+                      </a:r>
+                      <a:r>
+                        <a:rPr lang="de-DE" sz="700" dirty="0"/>
+                        <a:t> </a:t>
+                      </a:r>
+                      <a:r>
+                        <a:rPr lang="de-DE" sz="700" dirty="0" err="1"/>
+                        <a:t>ericeti</a:t>
                       </a:r>
                       <a:endParaRPr lang="de-DE" sz="700" dirty="0"/>
                     </a:p>
@@ -16293,7 +16646,7 @@
                       </a:pPr>
                       <a:r>
                         <a:rPr lang="de-DE" sz="700" dirty="0"/>
-                        <a:t>0.374</a:t>
+                        <a:t>4.2</a:t>
                       </a:r>
                     </a:p>
                   </a:txBody>
@@ -16306,7 +16659,7 @@
                     <a:p>
                       <a:r>
                         <a:rPr lang="de-DE" sz="700" dirty="0"/>
-                        <a:t>cm</a:t>
+                        <a:t>mm</a:t>
                       </a:r>
                     </a:p>
                   </a:txBody>
@@ -16326,7 +16679,15 @@
                     <a:p>
                       <a:r>
                         <a:rPr lang="de-DE" sz="700" dirty="0" err="1"/>
-                        <a:t>Agonum_gracilis</a:t>
+                        <a:t>Agonum</a:t>
+                      </a:r>
+                      <a:r>
+                        <a:rPr lang="de-DE" sz="700" dirty="0"/>
+                        <a:t> </a:t>
+                      </a:r>
+                      <a:r>
+                        <a:rPr lang="de-DE" sz="700" dirty="0" err="1"/>
+                        <a:t>gracile</a:t>
                       </a:r>
                       <a:endParaRPr lang="de-DE" sz="700" dirty="0"/>
                     </a:p>
@@ -16388,7 +16749,7 @@
                       </a:pPr>
                       <a:r>
                         <a:rPr lang="de-DE" sz="700" dirty="0"/>
-                        <a:t>0.480</a:t>
+                        <a:t>4.80</a:t>
                       </a:r>
                     </a:p>
                   </a:txBody>
@@ -16401,7 +16762,7 @@
                     <a:p>
                       <a:r>
                         <a:rPr lang="de-DE" sz="700" dirty="0"/>
-                        <a:t>cm</a:t>
+                        <a:t>mm</a:t>
                       </a:r>
                     </a:p>
                   </a:txBody>
@@ -16491,14 +16852,14 @@
           <p:nvPr>
             <p:extLst>
               <p:ext uri="{D42A27DB-BD31-4B8C-83A1-F6EECF244321}">
-                <p14:modId xmlns:p14="http://schemas.microsoft.com/office/powerpoint/2010/main" val="3184258682"/>
+                <p14:modId xmlns:p14="http://schemas.microsoft.com/office/powerpoint/2010/main" val="3729122633"/>
               </p:ext>
             </p:extLst>
           </p:nvPr>
         </p:nvGraphicFramePr>
         <p:xfrm>
-          <a:off x="710695" y="1966478"/>
-          <a:ext cx="5886657" cy="854759"/>
+          <a:off x="350658" y="1966478"/>
+          <a:ext cx="6372708" cy="854759"/>
         </p:xfrm>
         <a:graphic>
           <a:graphicData uri="http://schemas.openxmlformats.org/drawingml/2006/table">
@@ -16507,56 +16868,56 @@
                 <a:tableStyleId>{073A0DAA-6AF3-43AB-8588-CEC1D06C72B9}</a:tableStyleId>
               </a:tblPr>
               <a:tblGrid>
-                <a:gridCol w="804524">
+                <a:gridCol w="990110">
                   <a:extLst>
                     <a:ext uri="{9D8B030D-6E8A-4147-A177-3AD203B41FA5}">
                       <a16:colId xmlns:a16="http://schemas.microsoft.com/office/drawing/2014/main" val="1697269629"/>
                     </a:ext>
                   </a:extLst>
                 </a:gridCol>
-                <a:gridCol w="704738">
+                <a:gridCol w="792088">
                   <a:extLst>
                     <a:ext uri="{9D8B030D-6E8A-4147-A177-3AD203B41FA5}">
                       <a16:colId xmlns:a16="http://schemas.microsoft.com/office/drawing/2014/main" val="219674215"/>
                     </a:ext>
                   </a:extLst>
                 </a:gridCol>
-                <a:gridCol w="587281">
+                <a:gridCol w="792088">
                   <a:extLst>
                     <a:ext uri="{9D8B030D-6E8A-4147-A177-3AD203B41FA5}">
                       <a16:colId xmlns:a16="http://schemas.microsoft.com/office/drawing/2014/main" val="3215726334"/>
                     </a:ext>
                   </a:extLst>
                 </a:gridCol>
-                <a:gridCol w="587281">
+                <a:gridCol w="792088">
                   <a:extLst>
                     <a:ext uri="{9D8B030D-6E8A-4147-A177-3AD203B41FA5}">
                       <a16:colId xmlns:a16="http://schemas.microsoft.com/office/drawing/2014/main" val="2895665170"/>
                     </a:ext>
                   </a:extLst>
                 </a:gridCol>
-                <a:gridCol w="1222899">
+                <a:gridCol w="1080120">
                   <a:extLst>
                     <a:ext uri="{9D8B030D-6E8A-4147-A177-3AD203B41FA5}">
                       <a16:colId xmlns:a16="http://schemas.microsoft.com/office/drawing/2014/main" val="1208448622"/>
                     </a:ext>
                   </a:extLst>
                 </a:gridCol>
-                <a:gridCol w="629783">
+                <a:gridCol w="648072">
                   <a:extLst>
                     <a:ext uri="{9D8B030D-6E8A-4147-A177-3AD203B41FA5}">
                       <a16:colId xmlns:a16="http://schemas.microsoft.com/office/drawing/2014/main" val="2067839206"/>
                     </a:ext>
                   </a:extLst>
                 </a:gridCol>
-                <a:gridCol w="767817">
+                <a:gridCol w="720080">
                   <a:extLst>
                     <a:ext uri="{9D8B030D-6E8A-4147-A177-3AD203B41FA5}">
                       <a16:colId xmlns:a16="http://schemas.microsoft.com/office/drawing/2014/main" val="3500473864"/>
                     </a:ext>
                   </a:extLst>
                 </a:gridCol>
-                <a:gridCol w="582334">
+                <a:gridCol w="558062">
                   <a:extLst>
                     <a:ext uri="{9D8B030D-6E8A-4147-A177-3AD203B41FA5}">
                       <a16:colId xmlns:a16="http://schemas.microsoft.com/office/drawing/2014/main" val="3209219977"/>
@@ -16572,7 +16933,7 @@
                     <a:p>
                       <a:r>
                         <a:rPr lang="de-DE" sz="700" dirty="0" err="1"/>
-                        <a:t>scientificNameStd</a:t>
+                        <a:t>verbatimScientificName</a:t>
                       </a:r>
                       <a:endParaRPr lang="de-DE" sz="700" dirty="0"/>
                     </a:p>
@@ -16593,7 +16954,7 @@
                     <a:p>
                       <a:r>
                         <a:rPr lang="de-DE" sz="700" dirty="0" err="1"/>
-                        <a:t>traitNameStd</a:t>
+                        <a:t>verbatimTraitName</a:t>
                       </a:r>
                       <a:endParaRPr lang="de-DE" sz="700" dirty="0"/>
                     </a:p>
@@ -16614,7 +16975,7 @@
                     <a:p>
                       <a:r>
                         <a:rPr lang="de-DE" sz="700" dirty="0" err="1"/>
-                        <a:t>traitValueStd</a:t>
+                        <a:t>verbatimTraitValue</a:t>
                       </a:r>
                       <a:endParaRPr lang="de-DE" sz="700" dirty="0"/>
                     </a:p>
@@ -16635,7 +16996,7 @@
                     <a:p>
                       <a:r>
                         <a:rPr lang="de-DE" sz="700" dirty="0" err="1"/>
-                        <a:t>traitUnitStd</a:t>
+                        <a:t>verbatimTraitUnit</a:t>
                       </a:r>
                       <a:endParaRPr lang="de-DE" sz="700" dirty="0"/>
                     </a:p>
@@ -16744,15 +17105,7 @@
                     <a:p>
                       <a:r>
                         <a:rPr lang="de-DE" sz="700" dirty="0" err="1"/>
-                        <a:t>Agonum</a:t>
-                      </a:r>
-                      <a:r>
-                        <a:rPr lang="de-DE" sz="700" dirty="0"/>
-                        <a:t> </a:t>
-                      </a:r>
-                      <a:r>
-                        <a:rPr lang="de-DE" sz="700" dirty="0" err="1"/>
-                        <a:t>ericeti</a:t>
+                        <a:t>Agonum_ericeti</a:t>
                       </a:r>
                       <a:endParaRPr lang="de-DE" sz="700" dirty="0"/>
                     </a:p>
@@ -16797,7 +17150,7 @@
                       </a:pPr>
                       <a:r>
                         <a:rPr lang="de-DE" sz="700" dirty="0"/>
-                        <a:t>5.87</a:t>
+                        <a:t>0.587</a:t>
                       </a:r>
                     </a:p>
                   </a:txBody>
@@ -16810,7 +17163,7 @@
                     <a:p>
                       <a:r>
                         <a:rPr lang="de-DE" sz="700" dirty="0"/>
-                        <a:t>mm</a:t>
+                        <a:t>cm</a:t>
                       </a:r>
                     </a:p>
                   </a:txBody>
@@ -16847,7 +17200,15 @@
                     <a:p>
                       <a:r>
                         <a:rPr lang="de-DE" sz="500" dirty="0"/>
-                        <a:t>http://www.gbif.org/species/5755044</a:t>
+                        <a:t>http://www.gbif.org/ </a:t>
+                      </a:r>
+                      <a:r>
+                        <a:rPr lang="de-DE" sz="500" dirty="0" err="1"/>
+                        <a:t>species</a:t>
+                      </a:r>
+                      <a:r>
+                        <a:rPr lang="de-DE" sz="500" dirty="0"/>
+                        <a:t>/5755044</a:t>
                       </a:r>
                     </a:p>
                   </a:txBody>
@@ -16893,15 +17254,7 @@
                     <a:p>
                       <a:r>
                         <a:rPr lang="de-DE" sz="700" dirty="0" err="1"/>
-                        <a:t>Agonum</a:t>
-                      </a:r>
-                      <a:r>
-                        <a:rPr lang="de-DE" sz="700" dirty="0"/>
-                        <a:t> </a:t>
-                      </a:r>
-                      <a:r>
-                        <a:rPr lang="de-DE" sz="700" dirty="0" err="1"/>
-                        <a:t>ericeti</a:t>
+                        <a:t>Agonum_ericeti</a:t>
                       </a:r>
                       <a:endParaRPr lang="de-DE" sz="700" dirty="0"/>
                     </a:p>
@@ -16963,7 +17316,7 @@
                       </a:pPr>
                       <a:r>
                         <a:rPr lang="de-DE" sz="700" dirty="0"/>
-                        <a:t>3.74</a:t>
+                        <a:t>0.42</a:t>
                       </a:r>
                     </a:p>
                   </a:txBody>
@@ -16976,7 +17329,7 @@
                     <a:p>
                       <a:r>
                         <a:rPr lang="de-DE" sz="700" dirty="0"/>
-                        <a:t>mm</a:t>
+                        <a:t>cm</a:t>
                       </a:r>
                     </a:p>
                   </a:txBody>
@@ -17005,7 +17358,7 @@
                         <a:defRPr/>
                       </a:pPr>
                       <a:r>
-                        <a:rPr kumimoji="0" lang="de-DE" sz="500" b="0" i="0" u="none" strike="noStrike" kern="1200" cap="none" spc="0" normalizeH="0" baseline="0" noProof="0" dirty="0">
+                        <a:rPr kumimoji="0" lang="de-DE" sz="500" b="0" i="0" u="none" strike="noStrike" kern="1200" cap="none" spc="-10" normalizeH="0" baseline="0" noProof="0" dirty="0">
                           <a:ln>
                             <a:noFill/>
                           </a:ln>
@@ -17022,7 +17375,7 @@
                         <a:t>http://t-sita.cesab.org/</a:t>
                       </a:r>
                       <a:br>
-                        <a:rPr kumimoji="0" lang="de-DE" sz="500" b="0" i="0" u="none" strike="noStrike" kern="1200" cap="none" spc="0" normalizeH="0" baseline="0" noProof="0" dirty="0">
+                        <a:rPr kumimoji="0" lang="de-DE" sz="500" b="0" i="0" u="none" strike="noStrike" kern="1200" cap="none" spc="-10" normalizeH="0" baseline="0" noProof="0" dirty="0">
                           <a:ln>
                             <a:noFill/>
                           </a:ln>
@@ -17038,7 +17391,7 @@
                         </a:rPr>
                       </a:br>
                       <a:r>
-                        <a:rPr kumimoji="0" lang="de-DE" sz="500" b="0" i="0" u="none" strike="noStrike" kern="1200" cap="none" spc="0" normalizeH="0" baseline="0" noProof="0" dirty="0" err="1">
+                        <a:rPr kumimoji="0" lang="de-DE" sz="500" b="0" i="0" u="none" strike="noStrike" kern="1200" cap="none" spc="-10" normalizeH="0" baseline="0" noProof="0" dirty="0" err="1">
                           <a:ln>
                             <a:noFill/>
                           </a:ln>
@@ -17055,7 +17408,7 @@
                         <a:t>BETSI_vizInfo.jsp?trait</a:t>
                       </a:r>
                       <a:r>
-                        <a:rPr kumimoji="0" lang="de-DE" sz="500" b="0" i="0" u="none" strike="noStrike" kern="1200" cap="none" spc="0" normalizeH="0" baseline="0" noProof="0" dirty="0">
+                        <a:rPr kumimoji="0" lang="de-DE" sz="500" b="0" i="0" u="none" strike="noStrike" kern="1200" cap="none" spc="-10" normalizeH="0" baseline="0" noProof="0" dirty="0">
                           <a:ln>
                             <a:noFill/>
                           </a:ln>
@@ -17072,7 +17425,7 @@
                         <a:t>=</a:t>
                       </a:r>
                       <a:r>
-                        <a:rPr kumimoji="0" lang="de-DE" sz="500" b="0" i="0" u="none" strike="noStrike" kern="1200" cap="none" spc="0" normalizeH="0" baseline="0" noProof="0" dirty="0" err="1">
+                        <a:rPr kumimoji="0" lang="de-DE" sz="500" b="0" i="0" u="none" strike="noStrike" kern="1200" cap="none" spc="-10" normalizeH="0" baseline="0" noProof="0" dirty="0" err="1">
                           <a:ln>
                             <a:noFill/>
                           </a:ln>
@@ -17088,7 +17441,7 @@
                         </a:rPr>
                         <a:t>Antenna_length</a:t>
                       </a:r>
-                      <a:endParaRPr kumimoji="0" lang="de-DE" sz="500" b="0" i="0" u="none" strike="noStrike" kern="1200" cap="none" spc="0" normalizeH="0" baseline="0" noProof="0" dirty="0">
+                      <a:endParaRPr kumimoji="0" lang="de-DE" sz="500" b="0" i="0" u="none" strike="noStrike" kern="1200" cap="none" spc="-10" normalizeH="0" baseline="0" noProof="0" dirty="0">
                         <a:ln>
                           <a:noFill/>
                         </a:ln>
@@ -17130,7 +17483,15 @@
                       </a:pPr>
                       <a:r>
                         <a:rPr lang="de-DE" sz="500" dirty="0"/>
-                        <a:t>http://www.gbif.org/species/5755044</a:t>
+                        <a:t>http://www.gbif.org/ </a:t>
+                      </a:r>
+                      <a:r>
+                        <a:rPr lang="de-DE" sz="500" dirty="0" err="1"/>
+                        <a:t>species</a:t>
+                      </a:r>
+                      <a:r>
+                        <a:rPr lang="de-DE" sz="500" dirty="0"/>
+                        <a:t>/5755044</a:t>
                       </a:r>
                     </a:p>
                   </a:txBody>
@@ -17156,7 +17517,7 @@
                     <a:p>
                       <a:r>
                         <a:rPr lang="de-DE" sz="700" dirty="0"/>
-                        <a:t>001</a:t>
+                        <a:t>NA</a:t>
                       </a:r>
                     </a:p>
                   </a:txBody>
@@ -17176,15 +17537,7 @@
                     <a:p>
                       <a:r>
                         <a:rPr lang="de-DE" sz="700" dirty="0" err="1"/>
-                        <a:t>Agonum</a:t>
-                      </a:r>
-                      <a:r>
-                        <a:rPr lang="de-DE" sz="700" dirty="0"/>
-                        <a:t> </a:t>
-                      </a:r>
-                      <a:r>
-                        <a:rPr lang="de-DE" sz="700" dirty="0" err="1"/>
-                        <a:t>gracile</a:t>
+                        <a:t>Agonum_gracilis</a:t>
                       </a:r>
                       <a:endParaRPr lang="de-DE" sz="700" dirty="0"/>
                     </a:p>
@@ -17246,7 +17599,7 @@
                       </a:pPr>
                       <a:r>
                         <a:rPr lang="de-DE" sz="700" dirty="0"/>
-                        <a:t>4.80</a:t>
+                        <a:t>0.480</a:t>
                       </a:r>
                     </a:p>
                   </a:txBody>
@@ -17259,7 +17612,7 @@
                     <a:p>
                       <a:r>
                         <a:rPr lang="de-DE" sz="700" dirty="0"/>
-                        <a:t>mm</a:t>
+                        <a:t>cm</a:t>
                       </a:r>
                     </a:p>
                   </a:txBody>
@@ -17396,7 +17749,15 @@
                     <a:p>
                       <a:r>
                         <a:rPr lang="de-DE" sz="500" dirty="0"/>
-                        <a:t>http://www.gbif.org/species/5755080</a:t>
+                        <a:t>http://www.gbif.org/ </a:t>
+                      </a:r>
+                      <a:r>
+                        <a:rPr lang="de-DE" sz="500" dirty="0" err="1"/>
+                        <a:t>species</a:t>
+                      </a:r>
+                      <a:r>
+                        <a:rPr lang="de-DE" sz="500" dirty="0"/>
+                        <a:t>/5755080</a:t>
                       </a:r>
                     </a:p>
                   </a:txBody>
@@ -17559,11 +17920,7 @@
             <a:graphicFrameLocks noGrp="1"/>
           </p:cNvGraphicFramePr>
           <p:nvPr>
-            <p:extLst>
-              <p:ext uri="{D42A27DB-BD31-4B8C-83A1-F6EECF244321}">
-                <p14:modId xmlns:p14="http://schemas.microsoft.com/office/powerpoint/2010/main" val="388547689"/>
-              </p:ext>
-            </p:extLst>
+            <p:extLst/>
           </p:nvPr>
         </p:nvGraphicFramePr>
         <p:xfrm>
@@ -18095,11 +18452,7 @@
             <a:graphicFrameLocks noGrp="1"/>
           </p:cNvGraphicFramePr>
           <p:nvPr>
-            <p:extLst>
-              <p:ext uri="{D42A27DB-BD31-4B8C-83A1-F6EECF244321}">
-                <p14:modId xmlns:p14="http://schemas.microsoft.com/office/powerpoint/2010/main" val="748311336"/>
-              </p:ext>
-            </p:extLst>
+            <p:extLst/>
           </p:nvPr>
         </p:nvGraphicFramePr>
         <p:xfrm>
@@ -18777,11 +19130,7 @@
             <a:graphicFrameLocks noGrp="1"/>
           </p:cNvGraphicFramePr>
           <p:nvPr>
-            <p:extLst>
-              <p:ext uri="{D42A27DB-BD31-4B8C-83A1-F6EECF244321}">
-                <p14:modId xmlns:p14="http://schemas.microsoft.com/office/powerpoint/2010/main" val="3826431230"/>
-              </p:ext>
-            </p:extLst>
+            <p:extLst/>
           </p:nvPr>
         </p:nvGraphicFramePr>
         <p:xfrm>
@@ -19244,7 +19593,7 @@
     </p:spTree>
     <p:extLst>
       <p:ext uri="{BB962C8B-B14F-4D97-AF65-F5344CB8AC3E}">
-        <p14:creationId xmlns:p14="http://schemas.microsoft.com/office/powerpoint/2010/main" val="3010396467"/>
+        <p14:creationId xmlns:p14="http://schemas.microsoft.com/office/powerpoint/2010/main" val="1077776517"/>
       </p:ext>
     </p:extLst>
   </p:cSld>

--- a/manuscript/figures/figures.pptx
+++ b/manuscript/figures/figures.pptx
@@ -308,7 +308,7 @@
           <a:p>
             <a:fld id="{0ACB0EB2-4780-487C-B2C2-8D0796C04687}" type="datetimeFigureOut">
               <a:rPr lang="en-US" smtClean="0"/>
-              <a:t>3/21/2019</a:t>
+              <a:t>3/29/2019</a:t>
             </a:fld>
             <a:endParaRPr lang="en-US"/>
           </a:p>
@@ -478,7 +478,7 @@
           <a:p>
             <a:fld id="{0ACB0EB2-4780-487C-B2C2-8D0796C04687}" type="datetimeFigureOut">
               <a:rPr lang="en-US" smtClean="0"/>
-              <a:t>3/21/2019</a:t>
+              <a:t>3/29/2019</a:t>
             </a:fld>
             <a:endParaRPr lang="en-US"/>
           </a:p>
@@ -658,7 +658,7 @@
           <a:p>
             <a:fld id="{0ACB0EB2-4780-487C-B2C2-8D0796C04687}" type="datetimeFigureOut">
               <a:rPr lang="en-US" smtClean="0"/>
-              <a:t>3/21/2019</a:t>
+              <a:t>3/29/2019</a:t>
             </a:fld>
             <a:endParaRPr lang="en-US"/>
           </a:p>
@@ -828,7 +828,7 @@
           <a:p>
             <a:fld id="{0ACB0EB2-4780-487C-B2C2-8D0796C04687}" type="datetimeFigureOut">
               <a:rPr lang="en-US" smtClean="0"/>
-              <a:t>3/21/2019</a:t>
+              <a:t>3/29/2019</a:t>
             </a:fld>
             <a:endParaRPr lang="en-US"/>
           </a:p>
@@ -1074,7 +1074,7 @@
           <a:p>
             <a:fld id="{0ACB0EB2-4780-487C-B2C2-8D0796C04687}" type="datetimeFigureOut">
               <a:rPr lang="en-US" smtClean="0"/>
-              <a:t>3/21/2019</a:t>
+              <a:t>3/29/2019</a:t>
             </a:fld>
             <a:endParaRPr lang="en-US"/>
           </a:p>
@@ -1362,7 +1362,7 @@
           <a:p>
             <a:fld id="{0ACB0EB2-4780-487C-B2C2-8D0796C04687}" type="datetimeFigureOut">
               <a:rPr lang="en-US" smtClean="0"/>
-              <a:t>3/21/2019</a:t>
+              <a:t>3/29/2019</a:t>
             </a:fld>
             <a:endParaRPr lang="en-US"/>
           </a:p>
@@ -1784,7 +1784,7 @@
           <a:p>
             <a:fld id="{0ACB0EB2-4780-487C-B2C2-8D0796C04687}" type="datetimeFigureOut">
               <a:rPr lang="en-US" smtClean="0"/>
-              <a:t>3/21/2019</a:t>
+              <a:t>3/29/2019</a:t>
             </a:fld>
             <a:endParaRPr lang="en-US"/>
           </a:p>
@@ -1902,7 +1902,7 @@
           <a:p>
             <a:fld id="{0ACB0EB2-4780-487C-B2C2-8D0796C04687}" type="datetimeFigureOut">
               <a:rPr lang="en-US" smtClean="0"/>
-              <a:t>3/21/2019</a:t>
+              <a:t>3/29/2019</a:t>
             </a:fld>
             <a:endParaRPr lang="en-US"/>
           </a:p>
@@ -1997,7 +1997,7 @@
           <a:p>
             <a:fld id="{0ACB0EB2-4780-487C-B2C2-8D0796C04687}" type="datetimeFigureOut">
               <a:rPr lang="en-US" smtClean="0"/>
-              <a:t>3/21/2019</a:t>
+              <a:t>3/29/2019</a:t>
             </a:fld>
             <a:endParaRPr lang="en-US"/>
           </a:p>
@@ -2274,7 +2274,7 @@
           <a:p>
             <a:fld id="{0ACB0EB2-4780-487C-B2C2-8D0796C04687}" type="datetimeFigureOut">
               <a:rPr lang="en-US" smtClean="0"/>
-              <a:t>3/21/2019</a:t>
+              <a:t>3/29/2019</a:t>
             </a:fld>
             <a:endParaRPr lang="en-US"/>
           </a:p>
@@ -2527,7 +2527,7 @@
           <a:p>
             <a:fld id="{0ACB0EB2-4780-487C-B2C2-8D0796C04687}" type="datetimeFigureOut">
               <a:rPr lang="en-US" smtClean="0"/>
-              <a:t>3/21/2019</a:t>
+              <a:t>3/29/2019</a:t>
             </a:fld>
             <a:endParaRPr lang="en-US"/>
           </a:p>
@@ -2740,7 +2740,7 @@
           <a:p>
             <a:fld id="{0ACB0EB2-4780-487C-B2C2-8D0796C04687}" type="datetimeFigureOut">
               <a:rPr lang="en-US" smtClean="0"/>
-              <a:t>3/21/2019</a:t>
+              <a:t>3/29/2019</a:t>
             </a:fld>
             <a:endParaRPr lang="en-US"/>
           </a:p>
@@ -14904,7 +14904,7 @@
                 </a:solidFill>
                 <a:latin typeface="Calibri"/>
               </a:rPr>
-              <a:t>Original names and unambiguous URIs</a:t>
+              <a:t>c) Original names and unambiguous URIs</a:t>
             </a:r>
           </a:p>
           <a:p>
@@ -15068,7 +15068,7 @@
                 </a:solidFill>
                 <a:latin typeface="Calibri"/>
               </a:rPr>
-              <a:t>Core observation table </a:t>
+              <a:t>b) Core observation table </a:t>
             </a:r>
             <a:br>
               <a:rPr lang="en-US" sz="1050" b="1" dirty="0">
@@ -15387,7 +15387,7 @@
                 </a:solidFill>
                 <a:latin typeface="Calibri"/>
               </a:rPr>
-              <a:t>Extensions</a:t>
+              <a:t>d) Extensions</a:t>
             </a:r>
             <a:br>
               <a:rPr lang="en-US" sz="1050" b="1" dirty="0">
@@ -16025,7 +16025,7 @@
                 </a:solidFill>
                 <a:latin typeface="Calibri"/>
               </a:rPr>
-              <a:t>Species </a:t>
+              <a:t>a) Species </a:t>
             </a:r>
             <a:r>
               <a:rPr lang="en-US" sz="1200" dirty="0">
